--- a/Lab7_ICTesting/PPT/FinalReview/DesignReview_Lab3_Mingjie_Chengming.pptx
+++ b/Lab7_ICTesting/PPT/FinalReview/DesignReview_Lab3_Mingjie_Chengming.pptx
@@ -5,10 +5,10 @@
     <p:sldMasterId id="2147483648" r:id="rId4"/>
   </p:sldMasterIdLst>
   <p:notesMasterIdLst>
-    <p:notesMasterId r:id="rId23"/>
+    <p:notesMasterId r:id="rId31"/>
   </p:notesMasterIdLst>
   <p:handoutMasterIdLst>
-    <p:handoutMasterId r:id="rId24"/>
+    <p:handoutMasterId r:id="rId32"/>
   </p:handoutMasterIdLst>
   <p:sldIdLst>
     <p:sldId id="494" r:id="rId5"/>
@@ -24,11 +24,19 @@
     <p:sldId id="641" r:id="rId15"/>
     <p:sldId id="646" r:id="rId16"/>
     <p:sldId id="651" r:id="rId17"/>
-    <p:sldId id="632" r:id="rId18"/>
-    <p:sldId id="650" r:id="rId19"/>
-    <p:sldId id="648" r:id="rId20"/>
-    <p:sldId id="649" r:id="rId21"/>
-    <p:sldId id="647" r:id="rId22"/>
+    <p:sldId id="652" r:id="rId18"/>
+    <p:sldId id="632" r:id="rId19"/>
+    <p:sldId id="650" r:id="rId20"/>
+    <p:sldId id="653" r:id="rId21"/>
+    <p:sldId id="648" r:id="rId22"/>
+    <p:sldId id="649" r:id="rId23"/>
+    <p:sldId id="654" r:id="rId24"/>
+    <p:sldId id="647" r:id="rId25"/>
+    <p:sldId id="655" r:id="rId26"/>
+    <p:sldId id="656" r:id="rId27"/>
+    <p:sldId id="658" r:id="rId28"/>
+    <p:sldId id="657" r:id="rId29"/>
+    <p:sldId id="659" r:id="rId30"/>
   </p:sldIdLst>
   <p:sldSz cx="12192000" cy="6858000"/>
   <p:notesSz cx="6858000" cy="9144000"/>
@@ -145,11 +153,19 @@
             <p14:sldId id="641"/>
             <p14:sldId id="646"/>
             <p14:sldId id="651"/>
+            <p14:sldId id="652"/>
             <p14:sldId id="632"/>
             <p14:sldId id="650"/>
+            <p14:sldId id="653"/>
             <p14:sldId id="648"/>
             <p14:sldId id="649"/>
+            <p14:sldId id="654"/>
             <p14:sldId id="647"/>
+            <p14:sldId id="655"/>
+            <p14:sldId id="656"/>
+            <p14:sldId id="658"/>
+            <p14:sldId id="657"/>
+            <p14:sldId id="659"/>
           </p14:sldIdLst>
         </p14:section>
       </p14:sectionLst>
@@ -209,7 +225,7 @@
 <file path=ppt/revisionInfo.xml><?xml version="1.0" encoding="utf-8"?>
 <p1510:revInfo xmlns:a="http://schemas.openxmlformats.org/drawingml/2006/main" xmlns:r="http://schemas.openxmlformats.org/officeDocument/2006/relationships" xmlns:p1510="http://schemas.microsoft.com/office/powerpoint/2015/10/main">
   <p1510:revLst>
-    <p1510:client id="{EEA1446C-DC9F-476E-9FA1-A69FF84D40BA}" v="96" dt="2024-12-03T07:00:22.784"/>
+    <p1510:client id="{EEA1446C-DC9F-476E-9FA1-A69FF84D40BA}" v="373" dt="2024-12-03T08:36:49.584"/>
   </p1510:revLst>
 </p1510:revInfo>
 </file>
@@ -273,7 +289,7 @@
   <pc:docChgLst>
     <pc:chgData name="Chengming Li" userId="fe40599d2c97df8f" providerId="LiveId" clId="{EEA1446C-DC9F-476E-9FA1-A69FF84D40BA}"/>
     <pc:docChg chg="undo custSel addSld delSld modSld sldOrd modSection">
-      <pc:chgData name="Chengming Li" userId="fe40599d2c97df8f" providerId="LiveId" clId="{EEA1446C-DC9F-476E-9FA1-A69FF84D40BA}" dt="2024-12-03T07:04:33.259" v="2182"/>
+      <pc:chgData name="Chengming Li" userId="fe40599d2c97df8f" providerId="LiveId" clId="{EEA1446C-DC9F-476E-9FA1-A69FF84D40BA}" dt="2024-12-03T08:37:41.216" v="4882" actId="14100"/>
       <pc:docMkLst>
         <pc:docMk/>
       </pc:docMkLst>
@@ -679,7 +695,7 @@
         </pc:picChg>
       </pc:sldChg>
       <pc:sldChg chg="modSp add mod">
-        <pc:chgData name="Chengming Li" userId="fe40599d2c97df8f" providerId="LiveId" clId="{EEA1446C-DC9F-476E-9FA1-A69FF84D40BA}" dt="2024-12-03T05:23:25.601" v="1301" actId="5793"/>
+        <pc:chgData name="Chengming Li" userId="fe40599d2c97df8f" providerId="LiveId" clId="{EEA1446C-DC9F-476E-9FA1-A69FF84D40BA}" dt="2024-12-03T08:35:38.689" v="4800" actId="20577"/>
         <pc:sldMkLst>
           <pc:docMk/>
           <pc:sldMk cId="1402935752" sldId="640"/>
@@ -693,7 +709,7 @@
           </ac:spMkLst>
         </pc:spChg>
         <pc:spChg chg="mod">
-          <ac:chgData name="Chengming Li" userId="fe40599d2c97df8f" providerId="LiveId" clId="{EEA1446C-DC9F-476E-9FA1-A69FF84D40BA}" dt="2024-12-03T05:23:25.601" v="1301" actId="5793"/>
+          <ac:chgData name="Chengming Li" userId="fe40599d2c97df8f" providerId="LiveId" clId="{EEA1446C-DC9F-476E-9FA1-A69FF84D40BA}" dt="2024-12-03T08:35:38.689" v="4800" actId="20577"/>
           <ac:spMkLst>
             <pc:docMk/>
             <pc:sldMk cId="1402935752" sldId="640"/>
@@ -805,7 +821,7 @@
         </pc:picChg>
       </pc:sldChg>
       <pc:sldChg chg="addSp delSp modSp add mod ord">
-        <pc:chgData name="Chengming Li" userId="fe40599d2c97df8f" providerId="LiveId" clId="{EEA1446C-DC9F-476E-9FA1-A69FF84D40BA}" dt="2024-12-03T05:31:33.279" v="1493" actId="1076"/>
+        <pc:chgData name="Chengming Li" userId="fe40599d2c97df8f" providerId="LiveId" clId="{EEA1446C-DC9F-476E-9FA1-A69FF84D40BA}" dt="2024-12-03T07:35:08.309" v="2690" actId="1076"/>
         <pc:sldMkLst>
           <pc:docMk/>
           <pc:sldMk cId="2680055088" sldId="642"/>
@@ -818,8 +834,16 @@
             <ac:spMk id="3" creationId="{209FDD13-961E-62BB-262E-466A082A0298}"/>
           </ac:spMkLst>
         </pc:spChg>
+        <pc:spChg chg="mod">
+          <ac:chgData name="Chengming Li" userId="fe40599d2c97df8f" providerId="LiveId" clId="{EEA1446C-DC9F-476E-9FA1-A69FF84D40BA}" dt="2024-12-03T07:34:23.689" v="2671" actId="14100"/>
+          <ac:spMkLst>
+            <pc:docMk/>
+            <pc:sldMk cId="2680055088" sldId="642"/>
+            <ac:spMk id="4" creationId="{FB3C4D53-6106-0F6B-8D20-6BBBA36FF44B}"/>
+          </ac:spMkLst>
+        </pc:spChg>
         <pc:spChg chg="add mod">
-          <ac:chgData name="Chengming Li" userId="fe40599d2c97df8f" providerId="LiveId" clId="{EEA1446C-DC9F-476E-9FA1-A69FF84D40BA}" dt="2024-12-03T05:31:33.279" v="1493" actId="1076"/>
+          <ac:chgData name="Chengming Li" userId="fe40599d2c97df8f" providerId="LiveId" clId="{EEA1446C-DC9F-476E-9FA1-A69FF84D40BA}" dt="2024-12-03T07:34:40.213" v="2677" actId="1076"/>
           <ac:spMkLst>
             <pc:docMk/>
             <pc:sldMk cId="2680055088" sldId="642"/>
@@ -827,7 +851,7 @@
           </ac:spMkLst>
         </pc:spChg>
         <pc:spChg chg="add mod">
-          <ac:chgData name="Chengming Li" userId="fe40599d2c97df8f" providerId="LiveId" clId="{EEA1446C-DC9F-476E-9FA1-A69FF84D40BA}" dt="2024-12-03T05:31:33.279" v="1493" actId="1076"/>
+          <ac:chgData name="Chengming Li" userId="fe40599d2c97df8f" providerId="LiveId" clId="{EEA1446C-DC9F-476E-9FA1-A69FF84D40BA}" dt="2024-12-03T07:35:03.481" v="2688" actId="14100"/>
           <ac:spMkLst>
             <pc:docMk/>
             <pc:sldMk cId="2680055088" sldId="642"/>
@@ -835,7 +859,7 @@
           </ac:spMkLst>
         </pc:spChg>
         <pc:spChg chg="add mod">
-          <ac:chgData name="Chengming Li" userId="fe40599d2c97df8f" providerId="LiveId" clId="{EEA1446C-DC9F-476E-9FA1-A69FF84D40BA}" dt="2024-12-03T05:31:33.279" v="1493" actId="1076"/>
+          <ac:chgData name="Chengming Li" userId="fe40599d2c97df8f" providerId="LiveId" clId="{EEA1446C-DC9F-476E-9FA1-A69FF84D40BA}" dt="2024-12-03T07:34:46.440" v="2679" actId="14100"/>
           <ac:spMkLst>
             <pc:docMk/>
             <pc:sldMk cId="2680055088" sldId="642"/>
@@ -843,7 +867,7 @@
           </ac:spMkLst>
         </pc:spChg>
         <pc:spChg chg="add mod">
-          <ac:chgData name="Chengming Li" userId="fe40599d2c97df8f" providerId="LiveId" clId="{EEA1446C-DC9F-476E-9FA1-A69FF84D40BA}" dt="2024-12-03T05:31:33.279" v="1493" actId="1076"/>
+          <ac:chgData name="Chengming Li" userId="fe40599d2c97df8f" providerId="LiveId" clId="{EEA1446C-DC9F-476E-9FA1-A69FF84D40BA}" dt="2024-12-03T07:34:58.683" v="2685" actId="404"/>
           <ac:spMkLst>
             <pc:docMk/>
             <pc:sldMk cId="2680055088" sldId="642"/>
@@ -867,11 +891,27 @@
           </ac:graphicFrameMkLst>
         </pc:graphicFrameChg>
         <pc:picChg chg="add mod">
-          <ac:chgData name="Chengming Li" userId="fe40599d2c97df8f" providerId="LiveId" clId="{EEA1446C-DC9F-476E-9FA1-A69FF84D40BA}" dt="2024-12-03T05:31:33.279" v="1493" actId="1076"/>
+          <ac:chgData name="Chengming Li" userId="fe40599d2c97df8f" providerId="LiveId" clId="{EEA1446C-DC9F-476E-9FA1-A69FF84D40BA}" dt="2024-12-03T07:34:43.125" v="2678" actId="14100"/>
           <ac:picMkLst>
             <pc:docMk/>
             <pc:sldMk cId="2680055088" sldId="642"/>
             <ac:picMk id="9" creationId="{D1506CA4-0CDD-8F3B-7F0F-90F6D736FDAF}"/>
+          </ac:picMkLst>
+        </pc:picChg>
+        <pc:picChg chg="add mod">
+          <ac:chgData name="Chengming Li" userId="fe40599d2c97df8f" providerId="LiveId" clId="{EEA1446C-DC9F-476E-9FA1-A69FF84D40BA}" dt="2024-12-03T07:34:11.859" v="2666"/>
+          <ac:picMkLst>
+            <pc:docMk/>
+            <pc:sldMk cId="2680055088" sldId="642"/>
+            <ac:picMk id="10" creationId="{E338A942-1F08-EB97-DEC7-44C405E3951F}"/>
+          </ac:picMkLst>
+        </pc:picChg>
+        <pc:picChg chg="add mod">
+          <ac:chgData name="Chengming Li" userId="fe40599d2c97df8f" providerId="LiveId" clId="{EEA1446C-DC9F-476E-9FA1-A69FF84D40BA}" dt="2024-12-03T07:35:08.309" v="2690" actId="1076"/>
+          <ac:picMkLst>
+            <pc:docMk/>
+            <pc:sldMk cId="2680055088" sldId="642"/>
+            <ac:picMk id="11" creationId="{3ADBDB52-12B2-153C-E178-23447D48D5AD}"/>
           </ac:picMkLst>
         </pc:picChg>
       </pc:sldChg>
@@ -960,7 +1000,7 @@
         </pc:spChg>
       </pc:sldChg>
       <pc:sldChg chg="addSp delSp modSp add mod">
-        <pc:chgData name="Chengming Li" userId="fe40599d2c97df8f" providerId="LiveId" clId="{EEA1446C-DC9F-476E-9FA1-A69FF84D40BA}" dt="2024-12-03T07:00:28.077" v="2170" actId="1076"/>
+        <pc:chgData name="Chengming Li" userId="fe40599d2c97df8f" providerId="LiveId" clId="{EEA1446C-DC9F-476E-9FA1-A69FF84D40BA}" dt="2024-12-03T08:08:37.044" v="3371" actId="1076"/>
         <pc:sldMkLst>
           <pc:docMk/>
           <pc:sldMk cId="2151178171" sldId="647"/>
@@ -973,6 +1013,14 @@
             <ac:spMk id="3" creationId="{629032E9-BDB7-62C2-3A23-0E1F09AA2DC6}"/>
           </ac:spMkLst>
         </pc:spChg>
+        <pc:graphicFrameChg chg="add mod modGraphic">
+          <ac:chgData name="Chengming Li" userId="fe40599d2c97df8f" providerId="LiveId" clId="{EEA1446C-DC9F-476E-9FA1-A69FF84D40BA}" dt="2024-12-03T08:08:37.044" v="3371" actId="1076"/>
+          <ac:graphicFrameMkLst>
+            <pc:docMk/>
+            <pc:sldMk cId="2151178171" sldId="647"/>
+            <ac:graphicFrameMk id="4" creationId="{AB952886-5076-C5CB-2602-F8AAF8F19A7E}"/>
+          </ac:graphicFrameMkLst>
+        </pc:graphicFrameChg>
         <pc:picChg chg="add del mod">
           <ac:chgData name="Chengming Li" userId="fe40599d2c97df8f" providerId="LiveId" clId="{EEA1446C-DC9F-476E-9FA1-A69FF84D40BA}" dt="2024-12-03T06:28:16.618" v="2163" actId="478"/>
           <ac:picMkLst>
@@ -998,7 +1046,7 @@
           </ac:picMkLst>
         </pc:picChg>
         <pc:picChg chg="add mod">
-          <ac:chgData name="Chengming Li" userId="fe40599d2c97df8f" providerId="LiveId" clId="{EEA1446C-DC9F-476E-9FA1-A69FF84D40BA}" dt="2024-12-03T07:00:28.077" v="2170" actId="1076"/>
+          <ac:chgData name="Chengming Li" userId="fe40599d2c97df8f" providerId="LiveId" clId="{EEA1446C-DC9F-476E-9FA1-A69FF84D40BA}" dt="2024-12-03T08:08:11.085" v="3368" actId="1076"/>
           <ac:picMkLst>
             <pc:docMk/>
             <pc:sldMk cId="2151178171" sldId="647"/>
@@ -1205,7 +1253,7 @@
         </pc:picChg>
       </pc:sldChg>
       <pc:sldChg chg="addSp delSp modSp add mod ord">
-        <pc:chgData name="Chengming Li" userId="fe40599d2c97df8f" providerId="LiveId" clId="{EEA1446C-DC9F-476E-9FA1-A69FF84D40BA}" dt="2024-12-03T06:27:36.646" v="2147" actId="1076"/>
+        <pc:chgData name="Chengming Li" userId="fe40599d2c97df8f" providerId="LiveId" clId="{EEA1446C-DC9F-476E-9FA1-A69FF84D40BA}" dt="2024-12-03T07:38:49.710" v="2837" actId="20577"/>
         <pc:sldMkLst>
           <pc:docMk/>
           <pc:sldMk cId="931498154" sldId="650"/>
@@ -1218,6 +1266,14 @@
             <ac:spMk id="3" creationId="{5366BA59-7FEE-0B5C-6704-F1879DBDD9C2}"/>
           </ac:spMkLst>
         </pc:spChg>
+        <pc:spChg chg="add mod">
+          <ac:chgData name="Chengming Li" userId="fe40599d2c97df8f" providerId="LiveId" clId="{EEA1446C-DC9F-476E-9FA1-A69FF84D40BA}" dt="2024-12-03T07:38:49.710" v="2837" actId="20577"/>
+          <ac:spMkLst>
+            <pc:docMk/>
+            <pc:sldMk cId="931498154" sldId="650"/>
+            <ac:spMk id="4" creationId="{5868D551-D875-CA92-E690-A43ACEE675AF}"/>
+          </ac:spMkLst>
+        </pc:spChg>
         <pc:picChg chg="del">
           <ac:chgData name="Chengming Li" userId="fe40599d2c97df8f" providerId="LiveId" clId="{EEA1446C-DC9F-476E-9FA1-A69FF84D40BA}" dt="2024-12-03T06:24:54.060" v="2088" actId="478"/>
           <ac:picMkLst>
@@ -1251,7 +1307,7 @@
           </ac:picMkLst>
         </pc:picChg>
         <pc:picChg chg="add mod">
-          <ac:chgData name="Chengming Li" userId="fe40599d2c97df8f" providerId="LiveId" clId="{EEA1446C-DC9F-476E-9FA1-A69FF84D40BA}" dt="2024-12-03T06:27:36.646" v="2147" actId="1076"/>
+          <ac:chgData name="Chengming Li" userId="fe40599d2c97df8f" providerId="LiveId" clId="{EEA1446C-DC9F-476E-9FA1-A69FF84D40BA}" dt="2024-12-03T07:37:27.163" v="2724" actId="1076"/>
           <ac:picMkLst>
             <pc:docMk/>
             <pc:sldMk cId="931498154" sldId="650"/>
@@ -1259,12 +1315,644 @@
           </ac:picMkLst>
         </pc:picChg>
       </pc:sldChg>
-      <pc:sldChg chg="add ord">
-        <pc:chgData name="Chengming Li" userId="fe40599d2c97df8f" providerId="LiveId" clId="{EEA1446C-DC9F-476E-9FA1-A69FF84D40BA}" dt="2024-12-03T07:04:33.259" v="2182"/>
+      <pc:sldChg chg="addSp delSp modSp add mod ord">
+        <pc:chgData name="Chengming Li" userId="fe40599d2c97df8f" providerId="LiveId" clId="{EEA1446C-DC9F-476E-9FA1-A69FF84D40BA}" dt="2024-12-03T07:32:09.035" v="2647" actId="692"/>
         <pc:sldMkLst>
           <pc:docMk/>
           <pc:sldMk cId="1568502379" sldId="651"/>
         </pc:sldMkLst>
+        <pc:spChg chg="mod">
+          <ac:chgData name="Chengming Li" userId="fe40599d2c97df8f" providerId="LiveId" clId="{EEA1446C-DC9F-476E-9FA1-A69FF84D40BA}" dt="2024-12-03T07:12:19.135" v="2280" actId="20577"/>
+          <ac:spMkLst>
+            <pc:docMk/>
+            <pc:sldMk cId="1568502379" sldId="651"/>
+            <ac:spMk id="3" creationId="{CFE4B540-8BE0-6249-F6E5-8187BAED492D}"/>
+          </ac:spMkLst>
+        </pc:spChg>
+        <pc:spChg chg="del">
+          <ac:chgData name="Chengming Li" userId="fe40599d2c97df8f" providerId="LiveId" clId="{EEA1446C-DC9F-476E-9FA1-A69FF84D40BA}" dt="2024-12-03T07:09:54.190" v="2184" actId="478"/>
+          <ac:spMkLst>
+            <pc:docMk/>
+            <pc:sldMk cId="1568502379" sldId="651"/>
+            <ac:spMk id="4" creationId="{C7B7F45F-855B-2156-58A5-361394056CE1}"/>
+          </ac:spMkLst>
+        </pc:spChg>
+        <pc:spChg chg="del">
+          <ac:chgData name="Chengming Li" userId="fe40599d2c97df8f" providerId="LiveId" clId="{EEA1446C-DC9F-476E-9FA1-A69FF84D40BA}" dt="2024-12-03T07:10:03.352" v="2185" actId="478"/>
+          <ac:spMkLst>
+            <pc:docMk/>
+            <pc:sldMk cId="1568502379" sldId="651"/>
+            <ac:spMk id="6" creationId="{48EC6873-61F3-9E8E-953D-16FC4C9C9D55}"/>
+          </ac:spMkLst>
+        </pc:spChg>
+        <pc:spChg chg="del">
+          <ac:chgData name="Chengming Li" userId="fe40599d2c97df8f" providerId="LiveId" clId="{EEA1446C-DC9F-476E-9FA1-A69FF84D40BA}" dt="2024-12-03T07:09:54.190" v="2184" actId="478"/>
+          <ac:spMkLst>
+            <pc:docMk/>
+            <pc:sldMk cId="1568502379" sldId="651"/>
+            <ac:spMk id="7" creationId="{CFA3732C-B49B-D7CF-D66C-9362151FDE77}"/>
+          </ac:spMkLst>
+        </pc:spChg>
+        <pc:spChg chg="del">
+          <ac:chgData name="Chengming Li" userId="fe40599d2c97df8f" providerId="LiveId" clId="{EEA1446C-DC9F-476E-9FA1-A69FF84D40BA}" dt="2024-12-03T07:09:54.190" v="2184" actId="478"/>
+          <ac:spMkLst>
+            <pc:docMk/>
+            <pc:sldMk cId="1568502379" sldId="651"/>
+            <ac:spMk id="8" creationId="{9E89A4E8-F2F7-27C6-FEB2-5A16C8981E7A}"/>
+          </ac:spMkLst>
+        </pc:spChg>
+        <pc:spChg chg="del">
+          <ac:chgData name="Chengming Li" userId="fe40599d2c97df8f" providerId="LiveId" clId="{EEA1446C-DC9F-476E-9FA1-A69FF84D40BA}" dt="2024-12-03T07:09:54.190" v="2184" actId="478"/>
+          <ac:spMkLst>
+            <pc:docMk/>
+            <pc:sldMk cId="1568502379" sldId="651"/>
+            <ac:spMk id="9" creationId="{87DF5C86-A21B-5AD7-0BA7-6EEF8E19CF4B}"/>
+          </ac:spMkLst>
+        </pc:spChg>
+        <pc:spChg chg="del">
+          <ac:chgData name="Chengming Li" userId="fe40599d2c97df8f" providerId="LiveId" clId="{EEA1446C-DC9F-476E-9FA1-A69FF84D40BA}" dt="2024-12-03T07:09:54.190" v="2184" actId="478"/>
+          <ac:spMkLst>
+            <pc:docMk/>
+            <pc:sldMk cId="1568502379" sldId="651"/>
+            <ac:spMk id="10" creationId="{EB140BDD-766F-6D33-4EDF-7237105EE4C8}"/>
+          </ac:spMkLst>
+        </pc:spChg>
+        <pc:spChg chg="del">
+          <ac:chgData name="Chengming Li" userId="fe40599d2c97df8f" providerId="LiveId" clId="{EEA1446C-DC9F-476E-9FA1-A69FF84D40BA}" dt="2024-12-03T07:09:54.190" v="2184" actId="478"/>
+          <ac:spMkLst>
+            <pc:docMk/>
+            <pc:sldMk cId="1568502379" sldId="651"/>
+            <ac:spMk id="11" creationId="{AAA78DFB-7D0C-1ABA-A190-65B74C9C6320}"/>
+          </ac:spMkLst>
+        </pc:spChg>
+        <pc:spChg chg="del">
+          <ac:chgData name="Chengming Li" userId="fe40599d2c97df8f" providerId="LiveId" clId="{EEA1446C-DC9F-476E-9FA1-A69FF84D40BA}" dt="2024-12-03T07:09:54.190" v="2184" actId="478"/>
+          <ac:spMkLst>
+            <pc:docMk/>
+            <pc:sldMk cId="1568502379" sldId="651"/>
+            <ac:spMk id="12" creationId="{D6E857A2-A2D3-4E1E-8321-FC1ED33016B0}"/>
+          </ac:spMkLst>
+        </pc:spChg>
+        <pc:spChg chg="del">
+          <ac:chgData name="Chengming Li" userId="fe40599d2c97df8f" providerId="LiveId" clId="{EEA1446C-DC9F-476E-9FA1-A69FF84D40BA}" dt="2024-12-03T07:09:54.190" v="2184" actId="478"/>
+          <ac:spMkLst>
+            <pc:docMk/>
+            <pc:sldMk cId="1568502379" sldId="651"/>
+            <ac:spMk id="13" creationId="{B184513C-FE70-B8C7-39D3-E2A3BE85AF8B}"/>
+          </ac:spMkLst>
+        </pc:spChg>
+        <pc:spChg chg="del">
+          <ac:chgData name="Chengming Li" userId="fe40599d2c97df8f" providerId="LiveId" clId="{EEA1446C-DC9F-476E-9FA1-A69FF84D40BA}" dt="2024-12-03T07:09:54.190" v="2184" actId="478"/>
+          <ac:spMkLst>
+            <pc:docMk/>
+            <pc:sldMk cId="1568502379" sldId="651"/>
+            <ac:spMk id="14" creationId="{3B6C1F1B-0B95-A71F-3BA4-05D62AD887A3}"/>
+          </ac:spMkLst>
+        </pc:spChg>
+        <pc:spChg chg="del">
+          <ac:chgData name="Chengming Li" userId="fe40599d2c97df8f" providerId="LiveId" clId="{EEA1446C-DC9F-476E-9FA1-A69FF84D40BA}" dt="2024-12-03T07:09:54.190" v="2184" actId="478"/>
+          <ac:spMkLst>
+            <pc:docMk/>
+            <pc:sldMk cId="1568502379" sldId="651"/>
+            <ac:spMk id="15" creationId="{FB3B179A-13F2-74BE-94D7-2876595C48A3}"/>
+          </ac:spMkLst>
+        </pc:spChg>
+        <pc:spChg chg="del">
+          <ac:chgData name="Chengming Li" userId="fe40599d2c97df8f" providerId="LiveId" clId="{EEA1446C-DC9F-476E-9FA1-A69FF84D40BA}" dt="2024-12-03T07:09:54.190" v="2184" actId="478"/>
+          <ac:spMkLst>
+            <pc:docMk/>
+            <pc:sldMk cId="1568502379" sldId="651"/>
+            <ac:spMk id="16" creationId="{872FD883-24E1-9C52-3904-3A39AB610AE4}"/>
+          </ac:spMkLst>
+        </pc:spChg>
+        <pc:spChg chg="del">
+          <ac:chgData name="Chengming Li" userId="fe40599d2c97df8f" providerId="LiveId" clId="{EEA1446C-DC9F-476E-9FA1-A69FF84D40BA}" dt="2024-12-03T07:09:54.190" v="2184" actId="478"/>
+          <ac:spMkLst>
+            <pc:docMk/>
+            <pc:sldMk cId="1568502379" sldId="651"/>
+            <ac:spMk id="17" creationId="{1FDFB4A8-D6CB-B9EF-3F41-B5246E2A0548}"/>
+          </ac:spMkLst>
+        </pc:spChg>
+        <pc:spChg chg="del">
+          <ac:chgData name="Chengming Li" userId="fe40599d2c97df8f" providerId="LiveId" clId="{EEA1446C-DC9F-476E-9FA1-A69FF84D40BA}" dt="2024-12-03T07:09:54.190" v="2184" actId="478"/>
+          <ac:spMkLst>
+            <pc:docMk/>
+            <pc:sldMk cId="1568502379" sldId="651"/>
+            <ac:spMk id="18" creationId="{8807C362-F59C-CAE5-5DA9-8C9FBBC542F3}"/>
+          </ac:spMkLst>
+        </pc:spChg>
+        <pc:spChg chg="del">
+          <ac:chgData name="Chengming Li" userId="fe40599d2c97df8f" providerId="LiveId" clId="{EEA1446C-DC9F-476E-9FA1-A69FF84D40BA}" dt="2024-12-03T07:09:54.190" v="2184" actId="478"/>
+          <ac:spMkLst>
+            <pc:docMk/>
+            <pc:sldMk cId="1568502379" sldId="651"/>
+            <ac:spMk id="19" creationId="{0B91C083-52AC-7B8D-5B30-1B548794988A}"/>
+          </ac:spMkLst>
+        </pc:spChg>
+        <pc:spChg chg="del">
+          <ac:chgData name="Chengming Li" userId="fe40599d2c97df8f" providerId="LiveId" clId="{EEA1446C-DC9F-476E-9FA1-A69FF84D40BA}" dt="2024-12-03T07:09:54.190" v="2184" actId="478"/>
+          <ac:spMkLst>
+            <pc:docMk/>
+            <pc:sldMk cId="1568502379" sldId="651"/>
+            <ac:spMk id="20" creationId="{4E4012EA-DB80-6044-C755-7B0C48F01720}"/>
+          </ac:spMkLst>
+        </pc:spChg>
+        <pc:spChg chg="del">
+          <ac:chgData name="Chengming Li" userId="fe40599d2c97df8f" providerId="LiveId" clId="{EEA1446C-DC9F-476E-9FA1-A69FF84D40BA}" dt="2024-12-03T07:09:54.190" v="2184" actId="478"/>
+          <ac:spMkLst>
+            <pc:docMk/>
+            <pc:sldMk cId="1568502379" sldId="651"/>
+            <ac:spMk id="21" creationId="{721A48C7-192C-BEF9-E4A9-6BF183833F5B}"/>
+          </ac:spMkLst>
+        </pc:spChg>
+        <pc:spChg chg="del">
+          <ac:chgData name="Chengming Li" userId="fe40599d2c97df8f" providerId="LiveId" clId="{EEA1446C-DC9F-476E-9FA1-A69FF84D40BA}" dt="2024-12-03T07:09:54.190" v="2184" actId="478"/>
+          <ac:spMkLst>
+            <pc:docMk/>
+            <pc:sldMk cId="1568502379" sldId="651"/>
+            <ac:spMk id="22" creationId="{F586B268-72C6-9493-A3E9-2920DE3251AE}"/>
+          </ac:spMkLst>
+        </pc:spChg>
+        <pc:spChg chg="del">
+          <ac:chgData name="Chengming Li" userId="fe40599d2c97df8f" providerId="LiveId" clId="{EEA1446C-DC9F-476E-9FA1-A69FF84D40BA}" dt="2024-12-03T07:09:54.190" v="2184" actId="478"/>
+          <ac:spMkLst>
+            <pc:docMk/>
+            <pc:sldMk cId="1568502379" sldId="651"/>
+            <ac:spMk id="23" creationId="{D9866387-4F5C-1E25-C970-F994FD21EABA}"/>
+          </ac:spMkLst>
+        </pc:spChg>
+        <pc:spChg chg="del">
+          <ac:chgData name="Chengming Li" userId="fe40599d2c97df8f" providerId="LiveId" clId="{EEA1446C-DC9F-476E-9FA1-A69FF84D40BA}" dt="2024-12-03T07:09:54.190" v="2184" actId="478"/>
+          <ac:spMkLst>
+            <pc:docMk/>
+            <pc:sldMk cId="1568502379" sldId="651"/>
+            <ac:spMk id="24" creationId="{88AD4857-CAFF-F161-8391-21CA53064C70}"/>
+          </ac:spMkLst>
+        </pc:spChg>
+        <pc:spChg chg="del">
+          <ac:chgData name="Chengming Li" userId="fe40599d2c97df8f" providerId="LiveId" clId="{EEA1446C-DC9F-476E-9FA1-A69FF84D40BA}" dt="2024-12-03T07:09:54.190" v="2184" actId="478"/>
+          <ac:spMkLst>
+            <pc:docMk/>
+            <pc:sldMk cId="1568502379" sldId="651"/>
+            <ac:spMk id="25" creationId="{1D71C516-C8CE-F574-1E64-1D485812C51B}"/>
+          </ac:spMkLst>
+        </pc:spChg>
+        <pc:spChg chg="del">
+          <ac:chgData name="Chengming Li" userId="fe40599d2c97df8f" providerId="LiveId" clId="{EEA1446C-DC9F-476E-9FA1-A69FF84D40BA}" dt="2024-12-03T07:09:54.190" v="2184" actId="478"/>
+          <ac:spMkLst>
+            <pc:docMk/>
+            <pc:sldMk cId="1568502379" sldId="651"/>
+            <ac:spMk id="26" creationId="{C07EF873-94A6-EAF4-7209-91FBB400AECD}"/>
+          </ac:spMkLst>
+        </pc:spChg>
+        <pc:spChg chg="del">
+          <ac:chgData name="Chengming Li" userId="fe40599d2c97df8f" providerId="LiveId" clId="{EEA1446C-DC9F-476E-9FA1-A69FF84D40BA}" dt="2024-12-03T07:09:54.190" v="2184" actId="478"/>
+          <ac:spMkLst>
+            <pc:docMk/>
+            <pc:sldMk cId="1568502379" sldId="651"/>
+            <ac:spMk id="27" creationId="{CB660C6B-88BD-D5C8-6371-CE261B03F3E8}"/>
+          </ac:spMkLst>
+        </pc:spChg>
+        <pc:spChg chg="add mod">
+          <ac:chgData name="Chengming Li" userId="fe40599d2c97df8f" providerId="LiveId" clId="{EEA1446C-DC9F-476E-9FA1-A69FF84D40BA}" dt="2024-12-03T07:20:25.785" v="2516" actId="1076"/>
+          <ac:spMkLst>
+            <pc:docMk/>
+            <pc:sldMk cId="1568502379" sldId="651"/>
+            <ac:spMk id="28" creationId="{C2AFCE69-27F0-0BBA-2F8F-5A560E7A31D3}"/>
+          </ac:spMkLst>
+        </pc:spChg>
+        <pc:spChg chg="add mod">
+          <ac:chgData name="Chengming Li" userId="fe40599d2c97df8f" providerId="LiveId" clId="{EEA1446C-DC9F-476E-9FA1-A69FF84D40BA}" dt="2024-12-03T07:20:25.785" v="2516" actId="1076"/>
+          <ac:spMkLst>
+            <pc:docMk/>
+            <pc:sldMk cId="1568502379" sldId="651"/>
+            <ac:spMk id="29" creationId="{8A799339-A765-8D72-0CC1-D8503DAEBB98}"/>
+          </ac:spMkLst>
+        </pc:spChg>
+        <pc:spChg chg="add mod">
+          <ac:chgData name="Chengming Li" userId="fe40599d2c97df8f" providerId="LiveId" clId="{EEA1446C-DC9F-476E-9FA1-A69FF84D40BA}" dt="2024-12-03T07:30:17.999" v="2604" actId="1076"/>
+          <ac:spMkLst>
+            <pc:docMk/>
+            <pc:sldMk cId="1568502379" sldId="651"/>
+            <ac:spMk id="33" creationId="{0CCE52B9-531A-7EF7-AE98-1510BA7C735E}"/>
+          </ac:spMkLst>
+        </pc:spChg>
+        <pc:spChg chg="add mod">
+          <ac:chgData name="Chengming Li" userId="fe40599d2c97df8f" providerId="LiveId" clId="{EEA1446C-DC9F-476E-9FA1-A69FF84D40BA}" dt="2024-12-03T07:20:25.785" v="2516" actId="1076"/>
+          <ac:spMkLst>
+            <pc:docMk/>
+            <pc:sldMk cId="1568502379" sldId="651"/>
+            <ac:spMk id="34" creationId="{8B99CA63-34C9-9004-3B0C-56B0732F03EB}"/>
+          </ac:spMkLst>
+        </pc:spChg>
+        <pc:spChg chg="add mod">
+          <ac:chgData name="Chengming Li" userId="fe40599d2c97df8f" providerId="LiveId" clId="{EEA1446C-DC9F-476E-9FA1-A69FF84D40BA}" dt="2024-12-03T07:20:25.785" v="2516" actId="1076"/>
+          <ac:spMkLst>
+            <pc:docMk/>
+            <pc:sldMk cId="1568502379" sldId="651"/>
+            <ac:spMk id="43" creationId="{5C6A5C0D-078C-85F5-1A6E-6E5090E3FCEF}"/>
+          </ac:spMkLst>
+        </pc:spChg>
+        <pc:spChg chg="add mod">
+          <ac:chgData name="Chengming Li" userId="fe40599d2c97df8f" providerId="LiveId" clId="{EEA1446C-DC9F-476E-9FA1-A69FF84D40BA}" dt="2024-12-03T07:20:25.785" v="2516" actId="1076"/>
+          <ac:spMkLst>
+            <pc:docMk/>
+            <pc:sldMk cId="1568502379" sldId="651"/>
+            <ac:spMk id="44" creationId="{9DA83628-5C0D-1A14-8347-19CB95ACFCCA}"/>
+          </ac:spMkLst>
+        </pc:spChg>
+        <pc:spChg chg="add mod">
+          <ac:chgData name="Chengming Li" userId="fe40599d2c97df8f" providerId="LiveId" clId="{EEA1446C-DC9F-476E-9FA1-A69FF84D40BA}" dt="2024-12-03T07:20:25.785" v="2516" actId="1076"/>
+          <ac:spMkLst>
+            <pc:docMk/>
+            <pc:sldMk cId="1568502379" sldId="651"/>
+            <ac:spMk id="51" creationId="{8D8EE372-3211-6C17-EF59-B0CBF176AF5B}"/>
+          </ac:spMkLst>
+        </pc:spChg>
+        <pc:spChg chg="add mod">
+          <ac:chgData name="Chengming Li" userId="fe40599d2c97df8f" providerId="LiveId" clId="{EEA1446C-DC9F-476E-9FA1-A69FF84D40BA}" dt="2024-12-03T07:20:25.785" v="2516" actId="1076"/>
+          <ac:spMkLst>
+            <pc:docMk/>
+            <pc:sldMk cId="1568502379" sldId="651"/>
+            <ac:spMk id="52" creationId="{C8F707B0-CACE-80F3-43F6-7B31AA66798C}"/>
+          </ac:spMkLst>
+        </pc:spChg>
+        <pc:spChg chg="add mod">
+          <ac:chgData name="Chengming Li" userId="fe40599d2c97df8f" providerId="LiveId" clId="{EEA1446C-DC9F-476E-9FA1-A69FF84D40BA}" dt="2024-12-03T07:20:25.785" v="2516" actId="1076"/>
+          <ac:spMkLst>
+            <pc:docMk/>
+            <pc:sldMk cId="1568502379" sldId="651"/>
+            <ac:spMk id="53" creationId="{50F5D25C-2811-6194-6014-F47098C8BEEB}"/>
+          </ac:spMkLst>
+        </pc:spChg>
+        <pc:spChg chg="add mod">
+          <ac:chgData name="Chengming Li" userId="fe40599d2c97df8f" providerId="LiveId" clId="{EEA1446C-DC9F-476E-9FA1-A69FF84D40BA}" dt="2024-12-03T07:20:25.785" v="2516" actId="1076"/>
+          <ac:spMkLst>
+            <pc:docMk/>
+            <pc:sldMk cId="1568502379" sldId="651"/>
+            <ac:spMk id="56" creationId="{CB05980B-EC15-3A0C-4161-1662E2C38759}"/>
+          </ac:spMkLst>
+        </pc:spChg>
+        <pc:spChg chg="add mod">
+          <ac:chgData name="Chengming Li" userId="fe40599d2c97df8f" providerId="LiveId" clId="{EEA1446C-DC9F-476E-9FA1-A69FF84D40BA}" dt="2024-12-03T07:21:36.576" v="2532" actId="1076"/>
+          <ac:spMkLst>
+            <pc:docMk/>
+            <pc:sldMk cId="1568502379" sldId="651"/>
+            <ac:spMk id="57" creationId="{264A4CA7-C5D6-834B-BA37-23FF5725A2AF}"/>
+          </ac:spMkLst>
+        </pc:spChg>
+        <pc:spChg chg="add mod">
+          <ac:chgData name="Chengming Li" userId="fe40599d2c97df8f" providerId="LiveId" clId="{EEA1446C-DC9F-476E-9FA1-A69FF84D40BA}" dt="2024-12-03T07:20:25.785" v="2516" actId="1076"/>
+          <ac:spMkLst>
+            <pc:docMk/>
+            <pc:sldMk cId="1568502379" sldId="651"/>
+            <ac:spMk id="59" creationId="{58F95396-8CC8-DAA5-1FCD-AD0CF72A66EF}"/>
+          </ac:spMkLst>
+        </pc:spChg>
+        <pc:spChg chg="add mod">
+          <ac:chgData name="Chengming Li" userId="fe40599d2c97df8f" providerId="LiveId" clId="{EEA1446C-DC9F-476E-9FA1-A69FF84D40BA}" dt="2024-12-03T07:20:25.785" v="2516" actId="1076"/>
+          <ac:spMkLst>
+            <pc:docMk/>
+            <pc:sldMk cId="1568502379" sldId="651"/>
+            <ac:spMk id="69" creationId="{76C6B24C-3444-8338-AAB3-3A3773BB689A}"/>
+          </ac:spMkLst>
+        </pc:spChg>
+        <pc:spChg chg="add mod">
+          <ac:chgData name="Chengming Li" userId="fe40599d2c97df8f" providerId="LiveId" clId="{EEA1446C-DC9F-476E-9FA1-A69FF84D40BA}" dt="2024-12-03T07:20:25.785" v="2516" actId="1076"/>
+          <ac:spMkLst>
+            <pc:docMk/>
+            <pc:sldMk cId="1568502379" sldId="651"/>
+            <ac:spMk id="70" creationId="{73F385EB-1204-9CFF-0F9B-1212D8848C45}"/>
+          </ac:spMkLst>
+        </pc:spChg>
+        <pc:spChg chg="add mod">
+          <ac:chgData name="Chengming Li" userId="fe40599d2c97df8f" providerId="LiveId" clId="{EEA1446C-DC9F-476E-9FA1-A69FF84D40BA}" dt="2024-12-03T07:21:15.270" v="2525" actId="1076"/>
+          <ac:spMkLst>
+            <pc:docMk/>
+            <pc:sldMk cId="1568502379" sldId="651"/>
+            <ac:spMk id="83" creationId="{7A313BAC-DE0A-F75E-0ED0-4C49E5C8EF29}"/>
+          </ac:spMkLst>
+        </pc:spChg>
+        <pc:spChg chg="add mod">
+          <ac:chgData name="Chengming Li" userId="fe40599d2c97df8f" providerId="LiveId" clId="{EEA1446C-DC9F-476E-9FA1-A69FF84D40BA}" dt="2024-12-03T07:29:53.548" v="2598" actId="1076"/>
+          <ac:spMkLst>
+            <pc:docMk/>
+            <pc:sldMk cId="1568502379" sldId="651"/>
+            <ac:spMk id="84" creationId="{E7D90ECC-6A64-6462-518E-7D5A086392D6}"/>
+          </ac:spMkLst>
+        </pc:spChg>
+        <pc:spChg chg="add mod">
+          <ac:chgData name="Chengming Li" userId="fe40599d2c97df8f" providerId="LiveId" clId="{EEA1446C-DC9F-476E-9FA1-A69FF84D40BA}" dt="2024-12-03T07:22:00.346" v="2537" actId="20577"/>
+          <ac:spMkLst>
+            <pc:docMk/>
+            <pc:sldMk cId="1568502379" sldId="651"/>
+            <ac:spMk id="86" creationId="{2C9206D7-A214-2069-9814-520239A88BD3}"/>
+          </ac:spMkLst>
+        </pc:spChg>
+        <pc:spChg chg="add mod">
+          <ac:chgData name="Chengming Li" userId="fe40599d2c97df8f" providerId="LiveId" clId="{EEA1446C-DC9F-476E-9FA1-A69FF84D40BA}" dt="2024-12-03T07:22:11.166" v="2539" actId="1076"/>
+          <ac:spMkLst>
+            <pc:docMk/>
+            <pc:sldMk cId="1568502379" sldId="651"/>
+            <ac:spMk id="87" creationId="{4B396690-84E4-1395-C7F6-C6F4A4176CBF}"/>
+          </ac:spMkLst>
+        </pc:spChg>
+        <pc:spChg chg="add mod">
+          <ac:chgData name="Chengming Li" userId="fe40599d2c97df8f" providerId="LiveId" clId="{EEA1446C-DC9F-476E-9FA1-A69FF84D40BA}" dt="2024-12-03T07:29:56.086" v="2599" actId="1076"/>
+          <ac:spMkLst>
+            <pc:docMk/>
+            <pc:sldMk cId="1568502379" sldId="651"/>
+            <ac:spMk id="88" creationId="{B7442679-8605-3666-2A1B-ACE0F3FDC101}"/>
+          </ac:spMkLst>
+        </pc:spChg>
+        <pc:spChg chg="add del mod">
+          <ac:chgData name="Chengming Li" userId="fe40599d2c97df8f" providerId="LiveId" clId="{EEA1446C-DC9F-476E-9FA1-A69FF84D40BA}" dt="2024-12-03T07:25:11.175" v="2546" actId="478"/>
+          <ac:spMkLst>
+            <pc:docMk/>
+            <pc:sldMk cId="1568502379" sldId="651"/>
+            <ac:spMk id="92" creationId="{2CB23446-AEC3-DE83-72D1-A1979245205F}"/>
+          </ac:spMkLst>
+        </pc:spChg>
+        <pc:spChg chg="add del mod">
+          <ac:chgData name="Chengming Li" userId="fe40599d2c97df8f" providerId="LiveId" clId="{EEA1446C-DC9F-476E-9FA1-A69FF84D40BA}" dt="2024-12-03T07:26:15.518" v="2550" actId="478"/>
+          <ac:spMkLst>
+            <pc:docMk/>
+            <pc:sldMk cId="1568502379" sldId="651"/>
+            <ac:spMk id="93" creationId="{1B3C50B0-2F1E-4BD1-D256-7B682287722A}"/>
+          </ac:spMkLst>
+        </pc:spChg>
+        <pc:spChg chg="add mod">
+          <ac:chgData name="Chengming Li" userId="fe40599d2c97df8f" providerId="LiveId" clId="{EEA1446C-DC9F-476E-9FA1-A69FF84D40BA}" dt="2024-12-03T07:30:12.315" v="2602"/>
+          <ac:spMkLst>
+            <pc:docMk/>
+            <pc:sldMk cId="1568502379" sldId="651"/>
+            <ac:spMk id="1024" creationId="{5BE3A347-918A-10F8-2F39-546B9BF19B9B}"/>
+          </ac:spMkLst>
+        </pc:spChg>
+        <pc:spChg chg="add mod">
+          <ac:chgData name="Chengming Li" userId="fe40599d2c97df8f" providerId="LiveId" clId="{EEA1446C-DC9F-476E-9FA1-A69FF84D40BA}" dt="2024-12-03T07:31:06.668" v="2633" actId="113"/>
+          <ac:spMkLst>
+            <pc:docMk/>
+            <pc:sldMk cId="1568502379" sldId="651"/>
+            <ac:spMk id="1025" creationId="{1E21C16C-3DC2-B92D-79AC-E09E0D772819}"/>
+          </ac:spMkLst>
+        </pc:spChg>
+        <pc:spChg chg="add mod">
+          <ac:chgData name="Chengming Li" userId="fe40599d2c97df8f" providerId="LiveId" clId="{EEA1446C-DC9F-476E-9FA1-A69FF84D40BA}" dt="2024-12-03T07:31:10.231" v="2634" actId="113"/>
+          <ac:spMkLst>
+            <pc:docMk/>
+            <pc:sldMk cId="1568502379" sldId="651"/>
+            <ac:spMk id="1027" creationId="{307F033B-6C1E-56C4-8A6B-E0D8C8632749}"/>
+          </ac:spMkLst>
+        </pc:spChg>
+        <pc:spChg chg="add mod">
+          <ac:chgData name="Chengming Li" userId="fe40599d2c97df8f" providerId="LiveId" clId="{EEA1446C-DC9F-476E-9FA1-A69FF84D40BA}" dt="2024-12-03T07:31:13.342" v="2635" actId="113"/>
+          <ac:spMkLst>
+            <pc:docMk/>
+            <pc:sldMk cId="1568502379" sldId="651"/>
+            <ac:spMk id="1029" creationId="{CEEA9EB3-A1F5-B806-E179-1511F800BF1B}"/>
+          </ac:spMkLst>
+        </pc:spChg>
+        <pc:spChg chg="add mod">
+          <ac:chgData name="Chengming Li" userId="fe40599d2c97df8f" providerId="LiveId" clId="{EEA1446C-DC9F-476E-9FA1-A69FF84D40BA}" dt="2024-12-03T07:31:54.421" v="2644" actId="1076"/>
+          <ac:spMkLst>
+            <pc:docMk/>
+            <pc:sldMk cId="1568502379" sldId="651"/>
+            <ac:spMk id="1031" creationId="{A020EB4D-D532-64CF-6705-9D59D097D72D}"/>
+          </ac:spMkLst>
+        </pc:spChg>
+        <pc:spChg chg="add mod">
+          <ac:chgData name="Chengming Li" userId="fe40599d2c97df8f" providerId="LiveId" clId="{EEA1446C-DC9F-476E-9FA1-A69FF84D40BA}" dt="2024-12-03T07:31:38.086" v="2640" actId="20577"/>
+          <ac:spMkLst>
+            <pc:docMk/>
+            <pc:sldMk cId="1568502379" sldId="651"/>
+            <ac:spMk id="1032" creationId="{AD4783DC-EF80-1EA2-3F7E-625B72E18515}"/>
+          </ac:spMkLst>
+        </pc:spChg>
+        <pc:picChg chg="del">
+          <ac:chgData name="Chengming Li" userId="fe40599d2c97df8f" providerId="LiveId" clId="{EEA1446C-DC9F-476E-9FA1-A69FF84D40BA}" dt="2024-12-03T07:09:50.602" v="2183" actId="478"/>
+          <ac:picMkLst>
+            <pc:docMk/>
+            <pc:sldMk cId="1568502379" sldId="651"/>
+            <ac:picMk id="5" creationId="{CB1D91A3-1993-4A47-8AC1-8743820DE35D}"/>
+          </ac:picMkLst>
+        </pc:picChg>
+        <pc:picChg chg="add mod">
+          <ac:chgData name="Chengming Li" userId="fe40599d2c97df8f" providerId="LiveId" clId="{EEA1446C-DC9F-476E-9FA1-A69FF84D40BA}" dt="2024-12-03T07:28:34.994" v="2576" actId="1076"/>
+          <ac:picMkLst>
+            <pc:docMk/>
+            <pc:sldMk cId="1568502379" sldId="651"/>
+            <ac:picMk id="110" creationId="{E5C8B5A4-2C09-89E9-0405-3B3E3BC11873}"/>
+          </ac:picMkLst>
+        </pc:picChg>
+        <pc:picChg chg="add mod">
+          <ac:chgData name="Chengming Li" userId="fe40599d2c97df8f" providerId="LiveId" clId="{EEA1446C-DC9F-476E-9FA1-A69FF84D40BA}" dt="2024-12-03T07:22:39.966" v="2542" actId="1076"/>
+          <ac:picMkLst>
+            <pc:docMk/>
+            <pc:sldMk cId="1568502379" sldId="651"/>
+            <ac:picMk id="1026" creationId="{8428A34A-3057-581B-40CD-83433098C19B}"/>
+          </ac:picMkLst>
+        </pc:picChg>
+        <pc:picChg chg="add del mod">
+          <ac:chgData name="Chengming Li" userId="fe40599d2c97df8f" providerId="LiveId" clId="{EEA1446C-DC9F-476E-9FA1-A69FF84D40BA}" dt="2024-12-03T07:20:38.666" v="2520" actId="478"/>
+          <ac:picMkLst>
+            <pc:docMk/>
+            <pc:sldMk cId="1568502379" sldId="651"/>
+            <ac:picMk id="1028" creationId="{892CB5AE-6A72-8FA9-472E-B11A34659D52}"/>
+          </ac:picMkLst>
+        </pc:picChg>
+        <pc:picChg chg="add mod">
+          <ac:chgData name="Chengming Li" userId="fe40599d2c97df8f" providerId="LiveId" clId="{EEA1446C-DC9F-476E-9FA1-A69FF84D40BA}" dt="2024-12-03T07:27:06.991" v="2556" actId="1076"/>
+          <ac:picMkLst>
+            <pc:docMk/>
+            <pc:sldMk cId="1568502379" sldId="651"/>
+            <ac:picMk id="1030" creationId="{1CF155B3-31E8-22EE-8F84-802D914C4FF9}"/>
+          </ac:picMkLst>
+        </pc:picChg>
+        <pc:cxnChg chg="add mod">
+          <ac:chgData name="Chengming Li" userId="fe40599d2c97df8f" providerId="LiveId" clId="{EEA1446C-DC9F-476E-9FA1-A69FF84D40BA}" dt="2024-12-03T07:20:25.785" v="2516" actId="1076"/>
+          <ac:cxnSpMkLst>
+            <pc:docMk/>
+            <pc:sldMk cId="1568502379" sldId="651"/>
+            <ac:cxnSpMk id="31" creationId="{DBC9A6E9-5990-1937-EAE6-8CA32DE4F7F1}"/>
+          </ac:cxnSpMkLst>
+        </pc:cxnChg>
+        <pc:cxnChg chg="add mod">
+          <ac:chgData name="Chengming Li" userId="fe40599d2c97df8f" providerId="LiveId" clId="{EEA1446C-DC9F-476E-9FA1-A69FF84D40BA}" dt="2024-12-03T07:20:25.785" v="2516" actId="1076"/>
+          <ac:cxnSpMkLst>
+            <pc:docMk/>
+            <pc:sldMk cId="1568502379" sldId="651"/>
+            <ac:cxnSpMk id="35" creationId="{9239880B-DB70-5278-6E9F-EEF2AF8A6CDD}"/>
+          </ac:cxnSpMkLst>
+        </pc:cxnChg>
+        <pc:cxnChg chg="add mod">
+          <ac:chgData name="Chengming Li" userId="fe40599d2c97df8f" providerId="LiveId" clId="{EEA1446C-DC9F-476E-9FA1-A69FF84D40BA}" dt="2024-12-03T07:20:25.785" v="2516" actId="1076"/>
+          <ac:cxnSpMkLst>
+            <pc:docMk/>
+            <pc:sldMk cId="1568502379" sldId="651"/>
+            <ac:cxnSpMk id="38" creationId="{09B75099-FEE2-965F-1135-4044BB898049}"/>
+          </ac:cxnSpMkLst>
+        </pc:cxnChg>
+        <pc:cxnChg chg="add mod">
+          <ac:chgData name="Chengming Li" userId="fe40599d2c97df8f" providerId="LiveId" clId="{EEA1446C-DC9F-476E-9FA1-A69FF84D40BA}" dt="2024-12-03T07:20:25.785" v="2516" actId="1076"/>
+          <ac:cxnSpMkLst>
+            <pc:docMk/>
+            <pc:sldMk cId="1568502379" sldId="651"/>
+            <ac:cxnSpMk id="40" creationId="{A6089FFD-C747-5B34-98F0-C4973C1E262C}"/>
+          </ac:cxnSpMkLst>
+        </pc:cxnChg>
+        <pc:cxnChg chg="add mod">
+          <ac:chgData name="Chengming Li" userId="fe40599d2c97df8f" providerId="LiveId" clId="{EEA1446C-DC9F-476E-9FA1-A69FF84D40BA}" dt="2024-12-03T07:20:25.785" v="2516" actId="1076"/>
+          <ac:cxnSpMkLst>
+            <pc:docMk/>
+            <pc:sldMk cId="1568502379" sldId="651"/>
+            <ac:cxnSpMk id="41" creationId="{C6637516-064B-1DCA-4ACF-F41C2338D0CF}"/>
+          </ac:cxnSpMkLst>
+        </pc:cxnChg>
+        <pc:cxnChg chg="add mod">
+          <ac:chgData name="Chengming Li" userId="fe40599d2c97df8f" providerId="LiveId" clId="{EEA1446C-DC9F-476E-9FA1-A69FF84D40BA}" dt="2024-12-03T07:20:25.785" v="2516" actId="1076"/>
+          <ac:cxnSpMkLst>
+            <pc:docMk/>
+            <pc:sldMk cId="1568502379" sldId="651"/>
+            <ac:cxnSpMk id="45" creationId="{82417B56-DA03-B87F-AC5D-F6A6EA5CAF9A}"/>
+          </ac:cxnSpMkLst>
+        </pc:cxnChg>
+        <pc:cxnChg chg="add mod">
+          <ac:chgData name="Chengming Li" userId="fe40599d2c97df8f" providerId="LiveId" clId="{EEA1446C-DC9F-476E-9FA1-A69FF84D40BA}" dt="2024-12-03T07:20:25.785" v="2516" actId="1076"/>
+          <ac:cxnSpMkLst>
+            <pc:docMk/>
+            <pc:sldMk cId="1568502379" sldId="651"/>
+            <ac:cxnSpMk id="46" creationId="{DA468C0F-B802-4F8A-6DB0-791A5C49F285}"/>
+          </ac:cxnSpMkLst>
+        </pc:cxnChg>
+        <pc:cxnChg chg="add mod">
+          <ac:chgData name="Chengming Li" userId="fe40599d2c97df8f" providerId="LiveId" clId="{EEA1446C-DC9F-476E-9FA1-A69FF84D40BA}" dt="2024-12-03T07:20:25.785" v="2516" actId="1076"/>
+          <ac:cxnSpMkLst>
+            <pc:docMk/>
+            <pc:sldMk cId="1568502379" sldId="651"/>
+            <ac:cxnSpMk id="47" creationId="{A438932B-4638-3E73-D6C3-FA4410048304}"/>
+          </ac:cxnSpMkLst>
+        </pc:cxnChg>
+        <pc:cxnChg chg="add mod">
+          <ac:chgData name="Chengming Li" userId="fe40599d2c97df8f" providerId="LiveId" clId="{EEA1446C-DC9F-476E-9FA1-A69FF84D40BA}" dt="2024-12-03T07:20:25.785" v="2516" actId="1076"/>
+          <ac:cxnSpMkLst>
+            <pc:docMk/>
+            <pc:sldMk cId="1568502379" sldId="651"/>
+            <ac:cxnSpMk id="54" creationId="{F527B6F1-AC1B-97F3-2A80-018AA6981BDE}"/>
+          </ac:cxnSpMkLst>
+        </pc:cxnChg>
+        <pc:cxnChg chg="add mod">
+          <ac:chgData name="Chengming Li" userId="fe40599d2c97df8f" providerId="LiveId" clId="{EEA1446C-DC9F-476E-9FA1-A69FF84D40BA}" dt="2024-12-03T07:27:38.833" v="2562" actId="14100"/>
+          <ac:cxnSpMkLst>
+            <pc:docMk/>
+            <pc:sldMk cId="1568502379" sldId="651"/>
+            <ac:cxnSpMk id="58" creationId="{170F044A-A86D-D794-2A5C-60654809B7ED}"/>
+          </ac:cxnSpMkLst>
+        </pc:cxnChg>
+        <pc:cxnChg chg="add del mod">
+          <ac:chgData name="Chengming Li" userId="fe40599d2c97df8f" providerId="LiveId" clId="{EEA1446C-DC9F-476E-9FA1-A69FF84D40BA}" dt="2024-12-03T07:19:16.078" v="2514" actId="478"/>
+          <ac:cxnSpMkLst>
+            <pc:docMk/>
+            <pc:sldMk cId="1568502379" sldId="651"/>
+            <ac:cxnSpMk id="72" creationId="{ECB8C5CD-4A8E-087D-39C9-C365D9238F29}"/>
+          </ac:cxnSpMkLst>
+        </pc:cxnChg>
+        <pc:cxnChg chg="add mod">
+          <ac:chgData name="Chengming Li" userId="fe40599d2c97df8f" providerId="LiveId" clId="{EEA1446C-DC9F-476E-9FA1-A69FF84D40BA}" dt="2024-12-03T07:27:31.122" v="2561" actId="14100"/>
+          <ac:cxnSpMkLst>
+            <pc:docMk/>
+            <pc:sldMk cId="1568502379" sldId="651"/>
+            <ac:cxnSpMk id="85" creationId="{04D3E970-878F-CDCB-71F7-97CDFB99E615}"/>
+          </ac:cxnSpMkLst>
+        </pc:cxnChg>
+        <pc:cxnChg chg="add mod">
+          <ac:chgData name="Chengming Li" userId="fe40599d2c97df8f" providerId="LiveId" clId="{EEA1446C-DC9F-476E-9FA1-A69FF84D40BA}" dt="2024-12-03T07:27:28.623" v="2560" actId="14100"/>
+          <ac:cxnSpMkLst>
+            <pc:docMk/>
+            <pc:sldMk cId="1568502379" sldId="651"/>
+            <ac:cxnSpMk id="94" creationId="{70930866-26E8-FC93-5DCB-5DC0B1113123}"/>
+          </ac:cxnSpMkLst>
+        </pc:cxnChg>
+        <pc:cxnChg chg="add mod">
+          <ac:chgData name="Chengming Li" userId="fe40599d2c97df8f" providerId="LiveId" clId="{EEA1446C-DC9F-476E-9FA1-A69FF84D40BA}" dt="2024-12-03T07:27:47.350" v="2565" actId="14100"/>
+          <ac:cxnSpMkLst>
+            <pc:docMk/>
+            <pc:sldMk cId="1568502379" sldId="651"/>
+            <ac:cxnSpMk id="100" creationId="{4D27CDCC-6625-119F-85F6-B4F6C23B4F2A}"/>
+          </ac:cxnSpMkLst>
+        </pc:cxnChg>
+        <pc:cxnChg chg="add mod">
+          <ac:chgData name="Chengming Li" userId="fe40599d2c97df8f" providerId="LiveId" clId="{EEA1446C-DC9F-476E-9FA1-A69FF84D40BA}" dt="2024-12-03T07:28:20.945" v="2573" actId="14100"/>
+          <ac:cxnSpMkLst>
+            <pc:docMk/>
+            <pc:sldMk cId="1568502379" sldId="651"/>
+            <ac:cxnSpMk id="103" creationId="{50C42C9B-CBB5-DC6D-FD39-85F1E3B5D909}"/>
+          </ac:cxnSpMkLst>
+        </pc:cxnChg>
+        <pc:cxnChg chg="add mod">
+          <ac:chgData name="Chengming Li" userId="fe40599d2c97df8f" providerId="LiveId" clId="{EEA1446C-DC9F-476E-9FA1-A69FF84D40BA}" dt="2024-12-03T07:29:27.347" v="2591" actId="14100"/>
+          <ac:cxnSpMkLst>
+            <pc:docMk/>
+            <pc:sldMk cId="1568502379" sldId="651"/>
+            <ac:cxnSpMk id="105" creationId="{7892563A-BFE8-6FB7-CB81-7E137B96F8EA}"/>
+          </ac:cxnSpMkLst>
+        </pc:cxnChg>
+        <pc:cxnChg chg="add mod">
+          <ac:chgData name="Chengming Li" userId="fe40599d2c97df8f" providerId="LiveId" clId="{EEA1446C-DC9F-476E-9FA1-A69FF84D40BA}" dt="2024-12-03T07:28:46.426" v="2579" actId="14100"/>
+          <ac:cxnSpMkLst>
+            <pc:docMk/>
+            <pc:sldMk cId="1568502379" sldId="651"/>
+            <ac:cxnSpMk id="111" creationId="{DAD6AE48-0088-FCC5-4001-B2D16948CCB2}"/>
+          </ac:cxnSpMkLst>
+        </pc:cxnChg>
+        <pc:cxnChg chg="add mod">
+          <ac:chgData name="Chengming Li" userId="fe40599d2c97df8f" providerId="LiveId" clId="{EEA1446C-DC9F-476E-9FA1-A69FF84D40BA}" dt="2024-12-03T07:29:59.834" v="2600" actId="14100"/>
+          <ac:cxnSpMkLst>
+            <pc:docMk/>
+            <pc:sldMk cId="1568502379" sldId="651"/>
+            <ac:cxnSpMk id="113" creationId="{F786A08F-9540-A688-5CBD-044F7E5F3336}"/>
+          </ac:cxnSpMkLst>
+        </pc:cxnChg>
+        <pc:cxnChg chg="add mod">
+          <ac:chgData name="Chengming Li" userId="fe40599d2c97df8f" providerId="LiveId" clId="{EEA1446C-DC9F-476E-9FA1-A69FF84D40BA}" dt="2024-12-03T07:30:02.247" v="2601" actId="14100"/>
+          <ac:cxnSpMkLst>
+            <pc:docMk/>
+            <pc:sldMk cId="1568502379" sldId="651"/>
+            <ac:cxnSpMk id="114" creationId="{F6A633B8-853D-EDBE-48F3-2D1D9F85F4AF}"/>
+          </ac:cxnSpMkLst>
+        </pc:cxnChg>
+        <pc:cxnChg chg="add mod">
+          <ac:chgData name="Chengming Li" userId="fe40599d2c97df8f" providerId="LiveId" clId="{EEA1446C-DC9F-476E-9FA1-A69FF84D40BA}" dt="2024-12-03T07:29:19.585" v="2589" actId="14100"/>
+          <ac:cxnSpMkLst>
+            <pc:docMk/>
+            <pc:sldMk cId="1568502379" sldId="651"/>
+            <ac:cxnSpMk id="118" creationId="{38D4510A-E091-12EC-7C35-57588E16BE87}"/>
+          </ac:cxnSpMkLst>
+        </pc:cxnChg>
+        <pc:cxnChg chg="add mod">
+          <ac:chgData name="Chengming Li" userId="fe40599d2c97df8f" providerId="LiveId" clId="{EEA1446C-DC9F-476E-9FA1-A69FF84D40BA}" dt="2024-12-03T07:29:34.721" v="2593" actId="1076"/>
+          <ac:cxnSpMkLst>
+            <pc:docMk/>
+            <pc:sldMk cId="1568502379" sldId="651"/>
+            <ac:cxnSpMk id="122" creationId="{58EC3029-9373-4049-BC3D-E5CFFE079515}"/>
+          </ac:cxnSpMkLst>
+        </pc:cxnChg>
+        <pc:cxnChg chg="add mod">
+          <ac:chgData name="Chengming Li" userId="fe40599d2c97df8f" providerId="LiveId" clId="{EEA1446C-DC9F-476E-9FA1-A69FF84D40BA}" dt="2024-12-03T07:29:42.593" v="2596" actId="14100"/>
+          <ac:cxnSpMkLst>
+            <pc:docMk/>
+            <pc:sldMk cId="1568502379" sldId="651"/>
+            <ac:cxnSpMk id="123" creationId="{2E8DA810-260B-8A23-42C0-6DA54DB12044}"/>
+          </ac:cxnSpMkLst>
+        </pc:cxnChg>
+        <pc:cxnChg chg="add mod">
+          <ac:chgData name="Chengming Li" userId="fe40599d2c97df8f" providerId="LiveId" clId="{EEA1446C-DC9F-476E-9FA1-A69FF84D40BA}" dt="2024-12-03T07:32:09.035" v="2647" actId="692"/>
+          <ac:cxnSpMkLst>
+            <pc:docMk/>
+            <pc:sldMk cId="1568502379" sldId="651"/>
+            <ac:cxnSpMk id="1033" creationId="{36E7BB7A-96BC-C25E-2658-5661F05DD966}"/>
+          </ac:cxnSpMkLst>
+        </pc:cxnChg>
       </pc:sldChg>
       <pc:sldChg chg="new del">
         <pc:chgData name="Chengming Li" userId="fe40599d2c97df8f" providerId="LiveId" clId="{EEA1446C-DC9F-476E-9FA1-A69FF84D40BA}" dt="2024-12-03T07:04:28.724" v="2179" actId="680"/>
@@ -1272,6 +1960,733 @@
           <pc:docMk/>
           <pc:sldMk cId="1733006664" sldId="651"/>
         </pc:sldMkLst>
+      </pc:sldChg>
+      <pc:sldChg chg="addSp delSp modSp add mod">
+        <pc:chgData name="Chengming Li" userId="fe40599d2c97df8f" providerId="LiveId" clId="{EEA1446C-DC9F-476E-9FA1-A69FF84D40BA}" dt="2024-12-03T07:36:53.924" v="2722" actId="1076"/>
+        <pc:sldMkLst>
+          <pc:docMk/>
+          <pc:sldMk cId="1185935615" sldId="652"/>
+        </pc:sldMkLst>
+        <pc:spChg chg="mod">
+          <ac:chgData name="Chengming Li" userId="fe40599d2c97df8f" providerId="LiveId" clId="{EEA1446C-DC9F-476E-9FA1-A69FF84D40BA}" dt="2024-12-03T07:35:54.810" v="2709" actId="20577"/>
+          <ac:spMkLst>
+            <pc:docMk/>
+            <pc:sldMk cId="1185935615" sldId="652"/>
+            <ac:spMk id="3" creationId="{73FD3C19-2B06-46EF-6C79-352686C9E3E3}"/>
+          </ac:spMkLst>
+        </pc:spChg>
+        <pc:spChg chg="del">
+          <ac:chgData name="Chengming Li" userId="fe40599d2c97df8f" providerId="LiveId" clId="{EEA1446C-DC9F-476E-9FA1-A69FF84D40BA}" dt="2024-12-03T07:36:03.319" v="2710" actId="478"/>
+          <ac:spMkLst>
+            <pc:docMk/>
+            <pc:sldMk cId="1185935615" sldId="652"/>
+            <ac:spMk id="28" creationId="{56E024BC-F4AF-3A3E-9246-C5ED9D34769C}"/>
+          </ac:spMkLst>
+        </pc:spChg>
+        <pc:spChg chg="del">
+          <ac:chgData name="Chengming Li" userId="fe40599d2c97df8f" providerId="LiveId" clId="{EEA1446C-DC9F-476E-9FA1-A69FF84D40BA}" dt="2024-12-03T07:36:03.319" v="2710" actId="478"/>
+          <ac:spMkLst>
+            <pc:docMk/>
+            <pc:sldMk cId="1185935615" sldId="652"/>
+            <ac:spMk id="29" creationId="{CF079040-6FE2-313E-7EB4-D0B571A12F0D}"/>
+          </ac:spMkLst>
+        </pc:spChg>
+        <pc:spChg chg="del">
+          <ac:chgData name="Chengming Li" userId="fe40599d2c97df8f" providerId="LiveId" clId="{EEA1446C-DC9F-476E-9FA1-A69FF84D40BA}" dt="2024-12-03T07:36:03.319" v="2710" actId="478"/>
+          <ac:spMkLst>
+            <pc:docMk/>
+            <pc:sldMk cId="1185935615" sldId="652"/>
+            <ac:spMk id="33" creationId="{6E9A3D92-3532-38ED-0769-E8C046D4EC72}"/>
+          </ac:spMkLst>
+        </pc:spChg>
+        <pc:spChg chg="del">
+          <ac:chgData name="Chengming Li" userId="fe40599d2c97df8f" providerId="LiveId" clId="{EEA1446C-DC9F-476E-9FA1-A69FF84D40BA}" dt="2024-12-03T07:36:03.319" v="2710" actId="478"/>
+          <ac:spMkLst>
+            <pc:docMk/>
+            <pc:sldMk cId="1185935615" sldId="652"/>
+            <ac:spMk id="34" creationId="{C62B14E5-2B3E-64C6-9CA1-DD9775A20C2A}"/>
+          </ac:spMkLst>
+        </pc:spChg>
+        <pc:spChg chg="del">
+          <ac:chgData name="Chengming Li" userId="fe40599d2c97df8f" providerId="LiveId" clId="{EEA1446C-DC9F-476E-9FA1-A69FF84D40BA}" dt="2024-12-03T07:36:03.319" v="2710" actId="478"/>
+          <ac:spMkLst>
+            <pc:docMk/>
+            <pc:sldMk cId="1185935615" sldId="652"/>
+            <ac:spMk id="43" creationId="{CCC0D5B8-BCBC-D699-5FB5-2063D5D40C22}"/>
+          </ac:spMkLst>
+        </pc:spChg>
+        <pc:spChg chg="del">
+          <ac:chgData name="Chengming Li" userId="fe40599d2c97df8f" providerId="LiveId" clId="{EEA1446C-DC9F-476E-9FA1-A69FF84D40BA}" dt="2024-12-03T07:36:03.319" v="2710" actId="478"/>
+          <ac:spMkLst>
+            <pc:docMk/>
+            <pc:sldMk cId="1185935615" sldId="652"/>
+            <ac:spMk id="44" creationId="{B72D8825-4E51-5C82-58A0-E3CF833EAEA3}"/>
+          </ac:spMkLst>
+        </pc:spChg>
+        <pc:spChg chg="del">
+          <ac:chgData name="Chengming Li" userId="fe40599d2c97df8f" providerId="LiveId" clId="{EEA1446C-DC9F-476E-9FA1-A69FF84D40BA}" dt="2024-12-03T07:36:03.319" v="2710" actId="478"/>
+          <ac:spMkLst>
+            <pc:docMk/>
+            <pc:sldMk cId="1185935615" sldId="652"/>
+            <ac:spMk id="51" creationId="{E496F198-EFE7-7E72-ACFE-52265AC8BD44}"/>
+          </ac:spMkLst>
+        </pc:spChg>
+        <pc:spChg chg="del">
+          <ac:chgData name="Chengming Li" userId="fe40599d2c97df8f" providerId="LiveId" clId="{EEA1446C-DC9F-476E-9FA1-A69FF84D40BA}" dt="2024-12-03T07:36:03.319" v="2710" actId="478"/>
+          <ac:spMkLst>
+            <pc:docMk/>
+            <pc:sldMk cId="1185935615" sldId="652"/>
+            <ac:spMk id="52" creationId="{C8EE6546-8104-9EA1-40A5-2D13692A3779}"/>
+          </ac:spMkLst>
+        </pc:spChg>
+        <pc:spChg chg="del">
+          <ac:chgData name="Chengming Li" userId="fe40599d2c97df8f" providerId="LiveId" clId="{EEA1446C-DC9F-476E-9FA1-A69FF84D40BA}" dt="2024-12-03T07:36:03.319" v="2710" actId="478"/>
+          <ac:spMkLst>
+            <pc:docMk/>
+            <pc:sldMk cId="1185935615" sldId="652"/>
+            <ac:spMk id="53" creationId="{A5E9D79F-3DAD-D0C4-4B09-5B764F3887E9}"/>
+          </ac:spMkLst>
+        </pc:spChg>
+        <pc:spChg chg="del">
+          <ac:chgData name="Chengming Li" userId="fe40599d2c97df8f" providerId="LiveId" clId="{EEA1446C-DC9F-476E-9FA1-A69FF84D40BA}" dt="2024-12-03T07:36:03.319" v="2710" actId="478"/>
+          <ac:spMkLst>
+            <pc:docMk/>
+            <pc:sldMk cId="1185935615" sldId="652"/>
+            <ac:spMk id="56" creationId="{92F3F102-D118-3C7C-F7F2-B0543FE8CB75}"/>
+          </ac:spMkLst>
+        </pc:spChg>
+        <pc:spChg chg="del">
+          <ac:chgData name="Chengming Li" userId="fe40599d2c97df8f" providerId="LiveId" clId="{EEA1446C-DC9F-476E-9FA1-A69FF84D40BA}" dt="2024-12-03T07:36:03.319" v="2710" actId="478"/>
+          <ac:spMkLst>
+            <pc:docMk/>
+            <pc:sldMk cId="1185935615" sldId="652"/>
+            <ac:spMk id="57" creationId="{C50048BD-33BB-B3A0-DAF6-FA037EBFC731}"/>
+          </ac:spMkLst>
+        </pc:spChg>
+        <pc:spChg chg="del">
+          <ac:chgData name="Chengming Li" userId="fe40599d2c97df8f" providerId="LiveId" clId="{EEA1446C-DC9F-476E-9FA1-A69FF84D40BA}" dt="2024-12-03T07:36:03.319" v="2710" actId="478"/>
+          <ac:spMkLst>
+            <pc:docMk/>
+            <pc:sldMk cId="1185935615" sldId="652"/>
+            <ac:spMk id="59" creationId="{2E3A5A67-8B94-01F9-4F6E-48168F468FEC}"/>
+          </ac:spMkLst>
+        </pc:spChg>
+        <pc:spChg chg="del">
+          <ac:chgData name="Chengming Li" userId="fe40599d2c97df8f" providerId="LiveId" clId="{EEA1446C-DC9F-476E-9FA1-A69FF84D40BA}" dt="2024-12-03T07:36:03.319" v="2710" actId="478"/>
+          <ac:spMkLst>
+            <pc:docMk/>
+            <pc:sldMk cId="1185935615" sldId="652"/>
+            <ac:spMk id="69" creationId="{5B8B8815-4C1E-AE7A-287C-49C9763A26DA}"/>
+          </ac:spMkLst>
+        </pc:spChg>
+        <pc:spChg chg="del">
+          <ac:chgData name="Chengming Li" userId="fe40599d2c97df8f" providerId="LiveId" clId="{EEA1446C-DC9F-476E-9FA1-A69FF84D40BA}" dt="2024-12-03T07:36:03.319" v="2710" actId="478"/>
+          <ac:spMkLst>
+            <pc:docMk/>
+            <pc:sldMk cId="1185935615" sldId="652"/>
+            <ac:spMk id="70" creationId="{B551D4F5-E6AA-CCFC-FB13-0F80536F9558}"/>
+          </ac:spMkLst>
+        </pc:spChg>
+        <pc:spChg chg="del">
+          <ac:chgData name="Chengming Li" userId="fe40599d2c97df8f" providerId="LiveId" clId="{EEA1446C-DC9F-476E-9FA1-A69FF84D40BA}" dt="2024-12-03T07:36:03.319" v="2710" actId="478"/>
+          <ac:spMkLst>
+            <pc:docMk/>
+            <pc:sldMk cId="1185935615" sldId="652"/>
+            <ac:spMk id="83" creationId="{A82CE319-1F92-F3B3-38A3-11866D2CC08A}"/>
+          </ac:spMkLst>
+        </pc:spChg>
+        <pc:spChg chg="del">
+          <ac:chgData name="Chengming Li" userId="fe40599d2c97df8f" providerId="LiveId" clId="{EEA1446C-DC9F-476E-9FA1-A69FF84D40BA}" dt="2024-12-03T07:36:03.319" v="2710" actId="478"/>
+          <ac:spMkLst>
+            <pc:docMk/>
+            <pc:sldMk cId="1185935615" sldId="652"/>
+            <ac:spMk id="84" creationId="{20E92042-5212-F17E-E7A3-72A77519AE8B}"/>
+          </ac:spMkLst>
+        </pc:spChg>
+        <pc:spChg chg="del">
+          <ac:chgData name="Chengming Li" userId="fe40599d2c97df8f" providerId="LiveId" clId="{EEA1446C-DC9F-476E-9FA1-A69FF84D40BA}" dt="2024-12-03T07:36:03.319" v="2710" actId="478"/>
+          <ac:spMkLst>
+            <pc:docMk/>
+            <pc:sldMk cId="1185935615" sldId="652"/>
+            <ac:spMk id="86" creationId="{B66D9EA5-29FC-8525-B068-1D7F75501821}"/>
+          </ac:spMkLst>
+        </pc:spChg>
+        <pc:spChg chg="del">
+          <ac:chgData name="Chengming Li" userId="fe40599d2c97df8f" providerId="LiveId" clId="{EEA1446C-DC9F-476E-9FA1-A69FF84D40BA}" dt="2024-12-03T07:36:03.319" v="2710" actId="478"/>
+          <ac:spMkLst>
+            <pc:docMk/>
+            <pc:sldMk cId="1185935615" sldId="652"/>
+            <ac:spMk id="87" creationId="{E379C2AE-82BC-F841-1379-663CBAD007FE}"/>
+          </ac:spMkLst>
+        </pc:spChg>
+        <pc:spChg chg="del">
+          <ac:chgData name="Chengming Li" userId="fe40599d2c97df8f" providerId="LiveId" clId="{EEA1446C-DC9F-476E-9FA1-A69FF84D40BA}" dt="2024-12-03T07:36:03.319" v="2710" actId="478"/>
+          <ac:spMkLst>
+            <pc:docMk/>
+            <pc:sldMk cId="1185935615" sldId="652"/>
+            <ac:spMk id="88" creationId="{F39A0914-848E-74B0-EC54-1DFCC7078862}"/>
+          </ac:spMkLst>
+        </pc:spChg>
+        <pc:spChg chg="del">
+          <ac:chgData name="Chengming Li" userId="fe40599d2c97df8f" providerId="LiveId" clId="{EEA1446C-DC9F-476E-9FA1-A69FF84D40BA}" dt="2024-12-03T07:36:03.319" v="2710" actId="478"/>
+          <ac:spMkLst>
+            <pc:docMk/>
+            <pc:sldMk cId="1185935615" sldId="652"/>
+            <ac:spMk id="1025" creationId="{EEB0CD34-54C6-1694-505D-C7CC240A933E}"/>
+          </ac:spMkLst>
+        </pc:spChg>
+        <pc:spChg chg="del">
+          <ac:chgData name="Chengming Li" userId="fe40599d2c97df8f" providerId="LiveId" clId="{EEA1446C-DC9F-476E-9FA1-A69FF84D40BA}" dt="2024-12-03T07:36:03.319" v="2710" actId="478"/>
+          <ac:spMkLst>
+            <pc:docMk/>
+            <pc:sldMk cId="1185935615" sldId="652"/>
+            <ac:spMk id="1027" creationId="{DA0AE4A6-C596-C682-576D-54DB3D9E770E}"/>
+          </ac:spMkLst>
+        </pc:spChg>
+        <pc:spChg chg="del">
+          <ac:chgData name="Chengming Li" userId="fe40599d2c97df8f" providerId="LiveId" clId="{EEA1446C-DC9F-476E-9FA1-A69FF84D40BA}" dt="2024-12-03T07:36:03.319" v="2710" actId="478"/>
+          <ac:spMkLst>
+            <pc:docMk/>
+            <pc:sldMk cId="1185935615" sldId="652"/>
+            <ac:spMk id="1029" creationId="{70C882A8-E21D-CB07-8056-5AFFD60F59ED}"/>
+          </ac:spMkLst>
+        </pc:spChg>
+        <pc:spChg chg="del">
+          <ac:chgData name="Chengming Li" userId="fe40599d2c97df8f" providerId="LiveId" clId="{EEA1446C-DC9F-476E-9FA1-A69FF84D40BA}" dt="2024-12-03T07:36:03.319" v="2710" actId="478"/>
+          <ac:spMkLst>
+            <pc:docMk/>
+            <pc:sldMk cId="1185935615" sldId="652"/>
+            <ac:spMk id="1031" creationId="{E6E4AC12-561A-402A-24F9-0275ED58BCCE}"/>
+          </ac:spMkLst>
+        </pc:spChg>
+        <pc:spChg chg="del">
+          <ac:chgData name="Chengming Li" userId="fe40599d2c97df8f" providerId="LiveId" clId="{EEA1446C-DC9F-476E-9FA1-A69FF84D40BA}" dt="2024-12-03T07:36:03.319" v="2710" actId="478"/>
+          <ac:spMkLst>
+            <pc:docMk/>
+            <pc:sldMk cId="1185935615" sldId="652"/>
+            <ac:spMk id="1032" creationId="{CC03C726-3EB2-95C0-7D5B-7E123F08211B}"/>
+          </ac:spMkLst>
+        </pc:spChg>
+        <pc:picChg chg="add mod">
+          <ac:chgData name="Chengming Li" userId="fe40599d2c97df8f" providerId="LiveId" clId="{EEA1446C-DC9F-476E-9FA1-A69FF84D40BA}" dt="2024-12-03T07:36:43.975" v="2718" actId="1076"/>
+          <ac:picMkLst>
+            <pc:docMk/>
+            <pc:sldMk cId="1185935615" sldId="652"/>
+            <ac:picMk id="5" creationId="{8AFD5322-73C4-A234-1AC9-8E5AA1394137}"/>
+          </ac:picMkLst>
+        </pc:picChg>
+        <pc:picChg chg="add mod">
+          <ac:chgData name="Chengming Li" userId="fe40599d2c97df8f" providerId="LiveId" clId="{EEA1446C-DC9F-476E-9FA1-A69FF84D40BA}" dt="2024-12-03T07:36:43.975" v="2718" actId="1076"/>
+          <ac:picMkLst>
+            <pc:docMk/>
+            <pc:sldMk cId="1185935615" sldId="652"/>
+            <ac:picMk id="7" creationId="{B8A3C846-AFD5-586C-A72D-692E11E447E1}"/>
+          </ac:picMkLst>
+        </pc:picChg>
+        <pc:picChg chg="add mod">
+          <ac:chgData name="Chengming Li" userId="fe40599d2c97df8f" providerId="LiveId" clId="{EEA1446C-DC9F-476E-9FA1-A69FF84D40BA}" dt="2024-12-03T07:36:53.924" v="2722" actId="1076"/>
+          <ac:picMkLst>
+            <pc:docMk/>
+            <pc:sldMk cId="1185935615" sldId="652"/>
+            <ac:picMk id="9" creationId="{8DFC1C8A-122C-17CA-4CE3-D39B6A543364}"/>
+          </ac:picMkLst>
+        </pc:picChg>
+        <pc:picChg chg="del">
+          <ac:chgData name="Chengming Li" userId="fe40599d2c97df8f" providerId="LiveId" clId="{EEA1446C-DC9F-476E-9FA1-A69FF84D40BA}" dt="2024-12-03T07:36:03.319" v="2710" actId="478"/>
+          <ac:picMkLst>
+            <pc:docMk/>
+            <pc:sldMk cId="1185935615" sldId="652"/>
+            <ac:picMk id="110" creationId="{72BED556-A7F9-D6CE-C932-D8FACCE41F4C}"/>
+          </ac:picMkLst>
+        </pc:picChg>
+        <pc:picChg chg="del">
+          <ac:chgData name="Chengming Li" userId="fe40599d2c97df8f" providerId="LiveId" clId="{EEA1446C-DC9F-476E-9FA1-A69FF84D40BA}" dt="2024-12-03T07:36:04.264" v="2711" actId="478"/>
+          <ac:picMkLst>
+            <pc:docMk/>
+            <pc:sldMk cId="1185935615" sldId="652"/>
+            <ac:picMk id="1026" creationId="{D5DE1BB7-7884-DD09-C449-8F9AA4A2CB81}"/>
+          </ac:picMkLst>
+        </pc:picChg>
+        <pc:picChg chg="del">
+          <ac:chgData name="Chengming Li" userId="fe40599d2c97df8f" providerId="LiveId" clId="{EEA1446C-DC9F-476E-9FA1-A69FF84D40BA}" dt="2024-12-03T07:36:03.319" v="2710" actId="478"/>
+          <ac:picMkLst>
+            <pc:docMk/>
+            <pc:sldMk cId="1185935615" sldId="652"/>
+            <ac:picMk id="1030" creationId="{A9705CC4-B71A-B62E-2BCB-FCE32A48686E}"/>
+          </ac:picMkLst>
+        </pc:picChg>
+        <pc:cxnChg chg="del">
+          <ac:chgData name="Chengming Li" userId="fe40599d2c97df8f" providerId="LiveId" clId="{EEA1446C-DC9F-476E-9FA1-A69FF84D40BA}" dt="2024-12-03T07:36:03.319" v="2710" actId="478"/>
+          <ac:cxnSpMkLst>
+            <pc:docMk/>
+            <pc:sldMk cId="1185935615" sldId="652"/>
+            <ac:cxnSpMk id="31" creationId="{01AB81F4-9045-6B6B-DE31-A852003D6D84}"/>
+          </ac:cxnSpMkLst>
+        </pc:cxnChg>
+        <pc:cxnChg chg="del">
+          <ac:chgData name="Chengming Li" userId="fe40599d2c97df8f" providerId="LiveId" clId="{EEA1446C-DC9F-476E-9FA1-A69FF84D40BA}" dt="2024-12-03T07:36:03.319" v="2710" actId="478"/>
+          <ac:cxnSpMkLst>
+            <pc:docMk/>
+            <pc:sldMk cId="1185935615" sldId="652"/>
+            <ac:cxnSpMk id="35" creationId="{F383C607-03D0-64B5-C1B0-24B12AFEE72D}"/>
+          </ac:cxnSpMkLst>
+        </pc:cxnChg>
+        <pc:cxnChg chg="del">
+          <ac:chgData name="Chengming Li" userId="fe40599d2c97df8f" providerId="LiveId" clId="{EEA1446C-DC9F-476E-9FA1-A69FF84D40BA}" dt="2024-12-03T07:36:03.319" v="2710" actId="478"/>
+          <ac:cxnSpMkLst>
+            <pc:docMk/>
+            <pc:sldMk cId="1185935615" sldId="652"/>
+            <ac:cxnSpMk id="38" creationId="{412BDA84-D13C-7E03-939E-5F856D01DB9C}"/>
+          </ac:cxnSpMkLst>
+        </pc:cxnChg>
+        <pc:cxnChg chg="del">
+          <ac:chgData name="Chengming Li" userId="fe40599d2c97df8f" providerId="LiveId" clId="{EEA1446C-DC9F-476E-9FA1-A69FF84D40BA}" dt="2024-12-03T07:36:03.319" v="2710" actId="478"/>
+          <ac:cxnSpMkLst>
+            <pc:docMk/>
+            <pc:sldMk cId="1185935615" sldId="652"/>
+            <ac:cxnSpMk id="40" creationId="{679B4E86-2F40-9F88-E663-88ED75D413A3}"/>
+          </ac:cxnSpMkLst>
+        </pc:cxnChg>
+        <pc:cxnChg chg="del">
+          <ac:chgData name="Chengming Li" userId="fe40599d2c97df8f" providerId="LiveId" clId="{EEA1446C-DC9F-476E-9FA1-A69FF84D40BA}" dt="2024-12-03T07:36:03.319" v="2710" actId="478"/>
+          <ac:cxnSpMkLst>
+            <pc:docMk/>
+            <pc:sldMk cId="1185935615" sldId="652"/>
+            <ac:cxnSpMk id="41" creationId="{363A42D5-7C6C-73FB-1CBC-E0FCC8E71C81}"/>
+          </ac:cxnSpMkLst>
+        </pc:cxnChg>
+        <pc:cxnChg chg="del">
+          <ac:chgData name="Chengming Li" userId="fe40599d2c97df8f" providerId="LiveId" clId="{EEA1446C-DC9F-476E-9FA1-A69FF84D40BA}" dt="2024-12-03T07:36:03.319" v="2710" actId="478"/>
+          <ac:cxnSpMkLst>
+            <pc:docMk/>
+            <pc:sldMk cId="1185935615" sldId="652"/>
+            <ac:cxnSpMk id="45" creationId="{78AFC264-62C7-0621-0B46-8871790C57E2}"/>
+          </ac:cxnSpMkLst>
+        </pc:cxnChg>
+        <pc:cxnChg chg="del">
+          <ac:chgData name="Chengming Li" userId="fe40599d2c97df8f" providerId="LiveId" clId="{EEA1446C-DC9F-476E-9FA1-A69FF84D40BA}" dt="2024-12-03T07:36:03.319" v="2710" actId="478"/>
+          <ac:cxnSpMkLst>
+            <pc:docMk/>
+            <pc:sldMk cId="1185935615" sldId="652"/>
+            <ac:cxnSpMk id="46" creationId="{4F06B138-D7C9-CF84-C478-D9FEB31D218F}"/>
+          </ac:cxnSpMkLst>
+        </pc:cxnChg>
+        <pc:cxnChg chg="del">
+          <ac:chgData name="Chengming Li" userId="fe40599d2c97df8f" providerId="LiveId" clId="{EEA1446C-DC9F-476E-9FA1-A69FF84D40BA}" dt="2024-12-03T07:36:03.319" v="2710" actId="478"/>
+          <ac:cxnSpMkLst>
+            <pc:docMk/>
+            <pc:sldMk cId="1185935615" sldId="652"/>
+            <ac:cxnSpMk id="47" creationId="{B58C9C59-3534-178F-4A61-9CD6877A18D8}"/>
+          </ac:cxnSpMkLst>
+        </pc:cxnChg>
+        <pc:cxnChg chg="del">
+          <ac:chgData name="Chengming Li" userId="fe40599d2c97df8f" providerId="LiveId" clId="{EEA1446C-DC9F-476E-9FA1-A69FF84D40BA}" dt="2024-12-03T07:36:03.319" v="2710" actId="478"/>
+          <ac:cxnSpMkLst>
+            <pc:docMk/>
+            <pc:sldMk cId="1185935615" sldId="652"/>
+            <ac:cxnSpMk id="54" creationId="{E672F51F-4D0D-5013-B5DF-0564BEC55C08}"/>
+          </ac:cxnSpMkLst>
+        </pc:cxnChg>
+        <pc:cxnChg chg="del">
+          <ac:chgData name="Chengming Li" userId="fe40599d2c97df8f" providerId="LiveId" clId="{EEA1446C-DC9F-476E-9FA1-A69FF84D40BA}" dt="2024-12-03T07:36:03.319" v="2710" actId="478"/>
+          <ac:cxnSpMkLst>
+            <pc:docMk/>
+            <pc:sldMk cId="1185935615" sldId="652"/>
+            <ac:cxnSpMk id="58" creationId="{7EA59D36-C36F-3DF8-1737-6F20C6A1CDF8}"/>
+          </ac:cxnSpMkLst>
+        </pc:cxnChg>
+        <pc:cxnChg chg="del">
+          <ac:chgData name="Chengming Li" userId="fe40599d2c97df8f" providerId="LiveId" clId="{EEA1446C-DC9F-476E-9FA1-A69FF84D40BA}" dt="2024-12-03T07:36:03.319" v="2710" actId="478"/>
+          <ac:cxnSpMkLst>
+            <pc:docMk/>
+            <pc:sldMk cId="1185935615" sldId="652"/>
+            <ac:cxnSpMk id="85" creationId="{C7B2A880-4352-3EA7-C877-D274D569CCAD}"/>
+          </ac:cxnSpMkLst>
+        </pc:cxnChg>
+        <pc:cxnChg chg="del">
+          <ac:chgData name="Chengming Li" userId="fe40599d2c97df8f" providerId="LiveId" clId="{EEA1446C-DC9F-476E-9FA1-A69FF84D40BA}" dt="2024-12-03T07:36:03.319" v="2710" actId="478"/>
+          <ac:cxnSpMkLst>
+            <pc:docMk/>
+            <pc:sldMk cId="1185935615" sldId="652"/>
+            <ac:cxnSpMk id="94" creationId="{478F711D-9B89-C062-657C-B61E1A3E3759}"/>
+          </ac:cxnSpMkLst>
+        </pc:cxnChg>
+        <pc:cxnChg chg="del">
+          <ac:chgData name="Chengming Li" userId="fe40599d2c97df8f" providerId="LiveId" clId="{EEA1446C-DC9F-476E-9FA1-A69FF84D40BA}" dt="2024-12-03T07:36:03.319" v="2710" actId="478"/>
+          <ac:cxnSpMkLst>
+            <pc:docMk/>
+            <pc:sldMk cId="1185935615" sldId="652"/>
+            <ac:cxnSpMk id="100" creationId="{A2F28938-282C-5EDC-2B9E-5E099141145F}"/>
+          </ac:cxnSpMkLst>
+        </pc:cxnChg>
+        <pc:cxnChg chg="del">
+          <ac:chgData name="Chengming Li" userId="fe40599d2c97df8f" providerId="LiveId" clId="{EEA1446C-DC9F-476E-9FA1-A69FF84D40BA}" dt="2024-12-03T07:36:03.319" v="2710" actId="478"/>
+          <ac:cxnSpMkLst>
+            <pc:docMk/>
+            <pc:sldMk cId="1185935615" sldId="652"/>
+            <ac:cxnSpMk id="103" creationId="{9D07EA12-FAC7-6072-81D2-D39477FDDC39}"/>
+          </ac:cxnSpMkLst>
+        </pc:cxnChg>
+        <pc:cxnChg chg="del">
+          <ac:chgData name="Chengming Li" userId="fe40599d2c97df8f" providerId="LiveId" clId="{EEA1446C-DC9F-476E-9FA1-A69FF84D40BA}" dt="2024-12-03T07:36:03.319" v="2710" actId="478"/>
+          <ac:cxnSpMkLst>
+            <pc:docMk/>
+            <pc:sldMk cId="1185935615" sldId="652"/>
+            <ac:cxnSpMk id="105" creationId="{3B76166B-7284-3A8D-CED8-0DCD06C9D63C}"/>
+          </ac:cxnSpMkLst>
+        </pc:cxnChg>
+        <pc:cxnChg chg="del">
+          <ac:chgData name="Chengming Li" userId="fe40599d2c97df8f" providerId="LiveId" clId="{EEA1446C-DC9F-476E-9FA1-A69FF84D40BA}" dt="2024-12-03T07:36:03.319" v="2710" actId="478"/>
+          <ac:cxnSpMkLst>
+            <pc:docMk/>
+            <pc:sldMk cId="1185935615" sldId="652"/>
+            <ac:cxnSpMk id="111" creationId="{610C250E-58D3-56F2-485C-7787FC0F0693}"/>
+          </ac:cxnSpMkLst>
+        </pc:cxnChg>
+        <pc:cxnChg chg="del">
+          <ac:chgData name="Chengming Li" userId="fe40599d2c97df8f" providerId="LiveId" clId="{EEA1446C-DC9F-476E-9FA1-A69FF84D40BA}" dt="2024-12-03T07:36:03.319" v="2710" actId="478"/>
+          <ac:cxnSpMkLst>
+            <pc:docMk/>
+            <pc:sldMk cId="1185935615" sldId="652"/>
+            <ac:cxnSpMk id="113" creationId="{6BC24AF9-D4CD-4379-D8C8-F363C6F11437}"/>
+          </ac:cxnSpMkLst>
+        </pc:cxnChg>
+        <pc:cxnChg chg="del">
+          <ac:chgData name="Chengming Li" userId="fe40599d2c97df8f" providerId="LiveId" clId="{EEA1446C-DC9F-476E-9FA1-A69FF84D40BA}" dt="2024-12-03T07:36:03.319" v="2710" actId="478"/>
+          <ac:cxnSpMkLst>
+            <pc:docMk/>
+            <pc:sldMk cId="1185935615" sldId="652"/>
+            <ac:cxnSpMk id="114" creationId="{CCD739DD-8523-D47B-7DA9-C8A965FDBC82}"/>
+          </ac:cxnSpMkLst>
+        </pc:cxnChg>
+        <pc:cxnChg chg="del">
+          <ac:chgData name="Chengming Li" userId="fe40599d2c97df8f" providerId="LiveId" clId="{EEA1446C-DC9F-476E-9FA1-A69FF84D40BA}" dt="2024-12-03T07:36:03.319" v="2710" actId="478"/>
+          <ac:cxnSpMkLst>
+            <pc:docMk/>
+            <pc:sldMk cId="1185935615" sldId="652"/>
+            <ac:cxnSpMk id="118" creationId="{6ED96F49-42EE-8ABA-AC87-620723D3F29B}"/>
+          </ac:cxnSpMkLst>
+        </pc:cxnChg>
+        <pc:cxnChg chg="del">
+          <ac:chgData name="Chengming Li" userId="fe40599d2c97df8f" providerId="LiveId" clId="{EEA1446C-DC9F-476E-9FA1-A69FF84D40BA}" dt="2024-12-03T07:36:03.319" v="2710" actId="478"/>
+          <ac:cxnSpMkLst>
+            <pc:docMk/>
+            <pc:sldMk cId="1185935615" sldId="652"/>
+            <ac:cxnSpMk id="122" creationId="{2F0A7906-BACD-40EB-72F0-986C79E20148}"/>
+          </ac:cxnSpMkLst>
+        </pc:cxnChg>
+        <pc:cxnChg chg="del">
+          <ac:chgData name="Chengming Li" userId="fe40599d2c97df8f" providerId="LiveId" clId="{EEA1446C-DC9F-476E-9FA1-A69FF84D40BA}" dt="2024-12-03T07:36:03.319" v="2710" actId="478"/>
+          <ac:cxnSpMkLst>
+            <pc:docMk/>
+            <pc:sldMk cId="1185935615" sldId="652"/>
+            <ac:cxnSpMk id="123" creationId="{B9EFA2B3-AF65-5124-8E9A-CD3BA1930E88}"/>
+          </ac:cxnSpMkLst>
+        </pc:cxnChg>
+        <pc:cxnChg chg="del">
+          <ac:chgData name="Chengming Li" userId="fe40599d2c97df8f" providerId="LiveId" clId="{EEA1446C-DC9F-476E-9FA1-A69FF84D40BA}" dt="2024-12-03T07:36:03.319" v="2710" actId="478"/>
+          <ac:cxnSpMkLst>
+            <pc:docMk/>
+            <pc:sldMk cId="1185935615" sldId="652"/>
+            <ac:cxnSpMk id="1033" creationId="{CEC5B4CC-55CB-C8DD-D7AD-8D0DBF65039D}"/>
+          </ac:cxnSpMkLst>
+        </pc:cxnChg>
+      </pc:sldChg>
+      <pc:sldChg chg="addSp delSp modSp add mod">
+        <pc:chgData name="Chengming Li" userId="fe40599d2c97df8f" providerId="LiveId" clId="{EEA1446C-DC9F-476E-9FA1-A69FF84D40BA}" dt="2024-12-03T07:40:53.865" v="2884" actId="1076"/>
+        <pc:sldMkLst>
+          <pc:docMk/>
+          <pc:sldMk cId="3698020453" sldId="653"/>
+        </pc:sldMkLst>
+        <pc:spChg chg="mod">
+          <ac:chgData name="Chengming Li" userId="fe40599d2c97df8f" providerId="LiveId" clId="{EEA1446C-DC9F-476E-9FA1-A69FF84D40BA}" dt="2024-12-03T07:39:58.079" v="2862" actId="20577"/>
+          <ac:spMkLst>
+            <pc:docMk/>
+            <pc:sldMk cId="3698020453" sldId="653"/>
+            <ac:spMk id="3" creationId="{F5107E09-3B51-C779-8931-590F9DACBF3C}"/>
+          </ac:spMkLst>
+        </pc:spChg>
+        <pc:spChg chg="del">
+          <ac:chgData name="Chengming Li" userId="fe40599d2c97df8f" providerId="LiveId" clId="{EEA1446C-DC9F-476E-9FA1-A69FF84D40BA}" dt="2024-12-03T07:40:03.885" v="2864" actId="478"/>
+          <ac:spMkLst>
+            <pc:docMk/>
+            <pc:sldMk cId="3698020453" sldId="653"/>
+            <ac:spMk id="4" creationId="{0950F77F-8CB7-8462-0D0A-829792A94193}"/>
+          </ac:spMkLst>
+        </pc:spChg>
+        <pc:picChg chg="add mod">
+          <ac:chgData name="Chengming Li" userId="fe40599d2c97df8f" providerId="LiveId" clId="{EEA1446C-DC9F-476E-9FA1-A69FF84D40BA}" dt="2024-12-03T07:40:53.865" v="2884" actId="1076"/>
+          <ac:picMkLst>
+            <pc:docMk/>
+            <pc:sldMk cId="3698020453" sldId="653"/>
+            <ac:picMk id="6" creationId="{9F9DB7DB-D36A-CC40-8658-87FF2B53239D}"/>
+          </ac:picMkLst>
+        </pc:picChg>
+        <pc:picChg chg="add mod">
+          <ac:chgData name="Chengming Li" userId="fe40599d2c97df8f" providerId="LiveId" clId="{EEA1446C-DC9F-476E-9FA1-A69FF84D40BA}" dt="2024-12-03T07:40:47.051" v="2883" actId="1076"/>
+          <ac:picMkLst>
+            <pc:docMk/>
+            <pc:sldMk cId="3698020453" sldId="653"/>
+            <ac:picMk id="8" creationId="{B7206C61-C39C-1B42-7AA9-427B9ECAD04E}"/>
+          </ac:picMkLst>
+        </pc:picChg>
+        <pc:picChg chg="del">
+          <ac:chgData name="Chengming Li" userId="fe40599d2c97df8f" providerId="LiveId" clId="{EEA1446C-DC9F-476E-9FA1-A69FF84D40BA}" dt="2024-12-03T07:40:02.151" v="2863" actId="478"/>
+          <ac:picMkLst>
+            <pc:docMk/>
+            <pc:sldMk cId="3698020453" sldId="653"/>
+            <ac:picMk id="11" creationId="{53140039-D20D-D6E5-F6FE-E6FD4C7B5D8A}"/>
+          </ac:picMkLst>
+        </pc:picChg>
+      </pc:sldChg>
+      <pc:sldChg chg="addSp delSp modSp add mod ord">
+        <pc:chgData name="Chengming Li" userId="fe40599d2c97df8f" providerId="LiveId" clId="{EEA1446C-DC9F-476E-9FA1-A69FF84D40BA}" dt="2024-12-03T07:56:29.285" v="3344" actId="404"/>
+        <pc:sldMkLst>
+          <pc:docMk/>
+          <pc:sldMk cId="1156879886" sldId="654"/>
+        </pc:sldMkLst>
+        <pc:spChg chg="mod">
+          <ac:chgData name="Chengming Li" userId="fe40599d2c97df8f" providerId="LiveId" clId="{EEA1446C-DC9F-476E-9FA1-A69FF84D40BA}" dt="2024-12-03T07:43:23.481" v="2927" actId="20577"/>
+          <ac:spMkLst>
+            <pc:docMk/>
+            <pc:sldMk cId="1156879886" sldId="654"/>
+            <ac:spMk id="3" creationId="{BFDA27C0-F4C9-6ABA-EB92-C08B548699A3}"/>
+          </ac:spMkLst>
+        </pc:spChg>
+        <pc:spChg chg="add mod">
+          <ac:chgData name="Chengming Li" userId="fe40599d2c97df8f" providerId="LiveId" clId="{EEA1446C-DC9F-476E-9FA1-A69FF84D40BA}" dt="2024-12-03T07:56:29.285" v="3344" actId="404"/>
+          <ac:spMkLst>
+            <pc:docMk/>
+            <pc:sldMk cId="1156879886" sldId="654"/>
+            <ac:spMk id="4" creationId="{82643926-C842-B423-31B6-F70A73E699D6}"/>
+          </ac:spMkLst>
+        </pc:spChg>
+        <pc:picChg chg="del">
+          <ac:chgData name="Chengming Li" userId="fe40599d2c97df8f" providerId="LiveId" clId="{EEA1446C-DC9F-476E-9FA1-A69FF84D40BA}" dt="2024-12-03T07:41:45.914" v="2912" actId="478"/>
+          <ac:picMkLst>
+            <pc:docMk/>
+            <pc:sldMk cId="1156879886" sldId="654"/>
+            <ac:picMk id="6" creationId="{2C5ED44E-D978-0B18-8295-83030A6DBC5B}"/>
+          </ac:picMkLst>
+        </pc:picChg>
+        <pc:picChg chg="add mod">
+          <ac:chgData name="Chengming Li" userId="fe40599d2c97df8f" providerId="LiveId" clId="{EEA1446C-DC9F-476E-9FA1-A69FF84D40BA}" dt="2024-12-03T07:54:45.930" v="3260" actId="14100"/>
+          <ac:picMkLst>
+            <pc:docMk/>
+            <pc:sldMk cId="1156879886" sldId="654"/>
+            <ac:picMk id="7" creationId="{D229072B-FD7A-6335-3BD3-051B1036F87B}"/>
+          </ac:picMkLst>
+        </pc:picChg>
+        <pc:picChg chg="del">
+          <ac:chgData name="Chengming Li" userId="fe40599d2c97df8f" providerId="LiveId" clId="{EEA1446C-DC9F-476E-9FA1-A69FF84D40BA}" dt="2024-12-03T07:41:46.590" v="2913" actId="478"/>
+          <ac:picMkLst>
+            <pc:docMk/>
+            <pc:sldMk cId="1156879886" sldId="654"/>
+            <ac:picMk id="8" creationId="{3A746DD3-AFF0-1EE7-02F6-028D15FCC8D5}"/>
+          </ac:picMkLst>
+        </pc:picChg>
+        <pc:picChg chg="add mod">
+          <ac:chgData name="Chengming Li" userId="fe40599d2c97df8f" providerId="LiveId" clId="{EEA1446C-DC9F-476E-9FA1-A69FF84D40BA}" dt="2024-12-03T07:54:48.693" v="3261" actId="14100"/>
+          <ac:picMkLst>
+            <pc:docMk/>
+            <pc:sldMk cId="1156879886" sldId="654"/>
+            <ac:picMk id="10" creationId="{4AA0FAAB-3B4E-35E8-8D47-8C793F4520A6}"/>
+          </ac:picMkLst>
+        </pc:picChg>
+        <pc:picChg chg="add mod">
+          <ac:chgData name="Chengming Li" userId="fe40599d2c97df8f" providerId="LiveId" clId="{EEA1446C-DC9F-476E-9FA1-A69FF84D40BA}" dt="2024-12-03T07:54:54.080" v="3262" actId="1076"/>
+          <ac:picMkLst>
+            <pc:docMk/>
+            <pc:sldMk cId="1156879886" sldId="654"/>
+            <ac:picMk id="12" creationId="{6722D827-9BCE-9860-C3F3-C30729CBA086}"/>
+          </ac:picMkLst>
+        </pc:picChg>
+      </pc:sldChg>
+      <pc:sldChg chg="addSp delSp modSp add mod">
+        <pc:chgData name="Chengming Li" userId="fe40599d2c97df8f" providerId="LiveId" clId="{EEA1446C-DC9F-476E-9FA1-A69FF84D40BA}" dt="2024-12-03T08:09:21.270" v="3386" actId="1076"/>
+        <pc:sldMkLst>
+          <pc:docMk/>
+          <pc:sldMk cId="590306522" sldId="655"/>
+        </pc:sldMkLst>
+        <pc:graphicFrameChg chg="del">
+          <ac:chgData name="Chengming Li" userId="fe40599d2c97df8f" providerId="LiveId" clId="{EEA1446C-DC9F-476E-9FA1-A69FF84D40BA}" dt="2024-12-03T08:08:43.419" v="3374" actId="478"/>
+          <ac:graphicFrameMkLst>
+            <pc:docMk/>
+            <pc:sldMk cId="590306522" sldId="655"/>
+            <ac:graphicFrameMk id="4" creationId="{B4069ADF-C704-F745-2F58-E65409DCC02A}"/>
+          </ac:graphicFrameMkLst>
+        </pc:graphicFrameChg>
+        <pc:picChg chg="add mod">
+          <ac:chgData name="Chengming Li" userId="fe40599d2c97df8f" providerId="LiveId" clId="{EEA1446C-DC9F-476E-9FA1-A69FF84D40BA}" dt="2024-12-03T08:08:56.769" v="3379" actId="1076"/>
+          <ac:picMkLst>
+            <pc:docMk/>
+            <pc:sldMk cId="590306522" sldId="655"/>
+            <ac:picMk id="6" creationId="{DF1A2AB7-C53C-EE5C-E661-FA3DA7A8C9A1}"/>
+          </ac:picMkLst>
+        </pc:picChg>
+        <pc:picChg chg="add mod">
+          <ac:chgData name="Chengming Li" userId="fe40599d2c97df8f" providerId="LiveId" clId="{EEA1446C-DC9F-476E-9FA1-A69FF84D40BA}" dt="2024-12-03T08:09:21.270" v="3386" actId="1076"/>
+          <ac:picMkLst>
+            <pc:docMk/>
+            <pc:sldMk cId="590306522" sldId="655"/>
+            <ac:picMk id="8" creationId="{F25D38B2-08AC-E34E-3F9E-FFEC25CE1C90}"/>
+          </ac:picMkLst>
+        </pc:picChg>
+        <pc:picChg chg="del">
+          <ac:chgData name="Chengming Li" userId="fe40599d2c97df8f" providerId="LiveId" clId="{EEA1446C-DC9F-476E-9FA1-A69FF84D40BA}" dt="2024-12-03T08:08:41.698" v="3373" actId="478"/>
+          <ac:picMkLst>
+            <pc:docMk/>
+            <pc:sldMk cId="590306522" sldId="655"/>
+            <ac:picMk id="10" creationId="{12B07046-8D78-EF9C-1966-92FDE0B46981}"/>
+          </ac:picMkLst>
+        </pc:picChg>
+      </pc:sldChg>
+      <pc:sldChg chg="delSp modSp add del mod">
+        <pc:chgData name="Chengming Li" userId="fe40599d2c97df8f" providerId="LiveId" clId="{EEA1446C-DC9F-476E-9FA1-A69FF84D40BA}" dt="2024-12-03T08:00:17.766" v="3365" actId="2696"/>
+        <pc:sldMkLst>
+          <pc:docMk/>
+          <pc:sldMk cId="1913625198" sldId="655"/>
+        </pc:sldMkLst>
+        <pc:spChg chg="mod">
+          <ac:chgData name="Chengming Li" userId="fe40599d2c97df8f" providerId="LiveId" clId="{EEA1446C-DC9F-476E-9FA1-A69FF84D40BA}" dt="2024-12-03T07:58:21.071" v="3358" actId="20577"/>
+          <ac:spMkLst>
+            <pc:docMk/>
+            <pc:sldMk cId="1913625198" sldId="655"/>
+            <ac:spMk id="3" creationId="{06B33797-1B52-D252-178E-62DF03A918DC}"/>
+          </ac:spMkLst>
+        </pc:spChg>
+        <pc:spChg chg="del mod">
+          <ac:chgData name="Chengming Li" userId="fe40599d2c97df8f" providerId="LiveId" clId="{EEA1446C-DC9F-476E-9FA1-A69FF84D40BA}" dt="2024-12-03T08:00:11.974" v="3362"/>
+          <ac:spMkLst>
+            <pc:docMk/>
+            <pc:sldMk cId="1913625198" sldId="655"/>
+            <ac:spMk id="4" creationId="{C67B97C6-0C8C-4F8A-419B-35CB4C44707E}"/>
+          </ac:spMkLst>
+        </pc:spChg>
+        <pc:picChg chg="del">
+          <ac:chgData name="Chengming Li" userId="fe40599d2c97df8f" providerId="LiveId" clId="{EEA1446C-DC9F-476E-9FA1-A69FF84D40BA}" dt="2024-12-03T08:00:12.606" v="3363" actId="478"/>
+          <ac:picMkLst>
+            <pc:docMk/>
+            <pc:sldMk cId="1913625198" sldId="655"/>
+            <ac:picMk id="7" creationId="{56A87117-8E69-E73A-E2EB-F16585F274ED}"/>
+          </ac:picMkLst>
+        </pc:picChg>
+        <pc:picChg chg="del">
+          <ac:chgData name="Chengming Li" userId="fe40599d2c97df8f" providerId="LiveId" clId="{EEA1446C-DC9F-476E-9FA1-A69FF84D40BA}" dt="2024-12-03T08:00:11.974" v="3360" actId="478"/>
+          <ac:picMkLst>
+            <pc:docMk/>
+            <pc:sldMk cId="1913625198" sldId="655"/>
+            <ac:picMk id="10" creationId="{9714F546-274D-35BD-F064-4381DB558E7F}"/>
+          </ac:picMkLst>
+        </pc:picChg>
+        <pc:picChg chg="del">
+          <ac:chgData name="Chengming Li" userId="fe40599d2c97df8f" providerId="LiveId" clId="{EEA1446C-DC9F-476E-9FA1-A69FF84D40BA}" dt="2024-12-03T08:00:13.112" v="3364" actId="478"/>
+          <ac:picMkLst>
+            <pc:docMk/>
+            <pc:sldMk cId="1913625198" sldId="655"/>
+            <ac:picMk id="12" creationId="{8A8144FF-41B9-1662-8274-298C765A916A}"/>
+          </ac:picMkLst>
+        </pc:picChg>
+      </pc:sldChg>
+      <pc:sldChg chg="addSp delSp modSp add mod">
+        <pc:chgData name="Chengming Li" userId="fe40599d2c97df8f" providerId="LiveId" clId="{EEA1446C-DC9F-476E-9FA1-A69FF84D40BA}" dt="2024-12-03T08:36:49.584" v="4837" actId="20577"/>
+        <pc:sldMkLst>
+          <pc:docMk/>
+          <pc:sldMk cId="1670427101" sldId="656"/>
+        </pc:sldMkLst>
+        <pc:spChg chg="mod">
+          <ac:chgData name="Chengming Li" userId="fe40599d2c97df8f" providerId="LiveId" clId="{EEA1446C-DC9F-476E-9FA1-A69FF84D40BA}" dt="2024-12-03T08:09:49.879" v="3398" actId="20577"/>
+          <ac:spMkLst>
+            <pc:docMk/>
+            <pc:sldMk cId="1670427101" sldId="656"/>
+            <ac:spMk id="3" creationId="{BADC978C-8F23-5919-7537-BFFCEEC367E4}"/>
+          </ac:spMkLst>
+        </pc:spChg>
+        <pc:spChg chg="add mod">
+          <ac:chgData name="Chengming Li" userId="fe40599d2c97df8f" providerId="LiveId" clId="{EEA1446C-DC9F-476E-9FA1-A69FF84D40BA}" dt="2024-12-03T08:36:49.584" v="4837" actId="20577"/>
+          <ac:spMkLst>
+            <pc:docMk/>
+            <pc:sldMk cId="1670427101" sldId="656"/>
+            <ac:spMk id="4" creationId="{D3A993B2-F701-900B-0AEA-6FD2E079C8F3}"/>
+          </ac:spMkLst>
+        </pc:spChg>
+        <pc:picChg chg="del">
+          <ac:chgData name="Chengming Li" userId="fe40599d2c97df8f" providerId="LiveId" clId="{EEA1446C-DC9F-476E-9FA1-A69FF84D40BA}" dt="2024-12-03T08:09:51.817" v="3399" actId="478"/>
+          <ac:picMkLst>
+            <pc:docMk/>
+            <pc:sldMk cId="1670427101" sldId="656"/>
+            <ac:picMk id="6" creationId="{4182ADFC-AB8E-4F91-2ACF-5CCE88ECA2F6}"/>
+          </ac:picMkLst>
+        </pc:picChg>
+        <pc:picChg chg="del">
+          <ac:chgData name="Chengming Li" userId="fe40599d2c97df8f" providerId="LiveId" clId="{EEA1446C-DC9F-476E-9FA1-A69FF84D40BA}" dt="2024-12-03T08:09:52.389" v="3400" actId="478"/>
+          <ac:picMkLst>
+            <pc:docMk/>
+            <pc:sldMk cId="1670427101" sldId="656"/>
+            <ac:picMk id="8" creationId="{CB00CB94-763F-3647-E875-A70A6D4E6F93}"/>
+          </ac:picMkLst>
+        </pc:picChg>
+      </pc:sldChg>
+      <pc:sldChg chg="modSp add mod">
+        <pc:chgData name="Chengming Li" userId="fe40599d2c97df8f" providerId="LiveId" clId="{EEA1446C-DC9F-476E-9FA1-A69FF84D40BA}" dt="2024-12-03T08:37:00.869" v="4839" actId="20577"/>
+        <pc:sldMkLst>
+          <pc:docMk/>
+          <pc:sldMk cId="3955138485" sldId="657"/>
+        </pc:sldMkLst>
+        <pc:spChg chg="mod">
+          <ac:chgData name="Chengming Li" userId="fe40599d2c97df8f" providerId="LiveId" clId="{EEA1446C-DC9F-476E-9FA1-A69FF84D40BA}" dt="2024-12-03T08:21:19.342" v="4100" actId="20577"/>
+          <ac:spMkLst>
+            <pc:docMk/>
+            <pc:sldMk cId="3955138485" sldId="657"/>
+            <ac:spMk id="3" creationId="{81CF0F3A-F150-71B9-2800-170FB3FC564E}"/>
+          </ac:spMkLst>
+        </pc:spChg>
+        <pc:spChg chg="mod">
+          <ac:chgData name="Chengming Li" userId="fe40599d2c97df8f" providerId="LiveId" clId="{EEA1446C-DC9F-476E-9FA1-A69FF84D40BA}" dt="2024-12-03T08:37:00.869" v="4839" actId="20577"/>
+          <ac:spMkLst>
+            <pc:docMk/>
+            <pc:sldMk cId="3955138485" sldId="657"/>
+            <ac:spMk id="4" creationId="{D36423EB-72CA-E0F0-FC0F-76D059CB2CAF}"/>
+          </ac:spMkLst>
+        </pc:spChg>
+      </pc:sldChg>
+      <pc:sldChg chg="modSp add mod ord">
+        <pc:chgData name="Chengming Li" userId="fe40599d2c97df8f" providerId="LiveId" clId="{EEA1446C-DC9F-476E-9FA1-A69FF84D40BA}" dt="2024-12-03T08:20:37.380" v="4091" actId="207"/>
+        <pc:sldMkLst>
+          <pc:docMk/>
+          <pc:sldMk cId="140870203" sldId="658"/>
+        </pc:sldMkLst>
+        <pc:spChg chg="mod">
+          <ac:chgData name="Chengming Li" userId="fe40599d2c97df8f" providerId="LiveId" clId="{EEA1446C-DC9F-476E-9FA1-A69FF84D40BA}" dt="2024-12-03T08:20:37.380" v="4091" actId="207"/>
+          <ac:spMkLst>
+            <pc:docMk/>
+            <pc:sldMk cId="140870203" sldId="658"/>
+            <ac:spMk id="3" creationId="{43AC3843-13D7-D1B3-87D5-A6BE02F372A6}"/>
+          </ac:spMkLst>
+        </pc:spChg>
+      </pc:sldChg>
+      <pc:sldChg chg="modSp add mod">
+        <pc:chgData name="Chengming Li" userId="fe40599d2c97df8f" providerId="LiveId" clId="{EEA1446C-DC9F-476E-9FA1-A69FF84D40BA}" dt="2024-12-03T08:37:41.216" v="4882" actId="14100"/>
+        <pc:sldMkLst>
+          <pc:docMk/>
+          <pc:sldMk cId="2544313305" sldId="659"/>
+        </pc:sldMkLst>
+        <pc:spChg chg="mod">
+          <ac:chgData name="Chengming Li" userId="fe40599d2c97df8f" providerId="LiveId" clId="{EEA1446C-DC9F-476E-9FA1-A69FF84D40BA}" dt="2024-12-03T08:27:16.063" v="4310" actId="20577"/>
+          <ac:spMkLst>
+            <pc:docMk/>
+            <pc:sldMk cId="2544313305" sldId="659"/>
+            <ac:spMk id="3" creationId="{A7B990B7-F6D1-B78F-4795-E5073500A829}"/>
+          </ac:spMkLst>
+        </pc:spChg>
+        <pc:spChg chg="mod">
+          <ac:chgData name="Chengming Li" userId="fe40599d2c97df8f" providerId="LiveId" clId="{EEA1446C-DC9F-476E-9FA1-A69FF84D40BA}" dt="2024-12-03T08:37:41.216" v="4882" actId="14100"/>
+          <ac:spMkLst>
+            <pc:docMk/>
+            <pc:sldMk cId="2544313305" sldId="659"/>
+            <ac:spMk id="4" creationId="{C73A7416-4F87-8BB4-9217-142796F81DA4}"/>
+          </ac:spMkLst>
+        </pc:spChg>
       </pc:sldChg>
     </pc:docChg>
   </pc:docChgLst>
@@ -2264,6 +3679,114 @@
   <p:cSld>
     <p:spTree>
       <p:nvGrpSpPr>
+        <p:cNvPr id="1" name="">
+          <a:extLst>
+            <a:ext uri="{FF2B5EF4-FFF2-40B4-BE49-F238E27FC236}">
+              <a16:creationId xmlns:a16="http://schemas.microsoft.com/office/drawing/2014/main" id="{E108A628-58F6-BC35-1F67-2A739F34C588}"/>
+            </a:ext>
+          </a:extLst>
+        </p:cNvPr>
+        <p:cNvGrpSpPr/>
+        <p:nvPr/>
+      </p:nvGrpSpPr>
+      <p:grpSpPr>
+        <a:xfrm>
+          <a:off x="0" y="0"/>
+          <a:ext cx="0" cy="0"/>
+          <a:chOff x="0" y="0"/>
+          <a:chExt cx="0" cy="0"/>
+        </a:xfrm>
+      </p:grpSpPr>
+      <p:sp>
+        <p:nvSpPr>
+          <p:cNvPr id="2" name="Slide Image Placeholder 1">
+            <a:extLst>
+              <a:ext uri="{FF2B5EF4-FFF2-40B4-BE49-F238E27FC236}">
+                <a16:creationId xmlns:a16="http://schemas.microsoft.com/office/drawing/2014/main" id="{55261BA7-C28A-513E-5685-3804B2F00253}"/>
+              </a:ext>
+            </a:extLst>
+          </p:cNvPr>
+          <p:cNvSpPr>
+            <a:spLocks noGrp="1" noRot="1" noChangeAspect="1"/>
+          </p:cNvSpPr>
+          <p:nvPr>
+            <p:ph type="sldImg"/>
+          </p:nvPr>
+        </p:nvSpPr>
+        <p:spPr/>
+      </p:sp>
+      <p:sp>
+        <p:nvSpPr>
+          <p:cNvPr id="3" name="Notes Placeholder 2">
+            <a:extLst>
+              <a:ext uri="{FF2B5EF4-FFF2-40B4-BE49-F238E27FC236}">
+                <a16:creationId xmlns:a16="http://schemas.microsoft.com/office/drawing/2014/main" id="{A3A805FF-E0C3-A105-0C09-0D806616C862}"/>
+              </a:ext>
+            </a:extLst>
+          </p:cNvPr>
+          <p:cNvSpPr>
+            <a:spLocks noGrp="1"/>
+          </p:cNvSpPr>
+          <p:nvPr>
+            <p:ph type="body" idx="1"/>
+          </p:nvPr>
+        </p:nvSpPr>
+        <p:spPr/>
+        <p:txBody>
+          <a:bodyPr/>
+          <a:lstStyle/>
+          <a:p>
+            <a:endParaRPr lang="en-US" dirty="0"/>
+          </a:p>
+        </p:txBody>
+      </p:sp>
+      <p:sp>
+        <p:nvSpPr>
+          <p:cNvPr id="4" name="Slide Number Placeholder 3">
+            <a:extLst>
+              <a:ext uri="{FF2B5EF4-FFF2-40B4-BE49-F238E27FC236}">
+                <a16:creationId xmlns:a16="http://schemas.microsoft.com/office/drawing/2014/main" id="{3F8018BA-47CA-2626-D695-692EC55AF632}"/>
+              </a:ext>
+            </a:extLst>
+          </p:cNvPr>
+          <p:cNvSpPr>
+            <a:spLocks noGrp="1"/>
+          </p:cNvSpPr>
+          <p:nvPr>
+            <p:ph type="sldNum" sz="quarter" idx="5"/>
+          </p:nvPr>
+        </p:nvSpPr>
+        <p:spPr/>
+        <p:txBody>
+          <a:bodyPr/>
+          <a:lstStyle/>
+          <a:p>
+            <a:fld id="{A8E3ED14-1C06-B149-8A7D-CC5362078B58}" type="slidenum">
+              <a:rPr lang="en-US" smtClean="0"/>
+              <a:t>14</a:t>
+            </a:fld>
+            <a:endParaRPr lang="en-US" dirty="0"/>
+          </a:p>
+        </p:txBody>
+      </p:sp>
+    </p:spTree>
+    <p:extLst>
+      <p:ext uri="{BB962C8B-B14F-4D97-AF65-F5344CB8AC3E}">
+        <p14:creationId xmlns:p14="http://schemas.microsoft.com/office/powerpoint/2010/main" val="1924251258"/>
+      </p:ext>
+    </p:extLst>
+  </p:cSld>
+  <p:clrMapOvr>
+    <a:masterClrMapping/>
+  </p:clrMapOvr>
+</p:notes>
+</file>
+
+<file path=ppt/notesSlides/notesSlide7.xml><?xml version="1.0" encoding="utf-8"?>
+<p:notes xmlns:a="http://schemas.openxmlformats.org/drawingml/2006/main" xmlns:r="http://schemas.openxmlformats.org/officeDocument/2006/relationships" xmlns:p="http://schemas.openxmlformats.org/presentationml/2006/main">
+  <p:cSld>
+    <p:spTree>
+      <p:nvGrpSpPr>
         <p:cNvPr id="1" name=""/>
         <p:cNvGrpSpPr/>
         <p:nvPr/>
@@ -2324,7 +3847,7 @@
           <a:p>
             <a:fld id="{A8E3ED14-1C06-B149-8A7D-CC5362078B58}" type="slidenum">
               <a:rPr lang="en-US" smtClean="0"/>
-              <a:t>14</a:t>
+              <a:t>15</a:t>
             </a:fld>
             <a:endParaRPr lang="en-US" dirty="0"/>
           </a:p>
@@ -4970,8 +6493,8 @@
         </p:nvSpPr>
         <p:spPr>
           <a:xfrm>
-            <a:off x="609601" y="1123951"/>
-            <a:ext cx="5391149" cy="5019675"/>
+            <a:off x="2991526" y="1457867"/>
+            <a:ext cx="2946899" cy="2104485"/>
           </a:xfrm>
         </p:spPr>
         <p:txBody>
@@ -5078,8 +6601,8 @@
         </p:nvSpPr>
         <p:spPr>
           <a:xfrm>
-            <a:off x="1878836" y="1325721"/>
-            <a:ext cx="219955" cy="4441472"/>
+            <a:off x="2258518" y="1089542"/>
+            <a:ext cx="120232" cy="2181030"/>
           </a:xfrm>
           <a:prstGeom prst="upDownArrow">
             <a:avLst/>
@@ -5122,8 +6645,8 @@
         </p:nvSpPr>
         <p:spPr>
           <a:xfrm>
-            <a:off x="978988" y="3169539"/>
-            <a:ext cx="1176463" cy="369332"/>
+            <a:off x="1287605" y="1810725"/>
+            <a:ext cx="779319" cy="307777"/>
           </a:xfrm>
           <a:prstGeom prst="rect">
             <a:avLst/>
@@ -5137,7 +6660,7 @@
           <a:lstStyle/>
           <a:p>
             <a:r>
-              <a:rPr lang="en-US" dirty="0"/>
+              <a:rPr lang="en-US" sz="1400" dirty="0"/>
               <a:t>78.69u</a:t>
             </a:r>
           </a:p>
@@ -5157,8 +6680,8 @@
         </p:nvSpPr>
         <p:spPr>
           <a:xfrm rot="5400000">
-            <a:off x="5873442" y="2094933"/>
-            <a:ext cx="312421" cy="7641770"/>
+            <a:off x="6466375" y="137945"/>
+            <a:ext cx="86203" cy="6684828"/>
           </a:xfrm>
           <a:prstGeom prst="upDownArrow">
             <a:avLst/>
@@ -5201,8 +6724,8 @@
         </p:nvSpPr>
         <p:spPr>
           <a:xfrm>
-            <a:off x="6524663" y="6152225"/>
-            <a:ext cx="1298223" cy="369332"/>
+            <a:off x="6046049" y="3562352"/>
+            <a:ext cx="919575" cy="307777"/>
           </a:xfrm>
           <a:prstGeom prst="rect">
             <a:avLst/>
@@ -5216,7 +6739,7 @@
           <a:lstStyle/>
           <a:p>
             <a:r>
-              <a:rPr lang="en-US" dirty="0"/>
+              <a:rPr lang="en-US" sz="1400" dirty="0"/>
               <a:t>125.5u</a:t>
             </a:r>
           </a:p>
@@ -5244,12 +6767,44 @@
         </p:blipFill>
         <p:spPr>
           <a:xfrm>
-            <a:off x="2072132" y="1188314"/>
-            <a:ext cx="7889850" cy="4727504"/>
+            <a:off x="2424114" y="930294"/>
+            <a:ext cx="7700962" cy="2404249"/>
           </a:xfrm>
           <a:prstGeom prst="rect">
             <a:avLst/>
           </a:prstGeom>
+        </p:spPr>
+      </p:pic>
+      <p:pic>
+        <p:nvPicPr>
+          <p:cNvPr id="11" name="Content Placeholder 9" descr="A colorful squares with black and white text&#10;&#10;Description automatically generated with medium confidence">
+            <a:extLst>
+              <a:ext uri="{FF2B5EF4-FFF2-40B4-BE49-F238E27FC236}">
+                <a16:creationId xmlns:a16="http://schemas.microsoft.com/office/drawing/2014/main" id="{3ADBDB52-12B2-153C-E178-23447D48D5AD}"/>
+              </a:ext>
+            </a:extLst>
+          </p:cNvPr>
+          <p:cNvPicPr>
+            <a:picLocks noChangeAspect="1"/>
+          </p:cNvPicPr>
+          <p:nvPr/>
+        </p:nvPicPr>
+        <p:blipFill rotWithShape="1">
+          <a:blip r:embed="rId4"/>
+          <a:srcRect t="18835" r="6070"/>
+          <a:stretch/>
+        </p:blipFill>
+        <p:spPr>
+          <a:xfrm>
+            <a:off x="952501" y="3862116"/>
+            <a:ext cx="10972808" cy="2378210"/>
+          </a:xfrm>
+          <a:prstGeom prst="rect">
+            <a:avLst/>
+          </a:prstGeom>
+          <a:ln>
+            <a:noFill/>
+          </a:ln>
         </p:spPr>
       </p:pic>
     </p:spTree>
@@ -6694,6 +8249,2511 @@
             </a:r>
             <a:r>
               <a:rPr lang="en-US" dirty="0"/>
+              <a:t> </a:t>
+            </a:r>
+            <a:r>
+              <a:rPr lang="en-US" dirty="0" err="1"/>
+              <a:t>BlockDiagram</a:t>
+            </a:r>
+            <a:endParaRPr lang="en-US" dirty="0"/>
+          </a:p>
+        </p:txBody>
+      </p:sp>
+      <p:sp>
+        <p:nvSpPr>
+          <p:cNvPr id="28" name="Isosceles Triangle 27">
+            <a:extLst>
+              <a:ext uri="{FF2B5EF4-FFF2-40B4-BE49-F238E27FC236}">
+                <a16:creationId xmlns:a16="http://schemas.microsoft.com/office/drawing/2014/main" id="{C2AFCE69-27F0-0BBA-2F8F-5A560E7A31D3}"/>
+              </a:ext>
+            </a:extLst>
+          </p:cNvPr>
+          <p:cNvSpPr/>
+          <p:nvPr/>
+        </p:nvSpPr>
+        <p:spPr>
+          <a:xfrm rot="5400000">
+            <a:off x="2208945" y="3064269"/>
+            <a:ext cx="1443520" cy="1012005"/>
+          </a:xfrm>
+          <a:prstGeom prst="triangle">
+            <a:avLst/>
+          </a:prstGeom>
+          <a:noFill/>
+        </p:spPr>
+        <p:style>
+          <a:lnRef idx="1">
+            <a:schemeClr val="accent1"/>
+          </a:lnRef>
+          <a:fillRef idx="3">
+            <a:schemeClr val="accent1"/>
+          </a:fillRef>
+          <a:effectRef idx="2">
+            <a:schemeClr val="accent1"/>
+          </a:effectRef>
+          <a:fontRef idx="minor">
+            <a:schemeClr val="lt1"/>
+          </a:fontRef>
+        </p:style>
+        <p:txBody>
+          <a:bodyPr rtlCol="0" anchor="ctr"/>
+          <a:lstStyle/>
+          <a:p>
+            <a:pPr algn="ctr"/>
+            <a:endParaRPr lang="en-US"/>
+          </a:p>
+        </p:txBody>
+      </p:sp>
+      <mc:AlternateContent xmlns:mc="http://schemas.openxmlformats.org/markup-compatibility/2006">
+        <mc:Choice xmlns:a14="http://schemas.microsoft.com/office/drawing/2010/main" Requires="a14">
+          <p:sp>
+            <p:nvSpPr>
+              <p:cNvPr id="29" name="TextBox 28">
+                <a:extLst>
+                  <a:ext uri="{FF2B5EF4-FFF2-40B4-BE49-F238E27FC236}">
+                    <a16:creationId xmlns:a16="http://schemas.microsoft.com/office/drawing/2014/main" id="{8A799339-A765-8D72-0CC1-D8503DAEBB98}"/>
+                  </a:ext>
+                </a:extLst>
+              </p:cNvPr>
+              <p:cNvSpPr txBox="1"/>
+              <p:nvPr/>
+            </p:nvSpPr>
+            <p:spPr>
+              <a:xfrm>
+                <a:off x="1833941" y="4380122"/>
+                <a:ext cx="1869896" cy="523220"/>
+              </a:xfrm>
+              <a:prstGeom prst="rect">
+                <a:avLst/>
+              </a:prstGeom>
+              <a:noFill/>
+            </p:spPr>
+            <p:txBody>
+              <a:bodyPr wrap="square" rtlCol="0">
+                <a:spAutoFit/>
+              </a:bodyPr>
+              <a:lstStyle/>
+              <a:p>
+                <a:r>
+                  <a:rPr lang="en-US" sz="1400" dirty="0"/>
+                  <a:t>Low Pass Filter(</a:t>
+                </a:r>
+                <a14:m>
+                  <m:oMath xmlns:m="http://schemas.openxmlformats.org/officeDocument/2006/math">
+                    <m:sSub>
+                      <m:sSubPr>
+                        <m:ctrlPr>
+                          <a:rPr lang="en-US" sz="1400" i="1" smtClean="0">
+                            <a:latin typeface="Cambria Math" panose="02040503050406030204" pitchFamily="18" charset="0"/>
+                          </a:rPr>
+                        </m:ctrlPr>
+                      </m:sSubPr>
+                      <m:e>
+                        <m:r>
+                          <a:rPr lang="en-US" sz="1400" b="0" i="1" smtClean="0">
+                            <a:latin typeface="Cambria Math" panose="02040503050406030204" pitchFamily="18" charset="0"/>
+                          </a:rPr>
+                          <m:t>𝐹</m:t>
+                        </m:r>
+                      </m:e>
+                      <m:sub>
+                        <m:r>
+                          <a:rPr lang="en-US" sz="1400" b="0" i="1" smtClean="0">
+                            <a:latin typeface="Cambria Math" panose="02040503050406030204" pitchFamily="18" charset="0"/>
+                          </a:rPr>
+                          <m:t>𝑐</m:t>
+                        </m:r>
+                      </m:sub>
+                    </m:sSub>
+                    <m:r>
+                      <a:rPr lang="en-US" sz="1400" b="0" i="1" smtClean="0">
+                        <a:latin typeface="Cambria Math" panose="02040503050406030204" pitchFamily="18" charset="0"/>
+                      </a:rPr>
+                      <m:t>=500</m:t>
+                    </m:r>
+                    <m:r>
+                      <a:rPr lang="en-US" sz="1400" b="0" i="1" smtClean="0">
+                        <a:latin typeface="Cambria Math" panose="02040503050406030204" pitchFamily="18" charset="0"/>
+                      </a:rPr>
+                      <m:t>𝑘</m:t>
+                    </m:r>
+                    <m:r>
+                      <a:rPr lang="en-US" sz="1400" b="0" i="1" smtClean="0">
+                        <a:latin typeface="Cambria Math" panose="02040503050406030204" pitchFamily="18" charset="0"/>
+                      </a:rPr>
+                      <m:t> </m:t>
+                    </m:r>
+                    <m:r>
+                      <a:rPr lang="en-US" sz="1400" b="0" i="1" smtClean="0">
+                        <a:latin typeface="Cambria Math" panose="02040503050406030204" pitchFamily="18" charset="0"/>
+                      </a:rPr>
+                      <m:t>𝑜𝑟</m:t>
+                    </m:r>
+                    <m:r>
+                      <a:rPr lang="en-US" sz="1400" b="0" i="1" smtClean="0">
+                        <a:latin typeface="Cambria Math" panose="02040503050406030204" pitchFamily="18" charset="0"/>
+                      </a:rPr>
+                      <m:t> 1</m:t>
+                    </m:r>
+                    <m:r>
+                      <a:rPr lang="en-US" sz="1400" b="0" i="1" smtClean="0">
+                        <a:latin typeface="Cambria Math" panose="02040503050406030204" pitchFamily="18" charset="0"/>
+                      </a:rPr>
+                      <m:t>𝑀</m:t>
+                    </m:r>
+                    <m:r>
+                      <a:rPr lang="en-US" sz="1400" b="0" i="1" smtClean="0">
+                        <a:latin typeface="Cambria Math" panose="02040503050406030204" pitchFamily="18" charset="0"/>
+                      </a:rPr>
+                      <m:t> </m:t>
+                    </m:r>
+                    <m:r>
+                      <a:rPr lang="en-US" sz="1400" b="0" i="1" smtClean="0">
+                        <a:latin typeface="Cambria Math" panose="02040503050406030204" pitchFamily="18" charset="0"/>
+                      </a:rPr>
+                      <m:t>𝐻𝑧</m:t>
+                    </m:r>
+                  </m:oMath>
+                </a14:m>
+                <a:r>
+                  <a:rPr lang="en-US" sz="1400" dirty="0"/>
+                  <a:t>)</a:t>
+                </a:r>
+              </a:p>
+            </p:txBody>
+          </p:sp>
+        </mc:Choice>
+        <mc:Fallback>
+          <p:sp>
+            <p:nvSpPr>
+              <p:cNvPr id="29" name="TextBox 28">
+                <a:extLst>
+                  <a:ext uri="{FF2B5EF4-FFF2-40B4-BE49-F238E27FC236}">
+                    <a16:creationId xmlns:a16="http://schemas.microsoft.com/office/drawing/2014/main" id="{8A799339-A765-8D72-0CC1-D8503DAEBB98}"/>
+                  </a:ext>
+                </a:extLst>
+              </p:cNvPr>
+              <p:cNvSpPr txBox="1">
+                <a:spLocks noRot="1" noChangeAspect="1" noMove="1" noResize="1" noEditPoints="1" noAdjustHandles="1" noChangeArrowheads="1" noChangeShapeType="1" noTextEdit="1"/>
+              </p:cNvSpPr>
+              <p:nvPr/>
+            </p:nvSpPr>
+            <p:spPr>
+              <a:xfrm>
+                <a:off x="1833941" y="4380122"/>
+                <a:ext cx="1869896" cy="523220"/>
+              </a:xfrm>
+              <a:prstGeom prst="rect">
+                <a:avLst/>
+              </a:prstGeom>
+              <a:blipFill>
+                <a:blip r:embed="rId3"/>
+                <a:stretch>
+                  <a:fillRect l="-977" t="-2353" b="-11765"/>
+                </a:stretch>
+              </a:blipFill>
+            </p:spPr>
+            <p:txBody>
+              <a:bodyPr/>
+              <a:lstStyle/>
+              <a:p>
+                <a:r>
+                  <a:rPr lang="en-US">
+                    <a:noFill/>
+                  </a:rPr>
+                  <a:t> </a:t>
+                </a:r>
+              </a:p>
+            </p:txBody>
+          </p:sp>
+        </mc:Fallback>
+      </mc:AlternateContent>
+      <p:cxnSp>
+        <p:nvCxnSpPr>
+          <p:cNvPr id="31" name="Straight Arrow Connector 30">
+            <a:extLst>
+              <a:ext uri="{FF2B5EF4-FFF2-40B4-BE49-F238E27FC236}">
+                <a16:creationId xmlns:a16="http://schemas.microsoft.com/office/drawing/2014/main" id="{DBC9A6E9-5990-1937-EAE6-8CA32DE4F7F1}"/>
+              </a:ext>
+            </a:extLst>
+          </p:cNvPr>
+          <p:cNvCxnSpPr>
+            <a:cxnSpLocks/>
+            <a:endCxn id="28" idx="3"/>
+          </p:cNvCxnSpPr>
+          <p:nvPr/>
+        </p:nvCxnSpPr>
+        <p:spPr>
+          <a:xfrm>
+            <a:off x="1410131" y="3570269"/>
+            <a:ext cx="1014572" cy="3"/>
+          </a:xfrm>
+          <a:prstGeom prst="straightConnector1">
+            <a:avLst/>
+          </a:prstGeom>
+          <a:ln w="9525">
+            <a:solidFill>
+              <a:srgbClr val="00B050"/>
+            </a:solidFill>
+            <a:tailEnd type="triangle"/>
+          </a:ln>
+          <a:effectLst/>
+        </p:spPr>
+        <p:style>
+          <a:lnRef idx="2">
+            <a:schemeClr val="accent1"/>
+          </a:lnRef>
+          <a:fillRef idx="0">
+            <a:schemeClr val="accent1"/>
+          </a:fillRef>
+          <a:effectRef idx="1">
+            <a:schemeClr val="accent1"/>
+          </a:effectRef>
+          <a:fontRef idx="minor">
+            <a:schemeClr val="tx1"/>
+          </a:fontRef>
+        </p:style>
+      </p:cxnSp>
+      <p:sp>
+        <p:nvSpPr>
+          <p:cNvPr id="33" name="TextBox 32">
+            <a:extLst>
+              <a:ext uri="{FF2B5EF4-FFF2-40B4-BE49-F238E27FC236}">
+                <a16:creationId xmlns:a16="http://schemas.microsoft.com/office/drawing/2014/main" id="{0CCE52B9-531A-7EF7-AE98-1510BA7C735E}"/>
+              </a:ext>
+            </a:extLst>
+          </p:cNvPr>
+          <p:cNvSpPr txBox="1"/>
+          <p:nvPr/>
+        </p:nvSpPr>
+        <p:spPr>
+          <a:xfrm>
+            <a:off x="2468369" y="3416382"/>
+            <a:ext cx="601039" cy="307777"/>
+          </a:xfrm>
+          <a:prstGeom prst="rect">
+            <a:avLst/>
+          </a:prstGeom>
+          <a:noFill/>
+        </p:spPr>
+        <p:txBody>
+          <a:bodyPr wrap="square" rtlCol="0">
+            <a:spAutoFit/>
+          </a:bodyPr>
+          <a:lstStyle/>
+          <a:p>
+            <a:r>
+              <a:rPr lang="en-US" sz="1400" dirty="0"/>
+              <a:t>LPF</a:t>
+            </a:r>
+          </a:p>
+        </p:txBody>
+      </p:sp>
+      <p:sp>
+        <p:nvSpPr>
+          <p:cNvPr id="34" name="Isosceles Triangle 33">
+            <a:extLst>
+              <a:ext uri="{FF2B5EF4-FFF2-40B4-BE49-F238E27FC236}">
+                <a16:creationId xmlns:a16="http://schemas.microsoft.com/office/drawing/2014/main" id="{8B99CA63-34C9-9004-3B0C-56B0732F03EB}"/>
+              </a:ext>
+            </a:extLst>
+          </p:cNvPr>
+          <p:cNvSpPr/>
+          <p:nvPr/>
+        </p:nvSpPr>
+        <p:spPr>
+          <a:xfrm rot="5400000">
+            <a:off x="4991530" y="3064268"/>
+            <a:ext cx="1443520" cy="1012005"/>
+          </a:xfrm>
+          <a:prstGeom prst="triangle">
+            <a:avLst/>
+          </a:prstGeom>
+          <a:noFill/>
+        </p:spPr>
+        <p:style>
+          <a:lnRef idx="1">
+            <a:schemeClr val="accent1"/>
+          </a:lnRef>
+          <a:fillRef idx="3">
+            <a:schemeClr val="accent1"/>
+          </a:fillRef>
+          <a:effectRef idx="2">
+            <a:schemeClr val="accent1"/>
+          </a:effectRef>
+          <a:fontRef idx="minor">
+            <a:schemeClr val="lt1"/>
+          </a:fontRef>
+        </p:style>
+        <p:txBody>
+          <a:bodyPr rtlCol="0" anchor="ctr"/>
+          <a:lstStyle/>
+          <a:p>
+            <a:pPr algn="ctr"/>
+            <a:endParaRPr lang="en-US"/>
+          </a:p>
+        </p:txBody>
+      </p:sp>
+      <p:cxnSp>
+        <p:nvCxnSpPr>
+          <p:cNvPr id="35" name="Straight Arrow Connector 34">
+            <a:extLst>
+              <a:ext uri="{FF2B5EF4-FFF2-40B4-BE49-F238E27FC236}">
+                <a16:creationId xmlns:a16="http://schemas.microsoft.com/office/drawing/2014/main" id="{9239880B-DB70-5278-6E9F-EEF2AF8A6CDD}"/>
+              </a:ext>
+            </a:extLst>
+          </p:cNvPr>
+          <p:cNvCxnSpPr>
+            <a:cxnSpLocks/>
+            <a:endCxn id="34" idx="3"/>
+          </p:cNvCxnSpPr>
+          <p:nvPr/>
+        </p:nvCxnSpPr>
+        <p:spPr>
+          <a:xfrm>
+            <a:off x="4392205" y="3570270"/>
+            <a:ext cx="815083" cy="1"/>
+          </a:xfrm>
+          <a:prstGeom prst="straightConnector1">
+            <a:avLst/>
+          </a:prstGeom>
+          <a:ln w="9525">
+            <a:solidFill>
+              <a:srgbClr val="00B050"/>
+            </a:solidFill>
+            <a:tailEnd type="triangle"/>
+          </a:ln>
+          <a:effectLst/>
+        </p:spPr>
+        <p:style>
+          <a:lnRef idx="2">
+            <a:schemeClr val="accent1"/>
+          </a:lnRef>
+          <a:fillRef idx="0">
+            <a:schemeClr val="accent1"/>
+          </a:fillRef>
+          <a:effectRef idx="1">
+            <a:schemeClr val="accent1"/>
+          </a:effectRef>
+          <a:fontRef idx="minor">
+            <a:schemeClr val="tx1"/>
+          </a:fontRef>
+        </p:style>
+      </p:cxnSp>
+      <p:cxnSp>
+        <p:nvCxnSpPr>
+          <p:cNvPr id="38" name="Straight Connector 37">
+            <a:extLst>
+              <a:ext uri="{FF2B5EF4-FFF2-40B4-BE49-F238E27FC236}">
+                <a16:creationId xmlns:a16="http://schemas.microsoft.com/office/drawing/2014/main" id="{09B75099-FEE2-965F-1135-4044BB898049}"/>
+              </a:ext>
+            </a:extLst>
+          </p:cNvPr>
+          <p:cNvCxnSpPr/>
+          <p:nvPr/>
+        </p:nvCxnSpPr>
+        <p:spPr>
+          <a:xfrm>
+            <a:off x="3703837" y="3570270"/>
+            <a:ext cx="323635" cy="0"/>
+          </a:xfrm>
+          <a:prstGeom prst="line">
+            <a:avLst/>
+          </a:prstGeom>
+          <a:ln w="9525">
+            <a:solidFill>
+              <a:schemeClr val="bg1">
+                <a:lumMod val="50000"/>
+              </a:schemeClr>
+            </a:solidFill>
+          </a:ln>
+          <a:effectLst/>
+        </p:spPr>
+        <p:style>
+          <a:lnRef idx="2">
+            <a:schemeClr val="accent1"/>
+          </a:lnRef>
+          <a:fillRef idx="0">
+            <a:schemeClr val="accent1"/>
+          </a:fillRef>
+          <a:effectRef idx="1">
+            <a:schemeClr val="accent1"/>
+          </a:effectRef>
+          <a:fontRef idx="minor">
+            <a:schemeClr val="tx1"/>
+          </a:fontRef>
+        </p:style>
+      </p:cxnSp>
+      <p:cxnSp>
+        <p:nvCxnSpPr>
+          <p:cNvPr id="40" name="Straight Arrow Connector 39">
+            <a:extLst>
+              <a:ext uri="{FF2B5EF4-FFF2-40B4-BE49-F238E27FC236}">
+                <a16:creationId xmlns:a16="http://schemas.microsoft.com/office/drawing/2014/main" id="{A6089FFD-C747-5B34-98F0-C4973C1E262C}"/>
+              </a:ext>
+            </a:extLst>
+          </p:cNvPr>
+          <p:cNvCxnSpPr/>
+          <p:nvPr/>
+        </p:nvCxnSpPr>
+        <p:spPr>
+          <a:xfrm flipV="1">
+            <a:off x="4027472" y="3375062"/>
+            <a:ext cx="364733" cy="195210"/>
+          </a:xfrm>
+          <a:prstGeom prst="straightConnector1">
+            <a:avLst/>
+          </a:prstGeom>
+          <a:ln w="9525">
+            <a:solidFill>
+              <a:schemeClr val="bg1">
+                <a:lumMod val="50000"/>
+              </a:schemeClr>
+            </a:solidFill>
+            <a:tailEnd type="triangle"/>
+          </a:ln>
+          <a:effectLst/>
+        </p:spPr>
+        <p:style>
+          <a:lnRef idx="2">
+            <a:schemeClr val="accent1"/>
+          </a:lnRef>
+          <a:fillRef idx="0">
+            <a:schemeClr val="accent1"/>
+          </a:fillRef>
+          <a:effectRef idx="1">
+            <a:schemeClr val="accent1"/>
+          </a:effectRef>
+          <a:fontRef idx="minor">
+            <a:schemeClr val="tx1"/>
+          </a:fontRef>
+        </p:style>
+      </p:cxnSp>
+      <p:cxnSp>
+        <p:nvCxnSpPr>
+          <p:cNvPr id="41" name="Straight Arrow Connector 40">
+            <a:extLst>
+              <a:ext uri="{FF2B5EF4-FFF2-40B4-BE49-F238E27FC236}">
+                <a16:creationId xmlns:a16="http://schemas.microsoft.com/office/drawing/2014/main" id="{C6637516-064B-1DCA-4ACF-F41C2338D0CF}"/>
+              </a:ext>
+            </a:extLst>
+          </p:cNvPr>
+          <p:cNvCxnSpPr>
+            <a:cxnSpLocks/>
+          </p:cNvCxnSpPr>
+          <p:nvPr/>
+        </p:nvCxnSpPr>
+        <p:spPr>
+          <a:xfrm>
+            <a:off x="3434140" y="3570272"/>
+            <a:ext cx="367301" cy="1"/>
+          </a:xfrm>
+          <a:prstGeom prst="straightConnector1">
+            <a:avLst/>
+          </a:prstGeom>
+          <a:ln w="9525">
+            <a:solidFill>
+              <a:srgbClr val="00B050"/>
+            </a:solidFill>
+            <a:tailEnd type="triangle"/>
+          </a:ln>
+          <a:effectLst/>
+        </p:spPr>
+        <p:style>
+          <a:lnRef idx="2">
+            <a:schemeClr val="accent1"/>
+          </a:lnRef>
+          <a:fillRef idx="0">
+            <a:schemeClr val="accent1"/>
+          </a:fillRef>
+          <a:effectRef idx="1">
+            <a:schemeClr val="accent1"/>
+          </a:effectRef>
+          <a:fontRef idx="minor">
+            <a:schemeClr val="tx1"/>
+          </a:fontRef>
+        </p:style>
+      </p:cxnSp>
+      <p:sp>
+        <p:nvSpPr>
+          <p:cNvPr id="43" name="TextBox 42">
+            <a:extLst>
+              <a:ext uri="{FF2B5EF4-FFF2-40B4-BE49-F238E27FC236}">
+                <a16:creationId xmlns:a16="http://schemas.microsoft.com/office/drawing/2014/main" id="{5C6A5C0D-078C-85F5-1A6E-6E5090E3FCEF}"/>
+              </a:ext>
+            </a:extLst>
+          </p:cNvPr>
+          <p:cNvSpPr txBox="1"/>
+          <p:nvPr/>
+        </p:nvSpPr>
+        <p:spPr>
+          <a:xfrm>
+            <a:off x="5303181" y="3416384"/>
+            <a:ext cx="719189" cy="307777"/>
+          </a:xfrm>
+          <a:prstGeom prst="rect">
+            <a:avLst/>
+          </a:prstGeom>
+          <a:noFill/>
+        </p:spPr>
+        <p:txBody>
+          <a:bodyPr wrap="square" rtlCol="0">
+            <a:spAutoFit/>
+          </a:bodyPr>
+          <a:lstStyle/>
+          <a:p>
+            <a:r>
+              <a:rPr lang="en-US" sz="1400" dirty="0"/>
+              <a:t>Buffer</a:t>
+            </a:r>
+          </a:p>
+        </p:txBody>
+      </p:sp>
+      <p:sp>
+        <p:nvSpPr>
+          <p:cNvPr id="44" name="TextBox 43">
+            <a:extLst>
+              <a:ext uri="{FF2B5EF4-FFF2-40B4-BE49-F238E27FC236}">
+                <a16:creationId xmlns:a16="http://schemas.microsoft.com/office/drawing/2014/main" id="{9DA83628-5C0D-1A14-8347-19CB95ACFCCA}"/>
+              </a:ext>
+            </a:extLst>
+          </p:cNvPr>
+          <p:cNvSpPr txBox="1"/>
+          <p:nvPr/>
+        </p:nvSpPr>
+        <p:spPr>
+          <a:xfrm>
+            <a:off x="3763771" y="3682839"/>
+            <a:ext cx="815082" cy="307777"/>
+          </a:xfrm>
+          <a:prstGeom prst="rect">
+            <a:avLst/>
+          </a:prstGeom>
+          <a:noFill/>
+        </p:spPr>
+        <p:txBody>
+          <a:bodyPr wrap="square" rtlCol="0">
+            <a:spAutoFit/>
+          </a:bodyPr>
+          <a:lstStyle/>
+          <a:p>
+            <a:r>
+              <a:rPr lang="en-US" sz="1400" dirty="0">
+                <a:solidFill>
+                  <a:srgbClr val="FFC000"/>
+                </a:solidFill>
+              </a:rPr>
+              <a:t>Jumper</a:t>
+            </a:r>
+          </a:p>
+        </p:txBody>
+      </p:sp>
+      <p:cxnSp>
+        <p:nvCxnSpPr>
+          <p:cNvPr id="45" name="Straight Arrow Connector 44">
+            <a:extLst>
+              <a:ext uri="{FF2B5EF4-FFF2-40B4-BE49-F238E27FC236}">
+                <a16:creationId xmlns:a16="http://schemas.microsoft.com/office/drawing/2014/main" id="{82417B56-DA03-B87F-AC5D-F6A6EA5CAF9A}"/>
+              </a:ext>
+            </a:extLst>
+          </p:cNvPr>
+          <p:cNvCxnSpPr>
+            <a:cxnSpLocks/>
+          </p:cNvCxnSpPr>
+          <p:nvPr/>
+        </p:nvCxnSpPr>
+        <p:spPr>
+          <a:xfrm>
+            <a:off x="7174789" y="3570273"/>
+            <a:ext cx="450350" cy="3"/>
+          </a:xfrm>
+          <a:prstGeom prst="straightConnector1">
+            <a:avLst/>
+          </a:prstGeom>
+          <a:ln w="9525">
+            <a:solidFill>
+              <a:srgbClr val="00B050"/>
+            </a:solidFill>
+            <a:tailEnd type="triangle"/>
+          </a:ln>
+          <a:effectLst/>
+        </p:spPr>
+        <p:style>
+          <a:lnRef idx="2">
+            <a:schemeClr val="accent1"/>
+          </a:lnRef>
+          <a:fillRef idx="0">
+            <a:schemeClr val="accent1"/>
+          </a:fillRef>
+          <a:effectRef idx="1">
+            <a:schemeClr val="accent1"/>
+          </a:effectRef>
+          <a:fontRef idx="minor">
+            <a:schemeClr val="tx1"/>
+          </a:fontRef>
+        </p:style>
+      </p:cxnSp>
+      <p:cxnSp>
+        <p:nvCxnSpPr>
+          <p:cNvPr id="46" name="Straight Arrow Connector 45">
+            <a:extLst>
+              <a:ext uri="{FF2B5EF4-FFF2-40B4-BE49-F238E27FC236}">
+                <a16:creationId xmlns:a16="http://schemas.microsoft.com/office/drawing/2014/main" id="{DA468C0F-B802-4F8A-6DB0-791A5C49F285}"/>
+              </a:ext>
+            </a:extLst>
+          </p:cNvPr>
+          <p:cNvCxnSpPr>
+            <a:cxnSpLocks/>
+          </p:cNvCxnSpPr>
+          <p:nvPr/>
+        </p:nvCxnSpPr>
+        <p:spPr>
+          <a:xfrm flipV="1">
+            <a:off x="6810056" y="3375065"/>
+            <a:ext cx="364733" cy="195210"/>
+          </a:xfrm>
+          <a:prstGeom prst="straightConnector1">
+            <a:avLst/>
+          </a:prstGeom>
+          <a:ln w="9525">
+            <a:solidFill>
+              <a:schemeClr val="bg1">
+                <a:lumMod val="50000"/>
+              </a:schemeClr>
+            </a:solidFill>
+            <a:tailEnd type="triangle"/>
+          </a:ln>
+          <a:effectLst/>
+        </p:spPr>
+        <p:style>
+          <a:lnRef idx="2">
+            <a:schemeClr val="accent1"/>
+          </a:lnRef>
+          <a:fillRef idx="0">
+            <a:schemeClr val="accent1"/>
+          </a:fillRef>
+          <a:effectRef idx="1">
+            <a:schemeClr val="accent1"/>
+          </a:effectRef>
+          <a:fontRef idx="minor">
+            <a:schemeClr val="tx1"/>
+          </a:fontRef>
+        </p:style>
+      </p:cxnSp>
+      <p:cxnSp>
+        <p:nvCxnSpPr>
+          <p:cNvPr id="47" name="Straight Arrow Connector 46">
+            <a:extLst>
+              <a:ext uri="{FF2B5EF4-FFF2-40B4-BE49-F238E27FC236}">
+                <a16:creationId xmlns:a16="http://schemas.microsoft.com/office/drawing/2014/main" id="{A438932B-4638-3E73-D6C3-FA4410048304}"/>
+              </a:ext>
+            </a:extLst>
+          </p:cNvPr>
+          <p:cNvCxnSpPr>
+            <a:cxnSpLocks/>
+          </p:cNvCxnSpPr>
+          <p:nvPr/>
+        </p:nvCxnSpPr>
+        <p:spPr>
+          <a:xfrm>
+            <a:off x="6216724" y="3570275"/>
+            <a:ext cx="593332" cy="1"/>
+          </a:xfrm>
+          <a:prstGeom prst="straightConnector1">
+            <a:avLst/>
+          </a:prstGeom>
+          <a:ln w="9525">
+            <a:solidFill>
+              <a:srgbClr val="00B050"/>
+            </a:solidFill>
+            <a:tailEnd type="triangle"/>
+          </a:ln>
+          <a:effectLst/>
+        </p:spPr>
+        <p:style>
+          <a:lnRef idx="2">
+            <a:schemeClr val="accent1"/>
+          </a:lnRef>
+          <a:fillRef idx="0">
+            <a:schemeClr val="accent1"/>
+          </a:fillRef>
+          <a:effectRef idx="1">
+            <a:schemeClr val="accent1"/>
+          </a:effectRef>
+          <a:fontRef idx="minor">
+            <a:schemeClr val="tx1"/>
+          </a:fontRef>
+        </p:style>
+      </p:cxnSp>
+      <p:sp>
+        <p:nvSpPr>
+          <p:cNvPr id="51" name="Isosceles Triangle 50">
+            <a:extLst>
+              <a:ext uri="{FF2B5EF4-FFF2-40B4-BE49-F238E27FC236}">
+                <a16:creationId xmlns:a16="http://schemas.microsoft.com/office/drawing/2014/main" id="{8D8EE372-3211-6C17-EF59-B0CBF176AF5B}"/>
+              </a:ext>
+            </a:extLst>
+          </p:cNvPr>
+          <p:cNvSpPr/>
+          <p:nvPr/>
+        </p:nvSpPr>
+        <p:spPr>
+          <a:xfrm rot="5400000">
+            <a:off x="7452192" y="3064267"/>
+            <a:ext cx="1443520" cy="1012005"/>
+          </a:xfrm>
+          <a:prstGeom prst="triangle">
+            <a:avLst/>
+          </a:prstGeom>
+          <a:noFill/>
+        </p:spPr>
+        <p:style>
+          <a:lnRef idx="1">
+            <a:schemeClr val="accent1"/>
+          </a:lnRef>
+          <a:fillRef idx="3">
+            <a:schemeClr val="accent1"/>
+          </a:fillRef>
+          <a:effectRef idx="2">
+            <a:schemeClr val="accent1"/>
+          </a:effectRef>
+          <a:fontRef idx="minor">
+            <a:schemeClr val="lt1"/>
+          </a:fontRef>
+        </p:style>
+        <p:txBody>
+          <a:bodyPr rtlCol="0" anchor="ctr"/>
+          <a:lstStyle/>
+          <a:p>
+            <a:pPr algn="ctr"/>
+            <a:endParaRPr lang="en-US"/>
+          </a:p>
+        </p:txBody>
+      </p:sp>
+      <p:sp>
+        <p:nvSpPr>
+          <p:cNvPr id="52" name="TextBox 51">
+            <a:extLst>
+              <a:ext uri="{FF2B5EF4-FFF2-40B4-BE49-F238E27FC236}">
+                <a16:creationId xmlns:a16="http://schemas.microsoft.com/office/drawing/2014/main" id="{C8F707B0-CACE-80F3-43F6-7B31AA66798C}"/>
+              </a:ext>
+            </a:extLst>
+          </p:cNvPr>
+          <p:cNvSpPr txBox="1"/>
+          <p:nvPr/>
+        </p:nvSpPr>
+        <p:spPr>
+          <a:xfrm>
+            <a:off x="7702194" y="3375062"/>
+            <a:ext cx="921251" cy="307777"/>
+          </a:xfrm>
+          <a:prstGeom prst="rect">
+            <a:avLst/>
+          </a:prstGeom>
+          <a:noFill/>
+        </p:spPr>
+        <p:txBody>
+          <a:bodyPr wrap="square" rtlCol="0">
+            <a:spAutoFit/>
+          </a:bodyPr>
+          <a:lstStyle/>
+          <a:p>
+            <a:r>
+              <a:rPr lang="en-US" sz="1400" dirty="0"/>
+              <a:t>SE-DE</a:t>
+            </a:r>
+          </a:p>
+        </p:txBody>
+      </p:sp>
+      <p:sp>
+        <p:nvSpPr>
+          <p:cNvPr id="53" name="TextBox 52">
+            <a:extLst>
+              <a:ext uri="{FF2B5EF4-FFF2-40B4-BE49-F238E27FC236}">
+                <a16:creationId xmlns:a16="http://schemas.microsoft.com/office/drawing/2014/main" id="{50F5D25C-2811-6194-6014-F47098C8BEEB}"/>
+              </a:ext>
+            </a:extLst>
+          </p:cNvPr>
+          <p:cNvSpPr txBox="1"/>
+          <p:nvPr/>
+        </p:nvSpPr>
+        <p:spPr>
+          <a:xfrm>
+            <a:off x="6531799" y="3682839"/>
+            <a:ext cx="815082" cy="307777"/>
+          </a:xfrm>
+          <a:prstGeom prst="rect">
+            <a:avLst/>
+          </a:prstGeom>
+          <a:noFill/>
+        </p:spPr>
+        <p:txBody>
+          <a:bodyPr wrap="square" rtlCol="0">
+            <a:spAutoFit/>
+          </a:bodyPr>
+          <a:lstStyle/>
+          <a:p>
+            <a:r>
+              <a:rPr lang="en-US" sz="1400" dirty="0">
+                <a:solidFill>
+                  <a:srgbClr val="FFC000"/>
+                </a:solidFill>
+              </a:rPr>
+              <a:t>Jumper</a:t>
+            </a:r>
+          </a:p>
+        </p:txBody>
+      </p:sp>
+      <p:cxnSp>
+        <p:nvCxnSpPr>
+          <p:cNvPr id="54" name="Straight Arrow Connector 53">
+            <a:extLst>
+              <a:ext uri="{FF2B5EF4-FFF2-40B4-BE49-F238E27FC236}">
+                <a16:creationId xmlns:a16="http://schemas.microsoft.com/office/drawing/2014/main" id="{F527B6F1-AC1B-97F3-2A80-018AA6981BDE}"/>
+              </a:ext>
+            </a:extLst>
+          </p:cNvPr>
+          <p:cNvCxnSpPr>
+            <a:cxnSpLocks/>
+          </p:cNvCxnSpPr>
+          <p:nvPr/>
+        </p:nvCxnSpPr>
+        <p:spPr>
+          <a:xfrm>
+            <a:off x="8272415" y="3286021"/>
+            <a:ext cx="900700" cy="0"/>
+          </a:xfrm>
+          <a:prstGeom prst="straightConnector1">
+            <a:avLst/>
+          </a:prstGeom>
+          <a:ln w="9525">
+            <a:solidFill>
+              <a:srgbClr val="00B050"/>
+            </a:solidFill>
+            <a:tailEnd type="triangle"/>
+          </a:ln>
+          <a:effectLst/>
+        </p:spPr>
+        <p:style>
+          <a:lnRef idx="2">
+            <a:schemeClr val="accent1"/>
+          </a:lnRef>
+          <a:fillRef idx="0">
+            <a:schemeClr val="accent1"/>
+          </a:fillRef>
+          <a:effectRef idx="1">
+            <a:schemeClr val="accent1"/>
+          </a:effectRef>
+          <a:fontRef idx="minor">
+            <a:schemeClr val="tx1"/>
+          </a:fontRef>
+        </p:style>
+      </p:cxnSp>
+      <p:sp>
+        <p:nvSpPr>
+          <p:cNvPr id="56" name="TextBox 55">
+            <a:extLst>
+              <a:ext uri="{FF2B5EF4-FFF2-40B4-BE49-F238E27FC236}">
+                <a16:creationId xmlns:a16="http://schemas.microsoft.com/office/drawing/2014/main" id="{CB05980B-EC15-3A0C-4161-1662E2C38759}"/>
+              </a:ext>
+            </a:extLst>
+          </p:cNvPr>
+          <p:cNvSpPr txBox="1"/>
+          <p:nvPr/>
+        </p:nvSpPr>
+        <p:spPr>
+          <a:xfrm>
+            <a:off x="1410131" y="3286021"/>
+            <a:ext cx="719189" cy="307777"/>
+          </a:xfrm>
+          <a:prstGeom prst="rect">
+            <a:avLst/>
+          </a:prstGeom>
+          <a:noFill/>
+        </p:spPr>
+        <p:txBody>
+          <a:bodyPr wrap="square" rtlCol="0">
+            <a:spAutoFit/>
+          </a:bodyPr>
+          <a:lstStyle/>
+          <a:p>
+            <a:r>
+              <a:rPr lang="en-US" sz="1400" dirty="0">
+                <a:solidFill>
+                  <a:srgbClr val="00B050"/>
+                </a:solidFill>
+              </a:rPr>
+              <a:t>SIN_P</a:t>
+            </a:r>
+          </a:p>
+        </p:txBody>
+      </p:sp>
+      <p:sp>
+        <p:nvSpPr>
+          <p:cNvPr id="57" name="TextBox 56">
+            <a:extLst>
+              <a:ext uri="{FF2B5EF4-FFF2-40B4-BE49-F238E27FC236}">
+                <a16:creationId xmlns:a16="http://schemas.microsoft.com/office/drawing/2014/main" id="{264A4CA7-C5D6-834B-BA37-23FF5725A2AF}"/>
+              </a:ext>
+            </a:extLst>
+          </p:cNvPr>
+          <p:cNvSpPr txBox="1"/>
+          <p:nvPr/>
+        </p:nvSpPr>
+        <p:spPr>
+          <a:xfrm>
+            <a:off x="8320360" y="2987481"/>
+            <a:ext cx="719189" cy="307777"/>
+          </a:xfrm>
+          <a:prstGeom prst="rect">
+            <a:avLst/>
+          </a:prstGeom>
+          <a:noFill/>
+        </p:spPr>
+        <p:txBody>
+          <a:bodyPr wrap="square" rtlCol="0">
+            <a:spAutoFit/>
+          </a:bodyPr>
+          <a:lstStyle/>
+          <a:p>
+            <a:r>
+              <a:rPr lang="en-US" sz="1400" dirty="0">
+                <a:solidFill>
+                  <a:srgbClr val="00B050"/>
+                </a:solidFill>
+              </a:rPr>
+              <a:t>SIN_P</a:t>
+            </a:r>
+          </a:p>
+        </p:txBody>
+      </p:sp>
+      <p:cxnSp>
+        <p:nvCxnSpPr>
+          <p:cNvPr id="58" name="Straight Arrow Connector 57">
+            <a:extLst>
+              <a:ext uri="{FF2B5EF4-FFF2-40B4-BE49-F238E27FC236}">
+                <a16:creationId xmlns:a16="http://schemas.microsoft.com/office/drawing/2014/main" id="{170F044A-A86D-D794-2A5C-60654809B7ED}"/>
+              </a:ext>
+            </a:extLst>
+          </p:cNvPr>
+          <p:cNvCxnSpPr>
+            <a:cxnSpLocks/>
+          </p:cNvCxnSpPr>
+          <p:nvPr/>
+        </p:nvCxnSpPr>
+        <p:spPr>
+          <a:xfrm>
+            <a:off x="8251007" y="3877198"/>
+            <a:ext cx="1014572" cy="0"/>
+          </a:xfrm>
+          <a:prstGeom prst="straightConnector1">
+            <a:avLst/>
+          </a:prstGeom>
+          <a:ln w="9525">
+            <a:solidFill>
+              <a:srgbClr val="00B050"/>
+            </a:solidFill>
+            <a:tailEnd type="triangle"/>
+          </a:ln>
+          <a:effectLst/>
+        </p:spPr>
+        <p:style>
+          <a:lnRef idx="2">
+            <a:schemeClr val="accent1"/>
+          </a:lnRef>
+          <a:fillRef idx="0">
+            <a:schemeClr val="accent1"/>
+          </a:fillRef>
+          <a:effectRef idx="1">
+            <a:schemeClr val="accent1"/>
+          </a:effectRef>
+          <a:fontRef idx="minor">
+            <a:schemeClr val="tx1"/>
+          </a:fontRef>
+        </p:style>
+      </p:cxnSp>
+      <p:sp>
+        <p:nvSpPr>
+          <p:cNvPr id="59" name="TextBox 58">
+            <a:extLst>
+              <a:ext uri="{FF2B5EF4-FFF2-40B4-BE49-F238E27FC236}">
+                <a16:creationId xmlns:a16="http://schemas.microsoft.com/office/drawing/2014/main" id="{58F95396-8CC8-DAA5-1FCD-AD0CF72A66EF}"/>
+              </a:ext>
+            </a:extLst>
+          </p:cNvPr>
+          <p:cNvSpPr txBox="1"/>
+          <p:nvPr/>
+        </p:nvSpPr>
+        <p:spPr>
+          <a:xfrm>
+            <a:off x="8432518" y="3842447"/>
+            <a:ext cx="719189" cy="307777"/>
+          </a:xfrm>
+          <a:prstGeom prst="rect">
+            <a:avLst/>
+          </a:prstGeom>
+          <a:noFill/>
+        </p:spPr>
+        <p:txBody>
+          <a:bodyPr wrap="square" rtlCol="0">
+            <a:spAutoFit/>
+          </a:bodyPr>
+          <a:lstStyle/>
+          <a:p>
+            <a:r>
+              <a:rPr lang="en-US" sz="1400" dirty="0">
+                <a:solidFill>
+                  <a:srgbClr val="00B050"/>
+                </a:solidFill>
+              </a:rPr>
+              <a:t>SIN_N</a:t>
+            </a:r>
+          </a:p>
+        </p:txBody>
+      </p:sp>
+      <p:sp>
+        <p:nvSpPr>
+          <p:cNvPr id="69" name="TextBox 68">
+            <a:extLst>
+              <a:ext uri="{FF2B5EF4-FFF2-40B4-BE49-F238E27FC236}">
+                <a16:creationId xmlns:a16="http://schemas.microsoft.com/office/drawing/2014/main" id="{76C6B24C-3444-8338-AAB3-3A3773BB689A}"/>
+              </a:ext>
+            </a:extLst>
+          </p:cNvPr>
+          <p:cNvSpPr txBox="1"/>
+          <p:nvPr/>
+        </p:nvSpPr>
+        <p:spPr>
+          <a:xfrm>
+            <a:off x="4648632" y="4398865"/>
+            <a:ext cx="1831793" cy="738664"/>
+          </a:xfrm>
+          <a:prstGeom prst="rect">
+            <a:avLst/>
+          </a:prstGeom>
+          <a:noFill/>
+        </p:spPr>
+        <p:txBody>
+          <a:bodyPr wrap="square" rtlCol="0">
+            <a:spAutoFit/>
+          </a:bodyPr>
+          <a:lstStyle/>
+          <a:p>
+            <a:r>
+              <a:rPr lang="en-US" sz="1400" dirty="0"/>
+              <a:t>Buffer Signal (Maintain drive strengthen)</a:t>
+            </a:r>
+          </a:p>
+        </p:txBody>
+      </p:sp>
+      <p:sp>
+        <p:nvSpPr>
+          <p:cNvPr id="70" name="TextBox 69">
+            <a:extLst>
+              <a:ext uri="{FF2B5EF4-FFF2-40B4-BE49-F238E27FC236}">
+                <a16:creationId xmlns:a16="http://schemas.microsoft.com/office/drawing/2014/main" id="{73F385EB-1204-9CFF-0F9B-1212D8848C45}"/>
+              </a:ext>
+            </a:extLst>
+          </p:cNvPr>
+          <p:cNvSpPr txBox="1"/>
+          <p:nvPr/>
+        </p:nvSpPr>
+        <p:spPr>
+          <a:xfrm>
+            <a:off x="7112718" y="4379936"/>
+            <a:ext cx="1831793" cy="523220"/>
+          </a:xfrm>
+          <a:prstGeom prst="rect">
+            <a:avLst/>
+          </a:prstGeom>
+          <a:noFill/>
+        </p:spPr>
+        <p:txBody>
+          <a:bodyPr wrap="square" rtlCol="0">
+            <a:spAutoFit/>
+          </a:bodyPr>
+          <a:lstStyle/>
+          <a:p>
+            <a:r>
+              <a:rPr lang="en-US" sz="1400" dirty="0"/>
+              <a:t>Single-ended to Differential Ended</a:t>
+            </a:r>
+          </a:p>
+        </p:txBody>
+      </p:sp>
+      <p:pic>
+        <p:nvPicPr>
+          <p:cNvPr id="1026" name="Picture 2">
+            <a:extLst>
+              <a:ext uri="{FF2B5EF4-FFF2-40B4-BE49-F238E27FC236}">
+                <a16:creationId xmlns:a16="http://schemas.microsoft.com/office/drawing/2014/main" id="{8428A34A-3057-581B-40CD-83433098C19B}"/>
+              </a:ext>
+            </a:extLst>
+          </p:cNvPr>
+          <p:cNvPicPr>
+            <a:picLocks noChangeAspect="1" noChangeArrowheads="1"/>
+          </p:cNvPicPr>
+          <p:nvPr/>
+        </p:nvPicPr>
+        <p:blipFill>
+          <a:blip r:embed="rId4">
+            <a:extLst>
+              <a:ext uri="{28A0092B-C50C-407E-A947-70E740481C1C}">
+                <a14:useLocalDpi xmlns:a14="http://schemas.microsoft.com/office/drawing/2010/main" val="0"/>
+              </a:ext>
+            </a:extLst>
+          </a:blip>
+          <a:srcRect/>
+          <a:stretch>
+            <a:fillRect/>
+          </a:stretch>
+        </p:blipFill>
+        <p:spPr bwMode="auto">
+          <a:xfrm>
+            <a:off x="9898083" y="3187893"/>
+            <a:ext cx="2286428" cy="723440"/>
+          </a:xfrm>
+          <a:prstGeom prst="rect">
+            <a:avLst/>
+          </a:prstGeom>
+          <a:noFill/>
+          <a:extLst>
+            <a:ext uri="{909E8E84-426E-40DD-AFC4-6F175D3DCCD1}">
+              <a14:hiddenFill xmlns:a14="http://schemas.microsoft.com/office/drawing/2010/main">
+                <a:solidFill>
+                  <a:srgbClr val="FFFFFF"/>
+                </a:solidFill>
+              </a14:hiddenFill>
+            </a:ext>
+          </a:extLst>
+        </p:spPr>
+      </p:pic>
+      <p:sp>
+        <p:nvSpPr>
+          <p:cNvPr id="83" name="Rectangle 82">
+            <a:extLst>
+              <a:ext uri="{FF2B5EF4-FFF2-40B4-BE49-F238E27FC236}">
+                <a16:creationId xmlns:a16="http://schemas.microsoft.com/office/drawing/2014/main" id="{7A313BAC-DE0A-F75E-0ED0-4C49E5C8EF29}"/>
+              </a:ext>
+            </a:extLst>
+          </p:cNvPr>
+          <p:cNvSpPr/>
+          <p:nvPr/>
+        </p:nvSpPr>
+        <p:spPr>
+          <a:xfrm>
+            <a:off x="469186" y="3375065"/>
+            <a:ext cx="853819" cy="349099"/>
+          </a:xfrm>
+          <a:prstGeom prst="rect">
+            <a:avLst/>
+          </a:prstGeom>
+          <a:noFill/>
+          <a:ln w="38100">
+            <a:solidFill>
+              <a:srgbClr val="FFC000"/>
+            </a:solidFill>
+          </a:ln>
+        </p:spPr>
+        <p:style>
+          <a:lnRef idx="1">
+            <a:schemeClr val="accent1"/>
+          </a:lnRef>
+          <a:fillRef idx="3">
+            <a:schemeClr val="accent1"/>
+          </a:fillRef>
+          <a:effectRef idx="2">
+            <a:schemeClr val="accent1"/>
+          </a:effectRef>
+          <a:fontRef idx="minor">
+            <a:schemeClr val="lt1"/>
+          </a:fontRef>
+        </p:style>
+        <p:txBody>
+          <a:bodyPr rtlCol="0" anchor="ctr"/>
+          <a:lstStyle/>
+          <a:p>
+            <a:pPr algn="ctr"/>
+            <a:endParaRPr lang="en-US"/>
+          </a:p>
+        </p:txBody>
+      </p:sp>
+      <p:sp>
+        <p:nvSpPr>
+          <p:cNvPr id="84" name="TextBox 83">
+            <a:extLst>
+              <a:ext uri="{FF2B5EF4-FFF2-40B4-BE49-F238E27FC236}">
+                <a16:creationId xmlns:a16="http://schemas.microsoft.com/office/drawing/2014/main" id="{E7D90ECC-6A64-6462-518E-7D5A086392D6}"/>
+              </a:ext>
+            </a:extLst>
+          </p:cNvPr>
+          <p:cNvSpPr txBox="1"/>
+          <p:nvPr/>
+        </p:nvSpPr>
+        <p:spPr>
+          <a:xfrm>
+            <a:off x="584978" y="3395724"/>
+            <a:ext cx="601039" cy="307777"/>
+          </a:xfrm>
+          <a:prstGeom prst="rect">
+            <a:avLst/>
+          </a:prstGeom>
+          <a:noFill/>
+        </p:spPr>
+        <p:txBody>
+          <a:bodyPr wrap="square" rtlCol="0">
+            <a:spAutoFit/>
+          </a:bodyPr>
+          <a:lstStyle/>
+          <a:p>
+            <a:r>
+              <a:rPr lang="en-US" sz="1400" dirty="0"/>
+              <a:t>SMA</a:t>
+            </a:r>
+          </a:p>
+        </p:txBody>
+      </p:sp>
+      <p:cxnSp>
+        <p:nvCxnSpPr>
+          <p:cNvPr id="85" name="Straight Arrow Connector 84">
+            <a:extLst>
+              <a:ext uri="{FF2B5EF4-FFF2-40B4-BE49-F238E27FC236}">
+                <a16:creationId xmlns:a16="http://schemas.microsoft.com/office/drawing/2014/main" id="{04D3E970-878F-CDCB-71F7-97CDFB99E615}"/>
+              </a:ext>
+            </a:extLst>
+          </p:cNvPr>
+          <p:cNvCxnSpPr>
+            <a:cxnSpLocks/>
+          </p:cNvCxnSpPr>
+          <p:nvPr/>
+        </p:nvCxnSpPr>
+        <p:spPr>
+          <a:xfrm>
+            <a:off x="1410130" y="5361397"/>
+            <a:ext cx="7855449" cy="3"/>
+          </a:xfrm>
+          <a:prstGeom prst="straightConnector1">
+            <a:avLst/>
+          </a:prstGeom>
+          <a:ln w="9525">
+            <a:solidFill>
+              <a:srgbClr val="00B050"/>
+            </a:solidFill>
+            <a:tailEnd type="triangle"/>
+          </a:ln>
+          <a:effectLst/>
+        </p:spPr>
+        <p:style>
+          <a:lnRef idx="2">
+            <a:schemeClr val="accent1"/>
+          </a:lnRef>
+          <a:fillRef idx="0">
+            <a:schemeClr val="accent1"/>
+          </a:fillRef>
+          <a:effectRef idx="1">
+            <a:schemeClr val="accent1"/>
+          </a:effectRef>
+          <a:fontRef idx="minor">
+            <a:schemeClr val="tx1"/>
+          </a:fontRef>
+        </p:style>
+      </p:cxnSp>
+      <p:sp>
+        <p:nvSpPr>
+          <p:cNvPr id="86" name="TextBox 85">
+            <a:extLst>
+              <a:ext uri="{FF2B5EF4-FFF2-40B4-BE49-F238E27FC236}">
+                <a16:creationId xmlns:a16="http://schemas.microsoft.com/office/drawing/2014/main" id="{2C9206D7-A214-2069-9814-520239A88BD3}"/>
+              </a:ext>
+            </a:extLst>
+          </p:cNvPr>
+          <p:cNvSpPr txBox="1"/>
+          <p:nvPr/>
+        </p:nvSpPr>
+        <p:spPr>
+          <a:xfrm>
+            <a:off x="1418898" y="5027525"/>
+            <a:ext cx="719189" cy="307777"/>
+          </a:xfrm>
+          <a:prstGeom prst="rect">
+            <a:avLst/>
+          </a:prstGeom>
+          <a:noFill/>
+        </p:spPr>
+        <p:txBody>
+          <a:bodyPr wrap="square" rtlCol="0">
+            <a:spAutoFit/>
+          </a:bodyPr>
+          <a:lstStyle/>
+          <a:p>
+            <a:r>
+              <a:rPr lang="en-US" sz="1400" dirty="0">
+                <a:solidFill>
+                  <a:srgbClr val="00B050"/>
+                </a:solidFill>
+              </a:rPr>
+              <a:t>SIN_N</a:t>
+            </a:r>
+          </a:p>
+        </p:txBody>
+      </p:sp>
+      <p:sp>
+        <p:nvSpPr>
+          <p:cNvPr id="87" name="Rectangle 86">
+            <a:extLst>
+              <a:ext uri="{FF2B5EF4-FFF2-40B4-BE49-F238E27FC236}">
+                <a16:creationId xmlns:a16="http://schemas.microsoft.com/office/drawing/2014/main" id="{4B396690-84E4-1395-C7F6-C6F4A4176CBF}"/>
+              </a:ext>
+            </a:extLst>
+          </p:cNvPr>
+          <p:cNvSpPr/>
+          <p:nvPr/>
+        </p:nvSpPr>
+        <p:spPr>
+          <a:xfrm>
+            <a:off x="463518" y="5160752"/>
+            <a:ext cx="853819" cy="349099"/>
+          </a:xfrm>
+          <a:prstGeom prst="rect">
+            <a:avLst/>
+          </a:prstGeom>
+          <a:noFill/>
+          <a:ln w="38100">
+            <a:solidFill>
+              <a:srgbClr val="FFC000"/>
+            </a:solidFill>
+          </a:ln>
+        </p:spPr>
+        <p:style>
+          <a:lnRef idx="1">
+            <a:schemeClr val="accent1"/>
+          </a:lnRef>
+          <a:fillRef idx="3">
+            <a:schemeClr val="accent1"/>
+          </a:fillRef>
+          <a:effectRef idx="2">
+            <a:schemeClr val="accent1"/>
+          </a:effectRef>
+          <a:fontRef idx="minor">
+            <a:schemeClr val="lt1"/>
+          </a:fontRef>
+        </p:style>
+        <p:txBody>
+          <a:bodyPr rtlCol="0" anchor="ctr"/>
+          <a:lstStyle/>
+          <a:p>
+            <a:pPr algn="ctr"/>
+            <a:endParaRPr lang="en-US"/>
+          </a:p>
+        </p:txBody>
+      </p:sp>
+      <p:sp>
+        <p:nvSpPr>
+          <p:cNvPr id="88" name="TextBox 87">
+            <a:extLst>
+              <a:ext uri="{FF2B5EF4-FFF2-40B4-BE49-F238E27FC236}">
+                <a16:creationId xmlns:a16="http://schemas.microsoft.com/office/drawing/2014/main" id="{B7442679-8605-3666-2A1B-ACE0F3FDC101}"/>
+              </a:ext>
+            </a:extLst>
+          </p:cNvPr>
+          <p:cNvSpPr txBox="1"/>
+          <p:nvPr/>
+        </p:nvSpPr>
+        <p:spPr>
+          <a:xfrm>
+            <a:off x="584977" y="5181412"/>
+            <a:ext cx="601039" cy="307777"/>
+          </a:xfrm>
+          <a:prstGeom prst="rect">
+            <a:avLst/>
+          </a:prstGeom>
+          <a:noFill/>
+        </p:spPr>
+        <p:txBody>
+          <a:bodyPr wrap="square" rtlCol="0">
+            <a:spAutoFit/>
+          </a:bodyPr>
+          <a:lstStyle/>
+          <a:p>
+            <a:r>
+              <a:rPr lang="en-US" sz="1400" dirty="0"/>
+              <a:t>SMA</a:t>
+            </a:r>
+          </a:p>
+        </p:txBody>
+      </p:sp>
+      <p:pic>
+        <p:nvPicPr>
+          <p:cNvPr id="1030" name="Picture 6" descr="Generic 3 Pin Header | Upverter">
+            <a:extLst>
+              <a:ext uri="{FF2B5EF4-FFF2-40B4-BE49-F238E27FC236}">
+                <a16:creationId xmlns:a16="http://schemas.microsoft.com/office/drawing/2014/main" id="{1CF155B3-31E8-22EE-8F84-802D914C4FF9}"/>
+              </a:ext>
+            </a:extLst>
+          </p:cNvPr>
+          <p:cNvPicPr>
+            <a:picLocks noChangeAspect="1" noChangeArrowheads="1"/>
+          </p:cNvPicPr>
+          <p:nvPr/>
+        </p:nvPicPr>
+        <p:blipFill>
+          <a:blip r:embed="rId5">
+            <a:extLst>
+              <a:ext uri="{28A0092B-C50C-407E-A947-70E740481C1C}">
+                <a14:useLocalDpi xmlns:a14="http://schemas.microsoft.com/office/drawing/2010/main" val="0"/>
+              </a:ext>
+            </a:extLst>
+          </a:blip>
+          <a:srcRect/>
+          <a:stretch>
+            <a:fillRect/>
+          </a:stretch>
+        </p:blipFill>
+        <p:spPr bwMode="auto">
+          <a:xfrm>
+            <a:off x="8620878" y="4337449"/>
+            <a:ext cx="780044" cy="682538"/>
+          </a:xfrm>
+          <a:prstGeom prst="rect">
+            <a:avLst/>
+          </a:prstGeom>
+          <a:noFill/>
+          <a:extLst>
+            <a:ext uri="{909E8E84-426E-40DD-AFC4-6F175D3DCCD1}">
+              <a14:hiddenFill xmlns:a14="http://schemas.microsoft.com/office/drawing/2010/main">
+                <a:solidFill>
+                  <a:srgbClr val="FFFFFF"/>
+                </a:solidFill>
+              </a14:hiddenFill>
+            </a:ext>
+          </a:extLst>
+        </p:spPr>
+      </p:pic>
+      <p:cxnSp>
+        <p:nvCxnSpPr>
+          <p:cNvPr id="94" name="Straight Arrow Connector 93">
+            <a:extLst>
+              <a:ext uri="{FF2B5EF4-FFF2-40B4-BE49-F238E27FC236}">
+                <a16:creationId xmlns:a16="http://schemas.microsoft.com/office/drawing/2014/main" id="{70930866-26E8-FC93-5DCB-5DC0B1113123}"/>
+              </a:ext>
+            </a:extLst>
+          </p:cNvPr>
+          <p:cNvCxnSpPr>
+            <a:cxnSpLocks/>
+          </p:cNvCxnSpPr>
+          <p:nvPr/>
+        </p:nvCxnSpPr>
+        <p:spPr>
+          <a:xfrm flipV="1">
+            <a:off x="9265579" y="4859676"/>
+            <a:ext cx="0" cy="501724"/>
+          </a:xfrm>
+          <a:prstGeom prst="straightConnector1">
+            <a:avLst/>
+          </a:prstGeom>
+          <a:ln w="9525">
+            <a:solidFill>
+              <a:srgbClr val="00B050"/>
+            </a:solidFill>
+            <a:tailEnd type="triangle"/>
+          </a:ln>
+          <a:effectLst/>
+        </p:spPr>
+        <p:style>
+          <a:lnRef idx="2">
+            <a:schemeClr val="accent1"/>
+          </a:lnRef>
+          <a:fillRef idx="0">
+            <a:schemeClr val="accent1"/>
+          </a:fillRef>
+          <a:effectRef idx="1">
+            <a:schemeClr val="accent1"/>
+          </a:effectRef>
+          <a:fontRef idx="minor">
+            <a:schemeClr val="tx1"/>
+          </a:fontRef>
+        </p:style>
+      </p:cxnSp>
+      <p:cxnSp>
+        <p:nvCxnSpPr>
+          <p:cNvPr id="100" name="Straight Arrow Connector 99">
+            <a:extLst>
+              <a:ext uri="{FF2B5EF4-FFF2-40B4-BE49-F238E27FC236}">
+                <a16:creationId xmlns:a16="http://schemas.microsoft.com/office/drawing/2014/main" id="{4D27CDCC-6625-119F-85F6-B4F6C23B4F2A}"/>
+              </a:ext>
+            </a:extLst>
+          </p:cNvPr>
+          <p:cNvCxnSpPr>
+            <a:cxnSpLocks/>
+          </p:cNvCxnSpPr>
+          <p:nvPr/>
+        </p:nvCxnSpPr>
+        <p:spPr>
+          <a:xfrm>
+            <a:off x="9265579" y="3877198"/>
+            <a:ext cx="0" cy="655647"/>
+          </a:xfrm>
+          <a:prstGeom prst="straightConnector1">
+            <a:avLst/>
+          </a:prstGeom>
+          <a:ln w="9525">
+            <a:solidFill>
+              <a:srgbClr val="00B050"/>
+            </a:solidFill>
+            <a:tailEnd type="triangle"/>
+          </a:ln>
+          <a:effectLst/>
+        </p:spPr>
+        <p:style>
+          <a:lnRef idx="2">
+            <a:schemeClr val="accent1"/>
+          </a:lnRef>
+          <a:fillRef idx="0">
+            <a:schemeClr val="accent1"/>
+          </a:fillRef>
+          <a:effectRef idx="1">
+            <a:schemeClr val="accent1"/>
+          </a:effectRef>
+          <a:fontRef idx="minor">
+            <a:schemeClr val="tx1"/>
+          </a:fontRef>
+        </p:style>
+      </p:cxnSp>
+      <p:cxnSp>
+        <p:nvCxnSpPr>
+          <p:cNvPr id="103" name="Straight Arrow Connector 102">
+            <a:extLst>
+              <a:ext uri="{FF2B5EF4-FFF2-40B4-BE49-F238E27FC236}">
+                <a16:creationId xmlns:a16="http://schemas.microsoft.com/office/drawing/2014/main" id="{50C42C9B-CBB5-DC6D-FD39-85F1E3B5D909}"/>
+              </a:ext>
+            </a:extLst>
+          </p:cNvPr>
+          <p:cNvCxnSpPr>
+            <a:cxnSpLocks/>
+          </p:cNvCxnSpPr>
+          <p:nvPr/>
+        </p:nvCxnSpPr>
+        <p:spPr>
+          <a:xfrm flipV="1">
+            <a:off x="10288646" y="3626336"/>
+            <a:ext cx="0" cy="1015210"/>
+          </a:xfrm>
+          <a:prstGeom prst="straightConnector1">
+            <a:avLst/>
+          </a:prstGeom>
+          <a:ln w="9525">
+            <a:solidFill>
+              <a:srgbClr val="FF0000"/>
+            </a:solidFill>
+            <a:tailEnd type="triangle"/>
+          </a:ln>
+          <a:effectLst/>
+        </p:spPr>
+        <p:style>
+          <a:lnRef idx="2">
+            <a:schemeClr val="accent1"/>
+          </a:lnRef>
+          <a:fillRef idx="0">
+            <a:schemeClr val="accent1"/>
+          </a:fillRef>
+          <a:effectRef idx="1">
+            <a:schemeClr val="accent1"/>
+          </a:effectRef>
+          <a:fontRef idx="minor">
+            <a:schemeClr val="tx1"/>
+          </a:fontRef>
+        </p:style>
+      </p:cxnSp>
+      <p:cxnSp>
+        <p:nvCxnSpPr>
+          <p:cNvPr id="105" name="Straight Arrow Connector 104">
+            <a:extLst>
+              <a:ext uri="{FF2B5EF4-FFF2-40B4-BE49-F238E27FC236}">
+                <a16:creationId xmlns:a16="http://schemas.microsoft.com/office/drawing/2014/main" id="{7892563A-BFE8-6FB7-CB81-7E137B96F8EA}"/>
+              </a:ext>
+            </a:extLst>
+          </p:cNvPr>
+          <p:cNvCxnSpPr>
+            <a:cxnSpLocks/>
+          </p:cNvCxnSpPr>
+          <p:nvPr/>
+        </p:nvCxnSpPr>
+        <p:spPr>
+          <a:xfrm>
+            <a:off x="9265579" y="4678718"/>
+            <a:ext cx="1051238" cy="0"/>
+          </a:xfrm>
+          <a:prstGeom prst="straightConnector1">
+            <a:avLst/>
+          </a:prstGeom>
+          <a:ln w="9525">
+            <a:solidFill>
+              <a:srgbClr val="FF0000"/>
+            </a:solidFill>
+            <a:tailEnd type="triangle"/>
+          </a:ln>
+          <a:effectLst/>
+        </p:spPr>
+        <p:style>
+          <a:lnRef idx="2">
+            <a:schemeClr val="accent1"/>
+          </a:lnRef>
+          <a:fillRef idx="0">
+            <a:schemeClr val="accent1"/>
+          </a:fillRef>
+          <a:effectRef idx="1">
+            <a:schemeClr val="accent1"/>
+          </a:effectRef>
+          <a:fontRef idx="minor">
+            <a:schemeClr val="tx1"/>
+          </a:fontRef>
+        </p:style>
+      </p:cxnSp>
+      <p:pic>
+        <p:nvPicPr>
+          <p:cNvPr id="110" name="Picture 6" descr="Generic 3 Pin Header | Upverter">
+            <a:extLst>
+              <a:ext uri="{FF2B5EF4-FFF2-40B4-BE49-F238E27FC236}">
+                <a16:creationId xmlns:a16="http://schemas.microsoft.com/office/drawing/2014/main" id="{E5C8B5A4-2C09-89E9-0405-3B3E3BC11873}"/>
+              </a:ext>
+            </a:extLst>
+          </p:cNvPr>
+          <p:cNvPicPr>
+            <a:picLocks noChangeAspect="1" noChangeArrowheads="1"/>
+          </p:cNvPicPr>
+          <p:nvPr/>
+        </p:nvPicPr>
+        <p:blipFill>
+          <a:blip r:embed="rId5">
+            <a:extLst>
+              <a:ext uri="{28A0092B-C50C-407E-A947-70E740481C1C}">
+                <a14:useLocalDpi xmlns:a14="http://schemas.microsoft.com/office/drawing/2010/main" val="0"/>
+              </a:ext>
+            </a:extLst>
+          </a:blip>
+          <a:srcRect/>
+          <a:stretch>
+            <a:fillRect/>
+          </a:stretch>
+        </p:blipFill>
+        <p:spPr bwMode="auto">
+          <a:xfrm>
+            <a:off x="8554489" y="2081103"/>
+            <a:ext cx="780044" cy="682538"/>
+          </a:xfrm>
+          <a:prstGeom prst="rect">
+            <a:avLst/>
+          </a:prstGeom>
+          <a:noFill/>
+          <a:extLst>
+            <a:ext uri="{909E8E84-426E-40DD-AFC4-6F175D3DCCD1}">
+              <a14:hiddenFill xmlns:a14="http://schemas.microsoft.com/office/drawing/2010/main">
+                <a:solidFill>
+                  <a:srgbClr val="FFFFFF"/>
+                </a:solidFill>
+              </a14:hiddenFill>
+            </a:ext>
+          </a:extLst>
+        </p:spPr>
+      </p:pic>
+      <p:cxnSp>
+        <p:nvCxnSpPr>
+          <p:cNvPr id="111" name="Straight Arrow Connector 110">
+            <a:extLst>
+              <a:ext uri="{FF2B5EF4-FFF2-40B4-BE49-F238E27FC236}">
+                <a16:creationId xmlns:a16="http://schemas.microsoft.com/office/drawing/2014/main" id="{DAD6AE48-0088-FCC5-4001-B2D16948CCB2}"/>
+              </a:ext>
+            </a:extLst>
+          </p:cNvPr>
+          <p:cNvCxnSpPr>
+            <a:cxnSpLocks/>
+          </p:cNvCxnSpPr>
+          <p:nvPr/>
+        </p:nvCxnSpPr>
+        <p:spPr>
+          <a:xfrm flipV="1">
+            <a:off x="9198241" y="2590800"/>
+            <a:ext cx="0" cy="695221"/>
+          </a:xfrm>
+          <a:prstGeom prst="straightConnector1">
+            <a:avLst/>
+          </a:prstGeom>
+          <a:ln w="9525">
+            <a:solidFill>
+              <a:srgbClr val="00B050"/>
+            </a:solidFill>
+            <a:tailEnd type="triangle"/>
+          </a:ln>
+          <a:effectLst/>
+        </p:spPr>
+        <p:style>
+          <a:lnRef idx="2">
+            <a:schemeClr val="accent1"/>
+          </a:lnRef>
+          <a:fillRef idx="0">
+            <a:schemeClr val="accent1"/>
+          </a:fillRef>
+          <a:effectRef idx="1">
+            <a:schemeClr val="accent1"/>
+          </a:effectRef>
+          <a:fontRef idx="minor">
+            <a:schemeClr val="tx1"/>
+          </a:fontRef>
+        </p:style>
+      </p:cxnSp>
+      <p:cxnSp>
+        <p:nvCxnSpPr>
+          <p:cNvPr id="113" name="Straight Arrow Connector 112">
+            <a:extLst>
+              <a:ext uri="{FF2B5EF4-FFF2-40B4-BE49-F238E27FC236}">
+                <a16:creationId xmlns:a16="http://schemas.microsoft.com/office/drawing/2014/main" id="{F786A08F-9540-A688-5CBD-044F7E5F3336}"/>
+              </a:ext>
+            </a:extLst>
+          </p:cNvPr>
+          <p:cNvCxnSpPr>
+            <a:cxnSpLocks/>
+          </p:cNvCxnSpPr>
+          <p:nvPr/>
+        </p:nvCxnSpPr>
+        <p:spPr>
+          <a:xfrm flipV="1">
+            <a:off x="912641" y="1848172"/>
+            <a:ext cx="8306896" cy="17241"/>
+          </a:xfrm>
+          <a:prstGeom prst="straightConnector1">
+            <a:avLst/>
+          </a:prstGeom>
+          <a:ln w="9525">
+            <a:solidFill>
+              <a:srgbClr val="00B050"/>
+            </a:solidFill>
+            <a:tailEnd type="triangle"/>
+          </a:ln>
+          <a:effectLst/>
+        </p:spPr>
+        <p:style>
+          <a:lnRef idx="2">
+            <a:schemeClr val="accent1"/>
+          </a:lnRef>
+          <a:fillRef idx="0">
+            <a:schemeClr val="accent1"/>
+          </a:fillRef>
+          <a:effectRef idx="1">
+            <a:schemeClr val="accent1"/>
+          </a:effectRef>
+          <a:fontRef idx="minor">
+            <a:schemeClr val="tx1"/>
+          </a:fontRef>
+        </p:style>
+      </p:cxnSp>
+      <p:cxnSp>
+        <p:nvCxnSpPr>
+          <p:cNvPr id="114" name="Straight Arrow Connector 113">
+            <a:extLst>
+              <a:ext uri="{FF2B5EF4-FFF2-40B4-BE49-F238E27FC236}">
+                <a16:creationId xmlns:a16="http://schemas.microsoft.com/office/drawing/2014/main" id="{F6A633B8-853D-EDBE-48F3-2D1D9F85F4AF}"/>
+              </a:ext>
+            </a:extLst>
+          </p:cNvPr>
+          <p:cNvCxnSpPr>
+            <a:cxnSpLocks/>
+          </p:cNvCxnSpPr>
+          <p:nvPr/>
+        </p:nvCxnSpPr>
+        <p:spPr>
+          <a:xfrm flipV="1">
+            <a:off x="912641" y="1865413"/>
+            <a:ext cx="0" cy="1420608"/>
+          </a:xfrm>
+          <a:prstGeom prst="straightConnector1">
+            <a:avLst/>
+          </a:prstGeom>
+          <a:ln w="9525">
+            <a:solidFill>
+              <a:srgbClr val="00B050"/>
+            </a:solidFill>
+            <a:tailEnd type="triangle"/>
+          </a:ln>
+          <a:effectLst/>
+        </p:spPr>
+        <p:style>
+          <a:lnRef idx="2">
+            <a:schemeClr val="accent1"/>
+          </a:lnRef>
+          <a:fillRef idx="0">
+            <a:schemeClr val="accent1"/>
+          </a:fillRef>
+          <a:effectRef idx="1">
+            <a:schemeClr val="accent1"/>
+          </a:effectRef>
+          <a:fontRef idx="minor">
+            <a:schemeClr val="tx1"/>
+          </a:fontRef>
+        </p:style>
+      </p:cxnSp>
+      <p:cxnSp>
+        <p:nvCxnSpPr>
+          <p:cNvPr id="118" name="Straight Arrow Connector 117">
+            <a:extLst>
+              <a:ext uri="{FF2B5EF4-FFF2-40B4-BE49-F238E27FC236}">
+                <a16:creationId xmlns:a16="http://schemas.microsoft.com/office/drawing/2014/main" id="{38D4510A-E091-12EC-7C35-57588E16BE87}"/>
+              </a:ext>
+            </a:extLst>
+          </p:cNvPr>
+          <p:cNvCxnSpPr>
+            <a:cxnSpLocks/>
+          </p:cNvCxnSpPr>
+          <p:nvPr/>
+        </p:nvCxnSpPr>
+        <p:spPr>
+          <a:xfrm>
+            <a:off x="9203003" y="1848534"/>
+            <a:ext cx="0" cy="423179"/>
+          </a:xfrm>
+          <a:prstGeom prst="straightConnector1">
+            <a:avLst/>
+          </a:prstGeom>
+          <a:ln w="9525">
+            <a:solidFill>
+              <a:srgbClr val="00B050"/>
+            </a:solidFill>
+            <a:tailEnd type="triangle"/>
+          </a:ln>
+          <a:effectLst/>
+        </p:spPr>
+        <p:style>
+          <a:lnRef idx="2">
+            <a:schemeClr val="accent1"/>
+          </a:lnRef>
+          <a:fillRef idx="0">
+            <a:schemeClr val="accent1"/>
+          </a:fillRef>
+          <a:effectRef idx="1">
+            <a:schemeClr val="accent1"/>
+          </a:effectRef>
+          <a:fontRef idx="minor">
+            <a:schemeClr val="tx1"/>
+          </a:fontRef>
+        </p:style>
+      </p:cxnSp>
+      <p:cxnSp>
+        <p:nvCxnSpPr>
+          <p:cNvPr id="122" name="Straight Arrow Connector 121">
+            <a:extLst>
+              <a:ext uri="{FF2B5EF4-FFF2-40B4-BE49-F238E27FC236}">
+                <a16:creationId xmlns:a16="http://schemas.microsoft.com/office/drawing/2014/main" id="{58EC3029-9373-4049-BC3D-E5CFFE079515}"/>
+              </a:ext>
+            </a:extLst>
+          </p:cNvPr>
+          <p:cNvCxnSpPr>
+            <a:cxnSpLocks/>
+          </p:cNvCxnSpPr>
+          <p:nvPr/>
+        </p:nvCxnSpPr>
+        <p:spPr>
+          <a:xfrm>
+            <a:off x="9219537" y="2422372"/>
+            <a:ext cx="1051238" cy="0"/>
+          </a:xfrm>
+          <a:prstGeom prst="straightConnector1">
+            <a:avLst/>
+          </a:prstGeom>
+          <a:ln w="9525">
+            <a:solidFill>
+              <a:srgbClr val="FF0000"/>
+            </a:solidFill>
+            <a:tailEnd type="triangle"/>
+          </a:ln>
+          <a:effectLst/>
+        </p:spPr>
+        <p:style>
+          <a:lnRef idx="2">
+            <a:schemeClr val="accent1"/>
+          </a:lnRef>
+          <a:fillRef idx="0">
+            <a:schemeClr val="accent1"/>
+          </a:fillRef>
+          <a:effectRef idx="1">
+            <a:schemeClr val="accent1"/>
+          </a:effectRef>
+          <a:fontRef idx="minor">
+            <a:schemeClr val="tx1"/>
+          </a:fontRef>
+        </p:style>
+      </p:cxnSp>
+      <p:cxnSp>
+        <p:nvCxnSpPr>
+          <p:cNvPr id="123" name="Straight Arrow Connector 122">
+            <a:extLst>
+              <a:ext uri="{FF2B5EF4-FFF2-40B4-BE49-F238E27FC236}">
+                <a16:creationId xmlns:a16="http://schemas.microsoft.com/office/drawing/2014/main" id="{2E8DA810-260B-8A23-42C0-6DA54DB12044}"/>
+              </a:ext>
+            </a:extLst>
+          </p:cNvPr>
+          <p:cNvCxnSpPr>
+            <a:cxnSpLocks/>
+          </p:cNvCxnSpPr>
+          <p:nvPr/>
+        </p:nvCxnSpPr>
+        <p:spPr>
+          <a:xfrm>
+            <a:off x="10270775" y="2422372"/>
+            <a:ext cx="0" cy="1017537"/>
+          </a:xfrm>
+          <a:prstGeom prst="straightConnector1">
+            <a:avLst/>
+          </a:prstGeom>
+          <a:ln w="9525">
+            <a:solidFill>
+              <a:srgbClr val="FF0000"/>
+            </a:solidFill>
+            <a:tailEnd type="triangle"/>
+          </a:ln>
+          <a:effectLst/>
+        </p:spPr>
+        <p:style>
+          <a:lnRef idx="2">
+            <a:schemeClr val="accent1"/>
+          </a:lnRef>
+          <a:fillRef idx="0">
+            <a:schemeClr val="accent1"/>
+          </a:fillRef>
+          <a:effectRef idx="1">
+            <a:schemeClr val="accent1"/>
+          </a:effectRef>
+          <a:fontRef idx="minor">
+            <a:schemeClr val="tx1"/>
+          </a:fontRef>
+        </p:style>
+      </p:cxnSp>
+      <p:sp>
+        <p:nvSpPr>
+          <p:cNvPr id="1025" name="TextBox 1024">
+            <a:extLst>
+              <a:ext uri="{FF2B5EF4-FFF2-40B4-BE49-F238E27FC236}">
+                <a16:creationId xmlns:a16="http://schemas.microsoft.com/office/drawing/2014/main" id="{1E21C16C-3DC2-B92D-79AC-E09E0D772819}"/>
+              </a:ext>
+            </a:extLst>
+          </p:cNvPr>
+          <p:cNvSpPr txBox="1"/>
+          <p:nvPr/>
+        </p:nvSpPr>
+        <p:spPr>
+          <a:xfrm>
+            <a:off x="3920521" y="1462298"/>
+            <a:ext cx="1565880" cy="307777"/>
+          </a:xfrm>
+          <a:prstGeom prst="rect">
+            <a:avLst/>
+          </a:prstGeom>
+          <a:noFill/>
+        </p:spPr>
+        <p:txBody>
+          <a:bodyPr wrap="square" rtlCol="0">
+            <a:spAutoFit/>
+          </a:bodyPr>
+          <a:lstStyle/>
+          <a:p>
+            <a:r>
+              <a:rPr lang="en-US" sz="1400" b="1" dirty="0"/>
+              <a:t>Bypass- Method</a:t>
+            </a:r>
+          </a:p>
+        </p:txBody>
+      </p:sp>
+      <p:sp>
+        <p:nvSpPr>
+          <p:cNvPr id="1027" name="TextBox 1026">
+            <a:extLst>
+              <a:ext uri="{FF2B5EF4-FFF2-40B4-BE49-F238E27FC236}">
+                <a16:creationId xmlns:a16="http://schemas.microsoft.com/office/drawing/2014/main" id="{307F033B-6C1E-56C4-8A6B-E0D8C8632749}"/>
+              </a:ext>
+            </a:extLst>
+          </p:cNvPr>
+          <p:cNvSpPr txBox="1"/>
+          <p:nvPr/>
+        </p:nvSpPr>
+        <p:spPr>
+          <a:xfrm>
+            <a:off x="3901472" y="5470896"/>
+            <a:ext cx="1565880" cy="307777"/>
+          </a:xfrm>
+          <a:prstGeom prst="rect">
+            <a:avLst/>
+          </a:prstGeom>
+          <a:noFill/>
+        </p:spPr>
+        <p:txBody>
+          <a:bodyPr wrap="square" rtlCol="0">
+            <a:spAutoFit/>
+          </a:bodyPr>
+          <a:lstStyle/>
+          <a:p>
+            <a:r>
+              <a:rPr lang="en-US" sz="1400" b="1" dirty="0"/>
+              <a:t>Bypass- Method</a:t>
+            </a:r>
+          </a:p>
+        </p:txBody>
+      </p:sp>
+      <p:sp>
+        <p:nvSpPr>
+          <p:cNvPr id="1029" name="TextBox 1028">
+            <a:extLst>
+              <a:ext uri="{FF2B5EF4-FFF2-40B4-BE49-F238E27FC236}">
+                <a16:creationId xmlns:a16="http://schemas.microsoft.com/office/drawing/2014/main" id="{CEEA9EB3-A1F5-B806-E179-1511F800BF1B}"/>
+              </a:ext>
+            </a:extLst>
+          </p:cNvPr>
+          <p:cNvSpPr txBox="1"/>
+          <p:nvPr/>
+        </p:nvSpPr>
+        <p:spPr>
+          <a:xfrm>
+            <a:off x="3351814" y="2661009"/>
+            <a:ext cx="1565880" cy="307777"/>
+          </a:xfrm>
+          <a:prstGeom prst="rect">
+            <a:avLst/>
+          </a:prstGeom>
+          <a:noFill/>
+        </p:spPr>
+        <p:txBody>
+          <a:bodyPr wrap="square" rtlCol="0">
+            <a:spAutoFit/>
+          </a:bodyPr>
+          <a:lstStyle/>
+          <a:p>
+            <a:r>
+              <a:rPr lang="en-US" sz="1400" b="1" dirty="0"/>
+              <a:t>SE/DE- Method</a:t>
+            </a:r>
+          </a:p>
+        </p:txBody>
+      </p:sp>
+      <p:sp>
+        <p:nvSpPr>
+          <p:cNvPr id="1031" name="Rectangle 1030">
+            <a:extLst>
+              <a:ext uri="{FF2B5EF4-FFF2-40B4-BE49-F238E27FC236}">
+                <a16:creationId xmlns:a16="http://schemas.microsoft.com/office/drawing/2014/main" id="{A020EB4D-D532-64CF-6705-9D59D097D72D}"/>
+              </a:ext>
+            </a:extLst>
+          </p:cNvPr>
+          <p:cNvSpPr/>
+          <p:nvPr/>
+        </p:nvSpPr>
+        <p:spPr>
+          <a:xfrm>
+            <a:off x="10614387" y="5160752"/>
+            <a:ext cx="853819" cy="349099"/>
+          </a:xfrm>
+          <a:prstGeom prst="rect">
+            <a:avLst/>
+          </a:prstGeom>
+          <a:noFill/>
+          <a:ln w="38100">
+            <a:solidFill>
+              <a:srgbClr val="FFC000"/>
+            </a:solidFill>
+          </a:ln>
+        </p:spPr>
+        <p:style>
+          <a:lnRef idx="1">
+            <a:schemeClr val="accent1"/>
+          </a:lnRef>
+          <a:fillRef idx="3">
+            <a:schemeClr val="accent1"/>
+          </a:fillRef>
+          <a:effectRef idx="2">
+            <a:schemeClr val="accent1"/>
+          </a:effectRef>
+          <a:fontRef idx="minor">
+            <a:schemeClr val="lt1"/>
+          </a:fontRef>
+        </p:style>
+        <p:txBody>
+          <a:bodyPr rtlCol="0" anchor="ctr"/>
+          <a:lstStyle/>
+          <a:p>
+            <a:pPr algn="ctr"/>
+            <a:endParaRPr lang="en-US"/>
+          </a:p>
+        </p:txBody>
+      </p:sp>
+      <p:sp>
+        <p:nvSpPr>
+          <p:cNvPr id="1032" name="TextBox 1031">
+            <a:extLst>
+              <a:ext uri="{FF2B5EF4-FFF2-40B4-BE49-F238E27FC236}">
+                <a16:creationId xmlns:a16="http://schemas.microsoft.com/office/drawing/2014/main" id="{AD4783DC-EF80-1EA2-3F7E-625B72E18515}"/>
+              </a:ext>
+            </a:extLst>
+          </p:cNvPr>
+          <p:cNvSpPr txBox="1"/>
+          <p:nvPr/>
+        </p:nvSpPr>
+        <p:spPr>
+          <a:xfrm>
+            <a:off x="10781489" y="5181412"/>
+            <a:ext cx="601039" cy="307777"/>
+          </a:xfrm>
+          <a:prstGeom prst="rect">
+            <a:avLst/>
+          </a:prstGeom>
+          <a:noFill/>
+        </p:spPr>
+        <p:txBody>
+          <a:bodyPr wrap="square" rtlCol="0">
+            <a:spAutoFit/>
+          </a:bodyPr>
+          <a:lstStyle/>
+          <a:p>
+            <a:r>
+              <a:rPr lang="en-US" sz="1400" dirty="0"/>
+              <a:t>CLK</a:t>
+            </a:r>
+          </a:p>
+        </p:txBody>
+      </p:sp>
+      <p:cxnSp>
+        <p:nvCxnSpPr>
+          <p:cNvPr id="1033" name="Straight Arrow Connector 1032">
+            <a:extLst>
+              <a:ext uri="{FF2B5EF4-FFF2-40B4-BE49-F238E27FC236}">
+                <a16:creationId xmlns:a16="http://schemas.microsoft.com/office/drawing/2014/main" id="{36E7BB7A-96BC-C25E-2658-5661F05DD966}"/>
+              </a:ext>
+            </a:extLst>
+          </p:cNvPr>
+          <p:cNvCxnSpPr>
+            <a:cxnSpLocks/>
+            <a:stCxn id="1031" idx="0"/>
+            <a:endCxn id="1026" idx="2"/>
+          </p:cNvCxnSpPr>
+          <p:nvPr/>
+        </p:nvCxnSpPr>
+        <p:spPr>
+          <a:xfrm flipV="1">
+            <a:off x="11041297" y="3911333"/>
+            <a:ext cx="0" cy="1249419"/>
+          </a:xfrm>
+          <a:prstGeom prst="straightConnector1">
+            <a:avLst/>
+          </a:prstGeom>
+          <a:ln w="12700">
+            <a:solidFill>
+              <a:schemeClr val="accent1"/>
+            </a:solidFill>
+            <a:tailEnd type="triangle"/>
+          </a:ln>
+          <a:effectLst/>
+        </p:spPr>
+        <p:style>
+          <a:lnRef idx="2">
+            <a:schemeClr val="accent1"/>
+          </a:lnRef>
+          <a:fillRef idx="0">
+            <a:schemeClr val="accent1"/>
+          </a:fillRef>
+          <a:effectRef idx="1">
+            <a:schemeClr val="accent1"/>
+          </a:effectRef>
+          <a:fontRef idx="minor">
+            <a:schemeClr val="tx1"/>
+          </a:fontRef>
+        </p:style>
+      </p:cxnSp>
+    </p:spTree>
+    <p:extLst>
+      <p:ext uri="{BB962C8B-B14F-4D97-AF65-F5344CB8AC3E}">
+        <p14:creationId xmlns:p14="http://schemas.microsoft.com/office/powerpoint/2010/main" val="1568502379"/>
+      </p:ext>
+    </p:extLst>
+  </p:cSld>
+  <p:clrMapOvr>
+    <a:masterClrMapping/>
+  </p:clrMapOvr>
+  <p:transition spd="med"/>
+</p:sld>
+</file>
+
+<file path=ppt/slides/slide14.xml><?xml version="1.0" encoding="utf-8"?>
+<p:sld xmlns:a="http://schemas.openxmlformats.org/drawingml/2006/main" xmlns:r="http://schemas.openxmlformats.org/officeDocument/2006/relationships" xmlns:p="http://schemas.openxmlformats.org/presentationml/2006/main">
+  <p:cSld>
+    <p:spTree>
+      <p:nvGrpSpPr>
+        <p:cNvPr id="1" name="">
+          <a:extLst>
+            <a:ext uri="{FF2B5EF4-FFF2-40B4-BE49-F238E27FC236}">
+              <a16:creationId xmlns:a16="http://schemas.microsoft.com/office/drawing/2014/main" id="{4A812560-A3C8-E8E8-86D2-3B011CFB20EE}"/>
+            </a:ext>
+          </a:extLst>
+        </p:cNvPr>
+        <p:cNvGrpSpPr/>
+        <p:nvPr/>
+      </p:nvGrpSpPr>
+      <p:grpSpPr>
+        <a:xfrm>
+          <a:off x="0" y="0"/>
+          <a:ext cx="0" cy="0"/>
+          <a:chOff x="0" y="0"/>
+          <a:chExt cx="0" cy="0"/>
+        </a:xfrm>
+      </p:grpSpPr>
+      <p:sp>
+        <p:nvSpPr>
+          <p:cNvPr id="2" name="Slide Number Placeholder 1">
+            <a:extLst>
+              <a:ext uri="{FF2B5EF4-FFF2-40B4-BE49-F238E27FC236}">
+                <a16:creationId xmlns:a16="http://schemas.microsoft.com/office/drawing/2014/main" id="{A898EA96-3E32-BB41-EBA3-CF95EDE48A7C}"/>
+              </a:ext>
+            </a:extLst>
+          </p:cNvPr>
+          <p:cNvSpPr>
+            <a:spLocks noGrp="1"/>
+          </p:cNvSpPr>
+          <p:nvPr>
+            <p:ph type="sldNum" sz="quarter" idx="4"/>
+          </p:nvPr>
+        </p:nvSpPr>
+        <p:spPr/>
+        <p:txBody>
+          <a:bodyPr/>
+          <a:lstStyle/>
+          <a:p>
+            <a:fld id="{01747F32-3477-4169-AB69-F0FD91D6B2FE}" type="slidenum">
+              <a:rPr lang="en-US" smtClean="0"/>
+              <a:pPr/>
+              <a:t>14</a:t>
+            </a:fld>
+            <a:endParaRPr lang="en-US" dirty="0"/>
+          </a:p>
+        </p:txBody>
+      </p:sp>
+      <p:sp>
+        <p:nvSpPr>
+          <p:cNvPr id="3" name="Title 2">
+            <a:extLst>
+              <a:ext uri="{FF2B5EF4-FFF2-40B4-BE49-F238E27FC236}">
+                <a16:creationId xmlns:a16="http://schemas.microsoft.com/office/drawing/2014/main" id="{73FD3C19-2B06-46EF-6C79-352686C9E3E3}"/>
+              </a:ext>
+            </a:extLst>
+          </p:cNvPr>
+          <p:cNvSpPr>
+            <a:spLocks noGrp="1"/>
+          </p:cNvSpPr>
+          <p:nvPr>
+            <p:ph type="title"/>
+          </p:nvPr>
+        </p:nvSpPr>
+        <p:spPr/>
+        <p:txBody>
+          <a:bodyPr/>
+          <a:lstStyle/>
+          <a:p>
+            <a:r>
+              <a:rPr lang="en-US" dirty="0" err="1"/>
+              <a:t>MotherBoard</a:t>
+            </a:r>
+            <a:r>
+              <a:rPr lang="en-US" dirty="0"/>
+              <a:t> + </a:t>
+            </a:r>
+            <a:r>
+              <a:rPr lang="en-US" dirty="0" err="1"/>
+              <a:t>DaugtherBoard</a:t>
+            </a:r>
+            <a:r>
+              <a:rPr lang="en-US" dirty="0"/>
+              <a:t> 3D</a:t>
+            </a:r>
+          </a:p>
+        </p:txBody>
+      </p:sp>
+      <p:pic>
+        <p:nvPicPr>
+          <p:cNvPr id="5" name="Picture 4" descr="A green circuit board with many small holes&#10;&#10;Description automatically generated">
+            <a:extLst>
+              <a:ext uri="{FF2B5EF4-FFF2-40B4-BE49-F238E27FC236}">
+                <a16:creationId xmlns:a16="http://schemas.microsoft.com/office/drawing/2014/main" id="{8AFD5322-73C4-A234-1AC9-8E5AA1394137}"/>
+              </a:ext>
+            </a:extLst>
+          </p:cNvPr>
+          <p:cNvPicPr>
+            <a:picLocks noChangeAspect="1"/>
+          </p:cNvPicPr>
+          <p:nvPr/>
+        </p:nvPicPr>
+        <p:blipFill>
+          <a:blip r:embed="rId3"/>
+          <a:stretch>
+            <a:fillRect/>
+          </a:stretch>
+        </p:blipFill>
+        <p:spPr>
+          <a:xfrm>
+            <a:off x="1714167" y="1473902"/>
+            <a:ext cx="3445508" cy="3198420"/>
+          </a:xfrm>
+          <a:prstGeom prst="rect">
+            <a:avLst/>
+          </a:prstGeom>
+        </p:spPr>
+      </p:pic>
+      <p:pic>
+        <p:nvPicPr>
+          <p:cNvPr id="7" name="Picture 6" descr="A green circuit board with red tubes and wires&#10;&#10;Description automatically generated">
+            <a:extLst>
+              <a:ext uri="{FF2B5EF4-FFF2-40B4-BE49-F238E27FC236}">
+                <a16:creationId xmlns:a16="http://schemas.microsoft.com/office/drawing/2014/main" id="{B8A3C846-AFD5-586C-A72D-692E11E447E1}"/>
+              </a:ext>
+            </a:extLst>
+          </p:cNvPr>
+          <p:cNvPicPr>
+            <a:picLocks noChangeAspect="1"/>
+          </p:cNvPicPr>
+          <p:nvPr/>
+        </p:nvPicPr>
+        <p:blipFill>
+          <a:blip r:embed="rId4"/>
+          <a:stretch>
+            <a:fillRect/>
+          </a:stretch>
+        </p:blipFill>
+        <p:spPr>
+          <a:xfrm>
+            <a:off x="547383" y="1090611"/>
+            <a:ext cx="5342949" cy="4941075"/>
+          </a:xfrm>
+          <a:prstGeom prst="rect">
+            <a:avLst/>
+          </a:prstGeom>
+        </p:spPr>
+      </p:pic>
+      <p:pic>
+        <p:nvPicPr>
+          <p:cNvPr id="9" name="Picture 8" descr="A green circuit board with many small holes&#10;&#10;Description automatically generated">
+            <a:extLst>
+              <a:ext uri="{FF2B5EF4-FFF2-40B4-BE49-F238E27FC236}">
+                <a16:creationId xmlns:a16="http://schemas.microsoft.com/office/drawing/2014/main" id="{8DFC1C8A-122C-17CA-4CE3-D39B6A543364}"/>
+              </a:ext>
+            </a:extLst>
+          </p:cNvPr>
+          <p:cNvPicPr>
+            <a:picLocks noChangeAspect="1"/>
+          </p:cNvPicPr>
+          <p:nvPr/>
+        </p:nvPicPr>
+        <p:blipFill>
+          <a:blip r:embed="rId3"/>
+          <a:stretch>
+            <a:fillRect/>
+          </a:stretch>
+        </p:blipFill>
+        <p:spPr>
+          <a:xfrm>
+            <a:off x="6576679" y="1473902"/>
+            <a:ext cx="4782217" cy="4439270"/>
+          </a:xfrm>
+          <a:prstGeom prst="rect">
+            <a:avLst/>
+          </a:prstGeom>
+        </p:spPr>
+      </p:pic>
+    </p:spTree>
+    <p:extLst>
+      <p:ext uri="{BB962C8B-B14F-4D97-AF65-F5344CB8AC3E}">
+        <p14:creationId xmlns:p14="http://schemas.microsoft.com/office/powerpoint/2010/main" val="1185935615"/>
+      </p:ext>
+    </p:extLst>
+  </p:cSld>
+  <p:clrMapOvr>
+    <a:masterClrMapping/>
+  </p:clrMapOvr>
+  <p:transition spd="med"/>
+</p:sld>
+</file>
+
+<file path=ppt/slides/slide15.xml><?xml version="1.0" encoding="utf-8"?>
+<p:sld xmlns:a="http://schemas.openxmlformats.org/drawingml/2006/main" xmlns:r="http://schemas.openxmlformats.org/officeDocument/2006/relationships" xmlns:p="http://schemas.openxmlformats.org/presentationml/2006/main">
+  <p:cSld>
+    <p:spTree>
+      <p:nvGrpSpPr>
+        <p:cNvPr id="1" name="">
+          <a:extLst>
+            <a:ext uri="{FF2B5EF4-FFF2-40B4-BE49-F238E27FC236}">
+              <a16:creationId xmlns:a16="http://schemas.microsoft.com/office/drawing/2014/main" id="{9D040A09-C5BA-AFF9-005E-9D4C4EAD454E}"/>
+            </a:ext>
+          </a:extLst>
+        </p:cNvPr>
+        <p:cNvGrpSpPr/>
+        <p:nvPr/>
+      </p:nvGrpSpPr>
+      <p:grpSpPr>
+        <a:xfrm>
+          <a:off x="0" y="0"/>
+          <a:ext cx="0" cy="0"/>
+          <a:chOff x="0" y="0"/>
+          <a:chExt cx="0" cy="0"/>
+        </a:xfrm>
+      </p:grpSpPr>
+      <p:sp>
+        <p:nvSpPr>
+          <p:cNvPr id="2" name="Slide Number Placeholder 1">
+            <a:extLst>
+              <a:ext uri="{FF2B5EF4-FFF2-40B4-BE49-F238E27FC236}">
+                <a16:creationId xmlns:a16="http://schemas.microsoft.com/office/drawing/2014/main" id="{F617A37D-A04D-D7D4-3672-440A165DB313}"/>
+              </a:ext>
+            </a:extLst>
+          </p:cNvPr>
+          <p:cNvSpPr>
+            <a:spLocks noGrp="1"/>
+          </p:cNvSpPr>
+          <p:nvPr>
+            <p:ph type="sldNum" sz="quarter" idx="4"/>
+          </p:nvPr>
+        </p:nvSpPr>
+        <p:spPr/>
+        <p:txBody>
+          <a:bodyPr/>
+          <a:lstStyle/>
+          <a:p>
+            <a:fld id="{01747F32-3477-4169-AB69-F0FD91D6B2FE}" type="slidenum">
+              <a:rPr lang="en-US" smtClean="0"/>
+              <a:pPr/>
+              <a:t>15</a:t>
+            </a:fld>
+            <a:endParaRPr lang="en-US" dirty="0"/>
+          </a:p>
+        </p:txBody>
+      </p:sp>
+      <p:sp>
+        <p:nvSpPr>
+          <p:cNvPr id="3" name="Title 2">
+            <a:extLst>
+              <a:ext uri="{FF2B5EF4-FFF2-40B4-BE49-F238E27FC236}">
+                <a16:creationId xmlns:a16="http://schemas.microsoft.com/office/drawing/2014/main" id="{CE72B62F-D2A9-6CD0-BD5E-6A6BFA4B42B8}"/>
+              </a:ext>
+            </a:extLst>
+          </p:cNvPr>
+          <p:cNvSpPr>
+            <a:spLocks noGrp="1"/>
+          </p:cNvSpPr>
+          <p:nvPr>
+            <p:ph type="title"/>
+          </p:nvPr>
+        </p:nvSpPr>
+        <p:spPr/>
+        <p:txBody>
+          <a:bodyPr/>
+          <a:lstStyle/>
+          <a:p>
+            <a:r>
+              <a:rPr lang="en-US" dirty="0" err="1"/>
+              <a:t>MotherBoard</a:t>
+            </a:r>
+            <a:r>
+              <a:rPr lang="en-US" dirty="0"/>
               <a:t> + </a:t>
             </a:r>
             <a:r>
@@ -6709,7 +10769,7 @@
           <p:cNvPr id="5" name="Picture 4" descr="A green circuit board with red connectors&#10;&#10;Description automatically generated">
             <a:extLst>
               <a:ext uri="{FF2B5EF4-FFF2-40B4-BE49-F238E27FC236}">
-                <a16:creationId xmlns:a16="http://schemas.microsoft.com/office/drawing/2014/main" id="{CB1D91A3-1993-4A47-8AC1-8743820DE35D}"/>
+                <a16:creationId xmlns:a16="http://schemas.microsoft.com/office/drawing/2014/main" id="{CDAFA71C-6AD4-2AC5-000A-20BFA698C0BE}"/>
               </a:ext>
             </a:extLst>
           </p:cNvPr>
@@ -6739,7 +10799,7 @@
           <p:cNvPr id="6" name="TextBox 5">
             <a:extLst>
               <a:ext uri="{FF2B5EF4-FFF2-40B4-BE49-F238E27FC236}">
-                <a16:creationId xmlns:a16="http://schemas.microsoft.com/office/drawing/2014/main" id="{48EC6873-61F3-9E8E-953D-16FC4C9C9D55}"/>
+                <a16:creationId xmlns:a16="http://schemas.microsoft.com/office/drawing/2014/main" id="{81F5D7F3-CFA7-AB9E-B9E5-F10FFFADFE13}"/>
               </a:ext>
             </a:extLst>
           </p:cNvPr>
@@ -6959,7 +11019,7 @@
           <p:cNvPr id="4" name="Rectangle 3">
             <a:extLst>
               <a:ext uri="{FF2B5EF4-FFF2-40B4-BE49-F238E27FC236}">
-                <a16:creationId xmlns:a16="http://schemas.microsoft.com/office/drawing/2014/main" id="{C7B7F45F-855B-2156-58A5-361394056CE1}"/>
+                <a16:creationId xmlns:a16="http://schemas.microsoft.com/office/drawing/2014/main" id="{2A76C147-C212-1F1F-95AD-D4311572E37B}"/>
               </a:ext>
             </a:extLst>
           </p:cNvPr>
@@ -7005,7 +11065,7 @@
           <p:cNvPr id="7" name="Rectangle 6">
             <a:extLst>
               <a:ext uri="{FF2B5EF4-FFF2-40B4-BE49-F238E27FC236}">
-                <a16:creationId xmlns:a16="http://schemas.microsoft.com/office/drawing/2014/main" id="{CFA3732C-B49B-D7CF-D66C-9362151FDE77}"/>
+                <a16:creationId xmlns:a16="http://schemas.microsoft.com/office/drawing/2014/main" id="{941E0404-2873-76DA-78A1-FDC9FF0D2BC9}"/>
               </a:ext>
             </a:extLst>
           </p:cNvPr>
@@ -7051,7 +11111,7 @@
           <p:cNvPr id="8" name="Rectangle 7">
             <a:extLst>
               <a:ext uri="{FF2B5EF4-FFF2-40B4-BE49-F238E27FC236}">
-                <a16:creationId xmlns:a16="http://schemas.microsoft.com/office/drawing/2014/main" id="{9E89A4E8-F2F7-27C6-FEB2-5A16C8981E7A}"/>
+                <a16:creationId xmlns:a16="http://schemas.microsoft.com/office/drawing/2014/main" id="{0ABBC446-C712-FA4D-740B-74C8B2C6025C}"/>
               </a:ext>
             </a:extLst>
           </p:cNvPr>
@@ -7097,7 +11157,7 @@
           <p:cNvPr id="9" name="Rectangle 8">
             <a:extLst>
               <a:ext uri="{FF2B5EF4-FFF2-40B4-BE49-F238E27FC236}">
-                <a16:creationId xmlns:a16="http://schemas.microsoft.com/office/drawing/2014/main" id="{87DF5C86-A21B-5AD7-0BA7-6EEF8E19CF4B}"/>
+                <a16:creationId xmlns:a16="http://schemas.microsoft.com/office/drawing/2014/main" id="{D926519F-ACF4-B243-41CF-2BD1E3553C7A}"/>
               </a:ext>
             </a:extLst>
           </p:cNvPr>
@@ -7143,7 +11203,7 @@
           <p:cNvPr id="10" name="Rectangle 9">
             <a:extLst>
               <a:ext uri="{FF2B5EF4-FFF2-40B4-BE49-F238E27FC236}">
-                <a16:creationId xmlns:a16="http://schemas.microsoft.com/office/drawing/2014/main" id="{EB140BDD-766F-6D33-4EDF-7237105EE4C8}"/>
+                <a16:creationId xmlns:a16="http://schemas.microsoft.com/office/drawing/2014/main" id="{5E828726-82ED-BDEF-F9BD-3FCB59477082}"/>
               </a:ext>
             </a:extLst>
           </p:cNvPr>
@@ -7189,7 +11249,7 @@
           <p:cNvPr id="11" name="Rectangle 10">
             <a:extLst>
               <a:ext uri="{FF2B5EF4-FFF2-40B4-BE49-F238E27FC236}">
-                <a16:creationId xmlns:a16="http://schemas.microsoft.com/office/drawing/2014/main" id="{AAA78DFB-7D0C-1ABA-A190-65B74C9C6320}"/>
+                <a16:creationId xmlns:a16="http://schemas.microsoft.com/office/drawing/2014/main" id="{F8D1C663-1B7F-5035-E247-5602D19CA399}"/>
               </a:ext>
             </a:extLst>
           </p:cNvPr>
@@ -7235,7 +11295,7 @@
           <p:cNvPr id="12" name="Rectangle 11">
             <a:extLst>
               <a:ext uri="{FF2B5EF4-FFF2-40B4-BE49-F238E27FC236}">
-                <a16:creationId xmlns:a16="http://schemas.microsoft.com/office/drawing/2014/main" id="{D6E857A2-A2D3-4E1E-8321-FC1ED33016B0}"/>
+                <a16:creationId xmlns:a16="http://schemas.microsoft.com/office/drawing/2014/main" id="{2DBBD294-B9D0-BD14-C2C3-2023F714EA6D}"/>
               </a:ext>
             </a:extLst>
           </p:cNvPr>
@@ -7281,7 +11341,7 @@
           <p:cNvPr id="13" name="Rectangle 12">
             <a:extLst>
               <a:ext uri="{FF2B5EF4-FFF2-40B4-BE49-F238E27FC236}">
-                <a16:creationId xmlns:a16="http://schemas.microsoft.com/office/drawing/2014/main" id="{B184513C-FE70-B8C7-39D3-E2A3BE85AF8B}"/>
+                <a16:creationId xmlns:a16="http://schemas.microsoft.com/office/drawing/2014/main" id="{9226BE6D-6DD0-E525-E9F0-28ADD42AAF07}"/>
               </a:ext>
             </a:extLst>
           </p:cNvPr>
@@ -7327,7 +11387,7 @@
           <p:cNvPr id="14" name="Rectangle 13">
             <a:extLst>
               <a:ext uri="{FF2B5EF4-FFF2-40B4-BE49-F238E27FC236}">
-                <a16:creationId xmlns:a16="http://schemas.microsoft.com/office/drawing/2014/main" id="{3B6C1F1B-0B95-A71F-3BA4-05D62AD887A3}"/>
+                <a16:creationId xmlns:a16="http://schemas.microsoft.com/office/drawing/2014/main" id="{DD63F703-D18C-0CC9-CBC5-C799E93EBC55}"/>
               </a:ext>
             </a:extLst>
           </p:cNvPr>
@@ -7384,7 +11444,7 @@
           <p:cNvPr id="15" name="Rectangle 14">
             <a:extLst>
               <a:ext uri="{FF2B5EF4-FFF2-40B4-BE49-F238E27FC236}">
-                <a16:creationId xmlns:a16="http://schemas.microsoft.com/office/drawing/2014/main" id="{FB3B179A-13F2-74BE-94D7-2876595C48A3}"/>
+                <a16:creationId xmlns:a16="http://schemas.microsoft.com/office/drawing/2014/main" id="{E8BE02F2-D259-85B9-51D5-552395E3A9DA}"/>
               </a:ext>
             </a:extLst>
           </p:cNvPr>
@@ -7441,7 +11501,7 @@
           <p:cNvPr id="16" name="Rectangle 15">
             <a:extLst>
               <a:ext uri="{FF2B5EF4-FFF2-40B4-BE49-F238E27FC236}">
-                <a16:creationId xmlns:a16="http://schemas.microsoft.com/office/drawing/2014/main" id="{872FD883-24E1-9C52-3904-3A39AB610AE4}"/>
+                <a16:creationId xmlns:a16="http://schemas.microsoft.com/office/drawing/2014/main" id="{709CD9FA-E119-54CB-E7F6-FFC394EC598A}"/>
               </a:ext>
             </a:extLst>
           </p:cNvPr>
@@ -7498,7 +11558,7 @@
           <p:cNvPr id="17" name="Rectangle 16">
             <a:extLst>
               <a:ext uri="{FF2B5EF4-FFF2-40B4-BE49-F238E27FC236}">
-                <a16:creationId xmlns:a16="http://schemas.microsoft.com/office/drawing/2014/main" id="{1FDFB4A8-D6CB-B9EF-3F41-B5246E2A0548}"/>
+                <a16:creationId xmlns:a16="http://schemas.microsoft.com/office/drawing/2014/main" id="{D84EBA71-90BB-8C44-E318-16C74B7FB4C9}"/>
               </a:ext>
             </a:extLst>
           </p:cNvPr>
@@ -7548,7 +11608,7 @@
           <p:cNvPr id="18" name="Rectangle 17">
             <a:extLst>
               <a:ext uri="{FF2B5EF4-FFF2-40B4-BE49-F238E27FC236}">
-                <a16:creationId xmlns:a16="http://schemas.microsoft.com/office/drawing/2014/main" id="{8807C362-F59C-CAE5-5DA9-8C9FBBC542F3}"/>
+                <a16:creationId xmlns:a16="http://schemas.microsoft.com/office/drawing/2014/main" id="{40737F85-D4F2-B9F2-DF79-1F506B1677F4}"/>
               </a:ext>
             </a:extLst>
           </p:cNvPr>
@@ -7598,7 +11658,7 @@
           <p:cNvPr id="19" name="Rectangle 18">
             <a:extLst>
               <a:ext uri="{FF2B5EF4-FFF2-40B4-BE49-F238E27FC236}">
-                <a16:creationId xmlns:a16="http://schemas.microsoft.com/office/drawing/2014/main" id="{0B91C083-52AC-7B8D-5B30-1B548794988A}"/>
+                <a16:creationId xmlns:a16="http://schemas.microsoft.com/office/drawing/2014/main" id="{63C5967D-45DC-B087-D771-C14C420E8C92}"/>
               </a:ext>
             </a:extLst>
           </p:cNvPr>
@@ -7648,7 +11708,7 @@
           <p:cNvPr id="20" name="Rectangle 19">
             <a:extLst>
               <a:ext uri="{FF2B5EF4-FFF2-40B4-BE49-F238E27FC236}">
-                <a16:creationId xmlns:a16="http://schemas.microsoft.com/office/drawing/2014/main" id="{4E4012EA-DB80-6044-C755-7B0C48F01720}"/>
+                <a16:creationId xmlns:a16="http://schemas.microsoft.com/office/drawing/2014/main" id="{E70618C9-4760-BCDD-6F8B-C9E1BCA82B21}"/>
               </a:ext>
             </a:extLst>
           </p:cNvPr>
@@ -7698,7 +11758,7 @@
           <p:cNvPr id="21" name="Rectangle 20">
             <a:extLst>
               <a:ext uri="{FF2B5EF4-FFF2-40B4-BE49-F238E27FC236}">
-                <a16:creationId xmlns:a16="http://schemas.microsoft.com/office/drawing/2014/main" id="{721A48C7-192C-BEF9-E4A9-6BF183833F5B}"/>
+                <a16:creationId xmlns:a16="http://schemas.microsoft.com/office/drawing/2014/main" id="{97F761A2-34D5-D5EE-8DA0-F8A80B651F53}"/>
               </a:ext>
             </a:extLst>
           </p:cNvPr>
@@ -7748,7 +11808,7 @@
           <p:cNvPr id="22" name="Rectangle 21">
             <a:extLst>
               <a:ext uri="{FF2B5EF4-FFF2-40B4-BE49-F238E27FC236}">
-                <a16:creationId xmlns:a16="http://schemas.microsoft.com/office/drawing/2014/main" id="{F586B268-72C6-9493-A3E9-2920DE3251AE}"/>
+                <a16:creationId xmlns:a16="http://schemas.microsoft.com/office/drawing/2014/main" id="{D5590637-4C89-A7CD-064D-CF7203DBFD3E}"/>
               </a:ext>
             </a:extLst>
           </p:cNvPr>
@@ -7798,7 +11858,7 @@
           <p:cNvPr id="23" name="Rectangle 22">
             <a:extLst>
               <a:ext uri="{FF2B5EF4-FFF2-40B4-BE49-F238E27FC236}">
-                <a16:creationId xmlns:a16="http://schemas.microsoft.com/office/drawing/2014/main" id="{D9866387-4F5C-1E25-C970-F994FD21EABA}"/>
+                <a16:creationId xmlns:a16="http://schemas.microsoft.com/office/drawing/2014/main" id="{25ED6512-DAD8-81A1-FC49-CF193F8084FF}"/>
               </a:ext>
             </a:extLst>
           </p:cNvPr>
@@ -7848,7 +11908,7 @@
           <p:cNvPr id="24" name="Rectangle 23">
             <a:extLst>
               <a:ext uri="{FF2B5EF4-FFF2-40B4-BE49-F238E27FC236}">
-                <a16:creationId xmlns:a16="http://schemas.microsoft.com/office/drawing/2014/main" id="{88AD4857-CAFF-F161-8391-21CA53064C70}"/>
+                <a16:creationId xmlns:a16="http://schemas.microsoft.com/office/drawing/2014/main" id="{AF001853-B6EC-5B68-8005-11116034DFB4}"/>
               </a:ext>
             </a:extLst>
           </p:cNvPr>
@@ -7898,7 +11958,7 @@
           <p:cNvPr id="25" name="Rectangle 24">
             <a:extLst>
               <a:ext uri="{FF2B5EF4-FFF2-40B4-BE49-F238E27FC236}">
-                <a16:creationId xmlns:a16="http://schemas.microsoft.com/office/drawing/2014/main" id="{1D71C516-C8CE-F574-1E64-1D485812C51B}"/>
+                <a16:creationId xmlns:a16="http://schemas.microsoft.com/office/drawing/2014/main" id="{38FBC519-258F-E86B-1CE0-5C9F527CBA1F}"/>
               </a:ext>
             </a:extLst>
           </p:cNvPr>
@@ -7948,7 +12008,7 @@
           <p:cNvPr id="26" name="Rectangle 25">
             <a:extLst>
               <a:ext uri="{FF2B5EF4-FFF2-40B4-BE49-F238E27FC236}">
-                <a16:creationId xmlns:a16="http://schemas.microsoft.com/office/drawing/2014/main" id="{C07EF873-94A6-EAF4-7209-91FBB400AECD}"/>
+                <a16:creationId xmlns:a16="http://schemas.microsoft.com/office/drawing/2014/main" id="{0872224B-59BD-25F6-5A01-07E250CA411A}"/>
               </a:ext>
             </a:extLst>
           </p:cNvPr>
@@ -7998,7 +12058,7 @@
           <p:cNvPr id="27" name="Rectangle 26">
             <a:extLst>
               <a:ext uri="{FF2B5EF4-FFF2-40B4-BE49-F238E27FC236}">
-                <a16:creationId xmlns:a16="http://schemas.microsoft.com/office/drawing/2014/main" id="{CB660C6B-88BD-D5C8-6371-CE261B03F3E8}"/>
+                <a16:creationId xmlns:a16="http://schemas.microsoft.com/office/drawing/2014/main" id="{3B590C21-967E-428A-8F56-41E74A53A4D0}"/>
               </a:ext>
             </a:extLst>
           </p:cNvPr>
@@ -8046,1449 +12106,6 @@
     </p:spTree>
     <p:extLst>
       <p:ext uri="{BB962C8B-B14F-4D97-AF65-F5344CB8AC3E}">
-        <p14:creationId xmlns:p14="http://schemas.microsoft.com/office/powerpoint/2010/main" val="1568502379"/>
-      </p:ext>
-    </p:extLst>
-  </p:cSld>
-  <p:clrMapOvr>
-    <a:masterClrMapping/>
-  </p:clrMapOvr>
-  <p:transition spd="med"/>
-</p:sld>
-</file>
-
-<file path=ppt/slides/slide14.xml><?xml version="1.0" encoding="utf-8"?>
-<p:sld xmlns:a="http://schemas.openxmlformats.org/drawingml/2006/main" xmlns:r="http://schemas.openxmlformats.org/officeDocument/2006/relationships" xmlns:p="http://schemas.openxmlformats.org/presentationml/2006/main">
-  <p:cSld>
-    <p:spTree>
-      <p:nvGrpSpPr>
-        <p:cNvPr id="1" name="">
-          <a:extLst>
-            <a:ext uri="{FF2B5EF4-FFF2-40B4-BE49-F238E27FC236}">
-              <a16:creationId xmlns:a16="http://schemas.microsoft.com/office/drawing/2014/main" id="{9D040A09-C5BA-AFF9-005E-9D4C4EAD454E}"/>
-            </a:ext>
-          </a:extLst>
-        </p:cNvPr>
-        <p:cNvGrpSpPr/>
-        <p:nvPr/>
-      </p:nvGrpSpPr>
-      <p:grpSpPr>
-        <a:xfrm>
-          <a:off x="0" y="0"/>
-          <a:ext cx="0" cy="0"/>
-          <a:chOff x="0" y="0"/>
-          <a:chExt cx="0" cy="0"/>
-        </a:xfrm>
-      </p:grpSpPr>
-      <p:sp>
-        <p:nvSpPr>
-          <p:cNvPr id="2" name="Slide Number Placeholder 1">
-            <a:extLst>
-              <a:ext uri="{FF2B5EF4-FFF2-40B4-BE49-F238E27FC236}">
-                <a16:creationId xmlns:a16="http://schemas.microsoft.com/office/drawing/2014/main" id="{F617A37D-A04D-D7D4-3672-440A165DB313}"/>
-              </a:ext>
-            </a:extLst>
-          </p:cNvPr>
-          <p:cNvSpPr>
-            <a:spLocks noGrp="1"/>
-          </p:cNvSpPr>
-          <p:nvPr>
-            <p:ph type="sldNum" sz="quarter" idx="4"/>
-          </p:nvPr>
-        </p:nvSpPr>
-        <p:spPr/>
-        <p:txBody>
-          <a:bodyPr/>
-          <a:lstStyle/>
-          <a:p>
-            <a:fld id="{01747F32-3477-4169-AB69-F0FD91D6B2FE}" type="slidenum">
-              <a:rPr lang="en-US" smtClean="0"/>
-              <a:pPr/>
-              <a:t>14</a:t>
-            </a:fld>
-            <a:endParaRPr lang="en-US" dirty="0"/>
-          </a:p>
-        </p:txBody>
-      </p:sp>
-      <p:sp>
-        <p:nvSpPr>
-          <p:cNvPr id="3" name="Title 2">
-            <a:extLst>
-              <a:ext uri="{FF2B5EF4-FFF2-40B4-BE49-F238E27FC236}">
-                <a16:creationId xmlns:a16="http://schemas.microsoft.com/office/drawing/2014/main" id="{CE72B62F-D2A9-6CD0-BD5E-6A6BFA4B42B8}"/>
-              </a:ext>
-            </a:extLst>
-          </p:cNvPr>
-          <p:cNvSpPr>
-            <a:spLocks noGrp="1"/>
-          </p:cNvSpPr>
-          <p:nvPr>
-            <p:ph type="title"/>
-          </p:nvPr>
-        </p:nvSpPr>
-        <p:spPr/>
-        <p:txBody>
-          <a:bodyPr/>
-          <a:lstStyle/>
-          <a:p>
-            <a:r>
-              <a:rPr lang="en-US" dirty="0" err="1"/>
-              <a:t>MotherBoard</a:t>
-            </a:r>
-            <a:r>
-              <a:rPr lang="en-US" dirty="0"/>
-              <a:t> + </a:t>
-            </a:r>
-            <a:r>
-              <a:rPr lang="en-US" dirty="0" err="1"/>
-              <a:t>DaugtherBoard</a:t>
-            </a:r>
-            <a:endParaRPr lang="en-US" dirty="0"/>
-          </a:p>
-        </p:txBody>
-      </p:sp>
-      <p:pic>
-        <p:nvPicPr>
-          <p:cNvPr id="5" name="Picture 4" descr="A green circuit board with red connectors&#10;&#10;Description automatically generated">
-            <a:extLst>
-              <a:ext uri="{FF2B5EF4-FFF2-40B4-BE49-F238E27FC236}">
-                <a16:creationId xmlns:a16="http://schemas.microsoft.com/office/drawing/2014/main" id="{CDAFA71C-6AD4-2AC5-000A-20BFA698C0BE}"/>
-              </a:ext>
-            </a:extLst>
-          </p:cNvPr>
-          <p:cNvPicPr>
-            <a:picLocks noChangeAspect="1"/>
-          </p:cNvPicPr>
-          <p:nvPr/>
-        </p:nvPicPr>
-        <p:blipFill>
-          <a:blip r:embed="rId3"/>
-          <a:stretch>
-            <a:fillRect/>
-          </a:stretch>
-        </p:blipFill>
-        <p:spPr>
-          <a:xfrm>
-            <a:off x="554181" y="1145309"/>
-            <a:ext cx="7112000" cy="5544443"/>
-          </a:xfrm>
-          <a:prstGeom prst="rect">
-            <a:avLst/>
-          </a:prstGeom>
-        </p:spPr>
-      </p:pic>
-      <p:sp>
-        <p:nvSpPr>
-          <p:cNvPr id="6" name="TextBox 5">
-            <a:extLst>
-              <a:ext uri="{FF2B5EF4-FFF2-40B4-BE49-F238E27FC236}">
-                <a16:creationId xmlns:a16="http://schemas.microsoft.com/office/drawing/2014/main" id="{81F5D7F3-CFA7-AB9E-B9E5-F10FFFADFE13}"/>
-              </a:ext>
-            </a:extLst>
-          </p:cNvPr>
-          <p:cNvSpPr txBox="1"/>
-          <p:nvPr/>
-        </p:nvSpPr>
-        <p:spPr>
-          <a:xfrm>
-            <a:off x="7867131" y="1149464"/>
-            <a:ext cx="4036291" cy="5632311"/>
-          </a:xfrm>
-          <a:prstGeom prst="rect">
-            <a:avLst/>
-          </a:prstGeom>
-          <a:noFill/>
-        </p:spPr>
-        <p:txBody>
-          <a:bodyPr wrap="square" rtlCol="0">
-            <a:spAutoFit/>
-          </a:bodyPr>
-          <a:lstStyle/>
-          <a:p>
-            <a:pPr marL="342900" indent="-342900">
-              <a:buFont typeface="+mj-lt"/>
-              <a:buAutoNum type="arabicPeriod"/>
-            </a:pPr>
-            <a:r>
-              <a:rPr lang="en-US" dirty="0">
-                <a:solidFill>
-                  <a:schemeClr val="accent1"/>
-                </a:solidFill>
-              </a:rPr>
-              <a:t>Modularized the Design</a:t>
-            </a:r>
-          </a:p>
-          <a:p>
-            <a:pPr marL="800100" lvl="1" indent="-342900">
-              <a:buFont typeface="+mj-lt"/>
-              <a:buAutoNum type="arabicPeriod"/>
-            </a:pPr>
-            <a:r>
-              <a:rPr lang="en-US" dirty="0"/>
-              <a:t>By having jumper between each IC</a:t>
-            </a:r>
-          </a:p>
-          <a:p>
-            <a:pPr marL="800100" lvl="1" indent="-342900">
-              <a:buFont typeface="+mj-lt"/>
-              <a:buAutoNum type="arabicPeriod"/>
-            </a:pPr>
-            <a:r>
-              <a:rPr lang="en-US" dirty="0"/>
-              <a:t>For debugging</a:t>
-            </a:r>
-          </a:p>
-          <a:p>
-            <a:pPr marL="800100" lvl="1" indent="-342900">
-              <a:buFont typeface="+mj-lt"/>
-              <a:buAutoNum type="arabicPeriod"/>
-            </a:pPr>
-            <a:r>
-              <a:rPr lang="en-US" dirty="0"/>
-              <a:t>SE-DE / </a:t>
-            </a:r>
-            <a:r>
-              <a:rPr lang="en-US" dirty="0" err="1"/>
-              <a:t>ByPass</a:t>
-            </a:r>
-            <a:r>
-              <a:rPr lang="en-US" dirty="0"/>
-              <a:t> Options </a:t>
-            </a:r>
-          </a:p>
-          <a:p>
-            <a:pPr marL="342900" indent="-342900">
-              <a:buFont typeface="+mj-lt"/>
-              <a:buAutoNum type="arabicPeriod"/>
-            </a:pPr>
-            <a:r>
-              <a:rPr lang="en-US" dirty="0">
-                <a:solidFill>
-                  <a:srgbClr val="FFC000"/>
-                </a:solidFill>
-              </a:rPr>
-              <a:t>Testability</a:t>
-            </a:r>
-          </a:p>
-          <a:p>
-            <a:pPr marL="800100" lvl="1" indent="-342900">
-              <a:buFont typeface="+mj-lt"/>
-              <a:buAutoNum type="arabicPeriod"/>
-            </a:pPr>
-            <a:r>
-              <a:rPr lang="en-US" dirty="0"/>
-              <a:t>Jumper for GND for easy </a:t>
-            </a:r>
-            <a:r>
-              <a:rPr lang="en-US" dirty="0" err="1"/>
-              <a:t>probeing</a:t>
-            </a:r>
-            <a:endParaRPr lang="en-US" dirty="0"/>
-          </a:p>
-          <a:p>
-            <a:pPr marL="800100" lvl="1" indent="-342900">
-              <a:buFont typeface="+mj-lt"/>
-              <a:buAutoNum type="arabicPeriod"/>
-            </a:pPr>
-            <a:r>
-              <a:rPr lang="en-US" dirty="0"/>
-              <a:t>Grab &amp; Probe</a:t>
-            </a:r>
-          </a:p>
-          <a:p>
-            <a:pPr marL="342900" indent="-342900">
-              <a:buFont typeface="+mj-lt"/>
-              <a:buAutoNum type="arabicPeriod"/>
-            </a:pPr>
-            <a:r>
-              <a:rPr lang="en-US" dirty="0">
-                <a:solidFill>
-                  <a:schemeClr val="accent4">
-                    <a:lumMod val="60000"/>
-                    <a:lumOff val="40000"/>
-                  </a:schemeClr>
-                </a:solidFill>
-              </a:rPr>
-              <a:t>Configurability</a:t>
-            </a:r>
-          </a:p>
-          <a:p>
-            <a:pPr marL="800100" lvl="1" indent="-342900">
-              <a:buFont typeface="+mj-lt"/>
-              <a:buAutoNum type="arabicPeriod"/>
-            </a:pPr>
-            <a:r>
-              <a:rPr lang="en-US" dirty="0"/>
-              <a:t>Potentiometer for tweaking the perfect </a:t>
-            </a:r>
-            <a:r>
-              <a:rPr lang="en-US" dirty="0" err="1"/>
-              <a:t>Vcm</a:t>
-            </a:r>
-            <a:r>
-              <a:rPr lang="en-US" dirty="0"/>
-              <a:t>, AVDD, AVDDESD</a:t>
-            </a:r>
-          </a:p>
-          <a:p>
-            <a:pPr marL="342900" indent="-342900">
-              <a:buFont typeface="+mj-lt"/>
-              <a:buAutoNum type="arabicPeriod"/>
-            </a:pPr>
-            <a:r>
-              <a:rPr lang="en-US" dirty="0">
-                <a:solidFill>
-                  <a:srgbClr val="00B050"/>
-                </a:solidFill>
-              </a:rPr>
-              <a:t>4-Layer Stack</a:t>
-            </a:r>
-          </a:p>
-          <a:p>
-            <a:pPr marL="800100" lvl="1" indent="-342900">
-              <a:buFont typeface="+mj-lt"/>
-              <a:buAutoNum type="arabicPeriod"/>
-            </a:pPr>
-            <a:r>
-              <a:rPr lang="en-US" dirty="0"/>
-              <a:t>Signal</a:t>
-            </a:r>
-          </a:p>
-          <a:p>
-            <a:pPr marL="800100" lvl="1" indent="-342900">
-              <a:buFont typeface="+mj-lt"/>
-              <a:buAutoNum type="arabicPeriod"/>
-            </a:pPr>
-            <a:r>
-              <a:rPr lang="en-US" dirty="0"/>
-              <a:t>DGND + AGND</a:t>
-            </a:r>
-          </a:p>
-          <a:p>
-            <a:pPr marL="800100" lvl="1" indent="-342900">
-              <a:buFont typeface="+mj-lt"/>
-              <a:buAutoNum type="arabicPeriod"/>
-            </a:pPr>
-            <a:r>
-              <a:rPr lang="en-US" dirty="0"/>
-              <a:t>+5V</a:t>
-            </a:r>
-          </a:p>
-          <a:p>
-            <a:pPr marL="800100" lvl="1" indent="-342900">
-              <a:buFont typeface="+mj-lt"/>
-              <a:buAutoNum type="arabicPeriod"/>
-            </a:pPr>
-            <a:r>
-              <a:rPr lang="en-US" dirty="0"/>
-              <a:t>-5V</a:t>
-            </a:r>
-          </a:p>
-          <a:p>
-            <a:pPr lvl="1"/>
-            <a:endParaRPr lang="en-US" dirty="0"/>
-          </a:p>
-          <a:p>
-            <a:pPr marL="800100" lvl="1" indent="-342900">
-              <a:buFont typeface="+mj-lt"/>
-              <a:buAutoNum type="arabicPeriod"/>
-            </a:pPr>
-            <a:endParaRPr lang="en-US" dirty="0"/>
-          </a:p>
-        </p:txBody>
-      </p:sp>
-      <p:sp>
-        <p:nvSpPr>
-          <p:cNvPr id="4" name="Rectangle 3">
-            <a:extLst>
-              <a:ext uri="{FF2B5EF4-FFF2-40B4-BE49-F238E27FC236}">
-                <a16:creationId xmlns:a16="http://schemas.microsoft.com/office/drawing/2014/main" id="{2A76C147-C212-1F1F-95AD-D4311572E37B}"/>
-              </a:ext>
-            </a:extLst>
-          </p:cNvPr>
-          <p:cNvSpPr/>
-          <p:nvPr/>
-        </p:nvSpPr>
-        <p:spPr>
-          <a:xfrm>
-            <a:off x="5722705" y="4001783"/>
-            <a:ext cx="303087" cy="200346"/>
-          </a:xfrm>
-          <a:prstGeom prst="rect">
-            <a:avLst/>
-          </a:prstGeom>
-          <a:noFill/>
-          <a:ln w="38100"/>
-        </p:spPr>
-        <p:style>
-          <a:lnRef idx="1">
-            <a:schemeClr val="accent1"/>
-          </a:lnRef>
-          <a:fillRef idx="3">
-            <a:schemeClr val="accent1"/>
-          </a:fillRef>
-          <a:effectRef idx="2">
-            <a:schemeClr val="accent1"/>
-          </a:effectRef>
-          <a:fontRef idx="minor">
-            <a:schemeClr val="lt1"/>
-          </a:fontRef>
-        </p:style>
-        <p:txBody>
-          <a:bodyPr rtlCol="0" anchor="ctr"/>
-          <a:lstStyle/>
-          <a:p>
-            <a:pPr algn="ctr"/>
-            <a:endParaRPr lang="en-US"/>
-          </a:p>
-        </p:txBody>
-      </p:sp>
-      <p:sp>
-        <p:nvSpPr>
-          <p:cNvPr id="7" name="Rectangle 6">
-            <a:extLst>
-              <a:ext uri="{FF2B5EF4-FFF2-40B4-BE49-F238E27FC236}">
-                <a16:creationId xmlns:a16="http://schemas.microsoft.com/office/drawing/2014/main" id="{941E0404-2873-76DA-78A1-FDC9FF0D2BC9}"/>
-              </a:ext>
-            </a:extLst>
-          </p:cNvPr>
-          <p:cNvSpPr/>
-          <p:nvPr/>
-        </p:nvSpPr>
-        <p:spPr>
-          <a:xfrm>
-            <a:off x="4955568" y="4482956"/>
-            <a:ext cx="303087" cy="200346"/>
-          </a:xfrm>
-          <a:prstGeom prst="rect">
-            <a:avLst/>
-          </a:prstGeom>
-          <a:noFill/>
-          <a:ln w="38100"/>
-        </p:spPr>
-        <p:style>
-          <a:lnRef idx="1">
-            <a:schemeClr val="accent1"/>
-          </a:lnRef>
-          <a:fillRef idx="3">
-            <a:schemeClr val="accent1"/>
-          </a:fillRef>
-          <a:effectRef idx="2">
-            <a:schemeClr val="accent1"/>
-          </a:effectRef>
-          <a:fontRef idx="minor">
-            <a:schemeClr val="lt1"/>
-          </a:fontRef>
-        </p:style>
-        <p:txBody>
-          <a:bodyPr rtlCol="0" anchor="ctr"/>
-          <a:lstStyle/>
-          <a:p>
-            <a:pPr algn="ctr"/>
-            <a:endParaRPr lang="en-US"/>
-          </a:p>
-        </p:txBody>
-      </p:sp>
-      <p:sp>
-        <p:nvSpPr>
-          <p:cNvPr id="8" name="Rectangle 7">
-            <a:extLst>
-              <a:ext uri="{FF2B5EF4-FFF2-40B4-BE49-F238E27FC236}">
-                <a16:creationId xmlns:a16="http://schemas.microsoft.com/office/drawing/2014/main" id="{0ABBC446-C712-FA4D-740B-74C8B2C6025C}"/>
-              </a:ext>
-            </a:extLst>
-          </p:cNvPr>
-          <p:cNvSpPr/>
-          <p:nvPr/>
-        </p:nvSpPr>
-        <p:spPr>
-          <a:xfrm>
-            <a:off x="6166210" y="3815135"/>
-            <a:ext cx="573637" cy="200346"/>
-          </a:xfrm>
-          <a:prstGeom prst="rect">
-            <a:avLst/>
-          </a:prstGeom>
-          <a:noFill/>
-          <a:ln w="38100"/>
-        </p:spPr>
-        <p:style>
-          <a:lnRef idx="1">
-            <a:schemeClr val="accent1"/>
-          </a:lnRef>
-          <a:fillRef idx="3">
-            <a:schemeClr val="accent1"/>
-          </a:fillRef>
-          <a:effectRef idx="2">
-            <a:schemeClr val="accent1"/>
-          </a:effectRef>
-          <a:fontRef idx="minor">
-            <a:schemeClr val="lt1"/>
-          </a:fontRef>
-        </p:style>
-        <p:txBody>
-          <a:bodyPr rtlCol="0" anchor="ctr"/>
-          <a:lstStyle/>
-          <a:p>
-            <a:pPr algn="ctr"/>
-            <a:endParaRPr lang="en-US"/>
-          </a:p>
-        </p:txBody>
-      </p:sp>
-      <p:sp>
-        <p:nvSpPr>
-          <p:cNvPr id="9" name="Rectangle 8">
-            <a:extLst>
-              <a:ext uri="{FF2B5EF4-FFF2-40B4-BE49-F238E27FC236}">
-                <a16:creationId xmlns:a16="http://schemas.microsoft.com/office/drawing/2014/main" id="{D926519F-ACF4-B243-41CF-2BD1E3553C7A}"/>
-              </a:ext>
-            </a:extLst>
-          </p:cNvPr>
-          <p:cNvSpPr/>
-          <p:nvPr/>
-        </p:nvSpPr>
-        <p:spPr>
-          <a:xfrm>
-            <a:off x="3991513" y="4067708"/>
-            <a:ext cx="573637" cy="200346"/>
-          </a:xfrm>
-          <a:prstGeom prst="rect">
-            <a:avLst/>
-          </a:prstGeom>
-          <a:noFill/>
-          <a:ln w="38100"/>
-        </p:spPr>
-        <p:style>
-          <a:lnRef idx="1">
-            <a:schemeClr val="accent1"/>
-          </a:lnRef>
-          <a:fillRef idx="3">
-            <a:schemeClr val="accent1"/>
-          </a:fillRef>
-          <a:effectRef idx="2">
-            <a:schemeClr val="accent1"/>
-          </a:effectRef>
-          <a:fontRef idx="minor">
-            <a:schemeClr val="lt1"/>
-          </a:fontRef>
-        </p:style>
-        <p:txBody>
-          <a:bodyPr rtlCol="0" anchor="ctr"/>
-          <a:lstStyle/>
-          <a:p>
-            <a:pPr algn="ctr"/>
-            <a:endParaRPr lang="en-US"/>
-          </a:p>
-        </p:txBody>
-      </p:sp>
-      <p:sp>
-        <p:nvSpPr>
-          <p:cNvPr id="10" name="Rectangle 9">
-            <a:extLst>
-              <a:ext uri="{FF2B5EF4-FFF2-40B4-BE49-F238E27FC236}">
-                <a16:creationId xmlns:a16="http://schemas.microsoft.com/office/drawing/2014/main" id="{5E828726-82ED-BDEF-F9BD-3FCB59477082}"/>
-              </a:ext>
-            </a:extLst>
-          </p:cNvPr>
-          <p:cNvSpPr/>
-          <p:nvPr/>
-        </p:nvSpPr>
-        <p:spPr>
-          <a:xfrm>
-            <a:off x="3991513" y="4464626"/>
-            <a:ext cx="573637" cy="200346"/>
-          </a:xfrm>
-          <a:prstGeom prst="rect">
-            <a:avLst/>
-          </a:prstGeom>
-          <a:noFill/>
-          <a:ln w="38100"/>
-        </p:spPr>
-        <p:style>
-          <a:lnRef idx="1">
-            <a:schemeClr val="accent1"/>
-          </a:lnRef>
-          <a:fillRef idx="3">
-            <a:schemeClr val="accent1"/>
-          </a:fillRef>
-          <a:effectRef idx="2">
-            <a:schemeClr val="accent1"/>
-          </a:effectRef>
-          <a:fontRef idx="minor">
-            <a:schemeClr val="lt1"/>
-          </a:fontRef>
-        </p:style>
-        <p:txBody>
-          <a:bodyPr rtlCol="0" anchor="ctr"/>
-          <a:lstStyle/>
-          <a:p>
-            <a:pPr algn="ctr"/>
-            <a:endParaRPr lang="en-US"/>
-          </a:p>
-        </p:txBody>
-      </p:sp>
-      <p:sp>
-        <p:nvSpPr>
-          <p:cNvPr id="11" name="Rectangle 10">
-            <a:extLst>
-              <a:ext uri="{FF2B5EF4-FFF2-40B4-BE49-F238E27FC236}">
-                <a16:creationId xmlns:a16="http://schemas.microsoft.com/office/drawing/2014/main" id="{F8D1C663-1B7F-5035-E247-5602D19CA399}"/>
-              </a:ext>
-            </a:extLst>
-          </p:cNvPr>
-          <p:cNvSpPr/>
-          <p:nvPr/>
-        </p:nvSpPr>
-        <p:spPr>
-          <a:xfrm>
-            <a:off x="3263757" y="3714962"/>
-            <a:ext cx="303087" cy="200346"/>
-          </a:xfrm>
-          <a:prstGeom prst="rect">
-            <a:avLst/>
-          </a:prstGeom>
-          <a:noFill/>
-          <a:ln w="38100"/>
-        </p:spPr>
-        <p:style>
-          <a:lnRef idx="1">
-            <a:schemeClr val="accent1"/>
-          </a:lnRef>
-          <a:fillRef idx="3">
-            <a:schemeClr val="accent1"/>
-          </a:fillRef>
-          <a:effectRef idx="2">
-            <a:schemeClr val="accent1"/>
-          </a:effectRef>
-          <a:fontRef idx="minor">
-            <a:schemeClr val="lt1"/>
-          </a:fontRef>
-        </p:style>
-        <p:txBody>
-          <a:bodyPr rtlCol="0" anchor="ctr"/>
-          <a:lstStyle/>
-          <a:p>
-            <a:pPr algn="ctr"/>
-            <a:endParaRPr lang="en-US"/>
-          </a:p>
-        </p:txBody>
-      </p:sp>
-      <p:sp>
-        <p:nvSpPr>
-          <p:cNvPr id="12" name="Rectangle 11">
-            <a:extLst>
-              <a:ext uri="{FF2B5EF4-FFF2-40B4-BE49-F238E27FC236}">
-                <a16:creationId xmlns:a16="http://schemas.microsoft.com/office/drawing/2014/main" id="{2DBBD294-B9D0-BD14-C2C3-2023F714EA6D}"/>
-              </a:ext>
-            </a:extLst>
-          </p:cNvPr>
-          <p:cNvSpPr/>
-          <p:nvPr/>
-        </p:nvSpPr>
-        <p:spPr>
-          <a:xfrm>
-            <a:off x="2618925" y="3664448"/>
-            <a:ext cx="303087" cy="200346"/>
-          </a:xfrm>
-          <a:prstGeom prst="rect">
-            <a:avLst/>
-          </a:prstGeom>
-          <a:noFill/>
-          <a:ln w="38100"/>
-        </p:spPr>
-        <p:style>
-          <a:lnRef idx="1">
-            <a:schemeClr val="accent1"/>
-          </a:lnRef>
-          <a:fillRef idx="3">
-            <a:schemeClr val="accent1"/>
-          </a:fillRef>
-          <a:effectRef idx="2">
-            <a:schemeClr val="accent1"/>
-          </a:effectRef>
-          <a:fontRef idx="minor">
-            <a:schemeClr val="lt1"/>
-          </a:fontRef>
-        </p:style>
-        <p:txBody>
-          <a:bodyPr rtlCol="0" anchor="ctr"/>
-          <a:lstStyle/>
-          <a:p>
-            <a:pPr algn="ctr"/>
-            <a:endParaRPr lang="en-US"/>
-          </a:p>
-        </p:txBody>
-      </p:sp>
-      <p:sp>
-        <p:nvSpPr>
-          <p:cNvPr id="13" name="Rectangle 12">
-            <a:extLst>
-              <a:ext uri="{FF2B5EF4-FFF2-40B4-BE49-F238E27FC236}">
-                <a16:creationId xmlns:a16="http://schemas.microsoft.com/office/drawing/2014/main" id="{9226BE6D-6DD0-E525-E9F0-28ADD42AAF07}"/>
-              </a:ext>
-            </a:extLst>
-          </p:cNvPr>
-          <p:cNvSpPr/>
-          <p:nvPr/>
-        </p:nvSpPr>
-        <p:spPr>
-          <a:xfrm>
-            <a:off x="1541047" y="3626774"/>
-            <a:ext cx="303087" cy="200346"/>
-          </a:xfrm>
-          <a:prstGeom prst="rect">
-            <a:avLst/>
-          </a:prstGeom>
-          <a:noFill/>
-          <a:ln w="38100"/>
-        </p:spPr>
-        <p:style>
-          <a:lnRef idx="1">
-            <a:schemeClr val="accent1"/>
-          </a:lnRef>
-          <a:fillRef idx="3">
-            <a:schemeClr val="accent1"/>
-          </a:fillRef>
-          <a:effectRef idx="2">
-            <a:schemeClr val="accent1"/>
-          </a:effectRef>
-          <a:fontRef idx="minor">
-            <a:schemeClr val="lt1"/>
-          </a:fontRef>
-        </p:style>
-        <p:txBody>
-          <a:bodyPr rtlCol="0" anchor="ctr"/>
-          <a:lstStyle/>
-          <a:p>
-            <a:pPr algn="ctr"/>
-            <a:endParaRPr lang="en-US"/>
-          </a:p>
-        </p:txBody>
-      </p:sp>
-      <p:sp>
-        <p:nvSpPr>
-          <p:cNvPr id="14" name="Rectangle 13">
-            <a:extLst>
-              <a:ext uri="{FF2B5EF4-FFF2-40B4-BE49-F238E27FC236}">
-                <a16:creationId xmlns:a16="http://schemas.microsoft.com/office/drawing/2014/main" id="{DD63F703-D18C-0CC9-CBC5-C799E93EBC55}"/>
-              </a:ext>
-            </a:extLst>
-          </p:cNvPr>
-          <p:cNvSpPr/>
-          <p:nvPr/>
-        </p:nvSpPr>
-        <p:spPr>
-          <a:xfrm>
-            <a:off x="775699" y="3502626"/>
-            <a:ext cx="693505" cy="200346"/>
-          </a:xfrm>
-          <a:prstGeom prst="rect">
-            <a:avLst/>
-          </a:prstGeom>
-          <a:noFill/>
-          <a:ln w="38100">
-            <a:solidFill>
-              <a:schemeClr val="accent4">
-                <a:lumMod val="60000"/>
-                <a:lumOff val="40000"/>
-              </a:schemeClr>
-            </a:solidFill>
-          </a:ln>
-        </p:spPr>
-        <p:style>
-          <a:lnRef idx="1">
-            <a:schemeClr val="accent1"/>
-          </a:lnRef>
-          <a:fillRef idx="3">
-            <a:schemeClr val="accent1"/>
-          </a:fillRef>
-          <a:effectRef idx="2">
-            <a:schemeClr val="accent1"/>
-          </a:effectRef>
-          <a:fontRef idx="minor">
-            <a:schemeClr val="lt1"/>
-          </a:fontRef>
-        </p:style>
-        <p:txBody>
-          <a:bodyPr rtlCol="0" anchor="ctr"/>
-          <a:lstStyle/>
-          <a:p>
-            <a:pPr algn="ctr"/>
-            <a:endParaRPr lang="en-US">
-              <a:solidFill>
-                <a:srgbClr val="00B050"/>
-              </a:solidFill>
-            </a:endParaRPr>
-          </a:p>
-        </p:txBody>
-      </p:sp>
-      <p:sp>
-        <p:nvSpPr>
-          <p:cNvPr id="15" name="Rectangle 14">
-            <a:extLst>
-              <a:ext uri="{FF2B5EF4-FFF2-40B4-BE49-F238E27FC236}">
-                <a16:creationId xmlns:a16="http://schemas.microsoft.com/office/drawing/2014/main" id="{E8BE02F2-D259-85B9-51D5-552395E3A9DA}"/>
-              </a:ext>
-            </a:extLst>
-          </p:cNvPr>
-          <p:cNvSpPr/>
-          <p:nvPr/>
-        </p:nvSpPr>
-        <p:spPr>
-          <a:xfrm>
-            <a:off x="1884777" y="3514616"/>
-            <a:ext cx="693505" cy="200346"/>
-          </a:xfrm>
-          <a:prstGeom prst="rect">
-            <a:avLst/>
-          </a:prstGeom>
-          <a:noFill/>
-          <a:ln w="38100">
-            <a:solidFill>
-              <a:schemeClr val="accent4">
-                <a:lumMod val="60000"/>
-                <a:lumOff val="40000"/>
-              </a:schemeClr>
-            </a:solidFill>
-          </a:ln>
-        </p:spPr>
-        <p:style>
-          <a:lnRef idx="1">
-            <a:schemeClr val="accent1"/>
-          </a:lnRef>
-          <a:fillRef idx="3">
-            <a:schemeClr val="accent1"/>
-          </a:fillRef>
-          <a:effectRef idx="2">
-            <a:schemeClr val="accent1"/>
-          </a:effectRef>
-          <a:fontRef idx="minor">
-            <a:schemeClr val="lt1"/>
-          </a:fontRef>
-        </p:style>
-        <p:txBody>
-          <a:bodyPr rtlCol="0" anchor="ctr"/>
-          <a:lstStyle/>
-          <a:p>
-            <a:pPr algn="ctr"/>
-            <a:endParaRPr lang="en-US">
-              <a:solidFill>
-                <a:srgbClr val="00B050"/>
-              </a:solidFill>
-            </a:endParaRPr>
-          </a:p>
-        </p:txBody>
-      </p:sp>
-      <p:sp>
-        <p:nvSpPr>
-          <p:cNvPr id="16" name="Rectangle 15">
-            <a:extLst>
-              <a:ext uri="{FF2B5EF4-FFF2-40B4-BE49-F238E27FC236}">
-                <a16:creationId xmlns:a16="http://schemas.microsoft.com/office/drawing/2014/main" id="{709CD9FA-E119-54CB-E7F6-FFC394EC598A}"/>
-              </a:ext>
-            </a:extLst>
-          </p:cNvPr>
-          <p:cNvSpPr/>
-          <p:nvPr/>
-        </p:nvSpPr>
-        <p:spPr>
-          <a:xfrm>
-            <a:off x="2917004" y="3526601"/>
-            <a:ext cx="693505" cy="200346"/>
-          </a:xfrm>
-          <a:prstGeom prst="rect">
-            <a:avLst/>
-          </a:prstGeom>
-          <a:noFill/>
-          <a:ln w="38100">
-            <a:solidFill>
-              <a:schemeClr val="accent4">
-                <a:lumMod val="60000"/>
-                <a:lumOff val="40000"/>
-              </a:schemeClr>
-            </a:solidFill>
-          </a:ln>
-        </p:spPr>
-        <p:style>
-          <a:lnRef idx="1">
-            <a:schemeClr val="accent1"/>
-          </a:lnRef>
-          <a:fillRef idx="3">
-            <a:schemeClr val="accent1"/>
-          </a:fillRef>
-          <a:effectRef idx="2">
-            <a:schemeClr val="accent1"/>
-          </a:effectRef>
-          <a:fontRef idx="minor">
-            <a:schemeClr val="lt1"/>
-          </a:fontRef>
-        </p:style>
-        <p:txBody>
-          <a:bodyPr rtlCol="0" anchor="ctr"/>
-          <a:lstStyle/>
-          <a:p>
-            <a:pPr algn="ctr"/>
-            <a:endParaRPr lang="en-US">
-              <a:solidFill>
-                <a:srgbClr val="00B050"/>
-              </a:solidFill>
-            </a:endParaRPr>
-          </a:p>
-        </p:txBody>
-      </p:sp>
-      <p:sp>
-        <p:nvSpPr>
-          <p:cNvPr id="17" name="Rectangle 16">
-            <a:extLst>
-              <a:ext uri="{FF2B5EF4-FFF2-40B4-BE49-F238E27FC236}">
-                <a16:creationId xmlns:a16="http://schemas.microsoft.com/office/drawing/2014/main" id="{D84EBA71-90BB-8C44-E318-16C74B7FB4C9}"/>
-              </a:ext>
-            </a:extLst>
-          </p:cNvPr>
-          <p:cNvSpPr/>
-          <p:nvPr/>
-        </p:nvSpPr>
-        <p:spPr>
-          <a:xfrm>
-            <a:off x="5419618" y="4735529"/>
-            <a:ext cx="385281" cy="200346"/>
-          </a:xfrm>
-          <a:prstGeom prst="rect">
-            <a:avLst/>
-          </a:prstGeom>
-          <a:noFill/>
-          <a:ln w="38100">
-            <a:solidFill>
-              <a:srgbClr val="FFC000"/>
-            </a:solidFill>
-          </a:ln>
-        </p:spPr>
-        <p:style>
-          <a:lnRef idx="1">
-            <a:schemeClr val="accent1"/>
-          </a:lnRef>
-          <a:fillRef idx="3">
-            <a:schemeClr val="accent1"/>
-          </a:fillRef>
-          <a:effectRef idx="2">
-            <a:schemeClr val="accent1"/>
-          </a:effectRef>
-          <a:fontRef idx="minor">
-            <a:schemeClr val="lt1"/>
-          </a:fontRef>
-        </p:style>
-        <p:txBody>
-          <a:bodyPr rtlCol="0" anchor="ctr"/>
-          <a:lstStyle/>
-          <a:p>
-            <a:pPr algn="ctr"/>
-            <a:endParaRPr lang="en-US"/>
-          </a:p>
-        </p:txBody>
-      </p:sp>
-      <p:sp>
-        <p:nvSpPr>
-          <p:cNvPr id="18" name="Rectangle 17">
-            <a:extLst>
-              <a:ext uri="{FF2B5EF4-FFF2-40B4-BE49-F238E27FC236}">
-                <a16:creationId xmlns:a16="http://schemas.microsoft.com/office/drawing/2014/main" id="{40737F85-D4F2-B9F2-DF79-1F506B1677F4}"/>
-              </a:ext>
-            </a:extLst>
-          </p:cNvPr>
-          <p:cNvSpPr/>
-          <p:nvPr/>
-        </p:nvSpPr>
-        <p:spPr>
-          <a:xfrm>
-            <a:off x="6880265" y="3664448"/>
-            <a:ext cx="385281" cy="200346"/>
-          </a:xfrm>
-          <a:prstGeom prst="rect">
-            <a:avLst/>
-          </a:prstGeom>
-          <a:noFill/>
-          <a:ln w="38100">
-            <a:solidFill>
-              <a:srgbClr val="FFC000"/>
-            </a:solidFill>
-          </a:ln>
-        </p:spPr>
-        <p:style>
-          <a:lnRef idx="1">
-            <a:schemeClr val="accent1"/>
-          </a:lnRef>
-          <a:fillRef idx="3">
-            <a:schemeClr val="accent1"/>
-          </a:fillRef>
-          <a:effectRef idx="2">
-            <a:schemeClr val="accent1"/>
-          </a:effectRef>
-          <a:fontRef idx="minor">
-            <a:schemeClr val="lt1"/>
-          </a:fontRef>
-        </p:style>
-        <p:txBody>
-          <a:bodyPr rtlCol="0" anchor="ctr"/>
-          <a:lstStyle/>
-          <a:p>
-            <a:pPr algn="ctr"/>
-            <a:endParaRPr lang="en-US"/>
-          </a:p>
-        </p:txBody>
-      </p:sp>
-      <p:sp>
-        <p:nvSpPr>
-          <p:cNvPr id="19" name="Rectangle 18">
-            <a:extLst>
-              <a:ext uri="{FF2B5EF4-FFF2-40B4-BE49-F238E27FC236}">
-                <a16:creationId xmlns:a16="http://schemas.microsoft.com/office/drawing/2014/main" id="{63C5967D-45DC-B087-D771-C14C420E8C92}"/>
-              </a:ext>
-            </a:extLst>
-          </p:cNvPr>
-          <p:cNvSpPr/>
-          <p:nvPr/>
-        </p:nvSpPr>
-        <p:spPr>
-          <a:xfrm>
-            <a:off x="4914470" y="3526601"/>
-            <a:ext cx="385281" cy="200346"/>
-          </a:xfrm>
-          <a:prstGeom prst="rect">
-            <a:avLst/>
-          </a:prstGeom>
-          <a:noFill/>
-          <a:ln w="38100">
-            <a:solidFill>
-              <a:srgbClr val="FFC000"/>
-            </a:solidFill>
-          </a:ln>
-        </p:spPr>
-        <p:style>
-          <a:lnRef idx="1">
-            <a:schemeClr val="accent1"/>
-          </a:lnRef>
-          <a:fillRef idx="3">
-            <a:schemeClr val="accent1"/>
-          </a:fillRef>
-          <a:effectRef idx="2">
-            <a:schemeClr val="accent1"/>
-          </a:effectRef>
-          <a:fontRef idx="minor">
-            <a:schemeClr val="lt1"/>
-          </a:fontRef>
-        </p:style>
-        <p:txBody>
-          <a:bodyPr rtlCol="0" anchor="ctr"/>
-          <a:lstStyle/>
-          <a:p>
-            <a:pPr algn="ctr"/>
-            <a:endParaRPr lang="en-US"/>
-          </a:p>
-        </p:txBody>
-      </p:sp>
-      <p:sp>
-        <p:nvSpPr>
-          <p:cNvPr id="20" name="Rectangle 19">
-            <a:extLst>
-              <a:ext uri="{FF2B5EF4-FFF2-40B4-BE49-F238E27FC236}">
-                <a16:creationId xmlns:a16="http://schemas.microsoft.com/office/drawing/2014/main" id="{E70618C9-4760-BCDD-6F8B-C9E1BCA82B21}"/>
-              </a:ext>
-            </a:extLst>
-          </p:cNvPr>
-          <p:cNvSpPr/>
-          <p:nvPr/>
-        </p:nvSpPr>
-        <p:spPr>
-          <a:xfrm>
-            <a:off x="3294578" y="3118209"/>
-            <a:ext cx="385281" cy="200346"/>
-          </a:xfrm>
-          <a:prstGeom prst="rect">
-            <a:avLst/>
-          </a:prstGeom>
-          <a:noFill/>
-          <a:ln w="38100">
-            <a:solidFill>
-              <a:srgbClr val="FFC000"/>
-            </a:solidFill>
-          </a:ln>
-        </p:spPr>
-        <p:style>
-          <a:lnRef idx="1">
-            <a:schemeClr val="accent1"/>
-          </a:lnRef>
-          <a:fillRef idx="3">
-            <a:schemeClr val="accent1"/>
-          </a:fillRef>
-          <a:effectRef idx="2">
-            <a:schemeClr val="accent1"/>
-          </a:effectRef>
-          <a:fontRef idx="minor">
-            <a:schemeClr val="lt1"/>
-          </a:fontRef>
-        </p:style>
-        <p:txBody>
-          <a:bodyPr rtlCol="0" anchor="ctr"/>
-          <a:lstStyle/>
-          <a:p>
-            <a:pPr algn="ctr"/>
-            <a:endParaRPr lang="en-US"/>
-          </a:p>
-        </p:txBody>
-      </p:sp>
-      <p:sp>
-        <p:nvSpPr>
-          <p:cNvPr id="21" name="Rectangle 20">
-            <a:extLst>
-              <a:ext uri="{FF2B5EF4-FFF2-40B4-BE49-F238E27FC236}">
-                <a16:creationId xmlns:a16="http://schemas.microsoft.com/office/drawing/2014/main" id="{97F761A2-34D5-D5EE-8DA0-F8A80B651F53}"/>
-              </a:ext>
-            </a:extLst>
-          </p:cNvPr>
-          <p:cNvSpPr/>
-          <p:nvPr/>
-        </p:nvSpPr>
-        <p:spPr>
-          <a:xfrm>
-            <a:off x="757718" y="3901610"/>
-            <a:ext cx="385281" cy="200346"/>
-          </a:xfrm>
-          <a:prstGeom prst="rect">
-            <a:avLst/>
-          </a:prstGeom>
-          <a:noFill/>
-          <a:ln w="38100">
-            <a:solidFill>
-              <a:srgbClr val="FFC000"/>
-            </a:solidFill>
-          </a:ln>
-        </p:spPr>
-        <p:style>
-          <a:lnRef idx="1">
-            <a:schemeClr val="accent1"/>
-          </a:lnRef>
-          <a:fillRef idx="3">
-            <a:schemeClr val="accent1"/>
-          </a:fillRef>
-          <a:effectRef idx="2">
-            <a:schemeClr val="accent1"/>
-          </a:effectRef>
-          <a:fontRef idx="minor">
-            <a:schemeClr val="lt1"/>
-          </a:fontRef>
-        </p:style>
-        <p:txBody>
-          <a:bodyPr rtlCol="0" anchor="ctr"/>
-          <a:lstStyle/>
-          <a:p>
-            <a:pPr algn="ctr"/>
-            <a:endParaRPr lang="en-US"/>
-          </a:p>
-        </p:txBody>
-      </p:sp>
-      <p:sp>
-        <p:nvSpPr>
-          <p:cNvPr id="22" name="Rectangle 21">
-            <a:extLst>
-              <a:ext uri="{FF2B5EF4-FFF2-40B4-BE49-F238E27FC236}">
-                <a16:creationId xmlns:a16="http://schemas.microsoft.com/office/drawing/2014/main" id="{D5590637-4C89-A7CD-064D-CF7203DBFD3E}"/>
-              </a:ext>
-            </a:extLst>
-          </p:cNvPr>
-          <p:cNvSpPr/>
-          <p:nvPr/>
-        </p:nvSpPr>
-        <p:spPr>
-          <a:xfrm>
-            <a:off x="4762072" y="4482956"/>
-            <a:ext cx="203772" cy="182016"/>
-          </a:xfrm>
-          <a:prstGeom prst="rect">
-            <a:avLst/>
-          </a:prstGeom>
-          <a:noFill/>
-          <a:ln w="38100">
-            <a:solidFill>
-              <a:srgbClr val="FFC000"/>
-            </a:solidFill>
-          </a:ln>
-        </p:spPr>
-        <p:style>
-          <a:lnRef idx="1">
-            <a:schemeClr val="accent1"/>
-          </a:lnRef>
-          <a:fillRef idx="3">
-            <a:schemeClr val="accent1"/>
-          </a:fillRef>
-          <a:effectRef idx="2">
-            <a:schemeClr val="accent1"/>
-          </a:effectRef>
-          <a:fontRef idx="minor">
-            <a:schemeClr val="lt1"/>
-          </a:fontRef>
-        </p:style>
-        <p:txBody>
-          <a:bodyPr rtlCol="0" anchor="ctr"/>
-          <a:lstStyle/>
-          <a:p>
-            <a:pPr algn="ctr"/>
-            <a:endParaRPr lang="en-US"/>
-          </a:p>
-        </p:txBody>
-      </p:sp>
-      <p:sp>
-        <p:nvSpPr>
-          <p:cNvPr id="23" name="Rectangle 22">
-            <a:extLst>
-              <a:ext uri="{FF2B5EF4-FFF2-40B4-BE49-F238E27FC236}">
-                <a16:creationId xmlns:a16="http://schemas.microsoft.com/office/drawing/2014/main" id="{25ED6512-DAD8-81A1-FC49-CF193F8084FF}"/>
-              </a:ext>
-            </a:extLst>
-          </p:cNvPr>
-          <p:cNvSpPr/>
-          <p:nvPr/>
-        </p:nvSpPr>
-        <p:spPr>
-          <a:xfrm>
-            <a:off x="5722705" y="4420454"/>
-            <a:ext cx="303087" cy="200346"/>
-          </a:xfrm>
-          <a:prstGeom prst="rect">
-            <a:avLst/>
-          </a:prstGeom>
-          <a:noFill/>
-          <a:ln w="38100">
-            <a:solidFill>
-              <a:srgbClr val="FFC000"/>
-            </a:solidFill>
-          </a:ln>
-        </p:spPr>
-        <p:style>
-          <a:lnRef idx="1">
-            <a:schemeClr val="accent1"/>
-          </a:lnRef>
-          <a:fillRef idx="3">
-            <a:schemeClr val="accent1"/>
-          </a:fillRef>
-          <a:effectRef idx="2">
-            <a:schemeClr val="accent1"/>
-          </a:effectRef>
-          <a:fontRef idx="minor">
-            <a:schemeClr val="lt1"/>
-          </a:fontRef>
-        </p:style>
-        <p:txBody>
-          <a:bodyPr rtlCol="0" anchor="ctr"/>
-          <a:lstStyle/>
-          <a:p>
-            <a:pPr algn="ctr"/>
-            <a:endParaRPr lang="en-US"/>
-          </a:p>
-        </p:txBody>
-      </p:sp>
-      <p:sp>
-        <p:nvSpPr>
-          <p:cNvPr id="24" name="Rectangle 23">
-            <a:extLst>
-              <a:ext uri="{FF2B5EF4-FFF2-40B4-BE49-F238E27FC236}">
-                <a16:creationId xmlns:a16="http://schemas.microsoft.com/office/drawing/2014/main" id="{AF001853-B6EC-5B68-8005-11116034DFB4}"/>
-              </a:ext>
-            </a:extLst>
-          </p:cNvPr>
-          <p:cNvSpPr/>
-          <p:nvPr/>
-        </p:nvSpPr>
-        <p:spPr>
-          <a:xfrm>
-            <a:off x="7081592" y="4019761"/>
-            <a:ext cx="320085" cy="141778"/>
-          </a:xfrm>
-          <a:prstGeom prst="rect">
-            <a:avLst/>
-          </a:prstGeom>
-          <a:noFill/>
-          <a:ln w="38100">
-            <a:solidFill>
-              <a:srgbClr val="FFC000"/>
-            </a:solidFill>
-          </a:ln>
-        </p:spPr>
-        <p:style>
-          <a:lnRef idx="1">
-            <a:schemeClr val="accent1"/>
-          </a:lnRef>
-          <a:fillRef idx="3">
-            <a:schemeClr val="accent1"/>
-          </a:fillRef>
-          <a:effectRef idx="2">
-            <a:schemeClr val="accent1"/>
-          </a:effectRef>
-          <a:fontRef idx="minor">
-            <a:schemeClr val="lt1"/>
-          </a:fontRef>
-        </p:style>
-        <p:txBody>
-          <a:bodyPr rtlCol="0" anchor="ctr"/>
-          <a:lstStyle/>
-          <a:p>
-            <a:pPr algn="ctr"/>
-            <a:endParaRPr lang="en-US"/>
-          </a:p>
-        </p:txBody>
-      </p:sp>
-      <p:sp>
-        <p:nvSpPr>
-          <p:cNvPr id="25" name="Rectangle 24">
-            <a:extLst>
-              <a:ext uri="{FF2B5EF4-FFF2-40B4-BE49-F238E27FC236}">
-                <a16:creationId xmlns:a16="http://schemas.microsoft.com/office/drawing/2014/main" id="{38FBC519-258F-E86B-1CE0-5C9F527CBA1F}"/>
-              </a:ext>
-            </a:extLst>
-          </p:cNvPr>
-          <p:cNvSpPr/>
-          <p:nvPr/>
-        </p:nvSpPr>
-        <p:spPr>
-          <a:xfrm>
-            <a:off x="4625576" y="3928149"/>
-            <a:ext cx="170795" cy="200346"/>
-          </a:xfrm>
-          <a:prstGeom prst="rect">
-            <a:avLst/>
-          </a:prstGeom>
-          <a:noFill/>
-          <a:ln w="38100">
-            <a:solidFill>
-              <a:srgbClr val="FFC000"/>
-            </a:solidFill>
-          </a:ln>
-        </p:spPr>
-        <p:style>
-          <a:lnRef idx="1">
-            <a:schemeClr val="accent1"/>
-          </a:lnRef>
-          <a:fillRef idx="3">
-            <a:schemeClr val="accent1"/>
-          </a:fillRef>
-          <a:effectRef idx="2">
-            <a:schemeClr val="accent1"/>
-          </a:effectRef>
-          <a:fontRef idx="minor">
-            <a:schemeClr val="lt1"/>
-          </a:fontRef>
-        </p:style>
-        <p:txBody>
-          <a:bodyPr rtlCol="0" anchor="ctr"/>
-          <a:lstStyle/>
-          <a:p>
-            <a:pPr algn="ctr"/>
-            <a:endParaRPr lang="en-US"/>
-          </a:p>
-        </p:txBody>
-      </p:sp>
-      <p:sp>
-        <p:nvSpPr>
-          <p:cNvPr id="26" name="Rectangle 25">
-            <a:extLst>
-              <a:ext uri="{FF2B5EF4-FFF2-40B4-BE49-F238E27FC236}">
-                <a16:creationId xmlns:a16="http://schemas.microsoft.com/office/drawing/2014/main" id="{0872224B-59BD-25F6-5A01-07E250CA411A}"/>
-              </a:ext>
-            </a:extLst>
-          </p:cNvPr>
-          <p:cNvSpPr/>
-          <p:nvPr/>
-        </p:nvSpPr>
-        <p:spPr>
-          <a:xfrm>
-            <a:off x="2683721" y="3395179"/>
-            <a:ext cx="303087" cy="200346"/>
-          </a:xfrm>
-          <a:prstGeom prst="rect">
-            <a:avLst/>
-          </a:prstGeom>
-          <a:noFill/>
-          <a:ln w="38100">
-            <a:solidFill>
-              <a:srgbClr val="FFC000"/>
-            </a:solidFill>
-          </a:ln>
-        </p:spPr>
-        <p:style>
-          <a:lnRef idx="1">
-            <a:schemeClr val="accent1"/>
-          </a:lnRef>
-          <a:fillRef idx="3">
-            <a:schemeClr val="accent1"/>
-          </a:fillRef>
-          <a:effectRef idx="2">
-            <a:schemeClr val="accent1"/>
-          </a:effectRef>
-          <a:fontRef idx="minor">
-            <a:schemeClr val="lt1"/>
-          </a:fontRef>
-        </p:style>
-        <p:txBody>
-          <a:bodyPr rtlCol="0" anchor="ctr"/>
-          <a:lstStyle/>
-          <a:p>
-            <a:pPr algn="ctr"/>
-            <a:endParaRPr lang="en-US"/>
-          </a:p>
-        </p:txBody>
-      </p:sp>
-      <p:sp>
-        <p:nvSpPr>
-          <p:cNvPr id="27" name="Rectangle 26">
-            <a:extLst>
-              <a:ext uri="{FF2B5EF4-FFF2-40B4-BE49-F238E27FC236}">
-                <a16:creationId xmlns:a16="http://schemas.microsoft.com/office/drawing/2014/main" id="{3B590C21-967E-428A-8F56-41E74A53A4D0}"/>
-              </a:ext>
-            </a:extLst>
-          </p:cNvPr>
-          <p:cNvSpPr/>
-          <p:nvPr/>
-        </p:nvSpPr>
-        <p:spPr>
-          <a:xfrm>
-            <a:off x="755131" y="3727803"/>
-            <a:ext cx="385281" cy="200346"/>
-          </a:xfrm>
-          <a:prstGeom prst="rect">
-            <a:avLst/>
-          </a:prstGeom>
-          <a:noFill/>
-          <a:ln w="38100">
-            <a:solidFill>
-              <a:srgbClr val="FFC000"/>
-            </a:solidFill>
-          </a:ln>
-        </p:spPr>
-        <p:style>
-          <a:lnRef idx="1">
-            <a:schemeClr val="accent1"/>
-          </a:lnRef>
-          <a:fillRef idx="3">
-            <a:schemeClr val="accent1"/>
-          </a:fillRef>
-          <a:effectRef idx="2">
-            <a:schemeClr val="accent1"/>
-          </a:effectRef>
-          <a:fontRef idx="minor">
-            <a:schemeClr val="lt1"/>
-          </a:fontRef>
-        </p:style>
-        <p:txBody>
-          <a:bodyPr rtlCol="0" anchor="ctr"/>
-          <a:lstStyle/>
-          <a:p>
-            <a:pPr algn="ctr"/>
-            <a:endParaRPr lang="en-US"/>
-          </a:p>
-        </p:txBody>
-      </p:sp>
-    </p:spTree>
-    <p:extLst>
-      <p:ext uri="{BB962C8B-B14F-4D97-AF65-F5344CB8AC3E}">
         <p14:creationId xmlns:p14="http://schemas.microsoft.com/office/powerpoint/2010/main" val="1431625259"/>
       </p:ext>
     </p:extLst>
@@ -9500,7 +12117,7 @@
 </p:sld>
 </file>
 
-<file path=ppt/slides/slide15.xml><?xml version="1.0" encoding="utf-8"?>
+<file path=ppt/slides/slide16.xml><?xml version="1.0" encoding="utf-8"?>
 <p:sld xmlns:a="http://schemas.openxmlformats.org/drawingml/2006/main" xmlns:r="http://schemas.openxmlformats.org/officeDocument/2006/relationships" xmlns:p="http://schemas.openxmlformats.org/presentationml/2006/main">
   <p:cSld>
     <p:spTree>
@@ -9547,7 +12164,7 @@
             <a:fld id="{01747F32-3477-4169-AB69-F0FD91D6B2FE}" type="slidenum">
               <a:rPr lang="en-US" smtClean="0"/>
               <a:pPr/>
-              <a:t>15</a:t>
+              <a:t>16</a:t>
             </a:fld>
             <a:endParaRPr lang="en-US" dirty="0"/>
           </a:p>
@@ -9605,14 +12222,87 @@
         </p:blipFill>
         <p:spPr>
           <a:xfrm>
-            <a:off x="606056" y="1116346"/>
-            <a:ext cx="10728251" cy="4625308"/>
+            <a:off x="401270" y="1187784"/>
+            <a:ext cx="8158882" cy="3517567"/>
           </a:xfrm>
           <a:prstGeom prst="rect">
             <a:avLst/>
           </a:prstGeom>
         </p:spPr>
       </p:pic>
+      <p:sp>
+        <p:nvSpPr>
+          <p:cNvPr id="4" name="TextBox 3">
+            <a:extLst>
+              <a:ext uri="{FF2B5EF4-FFF2-40B4-BE49-F238E27FC236}">
+                <a16:creationId xmlns:a16="http://schemas.microsoft.com/office/drawing/2014/main" id="{5868D551-D875-CA92-E690-A43ACEE675AF}"/>
+              </a:ext>
+            </a:extLst>
+          </p:cNvPr>
+          <p:cNvSpPr txBox="1"/>
+          <p:nvPr/>
+        </p:nvSpPr>
+        <p:spPr>
+          <a:xfrm>
+            <a:off x="8910638" y="1128713"/>
+            <a:ext cx="2880092" cy="2031325"/>
+          </a:xfrm>
+          <a:prstGeom prst="rect">
+            <a:avLst/>
+          </a:prstGeom>
+          <a:noFill/>
+        </p:spPr>
+        <p:txBody>
+          <a:bodyPr wrap="square" rtlCol="0">
+            <a:spAutoFit/>
+          </a:bodyPr>
+          <a:lstStyle/>
+          <a:p>
+            <a:pPr marL="342900" indent="-342900">
+              <a:buFont typeface="+mj-lt"/>
+              <a:buAutoNum type="arabicPeriod"/>
+            </a:pPr>
+            <a:r>
+              <a:rPr lang="en-US" dirty="0"/>
+              <a:t>By knowing what to expect after each IC</a:t>
+            </a:r>
+          </a:p>
+          <a:p>
+            <a:pPr marL="342900" indent="-342900">
+              <a:buFont typeface="+mj-lt"/>
+              <a:buAutoNum type="arabicPeriod"/>
+            </a:pPr>
+            <a:endParaRPr lang="en-US" dirty="0"/>
+          </a:p>
+          <a:p>
+            <a:pPr marL="342900" indent="-342900">
+              <a:buFont typeface="+mj-lt"/>
+              <a:buAutoNum type="arabicPeriod"/>
+            </a:pPr>
+            <a:r>
+              <a:rPr lang="en-US" dirty="0"/>
+              <a:t>Actual vs. Expect</a:t>
+            </a:r>
+          </a:p>
+          <a:p>
+            <a:pPr marL="342900" indent="-342900">
+              <a:buFont typeface="+mj-lt"/>
+              <a:buAutoNum type="arabicPeriod"/>
+            </a:pPr>
+            <a:endParaRPr lang="en-US" dirty="0"/>
+          </a:p>
+          <a:p>
+            <a:pPr marL="342900" indent="-342900">
+              <a:buFont typeface="+mj-lt"/>
+              <a:buAutoNum type="arabicPeriod"/>
+            </a:pPr>
+            <a:r>
+              <a:rPr lang="en-US" dirty="0"/>
+              <a:t>Handy to debug the problem</a:t>
+            </a:r>
+          </a:p>
+        </p:txBody>
+      </p:sp>
     </p:spTree>
     <p:extLst>
       <p:ext uri="{BB962C8B-B14F-4D97-AF65-F5344CB8AC3E}">
@@ -9627,7 +12317,164 @@
 </p:sld>
 </file>
 
-<file path=ppt/slides/slide16.xml><?xml version="1.0" encoding="utf-8"?>
+<file path=ppt/slides/slide17.xml><?xml version="1.0" encoding="utf-8"?>
+<p:sld xmlns:a="http://schemas.openxmlformats.org/drawingml/2006/main" xmlns:r="http://schemas.openxmlformats.org/officeDocument/2006/relationships" xmlns:p="http://schemas.openxmlformats.org/presentationml/2006/main">
+  <p:cSld>
+    <p:spTree>
+      <p:nvGrpSpPr>
+        <p:cNvPr id="1" name="">
+          <a:extLst>
+            <a:ext uri="{FF2B5EF4-FFF2-40B4-BE49-F238E27FC236}">
+              <a16:creationId xmlns:a16="http://schemas.microsoft.com/office/drawing/2014/main" id="{D8A00C8D-5C11-8720-87EB-66A9093ED27F}"/>
+            </a:ext>
+          </a:extLst>
+        </p:cNvPr>
+        <p:cNvGrpSpPr/>
+        <p:nvPr/>
+      </p:nvGrpSpPr>
+      <p:grpSpPr>
+        <a:xfrm>
+          <a:off x="0" y="0"/>
+          <a:ext cx="0" cy="0"/>
+          <a:chOff x="0" y="0"/>
+          <a:chExt cx="0" cy="0"/>
+        </a:xfrm>
+      </p:grpSpPr>
+      <p:sp>
+        <p:nvSpPr>
+          <p:cNvPr id="2" name="Slide Number Placeholder 1">
+            <a:extLst>
+              <a:ext uri="{FF2B5EF4-FFF2-40B4-BE49-F238E27FC236}">
+                <a16:creationId xmlns:a16="http://schemas.microsoft.com/office/drawing/2014/main" id="{4EE8823D-7DD1-2FEC-BC66-A6B1BB8D71DE}"/>
+              </a:ext>
+            </a:extLst>
+          </p:cNvPr>
+          <p:cNvSpPr>
+            <a:spLocks noGrp="1"/>
+          </p:cNvSpPr>
+          <p:nvPr>
+            <p:ph type="sldNum" sz="quarter" idx="4"/>
+          </p:nvPr>
+        </p:nvSpPr>
+        <p:spPr/>
+        <p:txBody>
+          <a:bodyPr/>
+          <a:lstStyle/>
+          <a:p>
+            <a:fld id="{01747F32-3477-4169-AB69-F0FD91D6B2FE}" type="slidenum">
+              <a:rPr lang="en-US" smtClean="0"/>
+              <a:pPr/>
+              <a:t>17</a:t>
+            </a:fld>
+            <a:endParaRPr lang="en-US" dirty="0"/>
+          </a:p>
+        </p:txBody>
+      </p:sp>
+      <p:sp>
+        <p:nvSpPr>
+          <p:cNvPr id="3" name="Title 2">
+            <a:extLst>
+              <a:ext uri="{FF2B5EF4-FFF2-40B4-BE49-F238E27FC236}">
+                <a16:creationId xmlns:a16="http://schemas.microsoft.com/office/drawing/2014/main" id="{F5107E09-3B51-C779-8931-590F9DACBF3C}"/>
+              </a:ext>
+            </a:extLst>
+          </p:cNvPr>
+          <p:cNvSpPr>
+            <a:spLocks noGrp="1"/>
+          </p:cNvSpPr>
+          <p:nvPr>
+            <p:ph type="title"/>
+          </p:nvPr>
+        </p:nvSpPr>
+        <p:spPr/>
+        <p:txBody>
+          <a:bodyPr>
+            <a:normAutofit/>
+          </a:bodyPr>
+          <a:lstStyle/>
+          <a:p>
+            <a:r>
+              <a:rPr lang="en-US" dirty="0"/>
+              <a:t>Test Setup Documentation</a:t>
+            </a:r>
+          </a:p>
+        </p:txBody>
+      </p:sp>
+      <p:pic>
+        <p:nvPicPr>
+          <p:cNvPr id="6" name="Picture 5" descr="A screenshot of a computer program&#10;&#10;Description automatically generated">
+            <a:extLst>
+              <a:ext uri="{FF2B5EF4-FFF2-40B4-BE49-F238E27FC236}">
+                <a16:creationId xmlns:a16="http://schemas.microsoft.com/office/drawing/2014/main" id="{9F9DB7DB-D36A-CC40-8658-87FF2B53239D}"/>
+              </a:ext>
+            </a:extLst>
+          </p:cNvPr>
+          <p:cNvPicPr>
+            <a:picLocks noChangeAspect="1"/>
+          </p:cNvPicPr>
+          <p:nvPr/>
+        </p:nvPicPr>
+        <p:blipFill>
+          <a:blip r:embed="rId2"/>
+          <a:stretch>
+            <a:fillRect/>
+          </a:stretch>
+        </p:blipFill>
+        <p:spPr>
+          <a:xfrm>
+            <a:off x="765714" y="920722"/>
+            <a:ext cx="4742211" cy="5522940"/>
+          </a:xfrm>
+          <a:prstGeom prst="rect">
+            <a:avLst/>
+          </a:prstGeom>
+        </p:spPr>
+      </p:pic>
+      <p:pic>
+        <p:nvPicPr>
+          <p:cNvPr id="8" name="Picture 7" descr="A screenshot of a computer test&#10;&#10;Description automatically generated">
+            <a:extLst>
+              <a:ext uri="{FF2B5EF4-FFF2-40B4-BE49-F238E27FC236}">
+                <a16:creationId xmlns:a16="http://schemas.microsoft.com/office/drawing/2014/main" id="{B7206C61-C39C-1B42-7AA9-427B9ECAD04E}"/>
+              </a:ext>
+            </a:extLst>
+          </p:cNvPr>
+          <p:cNvPicPr>
+            <a:picLocks noChangeAspect="1"/>
+          </p:cNvPicPr>
+          <p:nvPr/>
+        </p:nvPicPr>
+        <p:blipFill>
+          <a:blip r:embed="rId3"/>
+          <a:stretch>
+            <a:fillRect/>
+          </a:stretch>
+        </p:blipFill>
+        <p:spPr>
+          <a:xfrm>
+            <a:off x="6289407" y="977872"/>
+            <a:ext cx="4175508" cy="5574517"/>
+          </a:xfrm>
+          <a:prstGeom prst="rect">
+            <a:avLst/>
+          </a:prstGeom>
+        </p:spPr>
+      </p:pic>
+    </p:spTree>
+    <p:extLst>
+      <p:ext uri="{BB962C8B-B14F-4D97-AF65-F5344CB8AC3E}">
+        <p14:creationId xmlns:p14="http://schemas.microsoft.com/office/powerpoint/2010/main" val="3698020453"/>
+      </p:ext>
+    </p:extLst>
+  </p:cSld>
+  <p:clrMapOvr>
+    <a:masterClrMapping/>
+  </p:clrMapOvr>
+  <p:transition spd="med"/>
+</p:sld>
+</file>
+
+<file path=ppt/slides/slide18.xml><?xml version="1.0" encoding="utf-8"?>
 <p:sld xmlns:a="http://schemas.openxmlformats.org/drawingml/2006/main" xmlns:r="http://schemas.openxmlformats.org/officeDocument/2006/relationships" xmlns:p="http://schemas.openxmlformats.org/presentationml/2006/main">
   <p:cSld>
     <p:spTree>
@@ -9674,7 +12521,7 @@
             <a:fld id="{01747F32-3477-4169-AB69-F0FD91D6B2FE}" type="slidenum">
               <a:rPr lang="en-US" smtClean="0"/>
               <a:pPr/>
-              <a:t>16</a:t>
+              <a:t>18</a:t>
             </a:fld>
             <a:endParaRPr lang="en-US" dirty="0"/>
           </a:p>
@@ -10243,7 +13090,7 @@
 </p:sld>
 </file>
 
-<file path=ppt/slides/slide17.xml><?xml version="1.0" encoding="utf-8"?>
+<file path=ppt/slides/slide19.xml><?xml version="1.0" encoding="utf-8"?>
 <p:sld xmlns:a="http://schemas.openxmlformats.org/drawingml/2006/main" xmlns:r="http://schemas.openxmlformats.org/officeDocument/2006/relationships" xmlns:p="http://schemas.openxmlformats.org/presentationml/2006/main">
   <p:cSld>
     <p:spTree>
@@ -10290,7 +13137,7 @@
             <a:fld id="{01747F32-3477-4169-AB69-F0FD91D6B2FE}" type="slidenum">
               <a:rPr lang="en-US" smtClean="0"/>
               <a:pPr/>
-              <a:t>17</a:t>
+              <a:t>19</a:t>
             </a:fld>
             <a:endParaRPr lang="en-US" dirty="0"/>
           </a:p>
@@ -11032,133 +13879,6 @@
     <p:extLst>
       <p:ext uri="{BB962C8B-B14F-4D97-AF65-F5344CB8AC3E}">
         <p14:creationId xmlns:p14="http://schemas.microsoft.com/office/powerpoint/2010/main" val="3148015913"/>
-      </p:ext>
-    </p:extLst>
-  </p:cSld>
-  <p:clrMapOvr>
-    <a:masterClrMapping/>
-  </p:clrMapOvr>
-  <p:transition spd="med"/>
-</p:sld>
-</file>
-
-<file path=ppt/slides/slide18.xml><?xml version="1.0" encoding="utf-8"?>
-<p:sld xmlns:a="http://schemas.openxmlformats.org/drawingml/2006/main" xmlns:r="http://schemas.openxmlformats.org/officeDocument/2006/relationships" xmlns:p="http://schemas.openxmlformats.org/presentationml/2006/main">
-  <p:cSld>
-    <p:spTree>
-      <p:nvGrpSpPr>
-        <p:cNvPr id="1" name="">
-          <a:extLst>
-            <a:ext uri="{FF2B5EF4-FFF2-40B4-BE49-F238E27FC236}">
-              <a16:creationId xmlns:a16="http://schemas.microsoft.com/office/drawing/2014/main" id="{7D590722-37F2-E1E9-01A3-16AA5C5ADF1A}"/>
-            </a:ext>
-          </a:extLst>
-        </p:cNvPr>
-        <p:cNvGrpSpPr/>
-        <p:nvPr/>
-      </p:nvGrpSpPr>
-      <p:grpSpPr>
-        <a:xfrm>
-          <a:off x="0" y="0"/>
-          <a:ext cx="0" cy="0"/>
-          <a:chOff x="0" y="0"/>
-          <a:chExt cx="0" cy="0"/>
-        </a:xfrm>
-      </p:grpSpPr>
-      <p:sp>
-        <p:nvSpPr>
-          <p:cNvPr id="2" name="Slide Number Placeholder 1">
-            <a:extLst>
-              <a:ext uri="{FF2B5EF4-FFF2-40B4-BE49-F238E27FC236}">
-                <a16:creationId xmlns:a16="http://schemas.microsoft.com/office/drawing/2014/main" id="{A36DCC27-FD3E-80D5-A525-CD98B4659A80}"/>
-              </a:ext>
-            </a:extLst>
-          </p:cNvPr>
-          <p:cNvSpPr>
-            <a:spLocks noGrp="1"/>
-          </p:cNvSpPr>
-          <p:nvPr>
-            <p:ph type="sldNum" sz="quarter" idx="4"/>
-          </p:nvPr>
-        </p:nvSpPr>
-        <p:spPr/>
-        <p:txBody>
-          <a:bodyPr/>
-          <a:lstStyle/>
-          <a:p>
-            <a:fld id="{01747F32-3477-4169-AB69-F0FD91D6B2FE}" type="slidenum">
-              <a:rPr lang="en-US" smtClean="0"/>
-              <a:pPr/>
-              <a:t>18</a:t>
-            </a:fld>
-            <a:endParaRPr lang="en-US" dirty="0"/>
-          </a:p>
-        </p:txBody>
-      </p:sp>
-      <p:sp>
-        <p:nvSpPr>
-          <p:cNvPr id="3" name="Title 2">
-            <a:extLst>
-              <a:ext uri="{FF2B5EF4-FFF2-40B4-BE49-F238E27FC236}">
-                <a16:creationId xmlns:a16="http://schemas.microsoft.com/office/drawing/2014/main" id="{629032E9-BDB7-62C2-3A23-0E1F09AA2DC6}"/>
-              </a:ext>
-            </a:extLst>
-          </p:cNvPr>
-          <p:cNvSpPr>
-            <a:spLocks noGrp="1"/>
-          </p:cNvSpPr>
-          <p:nvPr>
-            <p:ph type="title"/>
-          </p:nvPr>
-        </p:nvSpPr>
-        <p:spPr/>
-        <p:txBody>
-          <a:bodyPr>
-            <a:normAutofit/>
-          </a:bodyPr>
-          <a:lstStyle/>
-          <a:p>
-            <a:r>
-              <a:rPr lang="en-US" dirty="0"/>
-              <a:t>Peak SNDR Plot</a:t>
-            </a:r>
-          </a:p>
-        </p:txBody>
-      </p:sp>
-      <p:pic>
-        <p:nvPicPr>
-          <p:cNvPr id="10" name="Picture 9" descr="A graph showing a data spectrum&#10;&#10;Description automatically generated">
-            <a:extLst>
-              <a:ext uri="{FF2B5EF4-FFF2-40B4-BE49-F238E27FC236}">
-                <a16:creationId xmlns:a16="http://schemas.microsoft.com/office/drawing/2014/main" id="{863EA973-B776-BA17-6E7D-FBE6412429FC}"/>
-              </a:ext>
-            </a:extLst>
-          </p:cNvPr>
-          <p:cNvPicPr>
-            <a:picLocks noChangeAspect="1"/>
-          </p:cNvPicPr>
-          <p:nvPr/>
-        </p:nvPicPr>
-        <p:blipFill>
-          <a:blip r:embed="rId2"/>
-          <a:stretch>
-            <a:fillRect/>
-          </a:stretch>
-        </p:blipFill>
-        <p:spPr>
-          <a:xfrm>
-            <a:off x="2688265" y="996803"/>
-            <a:ext cx="6907619" cy="5180714"/>
-          </a:xfrm>
-          <a:prstGeom prst="rect">
-            <a:avLst/>
-          </a:prstGeom>
-        </p:spPr>
-      </p:pic>
-    </p:spTree>
-    <p:extLst>
-      <p:ext uri="{BB962C8B-B14F-4D97-AF65-F5344CB8AC3E}">
-        <p14:creationId xmlns:p14="http://schemas.microsoft.com/office/powerpoint/2010/main" val="2151178171"/>
       </p:ext>
     </p:extLst>
   </p:cSld>
@@ -11370,6 +14090,2773 @@
     <p:extLst>
       <p:ext uri="{BB962C8B-B14F-4D97-AF65-F5344CB8AC3E}">
         <p14:creationId xmlns:p14="http://schemas.microsoft.com/office/powerpoint/2010/main" val="853727203"/>
+      </p:ext>
+    </p:extLst>
+  </p:cSld>
+  <p:clrMapOvr>
+    <a:masterClrMapping/>
+  </p:clrMapOvr>
+  <p:transition spd="med"/>
+</p:sld>
+</file>
+
+<file path=ppt/slides/slide20.xml><?xml version="1.0" encoding="utf-8"?>
+<p:sld xmlns:a="http://schemas.openxmlformats.org/drawingml/2006/main" xmlns:r="http://schemas.openxmlformats.org/officeDocument/2006/relationships" xmlns:p="http://schemas.openxmlformats.org/presentationml/2006/main">
+  <p:cSld>
+    <p:spTree>
+      <p:nvGrpSpPr>
+        <p:cNvPr id="1" name="">
+          <a:extLst>
+            <a:ext uri="{FF2B5EF4-FFF2-40B4-BE49-F238E27FC236}">
+              <a16:creationId xmlns:a16="http://schemas.microsoft.com/office/drawing/2014/main" id="{3E7CF24B-87D0-1DC2-5070-328122BA4511}"/>
+            </a:ext>
+          </a:extLst>
+        </p:cNvPr>
+        <p:cNvGrpSpPr/>
+        <p:nvPr/>
+      </p:nvGrpSpPr>
+      <p:grpSpPr>
+        <a:xfrm>
+          <a:off x="0" y="0"/>
+          <a:ext cx="0" cy="0"/>
+          <a:chOff x="0" y="0"/>
+          <a:chExt cx="0" cy="0"/>
+        </a:xfrm>
+      </p:grpSpPr>
+      <p:sp>
+        <p:nvSpPr>
+          <p:cNvPr id="2" name="Slide Number Placeholder 1">
+            <a:extLst>
+              <a:ext uri="{FF2B5EF4-FFF2-40B4-BE49-F238E27FC236}">
+                <a16:creationId xmlns:a16="http://schemas.microsoft.com/office/drawing/2014/main" id="{7E043D09-9855-0ADE-887E-0DDBF43EFDB7}"/>
+              </a:ext>
+            </a:extLst>
+          </p:cNvPr>
+          <p:cNvSpPr>
+            <a:spLocks noGrp="1"/>
+          </p:cNvSpPr>
+          <p:nvPr>
+            <p:ph type="sldNum" sz="quarter" idx="4"/>
+          </p:nvPr>
+        </p:nvSpPr>
+        <p:spPr/>
+        <p:txBody>
+          <a:bodyPr/>
+          <a:lstStyle/>
+          <a:p>
+            <a:fld id="{01747F32-3477-4169-AB69-F0FD91D6B2FE}" type="slidenum">
+              <a:rPr lang="en-US" smtClean="0"/>
+              <a:pPr/>
+              <a:t>20</a:t>
+            </a:fld>
+            <a:endParaRPr lang="en-US" dirty="0"/>
+          </a:p>
+        </p:txBody>
+      </p:sp>
+      <p:sp>
+        <p:nvSpPr>
+          <p:cNvPr id="3" name="Title 2">
+            <a:extLst>
+              <a:ext uri="{FF2B5EF4-FFF2-40B4-BE49-F238E27FC236}">
+                <a16:creationId xmlns:a16="http://schemas.microsoft.com/office/drawing/2014/main" id="{BFDA27C0-F4C9-6ABA-EB92-C08B548699A3}"/>
+              </a:ext>
+            </a:extLst>
+          </p:cNvPr>
+          <p:cNvSpPr>
+            <a:spLocks noGrp="1"/>
+          </p:cNvSpPr>
+          <p:nvPr>
+            <p:ph type="title"/>
+          </p:nvPr>
+        </p:nvSpPr>
+        <p:spPr/>
+        <p:txBody>
+          <a:bodyPr>
+            <a:normAutofit/>
+          </a:bodyPr>
+          <a:lstStyle/>
+          <a:p>
+            <a:r>
+              <a:rPr lang="en-US" dirty="0"/>
+              <a:t>Test Automation Code Prep </a:t>
+            </a:r>
+          </a:p>
+        </p:txBody>
+      </p:sp>
+      <p:sp>
+        <p:nvSpPr>
+          <p:cNvPr id="4" name="TextBox 3">
+            <a:extLst>
+              <a:ext uri="{FF2B5EF4-FFF2-40B4-BE49-F238E27FC236}">
+                <a16:creationId xmlns:a16="http://schemas.microsoft.com/office/drawing/2014/main" id="{82643926-C842-B423-31B6-F70A73E699D6}"/>
+              </a:ext>
+            </a:extLst>
+          </p:cNvPr>
+          <p:cNvSpPr txBox="1"/>
+          <p:nvPr/>
+        </p:nvSpPr>
+        <p:spPr>
+          <a:xfrm>
+            <a:off x="328613" y="1138238"/>
+            <a:ext cx="6853237" cy="4770537"/>
+          </a:xfrm>
+          <a:prstGeom prst="rect">
+            <a:avLst/>
+          </a:prstGeom>
+          <a:noFill/>
+        </p:spPr>
+        <p:txBody>
+          <a:bodyPr wrap="square" rtlCol="0">
+            <a:spAutoFit/>
+          </a:bodyPr>
+          <a:lstStyle/>
+          <a:p>
+            <a:pPr marL="342900" indent="-342900">
+              <a:buFont typeface="+mj-lt"/>
+              <a:buAutoNum type="arabicPeriod"/>
+            </a:pPr>
+            <a:r>
+              <a:rPr lang="en-US" dirty="0">
+                <a:solidFill>
+                  <a:srgbClr val="00B0F0"/>
+                </a:solidFill>
+              </a:rPr>
+              <a:t>Keysight Connection Expert </a:t>
+            </a:r>
+            <a:r>
+              <a:rPr lang="en-US" dirty="0"/>
+              <a:t>&amp; </a:t>
+            </a:r>
+            <a:r>
+              <a:rPr lang="en-US" dirty="0">
+                <a:solidFill>
+                  <a:srgbClr val="00B0F0"/>
+                </a:solidFill>
+              </a:rPr>
+              <a:t>Keysight Command Expert</a:t>
+            </a:r>
+          </a:p>
+          <a:p>
+            <a:pPr marL="800100" lvl="1" indent="-342900">
+              <a:buFont typeface="+mj-lt"/>
+              <a:buAutoNum type="arabicPeriod"/>
+            </a:pPr>
+            <a:r>
+              <a:rPr lang="en-US" sz="1400" dirty="0"/>
+              <a:t>Extremely </a:t>
+            </a:r>
+            <a:r>
+              <a:rPr lang="en-US" sz="1400" dirty="0">
+                <a:solidFill>
+                  <a:srgbClr val="00B050"/>
+                </a:solidFill>
+              </a:rPr>
+              <a:t>accelerate</a:t>
+            </a:r>
+            <a:r>
+              <a:rPr lang="en-US" sz="1400" dirty="0"/>
+              <a:t> the code development time</a:t>
+            </a:r>
+          </a:p>
+          <a:p>
+            <a:pPr marL="800100" lvl="1" indent="-342900">
+              <a:buFont typeface="+mj-lt"/>
+              <a:buAutoNum type="arabicPeriod"/>
+            </a:pPr>
+            <a:r>
+              <a:rPr lang="en-US" sz="1400" dirty="0"/>
+              <a:t>And check if the instrument is there</a:t>
+            </a:r>
+          </a:p>
+          <a:p>
+            <a:pPr marL="342900" indent="-342900">
+              <a:buFont typeface="+mj-lt"/>
+              <a:buAutoNum type="arabicPeriod"/>
+            </a:pPr>
+            <a:r>
+              <a:rPr lang="en-US" dirty="0">
+                <a:solidFill>
+                  <a:srgbClr val="00B0F0"/>
+                </a:solidFill>
+              </a:rPr>
+              <a:t>Python Test Automation</a:t>
+            </a:r>
+          </a:p>
+          <a:p>
+            <a:pPr marL="800100" lvl="1" indent="-342900">
+              <a:buFont typeface="+mj-lt"/>
+              <a:buAutoNum type="arabicPeriod"/>
+            </a:pPr>
+            <a:r>
+              <a:rPr lang="en-US" sz="1400" dirty="0"/>
+              <a:t>Function Generator</a:t>
+            </a:r>
+          </a:p>
+          <a:p>
+            <a:pPr marL="1257300" lvl="2" indent="-342900">
+              <a:buFont typeface="+mj-lt"/>
+              <a:buAutoNum type="arabicPeriod"/>
+            </a:pPr>
+            <a:r>
+              <a:rPr lang="en-US" sz="1200" dirty="0" err="1"/>
+              <a:t>Freq_coupling</a:t>
+            </a:r>
+            <a:r>
+              <a:rPr lang="en-US" sz="1200" dirty="0"/>
+              <a:t>', '</a:t>
+            </a:r>
+            <a:r>
+              <a:rPr lang="en-US" sz="1200" dirty="0" err="1"/>
+              <a:t>FuncGenConnect</a:t>
+            </a:r>
+            <a:r>
+              <a:rPr lang="en-US" sz="1200" dirty="0"/>
+              <a:t>', '</a:t>
+            </a:r>
+            <a:r>
+              <a:rPr lang="en-US" sz="1200" dirty="0" err="1"/>
+              <a:t>Load__setup</a:t>
+            </a:r>
+            <a:r>
+              <a:rPr lang="en-US" sz="1200" dirty="0"/>
+              <a:t>', '</a:t>
+            </a:r>
+            <a:r>
+              <a:rPr lang="en-US" sz="1200" dirty="0" err="1"/>
+              <a:t>PWM_setup</a:t>
+            </a:r>
+            <a:r>
+              <a:rPr lang="en-US" sz="1200" dirty="0"/>
+              <a:t>', '</a:t>
+            </a:r>
+            <a:r>
+              <a:rPr lang="en-US" sz="1200" dirty="0" err="1"/>
+              <a:t>Polarity_invert</a:t>
+            </a:r>
+            <a:r>
+              <a:rPr lang="en-US" sz="1200" dirty="0"/>
+              <a:t>', '</a:t>
+            </a:r>
+            <a:r>
+              <a:rPr lang="en-US" sz="1200" dirty="0" err="1"/>
+              <a:t>Sin_setup</a:t>
+            </a:r>
+            <a:r>
+              <a:rPr lang="en-US" sz="1200" dirty="0"/>
+              <a:t>', '</a:t>
+            </a:r>
+            <a:r>
+              <a:rPr lang="en-US" sz="1200" dirty="0" err="1"/>
+              <a:t>Sync_phase</a:t>
+            </a:r>
+            <a:r>
+              <a:rPr lang="en-US" sz="1200" dirty="0"/>
+              <a:t>', '</a:t>
+            </a:r>
+            <a:r>
+              <a:rPr lang="en-US" sz="1200" dirty="0" err="1"/>
+              <a:t>UnitVpp_setup</a:t>
+            </a:r>
+            <a:r>
+              <a:rPr lang="en-US" sz="1200" dirty="0"/>
+              <a:t>', '</a:t>
+            </a:r>
+            <a:r>
+              <a:rPr lang="en-US" sz="1200" dirty="0" err="1"/>
+              <a:t>Voltage_coupling</a:t>
+            </a:r>
+            <a:r>
+              <a:rPr lang="en-US" sz="1200" dirty="0"/>
+              <a:t>', '</a:t>
+            </a:r>
+            <a:r>
+              <a:rPr lang="en-US" sz="1200" dirty="0" err="1"/>
+              <a:t>output_OFF</a:t>
+            </a:r>
+            <a:r>
+              <a:rPr lang="en-US" sz="1200" dirty="0"/>
+              <a:t>', '</a:t>
+            </a:r>
+            <a:r>
+              <a:rPr lang="en-US" sz="1200" dirty="0" err="1"/>
+              <a:t>output_ON</a:t>
+            </a:r>
+            <a:endParaRPr lang="en-US" sz="1200" dirty="0"/>
+          </a:p>
+          <a:p>
+            <a:pPr marL="800100" lvl="1" indent="-342900">
+              <a:buFont typeface="+mj-lt"/>
+              <a:buAutoNum type="arabicPeriod"/>
+            </a:pPr>
+            <a:r>
+              <a:rPr lang="en-US" sz="1400" dirty="0" err="1"/>
+              <a:t>PowerSupply</a:t>
+            </a:r>
+            <a:endParaRPr lang="en-US" sz="1400" dirty="0"/>
+          </a:p>
+          <a:p>
+            <a:pPr marL="1257300" lvl="2" indent="-342900">
+              <a:buFont typeface="+mj-lt"/>
+              <a:buAutoNum type="arabicPeriod"/>
+            </a:pPr>
+            <a:r>
+              <a:rPr lang="en-US" sz="1200" dirty="0"/>
+              <a:t>'</a:t>
+            </a:r>
+            <a:r>
+              <a:rPr lang="en-US" sz="1200" dirty="0" err="1"/>
+              <a:t>Channel_Select</a:t>
+            </a:r>
+            <a:r>
+              <a:rPr lang="en-US" sz="1200" dirty="0"/>
+              <a:t>', '</a:t>
+            </a:r>
+            <a:r>
+              <a:rPr lang="en-US" sz="1200" dirty="0" err="1"/>
+              <a:t>Current_Setup</a:t>
+            </a:r>
+            <a:r>
+              <a:rPr lang="en-US" sz="1200" dirty="0"/>
+              <a:t>', '</a:t>
+            </a:r>
+            <a:r>
+              <a:rPr lang="en-US" sz="1200" dirty="0" err="1"/>
+              <a:t>Output_OFF</a:t>
+            </a:r>
+            <a:r>
+              <a:rPr lang="en-US" sz="1200" dirty="0"/>
+              <a:t>', '</a:t>
+            </a:r>
+            <a:r>
+              <a:rPr lang="en-US" sz="1200" dirty="0" err="1"/>
+              <a:t>Output_ON</a:t>
+            </a:r>
+            <a:r>
+              <a:rPr lang="en-US" sz="1200" dirty="0"/>
+              <a:t>', '</a:t>
+            </a:r>
+            <a:r>
+              <a:rPr lang="en-US" sz="1200" dirty="0" err="1"/>
+              <a:t>PowerSupply_Connect</a:t>
+            </a:r>
+            <a:r>
+              <a:rPr lang="en-US" sz="1200" dirty="0"/>
+              <a:t>', '</a:t>
+            </a:r>
+            <a:r>
+              <a:rPr lang="en-US" sz="1200" dirty="0" err="1"/>
+              <a:t>Voltage_Setup</a:t>
+            </a:r>
+            <a:r>
+              <a:rPr lang="en-US" sz="1200" dirty="0"/>
+              <a:t>'</a:t>
+            </a:r>
+          </a:p>
+          <a:p>
+            <a:pPr marL="800100" lvl="1" indent="-342900">
+              <a:buFont typeface="+mj-lt"/>
+              <a:buAutoNum type="arabicPeriod"/>
+            </a:pPr>
+            <a:r>
+              <a:rPr lang="en-US" sz="1400" dirty="0"/>
+              <a:t>Oscilloscope</a:t>
+            </a:r>
+          </a:p>
+          <a:p>
+            <a:pPr marL="1257300" lvl="2" indent="-342900">
+              <a:buFont typeface="+mj-lt"/>
+              <a:buAutoNum type="arabicPeriod"/>
+            </a:pPr>
+            <a:r>
+              <a:rPr lang="en-US" sz="1200" dirty="0"/>
+              <a:t>'</a:t>
+            </a:r>
+            <a:r>
+              <a:rPr lang="en-US" sz="1200" dirty="0" err="1"/>
+              <a:t>DigitalDisplay_ON</a:t>
+            </a:r>
+            <a:r>
+              <a:rPr lang="en-US" sz="1200" dirty="0"/>
+              <a:t>', '</a:t>
+            </a:r>
+            <a:r>
+              <a:rPr lang="en-US" sz="1200" dirty="0" err="1"/>
+              <a:t>Digitalizer_ON_OFF</a:t>
+            </a:r>
+            <a:r>
+              <a:rPr lang="en-US" sz="1200" dirty="0"/>
+              <a:t>', '</a:t>
+            </a:r>
+            <a:r>
+              <a:rPr lang="en-US" sz="1200" dirty="0" err="1"/>
+              <a:t>Oscilloscope_Connect</a:t>
+            </a:r>
+            <a:r>
+              <a:rPr lang="en-US" sz="1200" dirty="0"/>
+              <a:t>', '</a:t>
+            </a:r>
+            <a:r>
+              <a:rPr lang="en-US" sz="1200" dirty="0" err="1"/>
+              <a:t>Oscilloscope_RUN</a:t>
+            </a:r>
+            <a:r>
+              <a:rPr lang="en-US" sz="1200" dirty="0"/>
+              <a:t>', '</a:t>
+            </a:r>
+            <a:r>
+              <a:rPr lang="en-US" sz="1200" dirty="0" err="1"/>
+              <a:t>Oscilloscope_SetBUS</a:t>
+            </a:r>
+            <a:r>
+              <a:rPr lang="en-US" sz="1200" dirty="0"/>
+              <a:t>', '</a:t>
+            </a:r>
+            <a:r>
+              <a:rPr lang="en-US" sz="1200" dirty="0" err="1"/>
+              <a:t>Oscilloscope_Single</a:t>
+            </a:r>
+            <a:r>
+              <a:rPr lang="en-US" sz="1200" dirty="0"/>
+              <a:t>', '</a:t>
+            </a:r>
+            <a:r>
+              <a:rPr lang="en-US" sz="1200" dirty="0" err="1"/>
+              <a:t>Oscilloscope_Stop</a:t>
+            </a:r>
+            <a:r>
+              <a:rPr lang="en-US" sz="1200" dirty="0"/>
+              <a:t>', '</a:t>
+            </a:r>
+            <a:r>
+              <a:rPr lang="en-US" sz="1200" dirty="0" err="1"/>
+              <a:t>Oscilloscope_TimeBase</a:t>
+            </a:r>
+            <a:r>
+              <a:rPr lang="en-US" sz="1200" dirty="0"/>
+              <a:t>', '</a:t>
+            </a:r>
+            <a:r>
+              <a:rPr lang="en-US" sz="1200" dirty="0" err="1"/>
+              <a:t>Oscilloscope_Trigger_Dchan</a:t>
+            </a:r>
+            <a:r>
+              <a:rPr lang="en-US" sz="1200" dirty="0"/>
+              <a:t>', '</a:t>
+            </a:r>
+            <a:r>
+              <a:rPr lang="en-US" sz="1200" dirty="0" err="1"/>
+              <a:t>Oscilloscope_Trigger_External</a:t>
+            </a:r>
+            <a:r>
+              <a:rPr lang="en-US" sz="1200" dirty="0"/>
+              <a:t>', '</a:t>
+            </a:r>
+            <a:r>
+              <a:rPr lang="en-US" sz="1200" dirty="0" err="1"/>
+              <a:t>Oscilloscope_WGen_Square</a:t>
+            </a:r>
+            <a:r>
+              <a:rPr lang="en-US" sz="1200" dirty="0"/>
+              <a:t>', '</a:t>
+            </a:r>
+            <a:r>
+              <a:rPr lang="en-US" sz="1200" dirty="0" err="1"/>
+              <a:t>Oscilloscope_WGen_Square_OFF</a:t>
+            </a:r>
+            <a:r>
+              <a:rPr lang="en-US" sz="1200" dirty="0"/>
+              <a:t>', '</a:t>
+            </a:r>
+            <a:r>
+              <a:rPr lang="en-US" sz="1200" dirty="0" err="1"/>
+              <a:t>Oscilloscope_WGen_Square_ON</a:t>
+            </a:r>
+            <a:r>
+              <a:rPr lang="en-US" sz="1200" dirty="0"/>
+              <a:t>', '</a:t>
+            </a:r>
+            <a:r>
+              <a:rPr lang="en-US" sz="1200" dirty="0" err="1"/>
+              <a:t>Save_waveform</a:t>
+            </a:r>
+            <a:r>
+              <a:rPr lang="en-US" sz="1200" dirty="0"/>
+              <a:t>', '</a:t>
+            </a:r>
+            <a:r>
+              <a:rPr lang="en-US" sz="1200" dirty="0" err="1"/>
+              <a:t>SetDigital_Threshold</a:t>
+            </a:r>
+            <a:r>
+              <a:rPr lang="en-US" sz="1200" dirty="0"/>
+              <a:t>’</a:t>
+            </a:r>
+          </a:p>
+          <a:p>
+            <a:pPr marL="342900" indent="-342900">
+              <a:buFont typeface="+mj-lt"/>
+              <a:buAutoNum type="arabicPeriod"/>
+            </a:pPr>
+            <a:r>
+              <a:rPr lang="en-US" dirty="0">
+                <a:solidFill>
+                  <a:schemeClr val="accent1"/>
+                </a:solidFill>
+              </a:rPr>
+              <a:t>Code Version Control</a:t>
+            </a:r>
+          </a:p>
+          <a:p>
+            <a:pPr marL="800100" lvl="1" indent="-342900">
+              <a:buFont typeface="+mj-lt"/>
+              <a:buAutoNum type="arabicPeriod"/>
+            </a:pPr>
+            <a:r>
+              <a:rPr lang="en-US" sz="1400" dirty="0"/>
+              <a:t>GitHub</a:t>
+            </a:r>
+          </a:p>
+          <a:p>
+            <a:pPr marL="1257300" lvl="2" indent="-342900">
+              <a:buFont typeface="+mj-lt"/>
+              <a:buAutoNum type="arabicPeriod"/>
+            </a:pPr>
+            <a:r>
+              <a:rPr lang="en-US" sz="1400" dirty="0">
+                <a:solidFill>
+                  <a:srgbClr val="00B050"/>
+                </a:solidFill>
+              </a:rPr>
+              <a:t>Never lost </a:t>
+            </a:r>
+            <a:r>
+              <a:rPr lang="en-US" sz="1400" dirty="0"/>
+              <a:t>what I did on </a:t>
+            </a:r>
+            <a:r>
+              <a:rPr lang="en-US" sz="1400" dirty="0">
+                <a:solidFill>
+                  <a:srgbClr val="00B050"/>
+                </a:solidFill>
+              </a:rPr>
+              <a:t>“Yesterday”</a:t>
+            </a:r>
+          </a:p>
+          <a:p>
+            <a:pPr marL="800100" lvl="1" indent="-342900">
+              <a:buFont typeface="+mj-lt"/>
+              <a:buAutoNum type="arabicPeriod"/>
+            </a:pPr>
+            <a:endParaRPr lang="en-US" sz="1400" dirty="0"/>
+          </a:p>
+        </p:txBody>
+      </p:sp>
+      <p:pic>
+        <p:nvPicPr>
+          <p:cNvPr id="7" name="Picture 6" descr="A screenshot of a computer&#10;&#10;Description automatically generated">
+            <a:extLst>
+              <a:ext uri="{FF2B5EF4-FFF2-40B4-BE49-F238E27FC236}">
+                <a16:creationId xmlns:a16="http://schemas.microsoft.com/office/drawing/2014/main" id="{D229072B-FD7A-6335-3BD3-051B1036F87B}"/>
+              </a:ext>
+            </a:extLst>
+          </p:cNvPr>
+          <p:cNvPicPr>
+            <a:picLocks noChangeAspect="1"/>
+          </p:cNvPicPr>
+          <p:nvPr/>
+        </p:nvPicPr>
+        <p:blipFill>
+          <a:blip r:embed="rId2"/>
+          <a:stretch>
+            <a:fillRect/>
+          </a:stretch>
+        </p:blipFill>
+        <p:spPr>
+          <a:xfrm>
+            <a:off x="7234238" y="933377"/>
+            <a:ext cx="3952875" cy="2790897"/>
+          </a:xfrm>
+          <a:prstGeom prst="rect">
+            <a:avLst/>
+          </a:prstGeom>
+        </p:spPr>
+      </p:pic>
+      <p:pic>
+        <p:nvPicPr>
+          <p:cNvPr id="10" name="Picture 9" descr="A screenshot of a computer&#10;&#10;Description automatically generated">
+            <a:extLst>
+              <a:ext uri="{FF2B5EF4-FFF2-40B4-BE49-F238E27FC236}">
+                <a16:creationId xmlns:a16="http://schemas.microsoft.com/office/drawing/2014/main" id="{4AA0FAAB-3B4E-35E8-8D47-8C793F4520A6}"/>
+              </a:ext>
+            </a:extLst>
+          </p:cNvPr>
+          <p:cNvPicPr>
+            <a:picLocks noChangeAspect="1"/>
+          </p:cNvPicPr>
+          <p:nvPr/>
+        </p:nvPicPr>
+        <p:blipFill>
+          <a:blip r:embed="rId3"/>
+          <a:stretch>
+            <a:fillRect/>
+          </a:stretch>
+        </p:blipFill>
+        <p:spPr>
+          <a:xfrm>
+            <a:off x="8520112" y="1283382"/>
+            <a:ext cx="3409949" cy="2440892"/>
+          </a:xfrm>
+          <a:prstGeom prst="rect">
+            <a:avLst/>
+          </a:prstGeom>
+        </p:spPr>
+      </p:pic>
+      <p:pic>
+        <p:nvPicPr>
+          <p:cNvPr id="12" name="Picture 11" descr="A screenshot of a computer program&#10;&#10;Description automatically generated">
+            <a:extLst>
+              <a:ext uri="{FF2B5EF4-FFF2-40B4-BE49-F238E27FC236}">
+                <a16:creationId xmlns:a16="http://schemas.microsoft.com/office/drawing/2014/main" id="{6722D827-9BCE-9860-C3F3-C30729CBA086}"/>
+              </a:ext>
+            </a:extLst>
+          </p:cNvPr>
+          <p:cNvPicPr>
+            <a:picLocks noChangeAspect="1"/>
+          </p:cNvPicPr>
+          <p:nvPr/>
+        </p:nvPicPr>
+        <p:blipFill>
+          <a:blip r:embed="rId4"/>
+          <a:stretch>
+            <a:fillRect/>
+          </a:stretch>
+        </p:blipFill>
+        <p:spPr>
+          <a:xfrm>
+            <a:off x="7234238" y="3861733"/>
+            <a:ext cx="3348059" cy="2556505"/>
+          </a:xfrm>
+          <a:prstGeom prst="rect">
+            <a:avLst/>
+          </a:prstGeom>
+        </p:spPr>
+      </p:pic>
+    </p:spTree>
+    <p:extLst>
+      <p:ext uri="{BB962C8B-B14F-4D97-AF65-F5344CB8AC3E}">
+        <p14:creationId xmlns:p14="http://schemas.microsoft.com/office/powerpoint/2010/main" val="1156879886"/>
+      </p:ext>
+    </p:extLst>
+  </p:cSld>
+  <p:clrMapOvr>
+    <a:masterClrMapping/>
+  </p:clrMapOvr>
+  <p:transition spd="med"/>
+</p:sld>
+</file>
+
+<file path=ppt/slides/slide21.xml><?xml version="1.0" encoding="utf-8"?>
+<p:sld xmlns:a="http://schemas.openxmlformats.org/drawingml/2006/main" xmlns:r="http://schemas.openxmlformats.org/officeDocument/2006/relationships" xmlns:p="http://schemas.openxmlformats.org/presentationml/2006/main">
+  <p:cSld>
+    <p:spTree>
+      <p:nvGrpSpPr>
+        <p:cNvPr id="1" name="">
+          <a:extLst>
+            <a:ext uri="{FF2B5EF4-FFF2-40B4-BE49-F238E27FC236}">
+              <a16:creationId xmlns:a16="http://schemas.microsoft.com/office/drawing/2014/main" id="{7D590722-37F2-E1E9-01A3-16AA5C5ADF1A}"/>
+            </a:ext>
+          </a:extLst>
+        </p:cNvPr>
+        <p:cNvGrpSpPr/>
+        <p:nvPr/>
+      </p:nvGrpSpPr>
+      <p:grpSpPr>
+        <a:xfrm>
+          <a:off x="0" y="0"/>
+          <a:ext cx="0" cy="0"/>
+          <a:chOff x="0" y="0"/>
+          <a:chExt cx="0" cy="0"/>
+        </a:xfrm>
+      </p:grpSpPr>
+      <p:sp>
+        <p:nvSpPr>
+          <p:cNvPr id="2" name="Slide Number Placeholder 1">
+            <a:extLst>
+              <a:ext uri="{FF2B5EF4-FFF2-40B4-BE49-F238E27FC236}">
+                <a16:creationId xmlns:a16="http://schemas.microsoft.com/office/drawing/2014/main" id="{A36DCC27-FD3E-80D5-A525-CD98B4659A80}"/>
+              </a:ext>
+            </a:extLst>
+          </p:cNvPr>
+          <p:cNvSpPr>
+            <a:spLocks noGrp="1"/>
+          </p:cNvSpPr>
+          <p:nvPr>
+            <p:ph type="sldNum" sz="quarter" idx="4"/>
+          </p:nvPr>
+        </p:nvSpPr>
+        <p:spPr/>
+        <p:txBody>
+          <a:bodyPr/>
+          <a:lstStyle/>
+          <a:p>
+            <a:fld id="{01747F32-3477-4169-AB69-F0FD91D6B2FE}" type="slidenum">
+              <a:rPr lang="en-US" smtClean="0"/>
+              <a:pPr/>
+              <a:t>21</a:t>
+            </a:fld>
+            <a:endParaRPr lang="en-US" dirty="0"/>
+          </a:p>
+        </p:txBody>
+      </p:sp>
+      <p:sp>
+        <p:nvSpPr>
+          <p:cNvPr id="3" name="Title 2">
+            <a:extLst>
+              <a:ext uri="{FF2B5EF4-FFF2-40B4-BE49-F238E27FC236}">
+                <a16:creationId xmlns:a16="http://schemas.microsoft.com/office/drawing/2014/main" id="{629032E9-BDB7-62C2-3A23-0E1F09AA2DC6}"/>
+              </a:ext>
+            </a:extLst>
+          </p:cNvPr>
+          <p:cNvSpPr>
+            <a:spLocks noGrp="1"/>
+          </p:cNvSpPr>
+          <p:nvPr>
+            <p:ph type="title"/>
+          </p:nvPr>
+        </p:nvSpPr>
+        <p:spPr/>
+        <p:txBody>
+          <a:bodyPr>
+            <a:normAutofit/>
+          </a:bodyPr>
+          <a:lstStyle/>
+          <a:p>
+            <a:r>
+              <a:rPr lang="en-US" dirty="0"/>
+              <a:t>Peak SNDR Plot</a:t>
+            </a:r>
+          </a:p>
+        </p:txBody>
+      </p:sp>
+      <p:pic>
+        <p:nvPicPr>
+          <p:cNvPr id="10" name="Picture 9" descr="A graph showing a data spectrum&#10;&#10;Description automatically generated">
+            <a:extLst>
+              <a:ext uri="{FF2B5EF4-FFF2-40B4-BE49-F238E27FC236}">
+                <a16:creationId xmlns:a16="http://schemas.microsoft.com/office/drawing/2014/main" id="{863EA973-B776-BA17-6E7D-FBE6412429FC}"/>
+              </a:ext>
+            </a:extLst>
+          </p:cNvPr>
+          <p:cNvPicPr>
+            <a:picLocks noChangeAspect="1"/>
+          </p:cNvPicPr>
+          <p:nvPr/>
+        </p:nvPicPr>
+        <p:blipFill>
+          <a:blip r:embed="rId2"/>
+          <a:stretch>
+            <a:fillRect/>
+          </a:stretch>
+        </p:blipFill>
+        <p:spPr>
+          <a:xfrm>
+            <a:off x="235579" y="1544490"/>
+            <a:ext cx="4874880" cy="3656160"/>
+          </a:xfrm>
+          <a:prstGeom prst="rect">
+            <a:avLst/>
+          </a:prstGeom>
+        </p:spPr>
+      </p:pic>
+      <mc:AlternateContent xmlns:mc="http://schemas.openxmlformats.org/markup-compatibility/2006">
+        <mc:Choice xmlns:a14="http://schemas.microsoft.com/office/drawing/2010/main" Requires="a14">
+          <p:graphicFrame>
+            <p:nvGraphicFramePr>
+              <p:cNvPr id="4" name="Table 3">
+                <a:extLst>
+                  <a:ext uri="{FF2B5EF4-FFF2-40B4-BE49-F238E27FC236}">
+                    <a16:creationId xmlns:a16="http://schemas.microsoft.com/office/drawing/2014/main" id="{AB952886-5076-C5CB-2602-F8AAF8F19A7E}"/>
+                  </a:ext>
+                </a:extLst>
+              </p:cNvPr>
+              <p:cNvGraphicFramePr>
+                <a:graphicFrameLocks noGrp="1"/>
+              </p:cNvGraphicFramePr>
+              <p:nvPr>
+                <p:extLst>
+                  <p:ext uri="{D42A27DB-BD31-4B8C-83A1-F6EECF244321}">
+                    <p14:modId xmlns:p14="http://schemas.microsoft.com/office/powerpoint/2010/main" val="3614623429"/>
+                  </p:ext>
+                </p:extLst>
+              </p:nvPr>
+            </p:nvGraphicFramePr>
+            <p:xfrm>
+              <a:off x="5581649" y="1604962"/>
+              <a:ext cx="5553826" cy="3488078"/>
+            </p:xfrm>
+            <a:graphic>
+              <a:graphicData uri="http://schemas.openxmlformats.org/drawingml/2006/table">
+                <a:tbl>
+                  <a:tblPr firstRow="1" bandRow="1">
+                    <a:tableStyleId>{5C22544A-7EE6-4342-B048-85BDC9FD1C3A}</a:tableStyleId>
+                  </a:tblPr>
+                  <a:tblGrid>
+                    <a:gridCol w="2776913">
+                      <a:extLst>
+                        <a:ext uri="{9D8B030D-6E8A-4147-A177-3AD203B41FA5}">
+                          <a16:colId xmlns:a16="http://schemas.microsoft.com/office/drawing/2014/main" val="110366799"/>
+                        </a:ext>
+                      </a:extLst>
+                    </a:gridCol>
+                    <a:gridCol w="2776913">
+                      <a:extLst>
+                        <a:ext uri="{9D8B030D-6E8A-4147-A177-3AD203B41FA5}">
+                          <a16:colId xmlns:a16="http://schemas.microsoft.com/office/drawing/2014/main" val="2621432483"/>
+                        </a:ext>
+                      </a:extLst>
+                    </a:gridCol>
+                  </a:tblGrid>
+                  <a:tr h="561013">
+                    <a:tc>
+                      <a:txBody>
+                        <a:bodyPr/>
+                        <a:lstStyle/>
+                        <a:p>
+                          <a:r>
+                            <a:rPr lang="en-US" dirty="0" err="1"/>
+                            <a:t>Speces</a:t>
+                          </a:r>
+                          <a:endParaRPr lang="en-US" dirty="0"/>
+                        </a:p>
+                      </a:txBody>
+                      <a:tcPr/>
+                    </a:tc>
+                    <a:tc>
+                      <a:txBody>
+                        <a:bodyPr/>
+                        <a:lstStyle/>
+                        <a:p>
+                          <a:r>
+                            <a:rPr lang="en-US" dirty="0"/>
+                            <a:t>Performance</a:t>
+                          </a:r>
+                        </a:p>
+                      </a:txBody>
+                      <a:tcPr/>
+                    </a:tc>
+                    <a:extLst>
+                      <a:ext uri="{0D108BD9-81ED-4DB2-BD59-A6C34878D82A}">
+                        <a16:rowId xmlns:a16="http://schemas.microsoft.com/office/drawing/2014/main" val="511219396"/>
+                      </a:ext>
+                    </a:extLst>
+                  </a:tr>
+                  <a:tr h="585413">
+                    <a:tc>
+                      <a:txBody>
+                        <a:bodyPr/>
+                        <a:lstStyle/>
+                        <a:p>
+                          <a:pPr algn="ctr"/>
+                          <a14:m>
+                            <m:oMath xmlns:m="http://schemas.openxmlformats.org/officeDocument/2006/math">
+                              <m:sSub>
+                                <m:sSubPr>
+                                  <m:ctrlPr>
+                                    <a:rPr lang="en-US" i="1" smtClean="0">
+                                      <a:latin typeface="Cambria Math" panose="02040503050406030204" pitchFamily="18" charset="0"/>
+                                    </a:rPr>
+                                  </m:ctrlPr>
+                                </m:sSubPr>
+                                <m:e>
+                                  <m:r>
+                                    <a:rPr lang="en-US" b="0" i="1" smtClean="0">
+                                      <a:latin typeface="Cambria Math" panose="02040503050406030204" pitchFamily="18" charset="0"/>
+                                    </a:rPr>
+                                    <m:t>𝑆𝑁𝐷𝑅</m:t>
+                                  </m:r>
+                                </m:e>
+                                <m:sub>
+                                  <m:r>
+                                    <a:rPr lang="en-US" b="0" i="1" smtClean="0">
+                                      <a:latin typeface="Cambria Math" panose="02040503050406030204" pitchFamily="18" charset="0"/>
+                                    </a:rPr>
+                                    <m:t>𝑝𝑒𝑎𝑘</m:t>
+                                  </m:r>
+                                </m:sub>
+                              </m:sSub>
+                            </m:oMath>
+                          </a14:m>
+                          <a:r>
+                            <a:rPr lang="en-US" dirty="0"/>
+                            <a:t> @ 1kHZ</a:t>
+                          </a:r>
+                        </a:p>
+                      </a:txBody>
+                      <a:tcPr/>
+                    </a:tc>
+                    <a:tc>
+                      <a:txBody>
+                        <a:bodyPr/>
+                        <a:lstStyle/>
+                        <a:p>
+                          <a:pPr algn="ctr"/>
+                          <a:r>
+                            <a:rPr lang="en-US" dirty="0">
+                              <a:solidFill>
+                                <a:srgbClr val="FF0000"/>
+                              </a:solidFill>
+                            </a:rPr>
+                            <a:t>50.23 dB</a:t>
+                          </a:r>
+                        </a:p>
+                      </a:txBody>
+                      <a:tcPr/>
+                    </a:tc>
+                    <a:extLst>
+                      <a:ext uri="{0D108BD9-81ED-4DB2-BD59-A6C34878D82A}">
+                        <a16:rowId xmlns:a16="http://schemas.microsoft.com/office/drawing/2014/main" val="807361905"/>
+                      </a:ext>
+                    </a:extLst>
+                  </a:tr>
+                  <a:tr h="585413">
+                    <a:tc>
+                      <a:txBody>
+                        <a:bodyPr/>
+                        <a:lstStyle/>
+                        <a:p>
+                          <a:pPr algn="ctr"/>
+                          <a14:m>
+                            <m:oMath xmlns:m="http://schemas.openxmlformats.org/officeDocument/2006/math">
+                              <m:sSub>
+                                <m:sSubPr>
+                                  <m:ctrlPr>
+                                    <a:rPr lang="en-US" i="1" smtClean="0">
+                                      <a:latin typeface="Cambria Math" panose="02040503050406030204" pitchFamily="18" charset="0"/>
+                                    </a:rPr>
+                                  </m:ctrlPr>
+                                </m:sSubPr>
+                                <m:e>
+                                  <m:r>
+                                    <a:rPr lang="en-US" b="0" i="1" smtClean="0">
+                                      <a:latin typeface="Cambria Math" panose="02040503050406030204" pitchFamily="18" charset="0"/>
+                                    </a:rPr>
+                                    <m:t>𝑆𝐹𝐷𝑅</m:t>
+                                  </m:r>
+                                </m:e>
+                                <m:sub>
+                                  <m:r>
+                                    <a:rPr lang="en-US" b="0" i="1" smtClean="0">
+                                      <a:latin typeface="Cambria Math" panose="02040503050406030204" pitchFamily="18" charset="0"/>
+                                    </a:rPr>
+                                    <m:t>𝑝𝑒𝑎𝑘</m:t>
+                                  </m:r>
+                                </m:sub>
+                              </m:sSub>
+                            </m:oMath>
+                          </a14:m>
+                          <a:r>
+                            <a:rPr lang="en-US" dirty="0"/>
+                            <a:t> @ 1kHZ</a:t>
+                          </a:r>
+                        </a:p>
+                      </a:txBody>
+                      <a:tcPr/>
+                    </a:tc>
+                    <a:tc>
+                      <a:txBody>
+                        <a:bodyPr/>
+                        <a:lstStyle/>
+                        <a:p>
+                          <a:pPr algn="ctr"/>
+                          <a:r>
+                            <a:rPr lang="en-US" dirty="0"/>
+                            <a:t>61.45 dB</a:t>
+                          </a:r>
+                        </a:p>
+                      </a:txBody>
+                      <a:tcPr/>
+                    </a:tc>
+                    <a:extLst>
+                      <a:ext uri="{0D108BD9-81ED-4DB2-BD59-A6C34878D82A}">
+                        <a16:rowId xmlns:a16="http://schemas.microsoft.com/office/drawing/2014/main" val="263290887"/>
+                      </a:ext>
+                    </a:extLst>
+                  </a:tr>
+                  <a:tr h="585413">
+                    <a:tc>
+                      <a:txBody>
+                        <a:bodyPr/>
+                        <a:lstStyle/>
+                        <a:p>
+                          <a:pPr algn="ctr"/>
+                          <a14:m>
+                            <m:oMath xmlns:m="http://schemas.openxmlformats.org/officeDocument/2006/math">
+                              <m:sSub>
+                                <m:sSubPr>
+                                  <m:ctrlPr>
+                                    <a:rPr lang="en-US" i="1" smtClean="0">
+                                      <a:latin typeface="Cambria Math" panose="02040503050406030204" pitchFamily="18" charset="0"/>
+                                    </a:rPr>
+                                  </m:ctrlPr>
+                                </m:sSubPr>
+                                <m:e>
+                                  <m:r>
+                                    <a:rPr lang="en-US" b="0" i="1" smtClean="0">
+                                      <a:latin typeface="Cambria Math" panose="02040503050406030204" pitchFamily="18" charset="0"/>
+                                    </a:rPr>
+                                    <m:t>𝑆𝑁𝑅</m:t>
+                                  </m:r>
+                                </m:e>
+                                <m:sub>
+                                  <m:r>
+                                    <a:rPr lang="en-US" b="0" i="1" smtClean="0">
+                                      <a:latin typeface="Cambria Math" panose="02040503050406030204" pitchFamily="18" charset="0"/>
+                                    </a:rPr>
+                                    <m:t>𝑝𝑒𝑎𝑘</m:t>
+                                  </m:r>
+                                </m:sub>
+                              </m:sSub>
+                            </m:oMath>
+                          </a14:m>
+                          <a:r>
+                            <a:rPr lang="en-US" dirty="0"/>
+                            <a:t> @ 1kHZ</a:t>
+                          </a:r>
+                        </a:p>
+                      </a:txBody>
+                      <a:tcPr/>
+                    </a:tc>
+                    <a:tc>
+                      <a:txBody>
+                        <a:bodyPr/>
+                        <a:lstStyle/>
+                        <a:p>
+                          <a:pPr algn="ctr"/>
+                          <a:r>
+                            <a:rPr lang="en-US" dirty="0"/>
+                            <a:t>50.68 dB</a:t>
+                          </a:r>
+                        </a:p>
+                      </a:txBody>
+                      <a:tcPr/>
+                    </a:tc>
+                    <a:extLst>
+                      <a:ext uri="{0D108BD9-81ED-4DB2-BD59-A6C34878D82A}">
+                        <a16:rowId xmlns:a16="http://schemas.microsoft.com/office/drawing/2014/main" val="952799002"/>
+                      </a:ext>
+                    </a:extLst>
+                  </a:tr>
+                  <a:tr h="585413">
+                    <a:tc>
+                      <a:txBody>
+                        <a:bodyPr/>
+                        <a:lstStyle/>
+                        <a:p>
+                          <a:pPr algn="ctr"/>
+                          <a14:m>
+                            <m:oMath xmlns:m="http://schemas.openxmlformats.org/officeDocument/2006/math">
+                              <m:sSub>
+                                <m:sSubPr>
+                                  <m:ctrlPr>
+                                    <a:rPr lang="en-US" i="1" smtClean="0">
+                                      <a:latin typeface="Cambria Math" panose="02040503050406030204" pitchFamily="18" charset="0"/>
+                                    </a:rPr>
+                                  </m:ctrlPr>
+                                </m:sSubPr>
+                                <m:e>
+                                  <m:r>
+                                    <a:rPr lang="en-US" b="0" i="1" smtClean="0">
+                                      <a:latin typeface="Cambria Math" panose="02040503050406030204" pitchFamily="18" charset="0"/>
+                                    </a:rPr>
+                                    <m:t>𝑇𝐻𝐷</m:t>
+                                  </m:r>
+                                </m:e>
+                                <m:sub>
+                                  <m:r>
+                                    <a:rPr lang="en-US" b="0" i="1" smtClean="0">
+                                      <a:latin typeface="Cambria Math" panose="02040503050406030204" pitchFamily="18" charset="0"/>
+                                    </a:rPr>
+                                    <m:t>2,</m:t>
+                                  </m:r>
+                                  <m:r>
+                                    <a:rPr lang="en-US" b="0" i="1" smtClean="0">
+                                      <a:latin typeface="Cambria Math" panose="02040503050406030204" pitchFamily="18" charset="0"/>
+                                    </a:rPr>
+                                    <m:t>𝑝𝑒𝑎𝑘</m:t>
+                                  </m:r>
+                                </m:sub>
+                              </m:sSub>
+                            </m:oMath>
+                          </a14:m>
+                          <a:r>
+                            <a:rPr lang="en-US" dirty="0"/>
+                            <a:t> @ 1kHZ</a:t>
+                          </a:r>
+                        </a:p>
+                      </a:txBody>
+                      <a:tcPr/>
+                    </a:tc>
+                    <a:tc>
+                      <a:txBody>
+                        <a:bodyPr/>
+                        <a:lstStyle/>
+                        <a:p>
+                          <a:pPr algn="ctr"/>
+                          <a:r>
+                            <a:rPr lang="en-US" dirty="0"/>
+                            <a:t>78.36 dB</a:t>
+                          </a:r>
+                        </a:p>
+                      </a:txBody>
+                      <a:tcPr/>
+                    </a:tc>
+                    <a:extLst>
+                      <a:ext uri="{0D108BD9-81ED-4DB2-BD59-A6C34878D82A}">
+                        <a16:rowId xmlns:a16="http://schemas.microsoft.com/office/drawing/2014/main" val="2241099167"/>
+                      </a:ext>
+                    </a:extLst>
+                  </a:tr>
+                  <a:tr h="585413">
+                    <a:tc>
+                      <a:txBody>
+                        <a:bodyPr/>
+                        <a:lstStyle/>
+                        <a:p>
+                          <a:pPr algn="ctr"/>
+                          <a14:m>
+                            <m:oMath xmlns:m="http://schemas.openxmlformats.org/officeDocument/2006/math">
+                              <m:sSub>
+                                <m:sSubPr>
+                                  <m:ctrlPr>
+                                    <a:rPr lang="en-US" i="1" smtClean="0">
+                                      <a:latin typeface="Cambria Math" panose="02040503050406030204" pitchFamily="18" charset="0"/>
+                                    </a:rPr>
+                                  </m:ctrlPr>
+                                </m:sSubPr>
+                                <m:e>
+                                  <m:r>
+                                    <a:rPr lang="en-US" b="0" i="1" smtClean="0">
+                                      <a:latin typeface="Cambria Math" panose="02040503050406030204" pitchFamily="18" charset="0"/>
+                                    </a:rPr>
+                                    <m:t>𝑇𝐻𝐷</m:t>
+                                  </m:r>
+                                </m:e>
+                                <m:sub>
+                                  <m:r>
+                                    <a:rPr lang="en-US" b="0" i="1" smtClean="0">
+                                      <a:latin typeface="Cambria Math" panose="02040503050406030204" pitchFamily="18" charset="0"/>
+                                    </a:rPr>
+                                    <m:t>3,</m:t>
+                                  </m:r>
+                                  <m:r>
+                                    <a:rPr lang="en-US" b="0" i="1" smtClean="0">
+                                      <a:latin typeface="Cambria Math" panose="02040503050406030204" pitchFamily="18" charset="0"/>
+                                    </a:rPr>
+                                    <m:t>𝑝𝑒𝑎𝑘</m:t>
+                                  </m:r>
+                                </m:sub>
+                              </m:sSub>
+                            </m:oMath>
+                          </a14:m>
+                          <a:r>
+                            <a:rPr lang="en-US" dirty="0"/>
+                            <a:t> @ 1kHZ</a:t>
+                          </a:r>
+                        </a:p>
+                      </a:txBody>
+                      <a:tcPr/>
+                    </a:tc>
+                    <a:tc>
+                      <a:txBody>
+                        <a:bodyPr/>
+                        <a:lstStyle/>
+                        <a:p>
+                          <a:pPr algn="ctr"/>
+                          <a:r>
+                            <a:rPr lang="en-US" dirty="0"/>
+                            <a:t>61.45 dB</a:t>
+                          </a:r>
+                        </a:p>
+                      </a:txBody>
+                      <a:tcPr/>
+                    </a:tc>
+                    <a:extLst>
+                      <a:ext uri="{0D108BD9-81ED-4DB2-BD59-A6C34878D82A}">
+                        <a16:rowId xmlns:a16="http://schemas.microsoft.com/office/drawing/2014/main" val="2475523514"/>
+                      </a:ext>
+                    </a:extLst>
+                  </a:tr>
+                </a:tbl>
+              </a:graphicData>
+            </a:graphic>
+          </p:graphicFrame>
+        </mc:Choice>
+        <mc:Fallback>
+          <p:graphicFrame>
+            <p:nvGraphicFramePr>
+              <p:cNvPr id="4" name="Table 3">
+                <a:extLst>
+                  <a:ext uri="{FF2B5EF4-FFF2-40B4-BE49-F238E27FC236}">
+                    <a16:creationId xmlns:a16="http://schemas.microsoft.com/office/drawing/2014/main" id="{AB952886-5076-C5CB-2602-F8AAF8F19A7E}"/>
+                  </a:ext>
+                </a:extLst>
+              </p:cNvPr>
+              <p:cNvGraphicFramePr>
+                <a:graphicFrameLocks noGrp="1"/>
+              </p:cNvGraphicFramePr>
+              <p:nvPr>
+                <p:extLst>
+                  <p:ext uri="{D42A27DB-BD31-4B8C-83A1-F6EECF244321}">
+                    <p14:modId xmlns:p14="http://schemas.microsoft.com/office/powerpoint/2010/main" val="3614623429"/>
+                  </p:ext>
+                </p:extLst>
+              </p:nvPr>
+            </p:nvGraphicFramePr>
+            <p:xfrm>
+              <a:off x="5581649" y="1604962"/>
+              <a:ext cx="5553826" cy="3488078"/>
+            </p:xfrm>
+            <a:graphic>
+              <a:graphicData uri="http://schemas.openxmlformats.org/drawingml/2006/table">
+                <a:tbl>
+                  <a:tblPr firstRow="1" bandRow="1">
+                    <a:tableStyleId>{5C22544A-7EE6-4342-B048-85BDC9FD1C3A}</a:tableStyleId>
+                  </a:tblPr>
+                  <a:tblGrid>
+                    <a:gridCol w="2776913">
+                      <a:extLst>
+                        <a:ext uri="{9D8B030D-6E8A-4147-A177-3AD203B41FA5}">
+                          <a16:colId xmlns:a16="http://schemas.microsoft.com/office/drawing/2014/main" val="110366799"/>
+                        </a:ext>
+                      </a:extLst>
+                    </a:gridCol>
+                    <a:gridCol w="2776913">
+                      <a:extLst>
+                        <a:ext uri="{9D8B030D-6E8A-4147-A177-3AD203B41FA5}">
+                          <a16:colId xmlns:a16="http://schemas.microsoft.com/office/drawing/2014/main" val="2621432483"/>
+                        </a:ext>
+                      </a:extLst>
+                    </a:gridCol>
+                  </a:tblGrid>
+                  <a:tr h="561013">
+                    <a:tc>
+                      <a:txBody>
+                        <a:bodyPr/>
+                        <a:lstStyle/>
+                        <a:p>
+                          <a:r>
+                            <a:rPr lang="en-US" dirty="0" err="1"/>
+                            <a:t>Speces</a:t>
+                          </a:r>
+                          <a:endParaRPr lang="en-US" dirty="0"/>
+                        </a:p>
+                      </a:txBody>
+                      <a:tcPr/>
+                    </a:tc>
+                    <a:tc>
+                      <a:txBody>
+                        <a:bodyPr/>
+                        <a:lstStyle/>
+                        <a:p>
+                          <a:r>
+                            <a:rPr lang="en-US" dirty="0"/>
+                            <a:t>Performance</a:t>
+                          </a:r>
+                        </a:p>
+                      </a:txBody>
+                      <a:tcPr/>
+                    </a:tc>
+                    <a:extLst>
+                      <a:ext uri="{0D108BD9-81ED-4DB2-BD59-A6C34878D82A}">
+                        <a16:rowId xmlns:a16="http://schemas.microsoft.com/office/drawing/2014/main" val="511219396"/>
+                      </a:ext>
+                    </a:extLst>
+                  </a:tr>
+                  <a:tr h="585413">
+                    <a:tc>
+                      <a:txBody>
+                        <a:bodyPr/>
+                        <a:lstStyle/>
+                        <a:p>
+                          <a:endParaRPr lang="en-US"/>
+                        </a:p>
+                      </a:txBody>
+                      <a:tcPr>
+                        <a:blipFill>
+                          <a:blip r:embed="rId3"/>
+                          <a:stretch>
+                            <a:fillRect l="-219" t="-101042" r="-100877" b="-403125"/>
+                          </a:stretch>
+                        </a:blipFill>
+                      </a:tcPr>
+                    </a:tc>
+                    <a:tc>
+                      <a:txBody>
+                        <a:bodyPr/>
+                        <a:lstStyle/>
+                        <a:p>
+                          <a:pPr algn="ctr"/>
+                          <a:r>
+                            <a:rPr lang="en-US" dirty="0">
+                              <a:solidFill>
+                                <a:srgbClr val="FF0000"/>
+                              </a:solidFill>
+                            </a:rPr>
+                            <a:t>50.23 dB</a:t>
+                          </a:r>
+                        </a:p>
+                      </a:txBody>
+                      <a:tcPr/>
+                    </a:tc>
+                    <a:extLst>
+                      <a:ext uri="{0D108BD9-81ED-4DB2-BD59-A6C34878D82A}">
+                        <a16:rowId xmlns:a16="http://schemas.microsoft.com/office/drawing/2014/main" val="807361905"/>
+                      </a:ext>
+                    </a:extLst>
+                  </a:tr>
+                  <a:tr h="585413">
+                    <a:tc>
+                      <a:txBody>
+                        <a:bodyPr/>
+                        <a:lstStyle/>
+                        <a:p>
+                          <a:endParaRPr lang="en-US"/>
+                        </a:p>
+                      </a:txBody>
+                      <a:tcPr>
+                        <a:blipFill>
+                          <a:blip r:embed="rId3"/>
+                          <a:stretch>
+                            <a:fillRect l="-219" t="-201042" r="-100877" b="-303125"/>
+                          </a:stretch>
+                        </a:blipFill>
+                      </a:tcPr>
+                    </a:tc>
+                    <a:tc>
+                      <a:txBody>
+                        <a:bodyPr/>
+                        <a:lstStyle/>
+                        <a:p>
+                          <a:pPr algn="ctr"/>
+                          <a:r>
+                            <a:rPr lang="en-US" dirty="0"/>
+                            <a:t>61.45 dB</a:t>
+                          </a:r>
+                        </a:p>
+                      </a:txBody>
+                      <a:tcPr/>
+                    </a:tc>
+                    <a:extLst>
+                      <a:ext uri="{0D108BD9-81ED-4DB2-BD59-A6C34878D82A}">
+                        <a16:rowId xmlns:a16="http://schemas.microsoft.com/office/drawing/2014/main" val="263290887"/>
+                      </a:ext>
+                    </a:extLst>
+                  </a:tr>
+                  <a:tr h="585413">
+                    <a:tc>
+                      <a:txBody>
+                        <a:bodyPr/>
+                        <a:lstStyle/>
+                        <a:p>
+                          <a:endParaRPr lang="en-US"/>
+                        </a:p>
+                      </a:txBody>
+                      <a:tcPr>
+                        <a:blipFill>
+                          <a:blip r:embed="rId3"/>
+                          <a:stretch>
+                            <a:fillRect l="-219" t="-297938" r="-100877" b="-200000"/>
+                          </a:stretch>
+                        </a:blipFill>
+                      </a:tcPr>
+                    </a:tc>
+                    <a:tc>
+                      <a:txBody>
+                        <a:bodyPr/>
+                        <a:lstStyle/>
+                        <a:p>
+                          <a:pPr algn="ctr"/>
+                          <a:r>
+                            <a:rPr lang="en-US" dirty="0"/>
+                            <a:t>50.68 dB</a:t>
+                          </a:r>
+                        </a:p>
+                      </a:txBody>
+                      <a:tcPr/>
+                    </a:tc>
+                    <a:extLst>
+                      <a:ext uri="{0D108BD9-81ED-4DB2-BD59-A6C34878D82A}">
+                        <a16:rowId xmlns:a16="http://schemas.microsoft.com/office/drawing/2014/main" val="952799002"/>
+                      </a:ext>
+                    </a:extLst>
+                  </a:tr>
+                  <a:tr h="585413">
+                    <a:tc>
+                      <a:txBody>
+                        <a:bodyPr/>
+                        <a:lstStyle/>
+                        <a:p>
+                          <a:endParaRPr lang="en-US"/>
+                        </a:p>
+                      </a:txBody>
+                      <a:tcPr>
+                        <a:blipFill>
+                          <a:blip r:embed="rId3"/>
+                          <a:stretch>
+                            <a:fillRect l="-219" t="-402083" r="-100877" b="-102083"/>
+                          </a:stretch>
+                        </a:blipFill>
+                      </a:tcPr>
+                    </a:tc>
+                    <a:tc>
+                      <a:txBody>
+                        <a:bodyPr/>
+                        <a:lstStyle/>
+                        <a:p>
+                          <a:pPr algn="ctr"/>
+                          <a:r>
+                            <a:rPr lang="en-US" dirty="0"/>
+                            <a:t>78.36 dB</a:t>
+                          </a:r>
+                        </a:p>
+                      </a:txBody>
+                      <a:tcPr/>
+                    </a:tc>
+                    <a:extLst>
+                      <a:ext uri="{0D108BD9-81ED-4DB2-BD59-A6C34878D82A}">
+                        <a16:rowId xmlns:a16="http://schemas.microsoft.com/office/drawing/2014/main" val="2241099167"/>
+                      </a:ext>
+                    </a:extLst>
+                  </a:tr>
+                  <a:tr h="585413">
+                    <a:tc>
+                      <a:txBody>
+                        <a:bodyPr/>
+                        <a:lstStyle/>
+                        <a:p>
+                          <a:endParaRPr lang="en-US"/>
+                        </a:p>
+                      </a:txBody>
+                      <a:tcPr>
+                        <a:blipFill>
+                          <a:blip r:embed="rId3"/>
+                          <a:stretch>
+                            <a:fillRect l="-219" t="-502083" r="-100877" b="-2083"/>
+                          </a:stretch>
+                        </a:blipFill>
+                      </a:tcPr>
+                    </a:tc>
+                    <a:tc>
+                      <a:txBody>
+                        <a:bodyPr/>
+                        <a:lstStyle/>
+                        <a:p>
+                          <a:pPr algn="ctr"/>
+                          <a:r>
+                            <a:rPr lang="en-US" dirty="0"/>
+                            <a:t>61.45 dB</a:t>
+                          </a:r>
+                        </a:p>
+                      </a:txBody>
+                      <a:tcPr/>
+                    </a:tc>
+                    <a:extLst>
+                      <a:ext uri="{0D108BD9-81ED-4DB2-BD59-A6C34878D82A}">
+                        <a16:rowId xmlns:a16="http://schemas.microsoft.com/office/drawing/2014/main" val="2475523514"/>
+                      </a:ext>
+                    </a:extLst>
+                  </a:tr>
+                </a:tbl>
+              </a:graphicData>
+            </a:graphic>
+          </p:graphicFrame>
+        </mc:Fallback>
+      </mc:AlternateContent>
+    </p:spTree>
+    <p:extLst>
+      <p:ext uri="{BB962C8B-B14F-4D97-AF65-F5344CB8AC3E}">
+        <p14:creationId xmlns:p14="http://schemas.microsoft.com/office/powerpoint/2010/main" val="2151178171"/>
+      </p:ext>
+    </p:extLst>
+  </p:cSld>
+  <p:clrMapOvr>
+    <a:masterClrMapping/>
+  </p:clrMapOvr>
+  <p:transition spd="med"/>
+</p:sld>
+</file>
+
+<file path=ppt/slides/slide22.xml><?xml version="1.0" encoding="utf-8"?>
+<p:sld xmlns:a="http://schemas.openxmlformats.org/drawingml/2006/main" xmlns:r="http://schemas.openxmlformats.org/officeDocument/2006/relationships" xmlns:p="http://schemas.openxmlformats.org/presentationml/2006/main">
+  <p:cSld>
+    <p:spTree>
+      <p:nvGrpSpPr>
+        <p:cNvPr id="1" name="">
+          <a:extLst>
+            <a:ext uri="{FF2B5EF4-FFF2-40B4-BE49-F238E27FC236}">
+              <a16:creationId xmlns:a16="http://schemas.microsoft.com/office/drawing/2014/main" id="{1F2A7889-DFA7-58F4-D627-656BA7CEC171}"/>
+            </a:ext>
+          </a:extLst>
+        </p:cNvPr>
+        <p:cNvGrpSpPr/>
+        <p:nvPr/>
+      </p:nvGrpSpPr>
+      <p:grpSpPr>
+        <a:xfrm>
+          <a:off x="0" y="0"/>
+          <a:ext cx="0" cy="0"/>
+          <a:chOff x="0" y="0"/>
+          <a:chExt cx="0" cy="0"/>
+        </a:xfrm>
+      </p:grpSpPr>
+      <p:sp>
+        <p:nvSpPr>
+          <p:cNvPr id="2" name="Slide Number Placeholder 1">
+            <a:extLst>
+              <a:ext uri="{FF2B5EF4-FFF2-40B4-BE49-F238E27FC236}">
+                <a16:creationId xmlns:a16="http://schemas.microsoft.com/office/drawing/2014/main" id="{521B634F-C03E-E775-FF90-D5B9372D6FBC}"/>
+              </a:ext>
+            </a:extLst>
+          </p:cNvPr>
+          <p:cNvSpPr>
+            <a:spLocks noGrp="1"/>
+          </p:cNvSpPr>
+          <p:nvPr>
+            <p:ph type="sldNum" sz="quarter" idx="4"/>
+          </p:nvPr>
+        </p:nvSpPr>
+        <p:spPr/>
+        <p:txBody>
+          <a:bodyPr/>
+          <a:lstStyle/>
+          <a:p>
+            <a:fld id="{01747F32-3477-4169-AB69-F0FD91D6B2FE}" type="slidenum">
+              <a:rPr lang="en-US" smtClean="0"/>
+              <a:pPr/>
+              <a:t>22</a:t>
+            </a:fld>
+            <a:endParaRPr lang="en-US" dirty="0"/>
+          </a:p>
+        </p:txBody>
+      </p:sp>
+      <p:sp>
+        <p:nvSpPr>
+          <p:cNvPr id="3" name="Title 2">
+            <a:extLst>
+              <a:ext uri="{FF2B5EF4-FFF2-40B4-BE49-F238E27FC236}">
+                <a16:creationId xmlns:a16="http://schemas.microsoft.com/office/drawing/2014/main" id="{AF922079-94CF-B516-40B9-A6FFE4BC3513}"/>
+              </a:ext>
+            </a:extLst>
+          </p:cNvPr>
+          <p:cNvSpPr>
+            <a:spLocks noGrp="1"/>
+          </p:cNvSpPr>
+          <p:nvPr>
+            <p:ph type="title"/>
+          </p:nvPr>
+        </p:nvSpPr>
+        <p:spPr/>
+        <p:txBody>
+          <a:bodyPr>
+            <a:normAutofit/>
+          </a:bodyPr>
+          <a:lstStyle/>
+          <a:p>
+            <a:r>
+              <a:rPr lang="en-US" dirty="0"/>
+              <a:t>Peak SNDR Plot</a:t>
+            </a:r>
+          </a:p>
+        </p:txBody>
+      </p:sp>
+      <p:pic>
+        <p:nvPicPr>
+          <p:cNvPr id="6" name="Picture 5" descr="A graph of a number of lines&#10;&#10;Description automatically generated with medium confidence">
+            <a:extLst>
+              <a:ext uri="{FF2B5EF4-FFF2-40B4-BE49-F238E27FC236}">
+                <a16:creationId xmlns:a16="http://schemas.microsoft.com/office/drawing/2014/main" id="{DF1A2AB7-C53C-EE5C-E661-FA3DA7A8C9A1}"/>
+              </a:ext>
+            </a:extLst>
+          </p:cNvPr>
+          <p:cNvPicPr>
+            <a:picLocks noChangeAspect="1"/>
+          </p:cNvPicPr>
+          <p:nvPr/>
+        </p:nvPicPr>
+        <p:blipFill>
+          <a:blip r:embed="rId2"/>
+          <a:stretch>
+            <a:fillRect/>
+          </a:stretch>
+        </p:blipFill>
+        <p:spPr>
+          <a:xfrm>
+            <a:off x="223838" y="1266825"/>
+            <a:ext cx="5765800" cy="4324350"/>
+          </a:xfrm>
+          <a:prstGeom prst="rect">
+            <a:avLst/>
+          </a:prstGeom>
+        </p:spPr>
+      </p:pic>
+      <p:pic>
+        <p:nvPicPr>
+          <p:cNvPr id="8" name="Picture 7" descr="A graph showing the missing codes&#10;&#10;Description automatically generated">
+            <a:extLst>
+              <a:ext uri="{FF2B5EF4-FFF2-40B4-BE49-F238E27FC236}">
+                <a16:creationId xmlns:a16="http://schemas.microsoft.com/office/drawing/2014/main" id="{F25D38B2-08AC-E34E-3F9E-FFEC25CE1C90}"/>
+              </a:ext>
+            </a:extLst>
+          </p:cNvPr>
+          <p:cNvPicPr>
+            <a:picLocks noChangeAspect="1"/>
+          </p:cNvPicPr>
+          <p:nvPr/>
+        </p:nvPicPr>
+        <p:blipFill>
+          <a:blip r:embed="rId3"/>
+          <a:stretch>
+            <a:fillRect/>
+          </a:stretch>
+        </p:blipFill>
+        <p:spPr>
+          <a:xfrm>
+            <a:off x="5747405" y="1266063"/>
+            <a:ext cx="5766816" cy="4325112"/>
+          </a:xfrm>
+          <a:prstGeom prst="rect">
+            <a:avLst/>
+          </a:prstGeom>
+        </p:spPr>
+      </p:pic>
+    </p:spTree>
+    <p:extLst>
+      <p:ext uri="{BB962C8B-B14F-4D97-AF65-F5344CB8AC3E}">
+        <p14:creationId xmlns:p14="http://schemas.microsoft.com/office/powerpoint/2010/main" val="590306522"/>
+      </p:ext>
+    </p:extLst>
+  </p:cSld>
+  <p:clrMapOvr>
+    <a:masterClrMapping/>
+  </p:clrMapOvr>
+  <p:transition spd="med"/>
+</p:sld>
+</file>
+
+<file path=ppt/slides/slide23.xml><?xml version="1.0" encoding="utf-8"?>
+<p:sld xmlns:a="http://schemas.openxmlformats.org/drawingml/2006/main" xmlns:r="http://schemas.openxmlformats.org/officeDocument/2006/relationships" xmlns:p="http://schemas.openxmlformats.org/presentationml/2006/main">
+  <p:cSld>
+    <p:spTree>
+      <p:nvGrpSpPr>
+        <p:cNvPr id="1" name="">
+          <a:extLst>
+            <a:ext uri="{FF2B5EF4-FFF2-40B4-BE49-F238E27FC236}">
+              <a16:creationId xmlns:a16="http://schemas.microsoft.com/office/drawing/2014/main" id="{C216D9D9-D554-EA41-C434-49EFA5DC2BAD}"/>
+            </a:ext>
+          </a:extLst>
+        </p:cNvPr>
+        <p:cNvGrpSpPr/>
+        <p:nvPr/>
+      </p:nvGrpSpPr>
+      <p:grpSpPr>
+        <a:xfrm>
+          <a:off x="0" y="0"/>
+          <a:ext cx="0" cy="0"/>
+          <a:chOff x="0" y="0"/>
+          <a:chExt cx="0" cy="0"/>
+        </a:xfrm>
+      </p:grpSpPr>
+      <p:sp>
+        <p:nvSpPr>
+          <p:cNvPr id="2" name="Slide Number Placeholder 1">
+            <a:extLst>
+              <a:ext uri="{FF2B5EF4-FFF2-40B4-BE49-F238E27FC236}">
+                <a16:creationId xmlns:a16="http://schemas.microsoft.com/office/drawing/2014/main" id="{91241366-5353-EC7A-4326-C8BCF3F76D77}"/>
+              </a:ext>
+            </a:extLst>
+          </p:cNvPr>
+          <p:cNvSpPr>
+            <a:spLocks noGrp="1"/>
+          </p:cNvSpPr>
+          <p:nvPr>
+            <p:ph type="sldNum" sz="quarter" idx="4"/>
+          </p:nvPr>
+        </p:nvSpPr>
+        <p:spPr/>
+        <p:txBody>
+          <a:bodyPr/>
+          <a:lstStyle/>
+          <a:p>
+            <a:fld id="{01747F32-3477-4169-AB69-F0FD91D6B2FE}" type="slidenum">
+              <a:rPr lang="en-US" smtClean="0"/>
+              <a:pPr/>
+              <a:t>23</a:t>
+            </a:fld>
+            <a:endParaRPr lang="en-US" dirty="0"/>
+          </a:p>
+        </p:txBody>
+      </p:sp>
+      <p:sp>
+        <p:nvSpPr>
+          <p:cNvPr id="3" name="Title 2">
+            <a:extLst>
+              <a:ext uri="{FF2B5EF4-FFF2-40B4-BE49-F238E27FC236}">
+                <a16:creationId xmlns:a16="http://schemas.microsoft.com/office/drawing/2014/main" id="{BADC978C-8F23-5919-7537-BFFCEEC367E4}"/>
+              </a:ext>
+            </a:extLst>
+          </p:cNvPr>
+          <p:cNvSpPr>
+            <a:spLocks noGrp="1"/>
+          </p:cNvSpPr>
+          <p:nvPr>
+            <p:ph type="title"/>
+          </p:nvPr>
+        </p:nvSpPr>
+        <p:spPr/>
+        <p:txBody>
+          <a:bodyPr>
+            <a:normAutofit/>
+          </a:bodyPr>
+          <a:lstStyle/>
+          <a:p>
+            <a:r>
+              <a:rPr lang="en-US" dirty="0"/>
+              <a:t>Future Work</a:t>
+            </a:r>
+          </a:p>
+        </p:txBody>
+      </p:sp>
+      <mc:AlternateContent xmlns:mc="http://schemas.openxmlformats.org/markup-compatibility/2006">
+        <mc:Choice xmlns:a14="http://schemas.microsoft.com/office/drawing/2010/main" Requires="a14">
+          <p:sp>
+            <p:nvSpPr>
+              <p:cNvPr id="4" name="TextBox 3">
+                <a:extLst>
+                  <a:ext uri="{FF2B5EF4-FFF2-40B4-BE49-F238E27FC236}">
+                    <a16:creationId xmlns:a16="http://schemas.microsoft.com/office/drawing/2014/main" id="{D3A993B2-F701-900B-0AEA-6FD2E079C8F3}"/>
+                  </a:ext>
+                </a:extLst>
+              </p:cNvPr>
+              <p:cNvSpPr txBox="1"/>
+              <p:nvPr/>
+            </p:nvSpPr>
+            <p:spPr>
+              <a:xfrm>
+                <a:off x="609600" y="1200150"/>
+                <a:ext cx="9972675" cy="2219710"/>
+              </a:xfrm>
+              <a:prstGeom prst="rect">
+                <a:avLst/>
+              </a:prstGeom>
+              <a:noFill/>
+            </p:spPr>
+            <p:txBody>
+              <a:bodyPr wrap="square" rtlCol="0">
+                <a:spAutoFit/>
+              </a:bodyPr>
+              <a:lstStyle/>
+              <a:p>
+                <a:pPr marL="342900" indent="-342900">
+                  <a:buFont typeface="+mj-lt"/>
+                  <a:buAutoNum type="arabicPeriod"/>
+                </a:pPr>
+                <a:r>
+                  <a:rPr lang="en-US" dirty="0">
+                    <a:solidFill>
+                      <a:srgbClr val="00B050"/>
+                    </a:solidFill>
+                  </a:rPr>
+                  <a:t>Improve</a:t>
+                </a:r>
+                <a:r>
+                  <a:rPr lang="en-US" dirty="0"/>
+                  <a:t> the code to make coherent sampling using: </a:t>
+                </a:r>
+                <a14:m>
+                  <m:oMath xmlns:m="http://schemas.openxmlformats.org/officeDocument/2006/math">
+                    <m:f>
+                      <m:fPr>
+                        <m:ctrlPr>
+                          <a:rPr lang="en-US" i="1" smtClean="0">
+                            <a:latin typeface="Cambria Math" panose="02040503050406030204" pitchFamily="18" charset="0"/>
+                          </a:rPr>
+                        </m:ctrlPr>
+                      </m:fPr>
+                      <m:num>
+                        <m:sSub>
+                          <m:sSubPr>
+                            <m:ctrlPr>
+                              <a:rPr lang="en-US" i="1" smtClean="0">
+                                <a:latin typeface="Cambria Math" panose="02040503050406030204" pitchFamily="18" charset="0"/>
+                              </a:rPr>
+                            </m:ctrlPr>
+                          </m:sSubPr>
+                          <m:e>
+                            <m:r>
+                              <a:rPr lang="en-US" b="0" i="1" smtClean="0">
+                                <a:latin typeface="Cambria Math" panose="02040503050406030204" pitchFamily="18" charset="0"/>
+                              </a:rPr>
+                              <m:t>𝑓</m:t>
+                            </m:r>
+                          </m:e>
+                          <m:sub>
+                            <m:r>
+                              <a:rPr lang="en-US" b="0" i="1" smtClean="0">
+                                <a:latin typeface="Cambria Math" panose="02040503050406030204" pitchFamily="18" charset="0"/>
+                              </a:rPr>
+                              <m:t>𝑖𝑛</m:t>
+                            </m:r>
+                          </m:sub>
+                        </m:sSub>
+                      </m:num>
+                      <m:den>
+                        <m:sSub>
+                          <m:sSubPr>
+                            <m:ctrlPr>
+                              <a:rPr lang="en-US" i="1" smtClean="0">
+                                <a:latin typeface="Cambria Math" panose="02040503050406030204" pitchFamily="18" charset="0"/>
+                              </a:rPr>
+                            </m:ctrlPr>
+                          </m:sSubPr>
+                          <m:e>
+                            <m:r>
+                              <a:rPr lang="en-US" b="0" i="1" smtClean="0">
+                                <a:latin typeface="Cambria Math" panose="02040503050406030204" pitchFamily="18" charset="0"/>
+                              </a:rPr>
+                              <m:t>𝑓</m:t>
+                            </m:r>
+                          </m:e>
+                          <m:sub>
+                            <m:r>
+                              <a:rPr lang="en-US" b="0" i="1" smtClean="0">
+                                <a:latin typeface="Cambria Math" panose="02040503050406030204" pitchFamily="18" charset="0"/>
+                              </a:rPr>
+                              <m:t>𝑠𝑎𝑚𝑝𝑙𝑒</m:t>
+                            </m:r>
+                          </m:sub>
+                        </m:sSub>
+                      </m:den>
+                    </m:f>
+                    <m:r>
+                      <a:rPr lang="en-US" b="0" i="1" smtClean="0">
+                        <a:latin typeface="Cambria Math" panose="02040503050406030204" pitchFamily="18" charset="0"/>
+                      </a:rPr>
+                      <m:t>= </m:t>
+                    </m:r>
+                    <m:f>
+                      <m:fPr>
+                        <m:ctrlPr>
+                          <a:rPr lang="en-US" b="0" i="1" smtClean="0">
+                            <a:latin typeface="Cambria Math" panose="02040503050406030204" pitchFamily="18" charset="0"/>
+                          </a:rPr>
+                        </m:ctrlPr>
+                      </m:fPr>
+                      <m:num>
+                        <m:r>
+                          <a:rPr lang="en-US" b="0" i="1" smtClean="0">
+                            <a:latin typeface="Cambria Math" panose="02040503050406030204" pitchFamily="18" charset="0"/>
+                          </a:rPr>
+                          <m:t># </m:t>
+                        </m:r>
+                        <m:r>
+                          <a:rPr lang="en-US" b="0" i="1" smtClean="0">
+                            <a:latin typeface="Cambria Math" panose="02040503050406030204" pitchFamily="18" charset="0"/>
+                          </a:rPr>
+                          <m:t>𝑖𝑛𝑡𝑒𝑔𝑒𝑟</m:t>
+                        </m:r>
+                        <m:r>
+                          <a:rPr lang="en-US" b="0" i="1" smtClean="0">
+                            <a:latin typeface="Cambria Math" panose="02040503050406030204" pitchFamily="18" charset="0"/>
+                          </a:rPr>
+                          <m:t> </m:t>
+                        </m:r>
+                        <m:r>
+                          <a:rPr lang="en-US" b="0" i="1" smtClean="0">
+                            <a:latin typeface="Cambria Math" panose="02040503050406030204" pitchFamily="18" charset="0"/>
+                          </a:rPr>
+                          <m:t>𝑐𝑦𝑐𝑙𝑒𝑠</m:t>
+                        </m:r>
+                      </m:num>
+                      <m:den>
+                        <m:r>
+                          <a:rPr lang="en-US" b="0" i="1" smtClean="0">
+                            <a:latin typeface="Cambria Math" panose="02040503050406030204" pitchFamily="18" charset="0"/>
+                          </a:rPr>
+                          <m:t># </m:t>
+                        </m:r>
+                        <m:r>
+                          <a:rPr lang="en-US" b="0" i="1" smtClean="0">
+                            <a:latin typeface="Cambria Math" panose="02040503050406030204" pitchFamily="18" charset="0"/>
+                          </a:rPr>
+                          <m:t>𝐹𝐹𝑇</m:t>
+                        </m:r>
+                        <m:r>
+                          <a:rPr lang="en-US" b="0" i="1" smtClean="0">
+                            <a:latin typeface="Cambria Math" panose="02040503050406030204" pitchFamily="18" charset="0"/>
+                          </a:rPr>
+                          <m:t>_</m:t>
+                        </m:r>
+                        <m:r>
+                          <a:rPr lang="en-US" b="0" i="1" smtClean="0">
+                            <a:latin typeface="Cambria Math" panose="02040503050406030204" pitchFamily="18" charset="0"/>
+                          </a:rPr>
+                          <m:t>𝑝𝑜𝑖𝑛𝑡𝑠</m:t>
+                        </m:r>
+                      </m:den>
+                    </m:f>
+                  </m:oMath>
+                </a14:m>
+                <a:endParaRPr lang="en-US" dirty="0"/>
+              </a:p>
+              <a:p>
+                <a:pPr marL="800100" lvl="1" indent="-342900">
+                  <a:buFont typeface="+mj-lt"/>
+                  <a:buAutoNum type="arabicPeriod"/>
+                </a:pPr>
+                <a:r>
+                  <a:rPr lang="en-US" dirty="0"/>
+                  <a:t>By adjusting the input frequency </a:t>
+                </a:r>
+                <a14:m>
+                  <m:oMath xmlns:m="http://schemas.openxmlformats.org/officeDocument/2006/math">
+                    <m:sSub>
+                      <m:sSubPr>
+                        <m:ctrlPr>
+                          <a:rPr lang="en-US" i="1" smtClean="0">
+                            <a:latin typeface="Cambria Math" panose="02040503050406030204" pitchFamily="18" charset="0"/>
+                          </a:rPr>
+                        </m:ctrlPr>
+                      </m:sSubPr>
+                      <m:e>
+                        <m:r>
+                          <a:rPr lang="en-US" b="0" i="1" smtClean="0">
+                            <a:latin typeface="Cambria Math" panose="02040503050406030204" pitchFamily="18" charset="0"/>
+                          </a:rPr>
+                          <m:t>𝑓</m:t>
+                        </m:r>
+                      </m:e>
+                      <m:sub>
+                        <m:r>
+                          <a:rPr lang="en-US" b="0" i="1" smtClean="0">
+                            <a:latin typeface="Cambria Math" panose="02040503050406030204" pitchFamily="18" charset="0"/>
+                          </a:rPr>
+                          <m:t>𝑖𝑛</m:t>
+                        </m:r>
+                      </m:sub>
+                    </m:sSub>
+                  </m:oMath>
+                </a14:m>
+                <a:endParaRPr lang="en-US" dirty="0"/>
+              </a:p>
+              <a:p>
+                <a:pPr marL="800100" lvl="1" indent="-342900">
+                  <a:buFont typeface="+mj-lt"/>
+                  <a:buAutoNum type="arabicPeriod"/>
+                </a:pPr>
+                <a:r>
+                  <a:rPr lang="en-US" dirty="0"/>
+                  <a:t>By grabbing enough cycles, </a:t>
+                </a:r>
+                <a:r>
+                  <a:rPr lang="en-US" dirty="0">
+                    <a:solidFill>
+                      <a:srgbClr val="FF0000"/>
+                    </a:solidFill>
+                  </a:rPr>
+                  <a:t>no more no less (ideally prime number)</a:t>
+                </a:r>
+              </a:p>
+              <a:p>
+                <a:pPr marL="800100" lvl="1" indent="-342900">
+                  <a:buFont typeface="+mj-lt"/>
+                  <a:buAutoNum type="arabicPeriod"/>
+                </a:pPr>
+                <a:r>
+                  <a:rPr lang="en-US" dirty="0"/>
+                  <a:t>By grabbing </a:t>
+                </a:r>
+                <a14:m>
+                  <m:oMath xmlns:m="http://schemas.openxmlformats.org/officeDocument/2006/math">
+                    <m:sSup>
+                      <m:sSupPr>
+                        <m:ctrlPr>
+                          <a:rPr lang="en-US" i="1" smtClean="0">
+                            <a:solidFill>
+                              <a:srgbClr val="FF0000"/>
+                            </a:solidFill>
+                            <a:latin typeface="Cambria Math" panose="02040503050406030204" pitchFamily="18" charset="0"/>
+                          </a:rPr>
+                        </m:ctrlPr>
+                      </m:sSupPr>
+                      <m:e>
+                        <m:r>
+                          <a:rPr lang="en-US" b="0" i="1" smtClean="0">
+                            <a:solidFill>
+                              <a:srgbClr val="FF0000"/>
+                            </a:solidFill>
+                            <a:latin typeface="Cambria Math" panose="02040503050406030204" pitchFamily="18" charset="0"/>
+                          </a:rPr>
+                          <m:t>2</m:t>
+                        </m:r>
+                      </m:e>
+                      <m:sup>
+                        <m:r>
+                          <a:rPr lang="en-US" b="0" i="1" smtClean="0">
+                            <a:solidFill>
+                              <a:srgbClr val="FF0000"/>
+                            </a:solidFill>
+                            <a:latin typeface="Cambria Math" panose="02040503050406030204" pitchFamily="18" charset="0"/>
+                          </a:rPr>
+                          <m:t>𝑥</m:t>
+                        </m:r>
+                      </m:sup>
+                    </m:sSup>
+                  </m:oMath>
+                </a14:m>
+                <a:r>
+                  <a:rPr lang="en-US" dirty="0"/>
+                  <a:t>data points</a:t>
+                </a:r>
+              </a:p>
+              <a:p>
+                <a:pPr marL="342900" indent="-342900">
+                  <a:buFont typeface="+mj-lt"/>
+                  <a:buAutoNum type="arabicPeriod"/>
+                </a:pPr>
+                <a:r>
+                  <a:rPr lang="en-US" dirty="0">
+                    <a:solidFill>
+                      <a:srgbClr val="00B050"/>
+                    </a:solidFill>
+                  </a:rPr>
+                  <a:t>Rework</a:t>
+                </a:r>
+                <a:r>
+                  <a:rPr lang="en-US" dirty="0"/>
+                  <a:t> the mother and daughter board</a:t>
+                </a:r>
+              </a:p>
+              <a:p>
+                <a:pPr marL="800100" lvl="1" indent="-342900">
+                  <a:buFont typeface="+mj-lt"/>
+                  <a:buAutoNum type="arabicPeriod"/>
+                </a:pPr>
+                <a:r>
+                  <a:rPr lang="en-US" dirty="0"/>
+                  <a:t>Putting more </a:t>
+                </a:r>
+                <a:r>
+                  <a:rPr lang="en-US" dirty="0" err="1"/>
+                  <a:t>decaps</a:t>
+                </a:r>
+                <a:r>
+                  <a:rPr lang="en-US" dirty="0"/>
+                  <a:t> to </a:t>
+                </a:r>
+                <a:r>
+                  <a:rPr lang="en-US" dirty="0">
+                    <a:solidFill>
+                      <a:srgbClr val="FF0000"/>
+                    </a:solidFill>
+                  </a:rPr>
+                  <a:t>filter-out the noise</a:t>
+                </a:r>
+              </a:p>
+              <a:p>
+                <a:pPr marL="800100" lvl="1" indent="-342900">
+                  <a:buFont typeface="+mj-lt"/>
+                  <a:buAutoNum type="arabicPeriod"/>
+                </a:pPr>
+                <a:r>
+                  <a:rPr lang="en-US" dirty="0"/>
+                  <a:t>Make it to be plugging-in and </a:t>
+                </a:r>
+                <a:r>
+                  <a:rPr lang="en-US" dirty="0">
+                    <a:solidFill>
+                      <a:srgbClr val="FF0000"/>
+                    </a:solidFill>
+                  </a:rPr>
+                  <a:t>direct-use Eval-Board</a:t>
+                </a:r>
+              </a:p>
+            </p:txBody>
+          </p:sp>
+        </mc:Choice>
+        <mc:Fallback>
+          <p:sp>
+            <p:nvSpPr>
+              <p:cNvPr id="4" name="TextBox 3">
+                <a:extLst>
+                  <a:ext uri="{FF2B5EF4-FFF2-40B4-BE49-F238E27FC236}">
+                    <a16:creationId xmlns:a16="http://schemas.microsoft.com/office/drawing/2014/main" id="{D3A993B2-F701-900B-0AEA-6FD2E079C8F3}"/>
+                  </a:ext>
+                </a:extLst>
+              </p:cNvPr>
+              <p:cNvSpPr txBox="1">
+                <a:spLocks noRot="1" noChangeAspect="1" noMove="1" noResize="1" noEditPoints="1" noAdjustHandles="1" noChangeArrowheads="1" noChangeShapeType="1" noTextEdit="1"/>
+              </p:cNvSpPr>
+              <p:nvPr/>
+            </p:nvSpPr>
+            <p:spPr>
+              <a:xfrm>
+                <a:off x="609600" y="1200150"/>
+                <a:ext cx="9972675" cy="2219710"/>
+              </a:xfrm>
+              <a:prstGeom prst="rect">
+                <a:avLst/>
+              </a:prstGeom>
+              <a:blipFill>
+                <a:blip r:embed="rId2"/>
+                <a:stretch>
+                  <a:fillRect l="-367" b="-3571"/>
+                </a:stretch>
+              </a:blipFill>
+            </p:spPr>
+            <p:txBody>
+              <a:bodyPr/>
+              <a:lstStyle/>
+              <a:p>
+                <a:r>
+                  <a:rPr lang="en-US">
+                    <a:noFill/>
+                  </a:rPr>
+                  <a:t> </a:t>
+                </a:r>
+              </a:p>
+            </p:txBody>
+          </p:sp>
+        </mc:Fallback>
+      </mc:AlternateContent>
+    </p:spTree>
+    <p:extLst>
+      <p:ext uri="{BB962C8B-B14F-4D97-AF65-F5344CB8AC3E}">
+        <p14:creationId xmlns:p14="http://schemas.microsoft.com/office/powerpoint/2010/main" val="1670427101"/>
+      </p:ext>
+    </p:extLst>
+  </p:cSld>
+  <p:clrMapOvr>
+    <a:masterClrMapping/>
+  </p:clrMapOvr>
+  <p:transition spd="med"/>
+</p:sld>
+</file>
+
+<file path=ppt/slides/slide24.xml><?xml version="1.0" encoding="utf-8"?>
+<p:sld xmlns:a="http://schemas.openxmlformats.org/drawingml/2006/main" xmlns:r="http://schemas.openxmlformats.org/officeDocument/2006/relationships" xmlns:p="http://schemas.openxmlformats.org/presentationml/2006/main">
+  <p:cSld>
+    <p:spTree>
+      <p:nvGrpSpPr>
+        <p:cNvPr id="1" name="">
+          <a:extLst>
+            <a:ext uri="{FF2B5EF4-FFF2-40B4-BE49-F238E27FC236}">
+              <a16:creationId xmlns:a16="http://schemas.microsoft.com/office/drawing/2014/main" id="{61BDE5A3-4ED1-AE77-803B-9DF34E4E7FF5}"/>
+            </a:ext>
+          </a:extLst>
+        </p:cNvPr>
+        <p:cNvGrpSpPr/>
+        <p:nvPr/>
+      </p:nvGrpSpPr>
+      <p:grpSpPr>
+        <a:xfrm>
+          <a:off x="0" y="0"/>
+          <a:ext cx="0" cy="0"/>
+          <a:chOff x="0" y="0"/>
+          <a:chExt cx="0" cy="0"/>
+        </a:xfrm>
+      </p:grpSpPr>
+      <p:sp>
+        <p:nvSpPr>
+          <p:cNvPr id="3" name="Title 2">
+            <a:extLst>
+              <a:ext uri="{FF2B5EF4-FFF2-40B4-BE49-F238E27FC236}">
+                <a16:creationId xmlns:a16="http://schemas.microsoft.com/office/drawing/2014/main" id="{43AC3843-13D7-D1B3-87D5-A6BE02F372A6}"/>
+              </a:ext>
+            </a:extLst>
+          </p:cNvPr>
+          <p:cNvSpPr>
+            <a:spLocks noGrp="1"/>
+          </p:cNvSpPr>
+          <p:nvPr>
+            <p:ph type="title"/>
+          </p:nvPr>
+        </p:nvSpPr>
+        <p:spPr>
+          <a:xfrm>
+            <a:off x="609599" y="2505076"/>
+            <a:ext cx="7531101" cy="1811634"/>
+          </a:xfrm>
+        </p:spPr>
+        <p:txBody>
+          <a:bodyPr anchor="b">
+            <a:normAutofit/>
+          </a:bodyPr>
+          <a:lstStyle/>
+          <a:p>
+            <a:r>
+              <a:rPr lang="en-US" sz="3600" dirty="0">
+                <a:solidFill>
+                  <a:schemeClr val="accent2"/>
+                </a:solidFill>
+              </a:rPr>
+              <a:t>Takeaway</a:t>
+            </a:r>
+          </a:p>
+        </p:txBody>
+      </p:sp>
+      <p:sp>
+        <p:nvSpPr>
+          <p:cNvPr id="9" name="Text Placeholder 2">
+            <a:extLst>
+              <a:ext uri="{FF2B5EF4-FFF2-40B4-BE49-F238E27FC236}">
+                <a16:creationId xmlns:a16="http://schemas.microsoft.com/office/drawing/2014/main" id="{1BC31E98-DB77-0D05-3C84-8C6E385C6CFD}"/>
+              </a:ext>
+            </a:extLst>
+          </p:cNvPr>
+          <p:cNvSpPr>
+            <a:spLocks noGrp="1"/>
+          </p:cNvSpPr>
+          <p:nvPr>
+            <p:ph type="body" idx="1"/>
+          </p:nvPr>
+        </p:nvSpPr>
+        <p:spPr>
+          <a:xfrm>
+            <a:off x="609599" y="4538664"/>
+            <a:ext cx="7531101" cy="1500187"/>
+          </a:xfrm>
+        </p:spPr>
+        <p:txBody>
+          <a:bodyPr/>
+          <a:lstStyle/>
+          <a:p>
+            <a:endParaRPr lang="en-US" dirty="0"/>
+          </a:p>
+        </p:txBody>
+      </p:sp>
+      <p:sp>
+        <p:nvSpPr>
+          <p:cNvPr id="2" name="Slide Number Placeholder 1" hidden="1">
+            <a:extLst>
+              <a:ext uri="{FF2B5EF4-FFF2-40B4-BE49-F238E27FC236}">
+                <a16:creationId xmlns:a16="http://schemas.microsoft.com/office/drawing/2014/main" id="{2C255403-F7C5-75E2-A997-56C214149F2B}"/>
+              </a:ext>
+            </a:extLst>
+          </p:cNvPr>
+          <p:cNvSpPr>
+            <a:spLocks noGrp="1"/>
+          </p:cNvSpPr>
+          <p:nvPr>
+            <p:ph type="sldNum" sz="quarter" idx="4294967295"/>
+          </p:nvPr>
+        </p:nvSpPr>
+        <p:spPr>
+          <a:xfrm>
+            <a:off x="11792605" y="6689752"/>
+            <a:ext cx="609600" cy="168248"/>
+          </a:xfrm>
+        </p:spPr>
+        <p:txBody>
+          <a:bodyPr/>
+          <a:lstStyle/>
+          <a:p>
+            <a:pPr>
+              <a:spcAft>
+                <a:spcPts val="600"/>
+              </a:spcAft>
+            </a:pPr>
+            <a:fld id="{01747F32-3477-4169-AB69-F0FD91D6B2FE}" type="slidenum">
+              <a:rPr lang="en-US" smtClean="0"/>
+              <a:pPr>
+                <a:spcAft>
+                  <a:spcPts val="600"/>
+                </a:spcAft>
+              </a:pPr>
+              <a:t>24</a:t>
+            </a:fld>
+            <a:endParaRPr lang="en-US"/>
+          </a:p>
+        </p:txBody>
+      </p:sp>
+    </p:spTree>
+    <p:extLst>
+      <p:ext uri="{BB962C8B-B14F-4D97-AF65-F5344CB8AC3E}">
+        <p14:creationId xmlns:p14="http://schemas.microsoft.com/office/powerpoint/2010/main" val="140870203"/>
+      </p:ext>
+    </p:extLst>
+  </p:cSld>
+  <p:clrMapOvr>
+    <a:masterClrMapping/>
+  </p:clrMapOvr>
+</p:sld>
+</file>
+
+<file path=ppt/slides/slide25.xml><?xml version="1.0" encoding="utf-8"?>
+<p:sld xmlns:a="http://schemas.openxmlformats.org/drawingml/2006/main" xmlns:r="http://schemas.openxmlformats.org/officeDocument/2006/relationships" xmlns:p="http://schemas.openxmlformats.org/presentationml/2006/main">
+  <p:cSld>
+    <p:spTree>
+      <p:nvGrpSpPr>
+        <p:cNvPr id="1" name="">
+          <a:extLst>
+            <a:ext uri="{FF2B5EF4-FFF2-40B4-BE49-F238E27FC236}">
+              <a16:creationId xmlns:a16="http://schemas.microsoft.com/office/drawing/2014/main" id="{9379799F-3641-6914-CC26-AC71A261EA35}"/>
+            </a:ext>
+          </a:extLst>
+        </p:cNvPr>
+        <p:cNvGrpSpPr/>
+        <p:nvPr/>
+      </p:nvGrpSpPr>
+      <p:grpSpPr>
+        <a:xfrm>
+          <a:off x="0" y="0"/>
+          <a:ext cx="0" cy="0"/>
+          <a:chOff x="0" y="0"/>
+          <a:chExt cx="0" cy="0"/>
+        </a:xfrm>
+      </p:grpSpPr>
+      <p:sp>
+        <p:nvSpPr>
+          <p:cNvPr id="2" name="Slide Number Placeholder 1">
+            <a:extLst>
+              <a:ext uri="{FF2B5EF4-FFF2-40B4-BE49-F238E27FC236}">
+                <a16:creationId xmlns:a16="http://schemas.microsoft.com/office/drawing/2014/main" id="{B149E9DF-0B71-3FC6-27C3-E81605C18E29}"/>
+              </a:ext>
+            </a:extLst>
+          </p:cNvPr>
+          <p:cNvSpPr>
+            <a:spLocks noGrp="1"/>
+          </p:cNvSpPr>
+          <p:nvPr>
+            <p:ph type="sldNum" sz="quarter" idx="4"/>
+          </p:nvPr>
+        </p:nvSpPr>
+        <p:spPr/>
+        <p:txBody>
+          <a:bodyPr/>
+          <a:lstStyle/>
+          <a:p>
+            <a:fld id="{01747F32-3477-4169-AB69-F0FD91D6B2FE}" type="slidenum">
+              <a:rPr lang="en-US" smtClean="0"/>
+              <a:pPr/>
+              <a:t>25</a:t>
+            </a:fld>
+            <a:endParaRPr lang="en-US" dirty="0"/>
+          </a:p>
+        </p:txBody>
+      </p:sp>
+      <p:sp>
+        <p:nvSpPr>
+          <p:cNvPr id="3" name="Title 2">
+            <a:extLst>
+              <a:ext uri="{FF2B5EF4-FFF2-40B4-BE49-F238E27FC236}">
+                <a16:creationId xmlns:a16="http://schemas.microsoft.com/office/drawing/2014/main" id="{81CF0F3A-F150-71B9-2800-170FB3FC564E}"/>
+              </a:ext>
+            </a:extLst>
+          </p:cNvPr>
+          <p:cNvSpPr>
+            <a:spLocks noGrp="1"/>
+          </p:cNvSpPr>
+          <p:nvPr>
+            <p:ph type="title"/>
+          </p:nvPr>
+        </p:nvSpPr>
+        <p:spPr/>
+        <p:txBody>
+          <a:bodyPr>
+            <a:normAutofit/>
+          </a:bodyPr>
+          <a:lstStyle/>
+          <a:p>
+            <a:r>
+              <a:rPr lang="en-US" dirty="0"/>
+              <a:t>Takeaway</a:t>
+            </a:r>
+          </a:p>
+        </p:txBody>
+      </p:sp>
+      <p:sp>
+        <p:nvSpPr>
+          <p:cNvPr id="4" name="TextBox 3">
+            <a:extLst>
+              <a:ext uri="{FF2B5EF4-FFF2-40B4-BE49-F238E27FC236}">
+                <a16:creationId xmlns:a16="http://schemas.microsoft.com/office/drawing/2014/main" id="{D36423EB-72CA-E0F0-FC0F-76D059CB2CAF}"/>
+              </a:ext>
+            </a:extLst>
+          </p:cNvPr>
+          <p:cNvSpPr txBox="1"/>
+          <p:nvPr/>
+        </p:nvSpPr>
+        <p:spPr>
+          <a:xfrm>
+            <a:off x="609600" y="1200150"/>
+            <a:ext cx="9972675" cy="1754326"/>
+          </a:xfrm>
+          <a:prstGeom prst="rect">
+            <a:avLst/>
+          </a:prstGeom>
+          <a:noFill/>
+        </p:spPr>
+        <p:txBody>
+          <a:bodyPr wrap="square" rtlCol="0">
+            <a:spAutoFit/>
+          </a:bodyPr>
+          <a:lstStyle/>
+          <a:p>
+            <a:pPr marL="342900" indent="-342900">
+              <a:buFont typeface="+mj-lt"/>
+              <a:buAutoNum type="arabicPeriod"/>
+            </a:pPr>
+            <a:r>
+              <a:rPr lang="en-US" dirty="0"/>
+              <a:t>Always </a:t>
+            </a:r>
+            <a:r>
+              <a:rPr lang="en-US" dirty="0" err="1"/>
+              <a:t>Always</a:t>
+            </a:r>
+            <a:r>
+              <a:rPr lang="en-US" dirty="0"/>
+              <a:t> </a:t>
+            </a:r>
+            <a:r>
+              <a:rPr lang="en-US" dirty="0" err="1"/>
+              <a:t>Always</a:t>
+            </a:r>
+            <a:r>
+              <a:rPr lang="en-US" dirty="0"/>
+              <a:t> </a:t>
+            </a:r>
+            <a:r>
+              <a:rPr lang="en-US" dirty="0">
+                <a:solidFill>
+                  <a:srgbClr val="FF0000"/>
+                </a:solidFill>
+              </a:rPr>
+              <a:t>document everything</a:t>
+            </a:r>
+          </a:p>
+          <a:p>
+            <a:pPr marL="342900" indent="-342900">
+              <a:buFont typeface="+mj-lt"/>
+              <a:buAutoNum type="arabicPeriod"/>
+            </a:pPr>
+            <a:endParaRPr lang="en-US" dirty="0">
+              <a:solidFill>
+                <a:srgbClr val="FF0000"/>
+              </a:solidFill>
+            </a:endParaRPr>
+          </a:p>
+          <a:p>
+            <a:pPr marL="342900" indent="-342900">
+              <a:buFont typeface="+mj-lt"/>
+              <a:buAutoNum type="arabicPeriod"/>
+            </a:pPr>
+            <a:r>
+              <a:rPr lang="en-US" dirty="0"/>
+              <a:t>Simple Eval-board Design = Robust </a:t>
+            </a:r>
+            <a:r>
+              <a:rPr lang="en-US" dirty="0">
+                <a:solidFill>
+                  <a:srgbClr val="FF0000"/>
+                </a:solidFill>
+              </a:rPr>
+              <a:t>Debuggability &amp; </a:t>
+            </a:r>
+            <a:r>
+              <a:rPr lang="en-US" dirty="0" err="1">
+                <a:solidFill>
+                  <a:srgbClr val="FF0000"/>
+                </a:solidFill>
+              </a:rPr>
+              <a:t>Reconfigurality</a:t>
+            </a:r>
+            <a:endParaRPr lang="en-US" dirty="0">
+              <a:solidFill>
+                <a:srgbClr val="FF0000"/>
+              </a:solidFill>
+            </a:endParaRPr>
+          </a:p>
+          <a:p>
+            <a:pPr marL="342900" indent="-342900">
+              <a:buFont typeface="+mj-lt"/>
+              <a:buAutoNum type="arabicPeriod"/>
+            </a:pPr>
+            <a:endParaRPr lang="en-US" dirty="0">
+              <a:solidFill>
+                <a:srgbClr val="FF0000"/>
+              </a:solidFill>
+            </a:endParaRPr>
+          </a:p>
+          <a:p>
+            <a:pPr marL="342900" indent="-342900">
+              <a:buFont typeface="+mj-lt"/>
+              <a:buAutoNum type="arabicPeriod"/>
+            </a:pPr>
+            <a:r>
+              <a:rPr lang="en-US" dirty="0">
+                <a:solidFill>
+                  <a:srgbClr val="FF0000"/>
+                </a:solidFill>
+              </a:rPr>
+              <a:t>Cross-check</a:t>
+            </a:r>
+            <a:r>
+              <a:rPr lang="en-US" dirty="0"/>
+              <a:t> everything with partners</a:t>
+            </a:r>
+          </a:p>
+          <a:p>
+            <a:pPr marL="342900" indent="-342900">
+              <a:buFont typeface="+mj-lt"/>
+              <a:buAutoNum type="arabicPeriod"/>
+            </a:pPr>
+            <a:endParaRPr lang="en-US" dirty="0"/>
+          </a:p>
+        </p:txBody>
+      </p:sp>
+    </p:spTree>
+    <p:extLst>
+      <p:ext uri="{BB962C8B-B14F-4D97-AF65-F5344CB8AC3E}">
+        <p14:creationId xmlns:p14="http://schemas.microsoft.com/office/powerpoint/2010/main" val="3955138485"/>
+      </p:ext>
+    </p:extLst>
+  </p:cSld>
+  <p:clrMapOvr>
+    <a:masterClrMapping/>
+  </p:clrMapOvr>
+  <p:transition spd="med"/>
+</p:sld>
+</file>
+
+<file path=ppt/slides/slide26.xml><?xml version="1.0" encoding="utf-8"?>
+<p:sld xmlns:a="http://schemas.openxmlformats.org/drawingml/2006/main" xmlns:r="http://schemas.openxmlformats.org/officeDocument/2006/relationships" xmlns:p="http://schemas.openxmlformats.org/presentationml/2006/main">
+  <p:cSld>
+    <p:spTree>
+      <p:nvGrpSpPr>
+        <p:cNvPr id="1" name="">
+          <a:extLst>
+            <a:ext uri="{FF2B5EF4-FFF2-40B4-BE49-F238E27FC236}">
+              <a16:creationId xmlns:a16="http://schemas.microsoft.com/office/drawing/2014/main" id="{5073C8EF-8827-5432-AC1C-8A953FAD7816}"/>
+            </a:ext>
+          </a:extLst>
+        </p:cNvPr>
+        <p:cNvGrpSpPr/>
+        <p:nvPr/>
+      </p:nvGrpSpPr>
+      <p:grpSpPr>
+        <a:xfrm>
+          <a:off x="0" y="0"/>
+          <a:ext cx="0" cy="0"/>
+          <a:chOff x="0" y="0"/>
+          <a:chExt cx="0" cy="0"/>
+        </a:xfrm>
+      </p:grpSpPr>
+      <p:sp>
+        <p:nvSpPr>
+          <p:cNvPr id="2" name="Slide Number Placeholder 1">
+            <a:extLst>
+              <a:ext uri="{FF2B5EF4-FFF2-40B4-BE49-F238E27FC236}">
+                <a16:creationId xmlns:a16="http://schemas.microsoft.com/office/drawing/2014/main" id="{6EEBE4BA-0DA1-7F8E-D4F1-FDF4F7DD97F3}"/>
+              </a:ext>
+            </a:extLst>
+          </p:cNvPr>
+          <p:cNvSpPr>
+            <a:spLocks noGrp="1"/>
+          </p:cNvSpPr>
+          <p:nvPr>
+            <p:ph type="sldNum" sz="quarter" idx="4"/>
+          </p:nvPr>
+        </p:nvSpPr>
+        <p:spPr/>
+        <p:txBody>
+          <a:bodyPr/>
+          <a:lstStyle/>
+          <a:p>
+            <a:fld id="{01747F32-3477-4169-AB69-F0FD91D6B2FE}" type="slidenum">
+              <a:rPr lang="en-US" smtClean="0"/>
+              <a:pPr/>
+              <a:t>26</a:t>
+            </a:fld>
+            <a:endParaRPr lang="en-US" dirty="0"/>
+          </a:p>
+        </p:txBody>
+      </p:sp>
+      <p:sp>
+        <p:nvSpPr>
+          <p:cNvPr id="3" name="Title 2">
+            <a:extLst>
+              <a:ext uri="{FF2B5EF4-FFF2-40B4-BE49-F238E27FC236}">
+                <a16:creationId xmlns:a16="http://schemas.microsoft.com/office/drawing/2014/main" id="{A7B990B7-F6D1-B78F-4795-E5073500A829}"/>
+              </a:ext>
+            </a:extLst>
+          </p:cNvPr>
+          <p:cNvSpPr>
+            <a:spLocks noGrp="1"/>
+          </p:cNvSpPr>
+          <p:nvPr>
+            <p:ph type="title"/>
+          </p:nvPr>
+        </p:nvSpPr>
+        <p:spPr/>
+        <p:txBody>
+          <a:bodyPr>
+            <a:normAutofit/>
+          </a:bodyPr>
+          <a:lstStyle/>
+          <a:p>
+            <a:r>
+              <a:rPr lang="en-US" dirty="0"/>
+              <a:t>Acknowledgement</a:t>
+            </a:r>
+          </a:p>
+        </p:txBody>
+      </p:sp>
+      <p:sp>
+        <p:nvSpPr>
+          <p:cNvPr id="4" name="TextBox 3">
+            <a:extLst>
+              <a:ext uri="{FF2B5EF4-FFF2-40B4-BE49-F238E27FC236}">
+                <a16:creationId xmlns:a16="http://schemas.microsoft.com/office/drawing/2014/main" id="{C73A7416-4F87-8BB4-9217-142796F81DA4}"/>
+              </a:ext>
+            </a:extLst>
+          </p:cNvPr>
+          <p:cNvSpPr txBox="1"/>
+          <p:nvPr/>
+        </p:nvSpPr>
+        <p:spPr>
+          <a:xfrm>
+            <a:off x="609600" y="1200150"/>
+            <a:ext cx="10939463" cy="4062651"/>
+          </a:xfrm>
+          <a:prstGeom prst="rect">
+            <a:avLst/>
+          </a:prstGeom>
+          <a:noFill/>
+        </p:spPr>
+        <p:txBody>
+          <a:bodyPr wrap="square" rtlCol="0">
+            <a:spAutoFit/>
+          </a:bodyPr>
+          <a:lstStyle/>
+          <a:p>
+            <a:pPr marL="342900" indent="-342900">
+              <a:buFont typeface="Arial" panose="020B0604020202020204" pitchFamily="34" charset="0"/>
+              <a:buChar char="•"/>
+            </a:pPr>
+            <a:r>
+              <a:rPr lang="en-US" sz="2400" dirty="0"/>
+              <a:t>Prof. Hall</a:t>
+            </a:r>
+          </a:p>
+          <a:p>
+            <a:pPr marL="800100" lvl="1" indent="-342900">
+              <a:buFont typeface="Arial" panose="020B0604020202020204" pitchFamily="34" charset="0"/>
+              <a:buChar char="•"/>
+            </a:pPr>
+            <a:r>
+              <a:rPr lang="en-US" sz="2400" dirty="0"/>
+              <a:t>For running this 6-months course/projects</a:t>
+            </a:r>
+          </a:p>
+          <a:p>
+            <a:pPr marL="800100" lvl="1" indent="-342900">
+              <a:buFont typeface="Arial" panose="020B0604020202020204" pitchFamily="34" charset="0"/>
+              <a:buChar char="•"/>
+            </a:pPr>
+            <a:r>
+              <a:rPr lang="en-US" sz="2400" dirty="0"/>
+              <a:t>Helping us debug the problems</a:t>
+            </a:r>
+          </a:p>
+          <a:p>
+            <a:pPr marL="342900" indent="-342900">
+              <a:buFont typeface="Arial" panose="020B0604020202020204" pitchFamily="34" charset="0"/>
+              <a:buChar char="•"/>
+            </a:pPr>
+            <a:r>
+              <a:rPr lang="en-US" sz="2400" dirty="0"/>
+              <a:t>TA: Darshan</a:t>
+            </a:r>
+          </a:p>
+          <a:p>
+            <a:pPr marL="800100" lvl="1" indent="-342900">
+              <a:buFont typeface="Arial" panose="020B0604020202020204" pitchFamily="34" charset="0"/>
+              <a:buChar char="•"/>
+            </a:pPr>
+            <a:r>
+              <a:rPr lang="en-US" sz="2400" dirty="0"/>
+              <a:t>Supporting the Lab work</a:t>
+            </a:r>
+          </a:p>
+          <a:p>
+            <a:pPr marL="800100" lvl="1" indent="-342900">
+              <a:buFont typeface="Arial" panose="020B0604020202020204" pitchFamily="34" charset="0"/>
+              <a:buChar char="•"/>
+            </a:pPr>
+            <a:r>
+              <a:rPr lang="en-US" sz="2400" dirty="0"/>
+              <a:t>Extending the Lab Hours</a:t>
+            </a:r>
+          </a:p>
+          <a:p>
+            <a:pPr marL="342900" indent="-342900">
+              <a:buFont typeface="Arial" panose="020B0604020202020204" pitchFamily="34" charset="0"/>
+              <a:buChar char="•"/>
+            </a:pPr>
+            <a:r>
+              <a:rPr lang="en-US" sz="2400" dirty="0"/>
+              <a:t>Apple</a:t>
+            </a:r>
+          </a:p>
+          <a:p>
+            <a:pPr marL="800100" lvl="1" indent="-342900">
+              <a:buFont typeface="Arial" panose="020B0604020202020204" pitchFamily="34" charset="0"/>
+              <a:buChar char="•"/>
+            </a:pPr>
+            <a:r>
+              <a:rPr lang="en-US" sz="2400" dirty="0"/>
+              <a:t>For sponsoring this projects, buying the chips, PCBs, </a:t>
+            </a:r>
+            <a:r>
+              <a:rPr lang="en-US" sz="2400" dirty="0" err="1"/>
+              <a:t>components,etc</a:t>
+            </a:r>
+            <a:endParaRPr lang="en-US" sz="2400" dirty="0"/>
+          </a:p>
+          <a:p>
+            <a:pPr marL="342900" indent="-342900">
+              <a:buFont typeface="Arial" panose="020B0604020202020204" pitchFamily="34" charset="0"/>
+              <a:buChar char="•"/>
+            </a:pPr>
+            <a:r>
+              <a:rPr lang="en-US" sz="2400" dirty="0"/>
+              <a:t>Keysight</a:t>
+            </a:r>
+          </a:p>
+          <a:p>
+            <a:pPr marL="800100" lvl="1" indent="-342900">
+              <a:buFont typeface="Arial" panose="020B0604020202020204" pitchFamily="34" charset="0"/>
+              <a:buChar char="•"/>
+            </a:pPr>
+            <a:r>
+              <a:rPr lang="en-US" sz="2400" dirty="0"/>
+              <a:t>Instruments, instrument command &amp; connection expert</a:t>
+            </a:r>
+          </a:p>
+          <a:p>
+            <a:pPr marL="800100" lvl="1" indent="-342900">
+              <a:buFont typeface="+mj-lt"/>
+              <a:buAutoNum type="arabicPeriod"/>
+            </a:pPr>
+            <a:endParaRPr lang="en-US" dirty="0"/>
+          </a:p>
+        </p:txBody>
+      </p:sp>
+    </p:spTree>
+    <p:extLst>
+      <p:ext uri="{BB962C8B-B14F-4D97-AF65-F5344CB8AC3E}">
+        <p14:creationId xmlns:p14="http://schemas.microsoft.com/office/powerpoint/2010/main" val="2544313305"/>
       </p:ext>
     </p:extLst>
   </p:cSld>
@@ -11647,7 +17134,7 @@
                   <a:srgbClr val="00B050"/>
                 </a:solidFill>
               </a:rPr>
-              <a:t> ECE266A - 9-bit high speed SAR ADC</a:t>
+              <a:t> ECE266A - 9-bit high speed(Fs = 10M Hz) SAR ADC</a:t>
             </a:r>
           </a:p>
           <a:p>
@@ -11715,7 +17202,10 @@
               <a:rPr lang="en-US" sz="2000" dirty="0" err="1"/>
               <a:t>DeCaps</a:t>
             </a:r>
-            <a:endParaRPr lang="en-US" sz="2000" dirty="0"/>
+            <a:r>
+              <a:rPr lang="en-US" sz="2000" dirty="0"/>
+              <a:t>, wavier submission</a:t>
+            </a:r>
           </a:p>
           <a:p>
             <a:pPr marL="342900" indent="-342900">
@@ -11814,7 +17304,7 @@
                   </a:schemeClr>
                 </a:solidFill>
               </a:rPr>
-              <a:t> Device characterization &amp; Automation</a:t>
+              <a:t> Device characterization &amp; Test - Automation</a:t>
             </a:r>
           </a:p>
           <a:p>
@@ -12100,8 +17590,8 @@
           </a:p>
         </p:txBody>
       </p:sp>
-      <mc:AlternateContent xmlns:mc="http://schemas.openxmlformats.org/markup-compatibility/2006">
-        <mc:Choice xmlns:a14="http://schemas.microsoft.com/office/drawing/2010/main" Requires="a14">
+      <mc:AlternateContent xmlns:mc="http://schemas.openxmlformats.org/markup-compatibility/2006" xmlns:a14="http://schemas.microsoft.com/office/drawing/2010/main">
+        <mc:Choice Requires="a14">
           <p:graphicFrame>
             <p:nvGraphicFramePr>
               <p:cNvPr id="5" name="Table 4">
@@ -12272,19 +17762,7 @@
                                     <a:rPr lang="en-US" b="0" i="1" smtClean="0">
                                       <a:latin typeface="Cambria Math" panose="02040503050406030204" pitchFamily="18" charset="0"/>
                                     </a:rPr>
-                                    <m:t>𝑆</m:t>
-                                  </m:r>
-                                  <m:r>
-                                    <a:rPr lang="en-US" b="0" i="1" smtClean="0">
-                                      <a:latin typeface="Cambria Math" panose="02040503050406030204" pitchFamily="18" charset="0"/>
-                                    </a:rPr>
-                                    <m:t>𝐹</m:t>
-                                  </m:r>
-                                  <m:r>
-                                    <a:rPr lang="en-US" b="0" i="1" smtClean="0">
-                                      <a:latin typeface="Cambria Math" panose="02040503050406030204" pitchFamily="18" charset="0"/>
-                                    </a:rPr>
-                                    <m:t>𝐷𝑅</m:t>
+                                    <m:t>𝑆𝐹𝐷𝑅</m:t>
                                   </m:r>
                                 </m:e>
                                 <m:sub>
@@ -12348,13 +17826,7 @@
                                     <a:rPr lang="en-US" b="0" i="1" smtClean="0">
                                       <a:latin typeface="Cambria Math" panose="02040503050406030204" pitchFamily="18" charset="0"/>
                                     </a:rPr>
-                                    <m:t>𝑆</m:t>
-                                  </m:r>
-                                  <m:r>
-                                    <a:rPr lang="en-US" b="0" i="1" smtClean="0">
-                                      <a:latin typeface="Cambria Math" panose="02040503050406030204" pitchFamily="18" charset="0"/>
-                                    </a:rPr>
-                                    <m:t>𝑁𝑅</m:t>
+                                    <m:t>𝑆𝑁𝑅</m:t>
                                   </m:r>
                                 </m:e>
                                 <m:sub>
@@ -12541,7 +18013,7 @@
             </a:graphic>
           </p:graphicFrame>
         </mc:Choice>
-        <mc:Fallback>
+        <mc:Fallback xmlns="">
           <p:graphicFrame>
             <p:nvGraphicFramePr>
               <p:cNvPr id="5" name="Table 4">
@@ -14578,6 +20050,24 @@
 </file>
 
 <file path=customXml/item1.xml><?xml version="1.0" encoding="utf-8"?>
+<?mso-contentType ?>
+<FormTemplates xmlns="http://schemas.microsoft.com/sharepoint/v3/contenttype/forms">
+  <Display>DocumentLibraryForm</Display>
+  <Edit>DocumentLibraryForm</Edit>
+  <New>DocumentLibraryForm</New>
+</FormTemplates>
+</file>
+
+<file path=customXml/item2.xml><?xml version="1.0" encoding="utf-8"?>
+<p:properties xmlns:p="http://schemas.microsoft.com/office/2006/metadata/properties" xmlns:xsi="http://www.w3.org/2001/XMLSchema-instance">
+  <documentManagement>
+    <PublishingExpirationDate xmlns="http://schemas.microsoft.com/sharepoint/v3" xsi:nil="true"/>
+    <PublishingStartDate xmlns="http://schemas.microsoft.com/sharepoint/v3" xsi:nil="true"/>
+  </documentManagement>
+</p:properties>
+</file>
+
+<file path=customXml/item3.xml><?xml version="1.0" encoding="utf-8"?>
 <ct:contentTypeSchema xmlns:ct="http://schemas.microsoft.com/office/2006/metadata/contentType" xmlns:ma="http://schemas.microsoft.com/office/2006/metadata/properties/metaAttributes" ct:_="" ma:_="" ma:contentTypeName="Document" ma:contentTypeID="0x010100BF7F23520614C4448AB108F2D6A45B8B" ma:contentTypeVersion="1" ma:contentTypeDescription="Create a new document." ma:contentTypeScope="" ma:versionID="9650ba5f11c7b85ea59a781796335e27">
   <xsd:schema xmlns:xsd="http://www.w3.org/2001/XMLSchema" xmlns:p="http://schemas.microsoft.com/office/2006/metadata/properties" xmlns:ns1="http://schemas.microsoft.com/sharepoint/v3" targetNamespace="http://schemas.microsoft.com/office/2006/metadata/properties" ma:root="true" ma:fieldsID="ddb0c952b897a810c8a4e377cff6bff8" ns1:_="">
     <xsd:import namespace="http://schemas.microsoft.com/sharepoint/v3"/>
@@ -14643,37 +20133,10 @@
 </ct:contentTypeSchema>
 </file>
 
-<file path=customXml/item2.xml><?xml version="1.0" encoding="utf-8"?>
-<p:properties xmlns:p="http://schemas.microsoft.com/office/2006/metadata/properties" xmlns:xsi="http://www.w3.org/2001/XMLSchema-instance">
-  <documentManagement>
-    <PublishingExpirationDate xmlns="http://schemas.microsoft.com/sharepoint/v3" xsi:nil="true"/>
-    <PublishingStartDate xmlns="http://schemas.microsoft.com/sharepoint/v3" xsi:nil="true"/>
-  </documentManagement>
-</p:properties>
-</file>
-
-<file path=customXml/item3.xml><?xml version="1.0" encoding="utf-8"?>
-<?mso-contentType ?>
-<FormTemplates xmlns="http://schemas.microsoft.com/sharepoint/v3/contenttype/forms">
-  <Display>DocumentLibraryForm</Display>
-  <Edit>DocumentLibraryForm</Edit>
-  <New>DocumentLibraryForm</New>
-</FormTemplates>
-</file>
-
 <file path=customXml/itemProps1.xml><?xml version="1.0" encoding="utf-8"?>
-<ds:datastoreItem xmlns:ds="http://schemas.openxmlformats.org/officeDocument/2006/customXml" ds:itemID="{76A6C8BC-E7F4-4607-8D4F-22ADE6CDF89B}">
+<ds:datastoreItem xmlns:ds="http://schemas.openxmlformats.org/officeDocument/2006/customXml" ds:itemID="{7AD4A5D1-6C39-4CF2-AD01-FDC869E2B402}">
   <ds:schemaRefs>
-    <ds:schemaRef ds:uri="http://schemas.microsoft.com/office/2006/metadata/contentType"/>
-    <ds:schemaRef ds:uri="http://schemas.microsoft.com/office/2006/metadata/properties/metaAttributes"/>
-    <ds:schemaRef ds:uri="http://www.w3.org/2001/XMLSchema"/>
-    <ds:schemaRef ds:uri="http://schemas.microsoft.com/office/2006/metadata/properties"/>
-    <ds:schemaRef ds:uri="http://schemas.microsoft.com/sharepoint/v3"/>
-    <ds:schemaRef ds:uri="http://schemas.microsoft.com/office/2006/documentManagement/types"/>
-    <ds:schemaRef ds:uri="http://schemas.openxmlformats.org/package/2006/metadata/core-properties"/>
-    <ds:schemaRef ds:uri="http://purl.org/dc/elements/1.1/"/>
-    <ds:schemaRef ds:uri="http://purl.org/dc/terms/"/>
-    <ds:schemaRef ds:uri="http://schemas.microsoft.com/office/internal/2005/internalDocumentation"/>
+    <ds:schemaRef ds:uri="http://schemas.microsoft.com/sharepoint/v3/contenttype/forms"/>
   </ds:schemaRefs>
 </ds:datastoreItem>
 </file>
@@ -14694,9 +20157,18 @@
 </file>
 
 <file path=customXml/itemProps3.xml><?xml version="1.0" encoding="utf-8"?>
-<ds:datastoreItem xmlns:ds="http://schemas.openxmlformats.org/officeDocument/2006/customXml" ds:itemID="{7AD4A5D1-6C39-4CF2-AD01-FDC869E2B402}">
+<ds:datastoreItem xmlns:ds="http://schemas.openxmlformats.org/officeDocument/2006/customXml" ds:itemID="{76A6C8BC-E7F4-4607-8D4F-22ADE6CDF89B}">
   <ds:schemaRefs>
-    <ds:schemaRef ds:uri="http://schemas.microsoft.com/sharepoint/v3/contenttype/forms"/>
+    <ds:schemaRef ds:uri="http://schemas.microsoft.com/office/2006/metadata/contentType"/>
+    <ds:schemaRef ds:uri="http://schemas.microsoft.com/office/2006/metadata/properties/metaAttributes"/>
+    <ds:schemaRef ds:uri="http://www.w3.org/2001/XMLSchema"/>
+    <ds:schemaRef ds:uri="http://schemas.microsoft.com/office/2006/metadata/properties"/>
+    <ds:schemaRef ds:uri="http://schemas.microsoft.com/sharepoint/v3"/>
+    <ds:schemaRef ds:uri="http://schemas.microsoft.com/office/2006/documentManagement/types"/>
+    <ds:schemaRef ds:uri="http://schemas.openxmlformats.org/package/2006/metadata/core-properties"/>
+    <ds:schemaRef ds:uri="http://purl.org/dc/elements/1.1/"/>
+    <ds:schemaRef ds:uri="http://purl.org/dc/terms/"/>
+    <ds:schemaRef ds:uri="http://schemas.microsoft.com/office/internal/2005/internalDocumentation"/>
   </ds:schemaRefs>
 </ds:datastoreItem>
 </file>